--- a/presentation/thesis.pptx
+++ b/presentation/thesis.pptx
@@ -149,9 +149,10 @@
           </c:tx>
           <c:spPr>
             <a:solidFill>
-              <a:srgbClr val="FFFF00">
-                <a:alpha val="47000"/>
-              </a:srgbClr>
+              <a:schemeClr val="accent6">
+                <a:lumMod val="75000"/>
+                <a:alpha val="54000"/>
+              </a:schemeClr>
             </a:solidFill>
             <a:ln>
               <a:solidFill>
@@ -279,7 +280,9 @@
           </c:tx>
           <c:spPr>
             <a:solidFill>
-              <a:schemeClr val="accent2"/>
+              <a:srgbClr val="C00000">
+                <a:alpha val="55000"/>
+              </a:srgbClr>
             </a:solidFill>
             <a:ln>
               <a:noFill/>
@@ -787,16 +790,79 @@
           <c:showPercent val="0"/>
           <c:showBubbleSize val="0"/>
         </c:dLbls>
-        <c:axId val="130113696"/>
-        <c:axId val="130114256"/>
+        <c:axId val="237589872"/>
+        <c:axId val="237590432"/>
       </c:areaChart>
       <c:catAx>
-        <c:axId val="130113696"/>
+        <c:axId val="237589872"/>
         <c:scaling>
           <c:orientation val="minMax"/>
         </c:scaling>
         <c:delete val="0"/>
         <c:axPos val="b"/>
+        <c:title>
+          <c:tx>
+            <c:rich>
+              <a:bodyPr rot="0" spcFirstLastPara="1" vertOverflow="ellipsis" vert="horz" wrap="square" anchor="ctr" anchorCtr="1"/>
+              <a:lstStyle/>
+              <a:p>
+                <a:pPr>
+                  <a:defRPr sz="1600" b="0" i="0" u="none" strike="noStrike" kern="1200" baseline="0">
+                    <a:solidFill>
+                      <a:schemeClr val="tx1">
+                        <a:lumMod val="65000"/>
+                        <a:lumOff val="35000"/>
+                      </a:schemeClr>
+                    </a:solidFill>
+                    <a:latin typeface="+mn-lt"/>
+                    <a:ea typeface="+mn-ea"/>
+                    <a:cs typeface="+mn-cs"/>
+                  </a:defRPr>
+                </a:pPr>
+                <a:r>
+                  <a:rPr lang="en-US" sz="1600"/>
+                  <a:t>Day</a:t>
+                </a:r>
+              </a:p>
+            </c:rich>
+          </c:tx>
+          <c:layout>
+            <c:manualLayout>
+              <c:xMode val="edge"/>
+              <c:yMode val="edge"/>
+              <c:x val="0.54634592605108967"/>
+              <c:y val="0.77854965352068384"/>
+            </c:manualLayout>
+          </c:layout>
+          <c:overlay val="0"/>
+          <c:spPr>
+            <a:noFill/>
+            <a:ln>
+              <a:noFill/>
+            </a:ln>
+            <a:effectLst/>
+          </c:spPr>
+          <c:txPr>
+            <a:bodyPr rot="0" spcFirstLastPara="1" vertOverflow="ellipsis" vert="horz" wrap="square" anchor="ctr" anchorCtr="1"/>
+            <a:lstStyle/>
+            <a:p>
+              <a:pPr>
+                <a:defRPr sz="1600" b="0" i="0" u="none" strike="noStrike" kern="1200" baseline="0">
+                  <a:solidFill>
+                    <a:schemeClr val="tx1">
+                      <a:lumMod val="65000"/>
+                      <a:lumOff val="35000"/>
+                    </a:schemeClr>
+                  </a:solidFill>
+                  <a:latin typeface="+mn-lt"/>
+                  <a:ea typeface="+mn-ea"/>
+                  <a:cs typeface="+mn-cs"/>
+                </a:defRPr>
+              </a:pPr>
+              <a:endParaRPr lang="en-US"/>
+            </a:p>
+          </c:txPr>
+        </c:title>
         <c:majorTickMark val="out"/>
         <c:minorTickMark val="none"/>
         <c:tickLblPos val="nextTo"/>
@@ -818,7 +884,7 @@
           <a:lstStyle/>
           <a:p>
             <a:pPr>
-              <a:defRPr sz="900" b="0" i="0" u="none" strike="noStrike" kern="1200" baseline="0">
+              <a:defRPr sz="1200" b="0" i="0" u="none" strike="noStrike" kern="1200" baseline="0">
                 <a:solidFill>
                   <a:schemeClr val="tx1">
                     <a:lumMod val="65000"/>
@@ -833,7 +899,7 @@
             <a:endParaRPr lang="en-US"/>
           </a:p>
         </c:txPr>
-        <c:crossAx val="130114256"/>
+        <c:crossAx val="237590432"/>
         <c:crosses val="autoZero"/>
         <c:auto val="1"/>
         <c:lblAlgn val="ctr"/>
@@ -841,7 +907,7 @@
         <c:noMultiLvlLbl val="0"/>
       </c:catAx>
       <c:valAx>
-        <c:axId val="130114256"/>
+        <c:axId val="237590432"/>
         <c:scaling>
           <c:orientation val="minMax"/>
         </c:scaling>
@@ -861,6 +927,62 @@
             <a:effectLst/>
           </c:spPr>
         </c:majorGridlines>
+        <c:title>
+          <c:tx>
+            <c:rich>
+              <a:bodyPr rot="-5400000" spcFirstLastPara="1" vertOverflow="ellipsis" vert="horz" wrap="square" anchor="ctr" anchorCtr="1"/>
+              <a:lstStyle/>
+              <a:p>
+                <a:pPr>
+                  <a:defRPr sz="1000" b="0" i="0" u="none" strike="noStrike" kern="1200" baseline="0">
+                    <a:solidFill>
+                      <a:schemeClr val="tx1">
+                        <a:lumMod val="65000"/>
+                        <a:lumOff val="35000"/>
+                      </a:schemeClr>
+                    </a:solidFill>
+                    <a:latin typeface="+mn-lt"/>
+                    <a:ea typeface="+mn-ea"/>
+                    <a:cs typeface="+mn-cs"/>
+                  </a:defRPr>
+                </a:pPr>
+                <a:r>
+                  <a:rPr lang="en-US" sz="1600" dirty="0"/>
+                  <a:t>Tweet count</a:t>
+                </a:r>
+              </a:p>
+            </c:rich>
+          </c:tx>
+          <c:layout/>
+          <c:overlay val="0"/>
+          <c:spPr>
+            <a:noFill/>
+            <a:ln>
+              <a:noFill/>
+            </a:ln>
+            <a:effectLst/>
+          </c:spPr>
+          <c:txPr>
+            <a:bodyPr rot="-5400000" spcFirstLastPara="1" vertOverflow="ellipsis" vert="horz" wrap="square" anchor="ctr" anchorCtr="1"/>
+            <a:lstStyle/>
+            <a:p>
+              <a:pPr>
+                <a:defRPr sz="1000" b="0" i="0" u="none" strike="noStrike" kern="1200" baseline="0">
+                  <a:solidFill>
+                    <a:schemeClr val="tx1">
+                      <a:lumMod val="65000"/>
+                      <a:lumOff val="35000"/>
+                    </a:schemeClr>
+                  </a:solidFill>
+                  <a:latin typeface="+mn-lt"/>
+                  <a:ea typeface="+mn-ea"/>
+                  <a:cs typeface="+mn-cs"/>
+                </a:defRPr>
+              </a:pPr>
+              <a:endParaRPr lang="en-US"/>
+            </a:p>
+          </c:txPr>
+        </c:title>
         <c:numFmt formatCode="General" sourceLinked="1"/>
         <c:majorTickMark val="none"/>
         <c:minorTickMark val="none"/>
@@ -892,7 +1014,7 @@
             <a:endParaRPr lang="en-US"/>
           </a:p>
         </c:txPr>
-        <c:crossAx val="130113696"/>
+        <c:crossAx val="237589872"/>
         <c:crosses val="autoZero"/>
         <c:crossBetween val="midCat"/>
       </c:valAx>
@@ -906,7 +1028,16 @@
     </c:plotArea>
     <c:legend>
       <c:legendPos val="b"/>
-      <c:layout/>
+      <c:layout>
+        <c:manualLayout>
+          <c:xMode val="edge"/>
+          <c:yMode val="edge"/>
+          <c:x val="0.19555031065200659"/>
+          <c:y val="4.1340982363457408E-2"/>
+          <c:w val="0.75250798758171822"/>
+          <c:h val="8.1728137617258903E-2"/>
+        </c:manualLayout>
+      </c:layout>
       <c:overlay val="0"/>
       <c:spPr>
         <a:noFill/>
@@ -920,7 +1051,7 @@
         <a:lstStyle/>
         <a:p>
           <a:pPr>
-            <a:defRPr sz="1800" b="0" i="0" u="none" strike="noStrike" kern="1200" baseline="0">
+            <a:defRPr sz="1400" b="0" i="0" u="none" strike="noStrike" kern="1200" baseline="0">
               <a:solidFill>
                 <a:schemeClr val="tx1">
                   <a:lumMod val="65000"/>
@@ -1655,7 +1786,7 @@
           <a:p>
             <a:fld id="{40A9466D-1D48-456F-8680-1F0B18548100}" type="datetimeFigureOut">
               <a:rPr lang="en-US" smtClean="0"/>
-              <a:t>10/18/2015</a:t>
+              <a:t>10/25/2015</a:t>
             </a:fld>
             <a:endParaRPr lang="en-US"/>
           </a:p>
@@ -1825,7 +1956,7 @@
           <a:p>
             <a:fld id="{40A9466D-1D48-456F-8680-1F0B18548100}" type="datetimeFigureOut">
               <a:rPr lang="en-US" smtClean="0"/>
-              <a:t>10/18/2015</a:t>
+              <a:t>10/25/2015</a:t>
             </a:fld>
             <a:endParaRPr lang="en-US"/>
           </a:p>
@@ -2005,7 +2136,7 @@
           <a:p>
             <a:fld id="{40A9466D-1D48-456F-8680-1F0B18548100}" type="datetimeFigureOut">
               <a:rPr lang="en-US" smtClean="0"/>
-              <a:t>10/18/2015</a:t>
+              <a:t>10/25/2015</a:t>
             </a:fld>
             <a:endParaRPr lang="en-US"/>
           </a:p>
@@ -2175,7 +2306,7 @@
           <a:p>
             <a:fld id="{40A9466D-1D48-456F-8680-1F0B18548100}" type="datetimeFigureOut">
               <a:rPr lang="en-US" smtClean="0"/>
-              <a:t>10/18/2015</a:t>
+              <a:t>10/25/2015</a:t>
             </a:fld>
             <a:endParaRPr lang="en-US"/>
           </a:p>
@@ -2419,7 +2550,7 @@
           <a:p>
             <a:fld id="{40A9466D-1D48-456F-8680-1F0B18548100}" type="datetimeFigureOut">
               <a:rPr lang="en-US" smtClean="0"/>
-              <a:t>10/18/2015</a:t>
+              <a:t>10/25/2015</a:t>
             </a:fld>
             <a:endParaRPr lang="en-US"/>
           </a:p>
@@ -2651,7 +2782,7 @@
           <a:p>
             <a:fld id="{40A9466D-1D48-456F-8680-1F0B18548100}" type="datetimeFigureOut">
               <a:rPr lang="en-US" smtClean="0"/>
-              <a:t>10/18/2015</a:t>
+              <a:t>10/25/2015</a:t>
             </a:fld>
             <a:endParaRPr lang="en-US"/>
           </a:p>
@@ -3018,7 +3149,7 @@
           <a:p>
             <a:fld id="{40A9466D-1D48-456F-8680-1F0B18548100}" type="datetimeFigureOut">
               <a:rPr lang="en-US" smtClean="0"/>
-              <a:t>10/18/2015</a:t>
+              <a:t>10/25/2015</a:t>
             </a:fld>
             <a:endParaRPr lang="en-US"/>
           </a:p>
@@ -3136,7 +3267,7 @@
           <a:p>
             <a:fld id="{40A9466D-1D48-456F-8680-1F0B18548100}" type="datetimeFigureOut">
               <a:rPr lang="en-US" smtClean="0"/>
-              <a:t>10/18/2015</a:t>
+              <a:t>10/25/2015</a:t>
             </a:fld>
             <a:endParaRPr lang="en-US"/>
           </a:p>
@@ -3231,7 +3362,7 @@
           <a:p>
             <a:fld id="{40A9466D-1D48-456F-8680-1F0B18548100}" type="datetimeFigureOut">
               <a:rPr lang="en-US" smtClean="0"/>
-              <a:t>10/18/2015</a:t>
+              <a:t>10/25/2015</a:t>
             </a:fld>
             <a:endParaRPr lang="en-US"/>
           </a:p>
@@ -3508,7 +3639,7 @@
           <a:p>
             <a:fld id="{40A9466D-1D48-456F-8680-1F0B18548100}" type="datetimeFigureOut">
               <a:rPr lang="en-US" smtClean="0"/>
-              <a:t>10/18/2015</a:t>
+              <a:t>10/25/2015</a:t>
             </a:fld>
             <a:endParaRPr lang="en-US"/>
           </a:p>
@@ -3765,7 +3896,7 @@
           <a:p>
             <a:fld id="{40A9466D-1D48-456F-8680-1F0B18548100}" type="datetimeFigureOut">
               <a:rPr lang="en-US" smtClean="0"/>
-              <a:t>10/18/2015</a:t>
+              <a:t>10/25/2015</a:t>
             </a:fld>
             <a:endParaRPr lang="en-US"/>
           </a:p>
@@ -3978,7 +4109,7 @@
           <a:p>
             <a:fld id="{40A9466D-1D48-456F-8680-1F0B18548100}" type="datetimeFigureOut">
               <a:rPr lang="en-US" smtClean="0"/>
-              <a:t>10/18/2015</a:t>
+              <a:t>10/25/2015</a:t>
             </a:fld>
             <a:endParaRPr lang="en-US"/>
           </a:p>
@@ -4491,21 +4622,21 @@
       </p:sp>
       <p:graphicFrame>
         <p:nvGraphicFramePr>
-          <p:cNvPr id="4" name="Chart 3"/>
+          <p:cNvPr id="5" name="Chart 4"/>
           <p:cNvGraphicFramePr>
             <a:graphicFrameLocks/>
           </p:cNvGraphicFramePr>
           <p:nvPr>
             <p:extLst>
               <p:ext uri="{D42A27DB-BD31-4B8C-83A1-F6EECF244321}">
-                <p14:modId xmlns:p14="http://schemas.microsoft.com/office/powerpoint/2010/main" val="2276622211"/>
+                <p14:modId xmlns:p14="http://schemas.microsoft.com/office/powerpoint/2010/main" val="954858769"/>
               </p:ext>
             </p:extLst>
           </p:nvPr>
         </p:nvGraphicFramePr>
         <p:xfrm>
-          <a:off x="1590262" y="2494721"/>
-          <a:ext cx="6215268" cy="3508514"/>
+          <a:off x="1596575" y="2418730"/>
+          <a:ext cx="5758381" cy="3758233"/>
         </p:xfrm>
         <a:graphic>
           <a:graphicData uri="http://schemas.openxmlformats.org/drawingml/2006/chart">

--- a/presentation/thesis.pptx
+++ b/presentation/thesis.pptx
@@ -5,7 +5,7 @@
     <p:sldMasterId id="2147483660" r:id="rId1"/>
   </p:sldMasterIdLst>
   <p:notesMasterIdLst>
-    <p:notesMasterId r:id="rId47"/>
+    <p:notesMasterId r:id="rId52"/>
   </p:notesMasterIdLst>
   <p:sldIdLst>
     <p:sldId id="258" r:id="rId2"/>
@@ -24,35 +24,40 @@
     <p:sldId id="287" r:id="rId15"/>
     <p:sldId id="289" r:id="rId16"/>
     <p:sldId id="303" r:id="rId17"/>
-    <p:sldId id="269" r:id="rId18"/>
-    <p:sldId id="310" r:id="rId19"/>
-    <p:sldId id="314" r:id="rId20"/>
-    <p:sldId id="282" r:id="rId21"/>
-    <p:sldId id="262" r:id="rId22"/>
-    <p:sldId id="279" r:id="rId23"/>
-    <p:sldId id="281" r:id="rId24"/>
-    <p:sldId id="271" r:id="rId25"/>
-    <p:sldId id="277" r:id="rId26"/>
-    <p:sldId id="291" r:id="rId27"/>
-    <p:sldId id="312" r:id="rId28"/>
-    <p:sldId id="292" r:id="rId29"/>
-    <p:sldId id="278" r:id="rId30"/>
-    <p:sldId id="276" r:id="rId31"/>
-    <p:sldId id="274" r:id="rId32"/>
-    <p:sldId id="272" r:id="rId33"/>
-    <p:sldId id="270" r:id="rId34"/>
-    <p:sldId id="298" r:id="rId35"/>
-    <p:sldId id="299" r:id="rId36"/>
-    <p:sldId id="300" r:id="rId37"/>
-    <p:sldId id="301" r:id="rId38"/>
-    <p:sldId id="302" r:id="rId39"/>
-    <p:sldId id="305" r:id="rId40"/>
-    <p:sldId id="306" r:id="rId41"/>
-    <p:sldId id="308" r:id="rId42"/>
-    <p:sldId id="309" r:id="rId43"/>
-    <p:sldId id="273" r:id="rId44"/>
-    <p:sldId id="275" r:id="rId45"/>
-    <p:sldId id="304" r:id="rId46"/>
+    <p:sldId id="315" r:id="rId18"/>
+    <p:sldId id="269" r:id="rId19"/>
+    <p:sldId id="310" r:id="rId20"/>
+    <p:sldId id="314" r:id="rId21"/>
+    <p:sldId id="282" r:id="rId22"/>
+    <p:sldId id="262" r:id="rId23"/>
+    <p:sldId id="279" r:id="rId24"/>
+    <p:sldId id="281" r:id="rId25"/>
+    <p:sldId id="271" r:id="rId26"/>
+    <p:sldId id="277" r:id="rId27"/>
+    <p:sldId id="291" r:id="rId28"/>
+    <p:sldId id="312" r:id="rId29"/>
+    <p:sldId id="316" r:id="rId30"/>
+    <p:sldId id="292" r:id="rId31"/>
+    <p:sldId id="319" r:id="rId32"/>
+    <p:sldId id="317" r:id="rId33"/>
+    <p:sldId id="278" r:id="rId34"/>
+    <p:sldId id="276" r:id="rId35"/>
+    <p:sldId id="318" r:id="rId36"/>
+    <p:sldId id="274" r:id="rId37"/>
+    <p:sldId id="272" r:id="rId38"/>
+    <p:sldId id="270" r:id="rId39"/>
+    <p:sldId id="298" r:id="rId40"/>
+    <p:sldId id="299" r:id="rId41"/>
+    <p:sldId id="300" r:id="rId42"/>
+    <p:sldId id="301" r:id="rId43"/>
+    <p:sldId id="302" r:id="rId44"/>
+    <p:sldId id="305" r:id="rId45"/>
+    <p:sldId id="306" r:id="rId46"/>
+    <p:sldId id="308" r:id="rId47"/>
+    <p:sldId id="309" r:id="rId48"/>
+    <p:sldId id="273" r:id="rId49"/>
+    <p:sldId id="275" r:id="rId50"/>
+    <p:sldId id="304" r:id="rId51"/>
   </p:sldIdLst>
   <p:sldSz cx="9144000" cy="6858000" type="screen4x3"/>
   <p:notesSz cx="6858000" cy="9144000"/>
@@ -836,11 +841,11 @@
           <c:showPercent val="0"/>
           <c:showBubbleSize val="0"/>
         </c:dLbls>
-        <c:axId val="192613712"/>
-        <c:axId val="192614272"/>
+        <c:axId val="203185216"/>
+        <c:axId val="203185776"/>
       </c:areaChart>
       <c:catAx>
-        <c:axId val="192613712"/>
+        <c:axId val="203185216"/>
         <c:scaling>
           <c:orientation val="minMax"/>
         </c:scaling>
@@ -945,7 +950,7 @@
             <a:endParaRPr lang="en-US"/>
           </a:p>
         </c:txPr>
-        <c:crossAx val="192614272"/>
+        <c:crossAx val="203185776"/>
         <c:crosses val="autoZero"/>
         <c:auto val="1"/>
         <c:lblAlgn val="ctr"/>
@@ -953,7 +958,7 @@
         <c:noMultiLvlLbl val="0"/>
       </c:catAx>
       <c:valAx>
-        <c:axId val="192614272"/>
+        <c:axId val="203185776"/>
         <c:scaling>
           <c:orientation val="minMax"/>
         </c:scaling>
@@ -1061,7 +1066,7 @@
             <a:endParaRPr lang="en-US"/>
           </a:p>
         </c:txPr>
-        <c:crossAx val="192613712"/>
+        <c:crossAx val="203185216"/>
         <c:crosses val="autoZero"/>
         <c:crossBetween val="midCat"/>
       </c:valAx>
@@ -1425,11 +1430,11 @@
           <c:showPercent val="0"/>
           <c:showBubbleSize val="0"/>
         </c:dLbls>
-        <c:axId val="193859456"/>
-        <c:axId val="193860016"/>
+        <c:axId val="203188576"/>
+        <c:axId val="203189136"/>
       </c:areaChart>
       <c:catAx>
-        <c:axId val="193859456"/>
+        <c:axId val="203188576"/>
         <c:scaling>
           <c:orientation val="minMax"/>
         </c:scaling>
@@ -1471,7 +1476,7 @@
             <a:endParaRPr lang="en-US"/>
           </a:p>
         </c:txPr>
-        <c:crossAx val="193860016"/>
+        <c:crossAx val="203189136"/>
         <c:crosses val="autoZero"/>
         <c:auto val="1"/>
         <c:lblAlgn val="ctr"/>
@@ -1479,7 +1484,7 @@
         <c:noMultiLvlLbl val="0"/>
       </c:catAx>
       <c:valAx>
-        <c:axId val="193860016"/>
+        <c:axId val="203189136"/>
         <c:scaling>
           <c:orientation val="minMax"/>
         </c:scaling>
@@ -1530,7 +1535,7 @@
             <a:endParaRPr lang="en-US"/>
           </a:p>
         </c:txPr>
-        <c:crossAx val="193859456"/>
+        <c:crossAx val="203188576"/>
         <c:crosses val="autoZero"/>
         <c:crossBetween val="midCat"/>
       </c:valAx>
@@ -2805,7 +2810,7 @@
           <a:p>
             <a:fld id="{29EF9550-9381-4D4C-AF8B-5B07172670DD}" type="datetimeFigureOut">
               <a:rPr lang="en-US" smtClean="0"/>
-              <a:t>11/5/2015</a:t>
+              <a:t>11/7/2015</a:t>
             </a:fld>
             <a:endParaRPr lang="en-US" dirty="0"/>
           </a:p>
@@ -3819,7 +3824,7 @@
     </p:spTree>
     <p:extLst>
       <p:ext uri="{BB962C8B-B14F-4D97-AF65-F5344CB8AC3E}">
-        <p14:creationId xmlns:p14="http://schemas.microsoft.com/office/powerpoint/2010/main" val="906172464"/>
+        <p14:creationId xmlns:p14="http://schemas.microsoft.com/office/powerpoint/2010/main" val="2643285489"/>
       </p:ext>
     </p:extLst>
   </p:cSld>
@@ -3903,7 +3908,7 @@
     </p:spTree>
     <p:extLst>
       <p:ext uri="{BB962C8B-B14F-4D97-AF65-F5344CB8AC3E}">
-        <p14:creationId xmlns:p14="http://schemas.microsoft.com/office/powerpoint/2010/main" val="2622831920"/>
+        <p14:creationId xmlns:p14="http://schemas.microsoft.com/office/powerpoint/2010/main" val="906172464"/>
       </p:ext>
     </p:extLst>
   </p:cSld>
@@ -3987,7 +3992,7 @@
     </p:spTree>
     <p:extLst>
       <p:ext uri="{BB962C8B-B14F-4D97-AF65-F5344CB8AC3E}">
-        <p14:creationId xmlns:p14="http://schemas.microsoft.com/office/powerpoint/2010/main" val="1418574738"/>
+        <p14:creationId xmlns:p14="http://schemas.microsoft.com/office/powerpoint/2010/main" val="2622831920"/>
       </p:ext>
     </p:extLst>
   </p:cSld>
@@ -4155,7 +4160,7 @@
     </p:spTree>
     <p:extLst>
       <p:ext uri="{BB962C8B-B14F-4D97-AF65-F5344CB8AC3E}">
-        <p14:creationId xmlns:p14="http://schemas.microsoft.com/office/powerpoint/2010/main" val="3573307590"/>
+        <p14:creationId xmlns:p14="http://schemas.microsoft.com/office/powerpoint/2010/main" val="1418574738"/>
       </p:ext>
     </p:extLst>
   </p:cSld>
@@ -4239,7 +4244,7 @@
     </p:spTree>
     <p:extLst>
       <p:ext uri="{BB962C8B-B14F-4D97-AF65-F5344CB8AC3E}">
-        <p14:creationId xmlns:p14="http://schemas.microsoft.com/office/powerpoint/2010/main" val="4243109790"/>
+        <p14:creationId xmlns:p14="http://schemas.microsoft.com/office/powerpoint/2010/main" val="3573307590"/>
       </p:ext>
     </p:extLst>
   </p:cSld>
@@ -4323,7 +4328,7 @@
     </p:spTree>
     <p:extLst>
       <p:ext uri="{BB962C8B-B14F-4D97-AF65-F5344CB8AC3E}">
-        <p14:creationId xmlns:p14="http://schemas.microsoft.com/office/powerpoint/2010/main" val="451598986"/>
+        <p14:creationId xmlns:p14="http://schemas.microsoft.com/office/powerpoint/2010/main" val="4243109790"/>
       </p:ext>
     </p:extLst>
   </p:cSld>
@@ -4407,7 +4412,7 @@
     </p:spTree>
     <p:extLst>
       <p:ext uri="{BB962C8B-B14F-4D97-AF65-F5344CB8AC3E}">
-        <p14:creationId xmlns:p14="http://schemas.microsoft.com/office/powerpoint/2010/main" val="858466757"/>
+        <p14:creationId xmlns:p14="http://schemas.microsoft.com/office/powerpoint/2010/main" val="451598986"/>
       </p:ext>
     </p:extLst>
   </p:cSld>
@@ -4491,7 +4496,7 @@
     </p:spTree>
     <p:extLst>
       <p:ext uri="{BB962C8B-B14F-4D97-AF65-F5344CB8AC3E}">
-        <p14:creationId xmlns:p14="http://schemas.microsoft.com/office/powerpoint/2010/main" val="1353603493"/>
+        <p14:creationId xmlns:p14="http://schemas.microsoft.com/office/powerpoint/2010/main" val="858466757"/>
       </p:ext>
     </p:extLst>
   </p:cSld>
@@ -4575,7 +4580,7 @@
     </p:spTree>
     <p:extLst>
       <p:ext uri="{BB962C8B-B14F-4D97-AF65-F5344CB8AC3E}">
-        <p14:creationId xmlns:p14="http://schemas.microsoft.com/office/powerpoint/2010/main" val="329063926"/>
+        <p14:creationId xmlns:p14="http://schemas.microsoft.com/office/powerpoint/2010/main" val="1353603493"/>
       </p:ext>
     </p:extLst>
   </p:cSld>
@@ -4659,7 +4664,7 @@
     </p:spTree>
     <p:extLst>
       <p:ext uri="{BB962C8B-B14F-4D97-AF65-F5344CB8AC3E}">
-        <p14:creationId xmlns:p14="http://schemas.microsoft.com/office/powerpoint/2010/main" val="150995341"/>
+        <p14:creationId xmlns:p14="http://schemas.microsoft.com/office/powerpoint/2010/main" val="329063926"/>
       </p:ext>
     </p:extLst>
   </p:cSld>
@@ -4743,7 +4748,7 @@
     </p:spTree>
     <p:extLst>
       <p:ext uri="{BB962C8B-B14F-4D97-AF65-F5344CB8AC3E}">
-        <p14:creationId xmlns:p14="http://schemas.microsoft.com/office/powerpoint/2010/main" val="3321337590"/>
+        <p14:creationId xmlns:p14="http://schemas.microsoft.com/office/powerpoint/2010/main" val="150995341"/>
       </p:ext>
     </p:extLst>
   </p:cSld>
@@ -4827,7 +4832,7 @@
     </p:spTree>
     <p:extLst>
       <p:ext uri="{BB962C8B-B14F-4D97-AF65-F5344CB8AC3E}">
-        <p14:creationId xmlns:p14="http://schemas.microsoft.com/office/powerpoint/2010/main" val="2192286905"/>
+        <p14:creationId xmlns:p14="http://schemas.microsoft.com/office/powerpoint/2010/main" val="3321337590"/>
       </p:ext>
     </p:extLst>
   </p:cSld>
@@ -4911,7 +4916,7 @@
     </p:spTree>
     <p:extLst>
       <p:ext uri="{BB962C8B-B14F-4D97-AF65-F5344CB8AC3E}">
-        <p14:creationId xmlns:p14="http://schemas.microsoft.com/office/powerpoint/2010/main" val="3859988731"/>
+        <p14:creationId xmlns:p14="http://schemas.microsoft.com/office/powerpoint/2010/main" val="804897995"/>
       </p:ext>
     </p:extLst>
   </p:cSld>
@@ -5079,7 +5084,7 @@
     </p:spTree>
     <p:extLst>
       <p:ext uri="{BB962C8B-B14F-4D97-AF65-F5344CB8AC3E}">
-        <p14:creationId xmlns:p14="http://schemas.microsoft.com/office/powerpoint/2010/main" val="3047822849"/>
+        <p14:creationId xmlns:p14="http://schemas.microsoft.com/office/powerpoint/2010/main" val="2192286905"/>
       </p:ext>
     </p:extLst>
   </p:cSld>
@@ -5163,7 +5168,7 @@
     </p:spTree>
     <p:extLst>
       <p:ext uri="{BB962C8B-B14F-4D97-AF65-F5344CB8AC3E}">
-        <p14:creationId xmlns:p14="http://schemas.microsoft.com/office/powerpoint/2010/main" val="3405287662"/>
+        <p14:creationId xmlns:p14="http://schemas.microsoft.com/office/powerpoint/2010/main" val="3215637796"/>
       </p:ext>
     </p:extLst>
   </p:cSld>
@@ -5247,7 +5252,7 @@
     </p:spTree>
     <p:extLst>
       <p:ext uri="{BB962C8B-B14F-4D97-AF65-F5344CB8AC3E}">
-        <p14:creationId xmlns:p14="http://schemas.microsoft.com/office/powerpoint/2010/main" val="2781110940"/>
+        <p14:creationId xmlns:p14="http://schemas.microsoft.com/office/powerpoint/2010/main" val="1500061022"/>
       </p:ext>
     </p:extLst>
   </p:cSld>
@@ -5331,7 +5336,7 @@
     </p:spTree>
     <p:extLst>
       <p:ext uri="{BB962C8B-B14F-4D97-AF65-F5344CB8AC3E}">
-        <p14:creationId xmlns:p14="http://schemas.microsoft.com/office/powerpoint/2010/main" val="1060358246"/>
+        <p14:creationId xmlns:p14="http://schemas.microsoft.com/office/powerpoint/2010/main" val="3859988731"/>
       </p:ext>
     </p:extLst>
   </p:cSld>
@@ -5415,7 +5420,7 @@
     </p:spTree>
     <p:extLst>
       <p:ext uri="{BB962C8B-B14F-4D97-AF65-F5344CB8AC3E}">
-        <p14:creationId xmlns:p14="http://schemas.microsoft.com/office/powerpoint/2010/main" val="447987208"/>
+        <p14:creationId xmlns:p14="http://schemas.microsoft.com/office/powerpoint/2010/main" val="3047822849"/>
       </p:ext>
     </p:extLst>
   </p:cSld>
@@ -5499,7 +5504,7 @@
     </p:spTree>
     <p:extLst>
       <p:ext uri="{BB962C8B-B14F-4D97-AF65-F5344CB8AC3E}">
-        <p14:creationId xmlns:p14="http://schemas.microsoft.com/office/powerpoint/2010/main" val="1430775894"/>
+        <p14:creationId xmlns:p14="http://schemas.microsoft.com/office/powerpoint/2010/main" val="555445020"/>
       </p:ext>
     </p:extLst>
   </p:cSld>
@@ -5583,7 +5588,7 @@
     </p:spTree>
     <p:extLst>
       <p:ext uri="{BB962C8B-B14F-4D97-AF65-F5344CB8AC3E}">
-        <p14:creationId xmlns:p14="http://schemas.microsoft.com/office/powerpoint/2010/main" val="3238820970"/>
+        <p14:creationId xmlns:p14="http://schemas.microsoft.com/office/powerpoint/2010/main" val="3405287662"/>
       </p:ext>
     </p:extLst>
   </p:cSld>
@@ -5667,7 +5672,7 @@
     </p:spTree>
     <p:extLst>
       <p:ext uri="{BB962C8B-B14F-4D97-AF65-F5344CB8AC3E}">
-        <p14:creationId xmlns:p14="http://schemas.microsoft.com/office/powerpoint/2010/main" val="2607096596"/>
+        <p14:creationId xmlns:p14="http://schemas.microsoft.com/office/powerpoint/2010/main" val="2781110940"/>
       </p:ext>
     </p:extLst>
   </p:cSld>
@@ -5751,7 +5756,7 @@
     </p:spTree>
     <p:extLst>
       <p:ext uri="{BB962C8B-B14F-4D97-AF65-F5344CB8AC3E}">
-        <p14:creationId xmlns:p14="http://schemas.microsoft.com/office/powerpoint/2010/main" val="1241887842"/>
+        <p14:creationId xmlns:p14="http://schemas.microsoft.com/office/powerpoint/2010/main" val="1060358246"/>
       </p:ext>
     </p:extLst>
   </p:cSld>
@@ -5835,7 +5840,7 @@
     </p:spTree>
     <p:extLst>
       <p:ext uri="{BB962C8B-B14F-4D97-AF65-F5344CB8AC3E}">
-        <p14:creationId xmlns:p14="http://schemas.microsoft.com/office/powerpoint/2010/main" val="1564291333"/>
+        <p14:creationId xmlns:p14="http://schemas.microsoft.com/office/powerpoint/2010/main" val="447987208"/>
       </p:ext>
     </p:extLst>
   </p:cSld>
@@ -6003,7 +6008,7 @@
     </p:spTree>
     <p:extLst>
       <p:ext uri="{BB962C8B-B14F-4D97-AF65-F5344CB8AC3E}">
-        <p14:creationId xmlns:p14="http://schemas.microsoft.com/office/powerpoint/2010/main" val="768067529"/>
+        <p14:creationId xmlns:p14="http://schemas.microsoft.com/office/powerpoint/2010/main" val="1430775894"/>
       </p:ext>
     </p:extLst>
   </p:cSld>
@@ -6087,7 +6092,7 @@
     </p:spTree>
     <p:extLst>
       <p:ext uri="{BB962C8B-B14F-4D97-AF65-F5344CB8AC3E}">
-        <p14:creationId xmlns:p14="http://schemas.microsoft.com/office/powerpoint/2010/main" val="3241613473"/>
+        <p14:creationId xmlns:p14="http://schemas.microsoft.com/office/powerpoint/2010/main" val="3238820970"/>
       </p:ext>
     </p:extLst>
   </p:cSld>
@@ -6171,7 +6176,7 @@
     </p:spTree>
     <p:extLst>
       <p:ext uri="{BB962C8B-B14F-4D97-AF65-F5344CB8AC3E}">
-        <p14:creationId xmlns:p14="http://schemas.microsoft.com/office/powerpoint/2010/main" val="4008732982"/>
+        <p14:creationId xmlns:p14="http://schemas.microsoft.com/office/powerpoint/2010/main" val="2607096596"/>
       </p:ext>
     </p:extLst>
   </p:cSld>
@@ -6255,7 +6260,7 @@
     </p:spTree>
     <p:extLst>
       <p:ext uri="{BB962C8B-B14F-4D97-AF65-F5344CB8AC3E}">
-        <p14:creationId xmlns:p14="http://schemas.microsoft.com/office/powerpoint/2010/main" val="2030628123"/>
+        <p14:creationId xmlns:p14="http://schemas.microsoft.com/office/powerpoint/2010/main" val="1241887842"/>
       </p:ext>
     </p:extLst>
   </p:cSld>
@@ -6339,7 +6344,7 @@
     </p:spTree>
     <p:extLst>
       <p:ext uri="{BB962C8B-B14F-4D97-AF65-F5344CB8AC3E}">
-        <p14:creationId xmlns:p14="http://schemas.microsoft.com/office/powerpoint/2010/main" val="200436687"/>
+        <p14:creationId xmlns:p14="http://schemas.microsoft.com/office/powerpoint/2010/main" val="1564291333"/>
       </p:ext>
     </p:extLst>
   </p:cSld>
@@ -6423,7 +6428,343 @@
     </p:spTree>
     <p:extLst>
       <p:ext uri="{BB962C8B-B14F-4D97-AF65-F5344CB8AC3E}">
-        <p14:creationId xmlns:p14="http://schemas.microsoft.com/office/powerpoint/2010/main" val="808001579"/>
+        <p14:creationId xmlns:p14="http://schemas.microsoft.com/office/powerpoint/2010/main" val="768067529"/>
+      </p:ext>
+    </p:extLst>
+  </p:cSld>
+  <p:clrMapOvr>
+    <a:masterClrMapping/>
+  </p:clrMapOvr>
+</p:notes>
+</file>
+
+<file path=ppt/notesSlides/notesSlide46.xml><?xml version="1.0" encoding="utf-8"?>
+<p:notes xmlns:a="http://schemas.openxmlformats.org/drawingml/2006/main" xmlns:r="http://schemas.openxmlformats.org/officeDocument/2006/relationships" xmlns:p="http://schemas.openxmlformats.org/presentationml/2006/main">
+  <p:cSld>
+    <p:spTree>
+      <p:nvGrpSpPr>
+        <p:cNvPr id="1" name=""/>
+        <p:cNvGrpSpPr/>
+        <p:nvPr/>
+      </p:nvGrpSpPr>
+      <p:grpSpPr>
+        <a:xfrm>
+          <a:off x="0" y="0"/>
+          <a:ext cx="0" cy="0"/>
+          <a:chOff x="0" y="0"/>
+          <a:chExt cx="0" cy="0"/>
+        </a:xfrm>
+      </p:grpSpPr>
+      <p:sp>
+        <p:nvSpPr>
+          <p:cNvPr id="2" name="Slide Image Placeholder 1"/>
+          <p:cNvSpPr>
+            <a:spLocks noGrp="1" noRot="1" noChangeAspect="1"/>
+          </p:cNvSpPr>
+          <p:nvPr>
+            <p:ph type="sldImg"/>
+          </p:nvPr>
+        </p:nvSpPr>
+        <p:spPr/>
+      </p:sp>
+      <p:sp>
+        <p:nvSpPr>
+          <p:cNvPr id="3" name="Notes Placeholder 2"/>
+          <p:cNvSpPr>
+            <a:spLocks noGrp="1"/>
+          </p:cNvSpPr>
+          <p:nvPr>
+            <p:ph type="body" idx="1"/>
+          </p:nvPr>
+        </p:nvSpPr>
+        <p:spPr/>
+        <p:txBody>
+          <a:bodyPr/>
+          <a:lstStyle/>
+          <a:p>
+            <a:endParaRPr lang="de-DE" dirty="0"/>
+          </a:p>
+        </p:txBody>
+      </p:sp>
+      <p:sp>
+        <p:nvSpPr>
+          <p:cNvPr id="4" name="Slide Number Placeholder 3"/>
+          <p:cNvSpPr>
+            <a:spLocks noGrp="1"/>
+          </p:cNvSpPr>
+          <p:nvPr>
+            <p:ph type="sldNum" sz="quarter" idx="10"/>
+          </p:nvPr>
+        </p:nvSpPr>
+        <p:spPr/>
+        <p:txBody>
+          <a:bodyPr/>
+          <a:lstStyle/>
+          <a:p>
+            <a:fld id="{3BCB612C-0155-4D60-8939-3857CFB261A5}" type="slidenum">
+              <a:rPr lang="de-DE" smtClean="0"/>
+              <a:t>46</a:t>
+            </a:fld>
+            <a:endParaRPr lang="de-DE" dirty="0"/>
+          </a:p>
+        </p:txBody>
+      </p:sp>
+    </p:spTree>
+    <p:extLst>
+      <p:ext uri="{BB962C8B-B14F-4D97-AF65-F5344CB8AC3E}">
+        <p14:creationId xmlns:p14="http://schemas.microsoft.com/office/powerpoint/2010/main" val="3241613473"/>
+      </p:ext>
+    </p:extLst>
+  </p:cSld>
+  <p:clrMapOvr>
+    <a:masterClrMapping/>
+  </p:clrMapOvr>
+</p:notes>
+</file>
+
+<file path=ppt/notesSlides/notesSlide47.xml><?xml version="1.0" encoding="utf-8"?>
+<p:notes xmlns:a="http://schemas.openxmlformats.org/drawingml/2006/main" xmlns:r="http://schemas.openxmlformats.org/officeDocument/2006/relationships" xmlns:p="http://schemas.openxmlformats.org/presentationml/2006/main">
+  <p:cSld>
+    <p:spTree>
+      <p:nvGrpSpPr>
+        <p:cNvPr id="1" name=""/>
+        <p:cNvGrpSpPr/>
+        <p:nvPr/>
+      </p:nvGrpSpPr>
+      <p:grpSpPr>
+        <a:xfrm>
+          <a:off x="0" y="0"/>
+          <a:ext cx="0" cy="0"/>
+          <a:chOff x="0" y="0"/>
+          <a:chExt cx="0" cy="0"/>
+        </a:xfrm>
+      </p:grpSpPr>
+      <p:sp>
+        <p:nvSpPr>
+          <p:cNvPr id="2" name="Slide Image Placeholder 1"/>
+          <p:cNvSpPr>
+            <a:spLocks noGrp="1" noRot="1" noChangeAspect="1"/>
+          </p:cNvSpPr>
+          <p:nvPr>
+            <p:ph type="sldImg"/>
+          </p:nvPr>
+        </p:nvSpPr>
+        <p:spPr/>
+      </p:sp>
+      <p:sp>
+        <p:nvSpPr>
+          <p:cNvPr id="3" name="Notes Placeholder 2"/>
+          <p:cNvSpPr>
+            <a:spLocks noGrp="1"/>
+          </p:cNvSpPr>
+          <p:nvPr>
+            <p:ph type="body" idx="1"/>
+          </p:nvPr>
+        </p:nvSpPr>
+        <p:spPr/>
+        <p:txBody>
+          <a:bodyPr/>
+          <a:lstStyle/>
+          <a:p>
+            <a:endParaRPr lang="de-DE" dirty="0"/>
+          </a:p>
+        </p:txBody>
+      </p:sp>
+      <p:sp>
+        <p:nvSpPr>
+          <p:cNvPr id="4" name="Slide Number Placeholder 3"/>
+          <p:cNvSpPr>
+            <a:spLocks noGrp="1"/>
+          </p:cNvSpPr>
+          <p:nvPr>
+            <p:ph type="sldNum" sz="quarter" idx="10"/>
+          </p:nvPr>
+        </p:nvSpPr>
+        <p:spPr/>
+        <p:txBody>
+          <a:bodyPr/>
+          <a:lstStyle/>
+          <a:p>
+            <a:fld id="{3BCB612C-0155-4D60-8939-3857CFB261A5}" type="slidenum">
+              <a:rPr lang="de-DE" smtClean="0"/>
+              <a:t>47</a:t>
+            </a:fld>
+            <a:endParaRPr lang="de-DE" dirty="0"/>
+          </a:p>
+        </p:txBody>
+      </p:sp>
+    </p:spTree>
+    <p:extLst>
+      <p:ext uri="{BB962C8B-B14F-4D97-AF65-F5344CB8AC3E}">
+        <p14:creationId xmlns:p14="http://schemas.microsoft.com/office/powerpoint/2010/main" val="4008732982"/>
+      </p:ext>
+    </p:extLst>
+  </p:cSld>
+  <p:clrMapOvr>
+    <a:masterClrMapping/>
+  </p:clrMapOvr>
+</p:notes>
+</file>
+
+<file path=ppt/notesSlides/notesSlide48.xml><?xml version="1.0" encoding="utf-8"?>
+<p:notes xmlns:a="http://schemas.openxmlformats.org/drawingml/2006/main" xmlns:r="http://schemas.openxmlformats.org/officeDocument/2006/relationships" xmlns:p="http://schemas.openxmlformats.org/presentationml/2006/main">
+  <p:cSld>
+    <p:spTree>
+      <p:nvGrpSpPr>
+        <p:cNvPr id="1" name=""/>
+        <p:cNvGrpSpPr/>
+        <p:nvPr/>
+      </p:nvGrpSpPr>
+      <p:grpSpPr>
+        <a:xfrm>
+          <a:off x="0" y="0"/>
+          <a:ext cx="0" cy="0"/>
+          <a:chOff x="0" y="0"/>
+          <a:chExt cx="0" cy="0"/>
+        </a:xfrm>
+      </p:grpSpPr>
+      <p:sp>
+        <p:nvSpPr>
+          <p:cNvPr id="2" name="Slide Image Placeholder 1"/>
+          <p:cNvSpPr>
+            <a:spLocks noGrp="1" noRot="1" noChangeAspect="1"/>
+          </p:cNvSpPr>
+          <p:nvPr>
+            <p:ph type="sldImg"/>
+          </p:nvPr>
+        </p:nvSpPr>
+        <p:spPr/>
+      </p:sp>
+      <p:sp>
+        <p:nvSpPr>
+          <p:cNvPr id="3" name="Notes Placeholder 2"/>
+          <p:cNvSpPr>
+            <a:spLocks noGrp="1"/>
+          </p:cNvSpPr>
+          <p:nvPr>
+            <p:ph type="body" idx="1"/>
+          </p:nvPr>
+        </p:nvSpPr>
+        <p:spPr/>
+        <p:txBody>
+          <a:bodyPr/>
+          <a:lstStyle/>
+          <a:p>
+            <a:endParaRPr lang="de-DE" dirty="0"/>
+          </a:p>
+        </p:txBody>
+      </p:sp>
+      <p:sp>
+        <p:nvSpPr>
+          <p:cNvPr id="4" name="Slide Number Placeholder 3"/>
+          <p:cNvSpPr>
+            <a:spLocks noGrp="1"/>
+          </p:cNvSpPr>
+          <p:nvPr>
+            <p:ph type="sldNum" sz="quarter" idx="10"/>
+          </p:nvPr>
+        </p:nvSpPr>
+        <p:spPr/>
+        <p:txBody>
+          <a:bodyPr/>
+          <a:lstStyle/>
+          <a:p>
+            <a:fld id="{3BCB612C-0155-4D60-8939-3857CFB261A5}" type="slidenum">
+              <a:rPr lang="de-DE" smtClean="0"/>
+              <a:t>48</a:t>
+            </a:fld>
+            <a:endParaRPr lang="de-DE" dirty="0"/>
+          </a:p>
+        </p:txBody>
+      </p:sp>
+    </p:spTree>
+    <p:extLst>
+      <p:ext uri="{BB962C8B-B14F-4D97-AF65-F5344CB8AC3E}">
+        <p14:creationId xmlns:p14="http://schemas.microsoft.com/office/powerpoint/2010/main" val="2030628123"/>
+      </p:ext>
+    </p:extLst>
+  </p:cSld>
+  <p:clrMapOvr>
+    <a:masterClrMapping/>
+  </p:clrMapOvr>
+</p:notes>
+</file>
+
+<file path=ppt/notesSlides/notesSlide49.xml><?xml version="1.0" encoding="utf-8"?>
+<p:notes xmlns:a="http://schemas.openxmlformats.org/drawingml/2006/main" xmlns:r="http://schemas.openxmlformats.org/officeDocument/2006/relationships" xmlns:p="http://schemas.openxmlformats.org/presentationml/2006/main">
+  <p:cSld>
+    <p:spTree>
+      <p:nvGrpSpPr>
+        <p:cNvPr id="1" name=""/>
+        <p:cNvGrpSpPr/>
+        <p:nvPr/>
+      </p:nvGrpSpPr>
+      <p:grpSpPr>
+        <a:xfrm>
+          <a:off x="0" y="0"/>
+          <a:ext cx="0" cy="0"/>
+          <a:chOff x="0" y="0"/>
+          <a:chExt cx="0" cy="0"/>
+        </a:xfrm>
+      </p:grpSpPr>
+      <p:sp>
+        <p:nvSpPr>
+          <p:cNvPr id="2" name="Slide Image Placeholder 1"/>
+          <p:cNvSpPr>
+            <a:spLocks noGrp="1" noRot="1" noChangeAspect="1"/>
+          </p:cNvSpPr>
+          <p:nvPr>
+            <p:ph type="sldImg"/>
+          </p:nvPr>
+        </p:nvSpPr>
+        <p:spPr/>
+      </p:sp>
+      <p:sp>
+        <p:nvSpPr>
+          <p:cNvPr id="3" name="Notes Placeholder 2"/>
+          <p:cNvSpPr>
+            <a:spLocks noGrp="1"/>
+          </p:cNvSpPr>
+          <p:nvPr>
+            <p:ph type="body" idx="1"/>
+          </p:nvPr>
+        </p:nvSpPr>
+        <p:spPr/>
+        <p:txBody>
+          <a:bodyPr/>
+          <a:lstStyle/>
+          <a:p>
+            <a:endParaRPr lang="de-DE" dirty="0"/>
+          </a:p>
+        </p:txBody>
+      </p:sp>
+      <p:sp>
+        <p:nvSpPr>
+          <p:cNvPr id="4" name="Slide Number Placeholder 3"/>
+          <p:cNvSpPr>
+            <a:spLocks noGrp="1"/>
+          </p:cNvSpPr>
+          <p:nvPr>
+            <p:ph type="sldNum" sz="quarter" idx="10"/>
+          </p:nvPr>
+        </p:nvSpPr>
+        <p:spPr/>
+        <p:txBody>
+          <a:bodyPr/>
+          <a:lstStyle/>
+          <a:p>
+            <a:fld id="{3BCB612C-0155-4D60-8939-3857CFB261A5}" type="slidenum">
+              <a:rPr lang="de-DE" smtClean="0"/>
+              <a:t>49</a:t>
+            </a:fld>
+            <a:endParaRPr lang="de-DE" dirty="0"/>
+          </a:p>
+        </p:txBody>
+      </p:sp>
+    </p:spTree>
+    <p:extLst>
+      <p:ext uri="{BB962C8B-B14F-4D97-AF65-F5344CB8AC3E}">
+        <p14:creationId xmlns:p14="http://schemas.microsoft.com/office/powerpoint/2010/main" val="200436687"/>
       </p:ext>
     </p:extLst>
   </p:cSld>
@@ -6508,6 +6849,90 @@
     <p:extLst>
       <p:ext uri="{BB962C8B-B14F-4D97-AF65-F5344CB8AC3E}">
         <p14:creationId xmlns:p14="http://schemas.microsoft.com/office/powerpoint/2010/main" val="2966907116"/>
+      </p:ext>
+    </p:extLst>
+  </p:cSld>
+  <p:clrMapOvr>
+    <a:masterClrMapping/>
+  </p:clrMapOvr>
+</p:notes>
+</file>
+
+<file path=ppt/notesSlides/notesSlide50.xml><?xml version="1.0" encoding="utf-8"?>
+<p:notes xmlns:a="http://schemas.openxmlformats.org/drawingml/2006/main" xmlns:r="http://schemas.openxmlformats.org/officeDocument/2006/relationships" xmlns:p="http://schemas.openxmlformats.org/presentationml/2006/main">
+  <p:cSld>
+    <p:spTree>
+      <p:nvGrpSpPr>
+        <p:cNvPr id="1" name=""/>
+        <p:cNvGrpSpPr/>
+        <p:nvPr/>
+      </p:nvGrpSpPr>
+      <p:grpSpPr>
+        <a:xfrm>
+          <a:off x="0" y="0"/>
+          <a:ext cx="0" cy="0"/>
+          <a:chOff x="0" y="0"/>
+          <a:chExt cx="0" cy="0"/>
+        </a:xfrm>
+      </p:grpSpPr>
+      <p:sp>
+        <p:nvSpPr>
+          <p:cNvPr id="2" name="Slide Image Placeholder 1"/>
+          <p:cNvSpPr>
+            <a:spLocks noGrp="1" noRot="1" noChangeAspect="1"/>
+          </p:cNvSpPr>
+          <p:nvPr>
+            <p:ph type="sldImg"/>
+          </p:nvPr>
+        </p:nvSpPr>
+        <p:spPr/>
+      </p:sp>
+      <p:sp>
+        <p:nvSpPr>
+          <p:cNvPr id="3" name="Notes Placeholder 2"/>
+          <p:cNvSpPr>
+            <a:spLocks noGrp="1"/>
+          </p:cNvSpPr>
+          <p:nvPr>
+            <p:ph type="body" idx="1"/>
+          </p:nvPr>
+        </p:nvSpPr>
+        <p:spPr/>
+        <p:txBody>
+          <a:bodyPr/>
+          <a:lstStyle/>
+          <a:p>
+            <a:endParaRPr lang="de-DE" dirty="0"/>
+          </a:p>
+        </p:txBody>
+      </p:sp>
+      <p:sp>
+        <p:nvSpPr>
+          <p:cNvPr id="4" name="Slide Number Placeholder 3"/>
+          <p:cNvSpPr>
+            <a:spLocks noGrp="1"/>
+          </p:cNvSpPr>
+          <p:nvPr>
+            <p:ph type="sldNum" sz="quarter" idx="10"/>
+          </p:nvPr>
+        </p:nvSpPr>
+        <p:spPr/>
+        <p:txBody>
+          <a:bodyPr/>
+          <a:lstStyle/>
+          <a:p>
+            <a:fld id="{3BCB612C-0155-4D60-8939-3857CFB261A5}" type="slidenum">
+              <a:rPr lang="de-DE" smtClean="0"/>
+              <a:t>50</a:t>
+            </a:fld>
+            <a:endParaRPr lang="de-DE" dirty="0"/>
+          </a:p>
+        </p:txBody>
+      </p:sp>
+    </p:spTree>
+    <p:extLst>
+      <p:ext uri="{BB962C8B-B14F-4D97-AF65-F5344CB8AC3E}">
+        <p14:creationId xmlns:p14="http://schemas.microsoft.com/office/powerpoint/2010/main" val="808001579"/>
       </p:ext>
     </p:extLst>
   </p:cSld>
@@ -6984,7 +7409,7 @@
           <a:p>
             <a:fld id="{40A9466D-1D48-456F-8680-1F0B18548100}" type="datetimeFigureOut">
               <a:rPr lang="en-US" smtClean="0"/>
-              <a:t>11/5/2015</a:t>
+              <a:t>11/7/2015</a:t>
             </a:fld>
             <a:endParaRPr lang="en-US" dirty="0"/>
           </a:p>
@@ -7154,7 +7579,7 @@
           <a:p>
             <a:fld id="{40A9466D-1D48-456F-8680-1F0B18548100}" type="datetimeFigureOut">
               <a:rPr lang="en-US" smtClean="0"/>
-              <a:t>11/5/2015</a:t>
+              <a:t>11/7/2015</a:t>
             </a:fld>
             <a:endParaRPr lang="en-US" dirty="0"/>
           </a:p>
@@ -7334,7 +7759,7 @@
           <a:p>
             <a:fld id="{40A9466D-1D48-456F-8680-1F0B18548100}" type="datetimeFigureOut">
               <a:rPr lang="en-US" smtClean="0"/>
-              <a:t>11/5/2015</a:t>
+              <a:t>11/7/2015</a:t>
             </a:fld>
             <a:endParaRPr lang="en-US" dirty="0"/>
           </a:p>
@@ -7504,7 +7929,7 @@
           <a:p>
             <a:fld id="{40A9466D-1D48-456F-8680-1F0B18548100}" type="datetimeFigureOut">
               <a:rPr lang="en-US" smtClean="0"/>
-              <a:t>11/5/2015</a:t>
+              <a:t>11/7/2015</a:t>
             </a:fld>
             <a:endParaRPr lang="en-US" dirty="0"/>
           </a:p>
@@ -7748,7 +8173,7 @@
           <a:p>
             <a:fld id="{40A9466D-1D48-456F-8680-1F0B18548100}" type="datetimeFigureOut">
               <a:rPr lang="en-US" smtClean="0"/>
-              <a:t>11/5/2015</a:t>
+              <a:t>11/7/2015</a:t>
             </a:fld>
             <a:endParaRPr lang="en-US" dirty="0"/>
           </a:p>
@@ -7980,7 +8405,7 @@
           <a:p>
             <a:fld id="{40A9466D-1D48-456F-8680-1F0B18548100}" type="datetimeFigureOut">
               <a:rPr lang="en-US" smtClean="0"/>
-              <a:t>11/5/2015</a:t>
+              <a:t>11/7/2015</a:t>
             </a:fld>
             <a:endParaRPr lang="en-US" dirty="0"/>
           </a:p>
@@ -8347,7 +8772,7 @@
           <a:p>
             <a:fld id="{40A9466D-1D48-456F-8680-1F0B18548100}" type="datetimeFigureOut">
               <a:rPr lang="en-US" smtClean="0"/>
-              <a:t>11/5/2015</a:t>
+              <a:t>11/7/2015</a:t>
             </a:fld>
             <a:endParaRPr lang="en-US" dirty="0"/>
           </a:p>
@@ -8465,7 +8890,7 @@
           <a:p>
             <a:fld id="{40A9466D-1D48-456F-8680-1F0B18548100}" type="datetimeFigureOut">
               <a:rPr lang="en-US" smtClean="0"/>
-              <a:t>11/5/2015</a:t>
+              <a:t>11/7/2015</a:t>
             </a:fld>
             <a:endParaRPr lang="en-US" dirty="0"/>
           </a:p>
@@ -8560,7 +8985,7 @@
           <a:p>
             <a:fld id="{40A9466D-1D48-456F-8680-1F0B18548100}" type="datetimeFigureOut">
               <a:rPr lang="en-US" smtClean="0"/>
-              <a:t>11/5/2015</a:t>
+              <a:t>11/7/2015</a:t>
             </a:fld>
             <a:endParaRPr lang="en-US" dirty="0"/>
           </a:p>
@@ -8837,7 +9262,7 @@
           <a:p>
             <a:fld id="{40A9466D-1D48-456F-8680-1F0B18548100}" type="datetimeFigureOut">
               <a:rPr lang="en-US" smtClean="0"/>
-              <a:t>11/5/2015</a:t>
+              <a:t>11/7/2015</a:t>
             </a:fld>
             <a:endParaRPr lang="en-US" dirty="0"/>
           </a:p>
@@ -9094,7 +9519,7 @@
           <a:p>
             <a:fld id="{40A9466D-1D48-456F-8680-1F0B18548100}" type="datetimeFigureOut">
               <a:rPr lang="en-US" smtClean="0"/>
-              <a:t>11/5/2015</a:t>
+              <a:t>11/7/2015</a:t>
             </a:fld>
             <a:endParaRPr lang="en-US" dirty="0"/>
           </a:p>
@@ -9307,7 +9732,7 @@
           <a:p>
             <a:fld id="{40A9466D-1D48-456F-8680-1F0B18548100}" type="datetimeFigureOut">
               <a:rPr lang="en-US" smtClean="0"/>
-              <a:t>11/5/2015</a:t>
+              <a:t>11/7/2015</a:t>
             </a:fld>
             <a:endParaRPr lang="en-US" dirty="0"/>
           </a:p>
@@ -10420,20 +10845,12 @@
           <a:lstStyle/>
           <a:p>
             <a:r>
-              <a:rPr lang="en-US" dirty="0" err="1">
-                <a:solidFill>
-                  <a:schemeClr val="accent5"/>
-                </a:solidFill>
-              </a:rPr>
-              <a:t>Hoeffding</a:t>
-            </a:r>
-            <a:r>
               <a:rPr lang="en-US" dirty="0">
                 <a:solidFill>
                   <a:schemeClr val="accent5"/>
                 </a:solidFill>
               </a:rPr>
-              <a:t> </a:t>
+              <a:t>Hoeffding </a:t>
             </a:r>
             <a:r>
               <a:rPr lang="en-US" dirty="0" smtClean="0">
@@ -10463,7 +10880,18 @@
                   </a:prstClr>
                 </a:solidFill>
               </a:rPr>
-              <a:t>(HT)</a:t>
+              <a:t>(HT</a:t>
+            </a:r>
+            <a:r>
+              <a:rPr lang="en-US" sz="3100" dirty="0" smtClean="0">
+                <a:solidFill>
+                  <a:prstClr val="black">
+                    <a:lumMod val="50000"/>
+                    <a:lumOff val="50000"/>
+                  </a:prstClr>
+                </a:solidFill>
+              </a:rPr>
+              <a:t>) [3]</a:t>
             </a:r>
             <a:endParaRPr lang="de-DE" dirty="0">
               <a:solidFill>
@@ -12221,20 +12649,12 @@
           <a:lstStyle/>
           <a:p>
             <a:r>
-              <a:rPr lang="en-US" dirty="0" err="1" smtClean="0">
-                <a:solidFill>
-                  <a:schemeClr val="accent5"/>
-                </a:solidFill>
-              </a:rPr>
-              <a:t>Hoeffding</a:t>
-            </a:r>
-            <a:r>
               <a:rPr lang="en-US" dirty="0" smtClean="0">
                 <a:solidFill>
                   <a:schemeClr val="accent5"/>
                 </a:solidFill>
               </a:rPr>
-              <a:t> Tree</a:t>
+              <a:t>Hoeffding Tree</a:t>
             </a:r>
             <a:r>
               <a:rPr lang="en-US" sz="3100" dirty="0" smtClean="0">
@@ -15833,7 +16253,18 @@
                   </a:schemeClr>
                 </a:solidFill>
               </a:rPr>
-              <a:t> (ASHT)</a:t>
+              <a:t> (ASHT</a:t>
+            </a:r>
+            <a:r>
+              <a:rPr lang="en-US" sz="3100" dirty="0" smtClean="0">
+                <a:solidFill>
+                  <a:schemeClr val="tx1">
+                    <a:lumMod val="50000"/>
+                    <a:lumOff val="50000"/>
+                  </a:schemeClr>
+                </a:solidFill>
+              </a:rPr>
+              <a:t>) [5]</a:t>
             </a:r>
             <a:endParaRPr lang="de-DE" dirty="0">
               <a:solidFill>
@@ -21931,7 +22362,7 @@
                   </a:schemeClr>
                 </a:solidFill>
               </a:rPr>
-              <a:t>)</a:t>
+              <a:t>) [4]</a:t>
             </a:r>
             <a:endParaRPr lang="de-DE" dirty="0">
               <a:solidFill>
@@ -26296,12 +26727,12 @@
           <a:lstStyle/>
           <a:p>
             <a:r>
-              <a:rPr lang="en-US" dirty="0" smtClean="0">
+              <a:rPr lang="en-US" dirty="0">
                 <a:solidFill>
                   <a:schemeClr val="accent5"/>
                 </a:solidFill>
               </a:rPr>
-              <a:t>Ensemble</a:t>
+              <a:t>Bagging Ensemble</a:t>
             </a:r>
             <a:r>
               <a:rPr lang="en-US" sz="3100" dirty="0" smtClean="0">
@@ -26312,7 +26743,7 @@
                   </a:schemeClr>
                 </a:solidFill>
               </a:rPr>
-              <a:t> Bagging</a:t>
+              <a:t> [6,7]</a:t>
             </a:r>
             <a:endParaRPr lang="de-DE" dirty="0">
               <a:solidFill>
@@ -31675,7 +32106,7 @@
                   </a:schemeClr>
                 </a:solidFill>
               </a:rPr>
-              <a:t>)</a:t>
+              <a:t>) [5]</a:t>
             </a:r>
             <a:endParaRPr lang="de-DE" dirty="0">
               <a:solidFill>
@@ -31846,7 +32277,7 @@
         </p:nvSpPr>
         <p:spPr>
           <a:xfrm>
-            <a:off x="6955442" y="2302352"/>
+            <a:off x="7039674" y="2301656"/>
             <a:ext cx="226960" cy="206290"/>
           </a:xfrm>
           <a:prstGeom prst="triangle">
@@ -31897,7 +32328,7 @@
         </p:nvSpPr>
         <p:spPr>
           <a:xfrm>
-            <a:off x="6545212" y="2112086"/>
+            <a:off x="6661464" y="2104844"/>
             <a:ext cx="613006" cy="276999"/>
           </a:xfrm>
           <a:prstGeom prst="rect">
@@ -32382,8 +32813,8 @@
             <a:avLst/>
           </a:prstGeom>
           <a:solidFill>
-            <a:schemeClr val="bg1">
-              <a:lumMod val="75000"/>
+            <a:schemeClr val="accent6">
+              <a:lumMod val="50000"/>
               <a:alpha val="44000"/>
             </a:schemeClr>
           </a:solidFill>
@@ -32477,17 +32908,16 @@
         </p:nvSpPr>
         <p:spPr>
           <a:xfrm>
-            <a:off x="6450852" y="3290339"/>
+            <a:off x="6342747" y="3301632"/>
             <a:ext cx="405552" cy="488125"/>
           </a:xfrm>
           <a:prstGeom prst="triangle">
             <a:avLst/>
           </a:prstGeom>
           <a:solidFill>
-            <a:schemeClr val="bg1">
-              <a:lumMod val="75000"/>
+            <a:srgbClr val="FFC000">
               <a:alpha val="44000"/>
-            </a:schemeClr>
+            </a:srgbClr>
           </a:solidFill>
           <a:ln>
             <a:solidFill>
@@ -32528,7 +32958,7 @@
         </p:nvSpPr>
         <p:spPr>
           <a:xfrm>
-            <a:off x="7063858" y="3043279"/>
+            <a:off x="7089272" y="3183189"/>
             <a:ext cx="127764" cy="99403"/>
           </a:xfrm>
           <a:prstGeom prst="triangle">
@@ -32586,8 +33016,58 @@
             <a:avLst/>
           </a:prstGeom>
           <a:solidFill>
-            <a:schemeClr val="bg1">
-              <a:lumMod val="75000"/>
+            <a:srgbClr val="FFC000">
+              <a:alpha val="44000"/>
+            </a:srgbClr>
+          </a:solidFill>
+          <a:ln>
+            <a:solidFill>
+              <a:schemeClr val="tx1"/>
+            </a:solidFill>
+          </a:ln>
+        </p:spPr>
+        <p:style>
+          <a:lnRef idx="2">
+            <a:schemeClr val="accent1">
+              <a:shade val="50000"/>
+            </a:schemeClr>
+          </a:lnRef>
+          <a:fillRef idx="1">
+            <a:schemeClr val="accent1"/>
+          </a:fillRef>
+          <a:effectRef idx="0">
+            <a:schemeClr val="accent1"/>
+          </a:effectRef>
+          <a:fontRef idx="minor">
+            <a:schemeClr val="lt1"/>
+          </a:fontRef>
+        </p:style>
+        <p:txBody>
+          <a:bodyPr rtlCol="0" anchor="ctr"/>
+          <a:lstStyle/>
+          <a:p>
+            <a:pPr algn="ctr"/>
+            <a:endParaRPr lang="en-US" dirty="0"/>
+          </a:p>
+        </p:txBody>
+      </p:sp>
+      <p:sp>
+        <p:nvSpPr>
+          <p:cNvPr id="54" name="Isosceles Triangle 53"/>
+          <p:cNvSpPr/>
+          <p:nvPr/>
+        </p:nvSpPr>
+        <p:spPr>
+          <a:xfrm>
+            <a:off x="7600411" y="2544941"/>
+            <a:ext cx="214744" cy="206883"/>
+          </a:xfrm>
+          <a:prstGeom prst="triangle">
+            <a:avLst/>
+          </a:prstGeom>
+          <a:solidFill>
+            <a:schemeClr val="accent6">
+              <a:lumMod val="50000"/>
               <a:alpha val="44000"/>
             </a:schemeClr>
           </a:solidFill>
@@ -32624,21 +33104,21 @@
       </p:sp>
       <p:sp>
         <p:nvSpPr>
-          <p:cNvPr id="54" name="Isosceles Triangle 53"/>
+          <p:cNvPr id="55" name="Isosceles Triangle 54"/>
           <p:cNvSpPr/>
           <p:nvPr/>
         </p:nvSpPr>
         <p:spPr>
           <a:xfrm>
-            <a:off x="7476415" y="2520995"/>
-            <a:ext cx="214744" cy="206883"/>
+            <a:off x="7505007" y="3172784"/>
+            <a:ext cx="405552" cy="488125"/>
           </a:xfrm>
           <a:prstGeom prst="triangle">
             <a:avLst/>
           </a:prstGeom>
           <a:solidFill>
-            <a:schemeClr val="bg1">
-              <a:lumMod val="75000"/>
+            <a:schemeClr val="accent6">
+              <a:lumMod val="50000"/>
               <a:alpha val="44000"/>
             </a:schemeClr>
           </a:solidFill>
@@ -32675,23 +33155,22 @@
       </p:sp>
       <p:sp>
         <p:nvSpPr>
-          <p:cNvPr id="55" name="Isosceles Triangle 54"/>
+          <p:cNvPr id="56" name="Isosceles Triangle 55"/>
           <p:cNvSpPr/>
           <p:nvPr/>
         </p:nvSpPr>
         <p:spPr>
           <a:xfrm>
-            <a:off x="7363512" y="3106925"/>
-            <a:ext cx="405552" cy="488125"/>
+            <a:off x="6481362" y="4762471"/>
+            <a:ext cx="127764" cy="99403"/>
           </a:xfrm>
           <a:prstGeom prst="triangle">
             <a:avLst/>
           </a:prstGeom>
           <a:solidFill>
-            <a:schemeClr val="bg1">
-              <a:lumMod val="75000"/>
+            <a:srgbClr val="FFC000">
               <a:alpha val="44000"/>
-            </a:schemeClr>
+            </a:srgbClr>
           </a:solidFill>
           <a:ln>
             <a:solidFill>
@@ -32726,64 +33205,13 @@
       </p:sp>
       <p:sp>
         <p:nvSpPr>
-          <p:cNvPr id="56" name="Isosceles Triangle 55"/>
-          <p:cNvSpPr/>
-          <p:nvPr/>
-        </p:nvSpPr>
-        <p:spPr>
-          <a:xfrm>
-            <a:off x="6677940" y="4781059"/>
-            <a:ext cx="127764" cy="99403"/>
-          </a:xfrm>
-          <a:prstGeom prst="triangle">
-            <a:avLst/>
-          </a:prstGeom>
-          <a:solidFill>
-            <a:schemeClr val="bg1">
-              <a:lumMod val="75000"/>
-              <a:alpha val="44000"/>
-            </a:schemeClr>
-          </a:solidFill>
-          <a:ln>
-            <a:solidFill>
-              <a:schemeClr val="tx1"/>
-            </a:solidFill>
-          </a:ln>
-        </p:spPr>
-        <p:style>
-          <a:lnRef idx="2">
-            <a:schemeClr val="accent1">
-              <a:shade val="50000"/>
-            </a:schemeClr>
-          </a:lnRef>
-          <a:fillRef idx="1">
-            <a:schemeClr val="accent1"/>
-          </a:fillRef>
-          <a:effectRef idx="0">
-            <a:schemeClr val="accent1"/>
-          </a:effectRef>
-          <a:fontRef idx="minor">
-            <a:schemeClr val="lt1"/>
-          </a:fontRef>
-        </p:style>
-        <p:txBody>
-          <a:bodyPr rtlCol="0" anchor="ctr"/>
-          <a:lstStyle/>
-          <a:p>
-            <a:pPr algn="ctr"/>
-            <a:endParaRPr lang="en-US" dirty="0"/>
-          </a:p>
-        </p:txBody>
-      </p:sp>
-      <p:sp>
-        <p:nvSpPr>
           <p:cNvPr id="58" name="Isosceles Triangle 57"/>
           <p:cNvSpPr/>
           <p:nvPr/>
         </p:nvSpPr>
         <p:spPr>
           <a:xfrm>
-            <a:off x="7191622" y="5365167"/>
+            <a:off x="7072848" y="5440378"/>
             <a:ext cx="160613" cy="143191"/>
           </a:xfrm>
           <a:prstGeom prst="triangle">
@@ -32834,15 +33262,15 @@
         </p:nvSpPr>
         <p:spPr>
           <a:xfrm>
-            <a:off x="7770961" y="5566050"/>
+            <a:off x="7636010" y="5761039"/>
             <a:ext cx="127764" cy="99403"/>
           </a:xfrm>
           <a:prstGeom prst="triangle">
             <a:avLst/>
           </a:prstGeom>
           <a:solidFill>
-            <a:schemeClr val="bg1">
-              <a:lumMod val="75000"/>
+            <a:schemeClr val="accent6">
+              <a:lumMod val="50000"/>
               <a:alpha val="44000"/>
             </a:schemeClr>
           </a:solidFill>
@@ -32885,17 +33313,16 @@
         </p:nvSpPr>
         <p:spPr>
           <a:xfrm>
-            <a:off x="6593607" y="5685347"/>
+            <a:off x="6377765" y="5665453"/>
             <a:ext cx="361835" cy="435464"/>
           </a:xfrm>
           <a:prstGeom prst="triangle">
             <a:avLst/>
           </a:prstGeom>
           <a:solidFill>
-            <a:schemeClr val="bg1">
-              <a:lumMod val="75000"/>
+            <a:srgbClr val="FFC000">
               <a:alpha val="44000"/>
-            </a:schemeClr>
+            </a:srgbClr>
           </a:solidFill>
           <a:ln>
             <a:solidFill>
@@ -33320,7 +33747,7 @@
         </p:nvSpPr>
         <p:spPr>
           <a:xfrm>
-            <a:off x="7770961" y="5295293"/>
+            <a:off x="7683979" y="5458821"/>
             <a:ext cx="554832" cy="307777"/>
           </a:xfrm>
           <a:prstGeom prst="rect">
@@ -33551,13 +33978,249 @@
           </a:bodyPr>
           <a:lstStyle/>
           <a:p>
+            <a:endParaRPr lang="de-DE" dirty="0">
+              <a:solidFill>
+                <a:schemeClr val="accent5"/>
+              </a:solidFill>
+            </a:endParaRPr>
+          </a:p>
+        </p:txBody>
+      </p:sp>
+      <p:sp>
+        <p:nvSpPr>
+          <p:cNvPr id="3" name="Content Placeholder 2"/>
+          <p:cNvSpPr>
+            <a:spLocks noGrp="1"/>
+          </p:cNvSpPr>
+          <p:nvPr>
+            <p:ph idx="1"/>
+          </p:nvPr>
+        </p:nvSpPr>
+        <p:spPr>
+          <a:xfrm>
+            <a:off x="460977" y="1046648"/>
+            <a:ext cx="8290057" cy="5206790"/>
+          </a:xfrm>
+        </p:spPr>
+        <p:txBody>
+          <a:bodyPr>
+            <a:normAutofit/>
+          </a:bodyPr>
+          <a:lstStyle/>
+          <a:p>
+            <a:pPr marL="0" indent="0" algn="ctr">
+              <a:buNone/>
+            </a:pPr>
+            <a:endParaRPr lang="en-US" sz="4000" dirty="0">
+              <a:solidFill>
+                <a:schemeClr val="accent5"/>
+              </a:solidFill>
+            </a:endParaRPr>
+          </a:p>
+          <a:p>
+            <a:pPr marL="0" indent="0" algn="ctr">
+              <a:buNone/>
+            </a:pPr>
+            <a:endParaRPr lang="en-US" sz="4000" dirty="0" smtClean="0">
+              <a:solidFill>
+                <a:schemeClr val="accent5"/>
+              </a:solidFill>
+            </a:endParaRPr>
+          </a:p>
+          <a:p>
+            <a:pPr marL="0" indent="0" algn="ctr">
+              <a:buNone/>
+            </a:pPr>
+            <a:endParaRPr lang="en-US" sz="4000" dirty="0">
+              <a:solidFill>
+                <a:schemeClr val="accent5"/>
+              </a:solidFill>
+            </a:endParaRPr>
+          </a:p>
+          <a:p>
+            <a:pPr marL="0" indent="0" algn="ctr">
+              <a:buNone/>
+            </a:pPr>
+            <a:r>
+              <a:rPr lang="en-US" sz="4000" dirty="0" smtClean="0">
+                <a:solidFill>
+                  <a:schemeClr val="accent5"/>
+                </a:solidFill>
+              </a:rPr>
+              <a:t>New Approach</a:t>
+            </a:r>
+            <a:endParaRPr lang="de-DE" sz="4000" dirty="0"/>
+          </a:p>
+        </p:txBody>
+      </p:sp>
+      <p:sp>
+        <p:nvSpPr>
+          <p:cNvPr id="7" name="Slide Number Placeholder 6"/>
+          <p:cNvSpPr>
+            <a:spLocks noGrp="1"/>
+          </p:cNvSpPr>
+          <p:nvPr>
+            <p:ph type="sldNum" sz="quarter" idx="12"/>
+          </p:nvPr>
+        </p:nvSpPr>
+        <p:spPr/>
+        <p:txBody>
+          <a:bodyPr/>
+          <a:lstStyle/>
+          <a:p>
+            <a:fld id="{EAE41600-55F5-4A6B-8385-85433044AE0B}" type="slidenum">
+              <a:rPr lang="de-DE" smtClean="0"/>
+              <a:t>17</a:t>
+            </a:fld>
+            <a:endParaRPr lang="de-DE" dirty="0"/>
+          </a:p>
+        </p:txBody>
+      </p:sp>
+      <p:pic>
+        <p:nvPicPr>
+          <p:cNvPr id="11" name="Picture 10"/>
+          <p:cNvPicPr>
+            <a:picLocks noChangeAspect="1"/>
+          </p:cNvPicPr>
+          <p:nvPr/>
+        </p:nvPicPr>
+        <p:blipFill>
+          <a:blip r:embed="rId3" cstate="print">
+            <a:extLst>
+              <a:ext uri="{28A0092B-C50C-407E-A947-70E740481C1C}">
+                <a14:useLocalDpi xmlns:a14="http://schemas.microsoft.com/office/drawing/2010/main" val="0"/>
+              </a:ext>
+            </a:extLst>
+          </a:blip>
+          <a:stretch>
+            <a:fillRect/>
+          </a:stretch>
+        </p:blipFill>
+        <p:spPr>
+          <a:xfrm>
+            <a:off x="8198547" y="101546"/>
+            <a:ext cx="817158" cy="430469"/>
+          </a:xfrm>
+          <a:prstGeom prst="rect">
+            <a:avLst/>
+          </a:prstGeom>
+        </p:spPr>
+      </p:pic>
+      <p:pic>
+        <p:nvPicPr>
+          <p:cNvPr id="12" name="Picture 2" descr="File:LMU Muenchen Logo.svg"/>
+          <p:cNvPicPr>
+            <a:picLocks noChangeAspect="1" noChangeArrowheads="1"/>
+          </p:cNvPicPr>
+          <p:nvPr/>
+        </p:nvPicPr>
+        <p:blipFill>
+          <a:blip r:embed="rId4" cstate="print">
+            <a:extLst>
+              <a:ext uri="{28A0092B-C50C-407E-A947-70E740481C1C}">
+                <a14:useLocalDpi xmlns:a14="http://schemas.microsoft.com/office/drawing/2010/main" val="0"/>
+              </a:ext>
+            </a:extLst>
+          </a:blip>
+          <a:srcRect/>
+          <a:stretch>
+            <a:fillRect/>
+          </a:stretch>
+        </p:blipFill>
+        <p:spPr bwMode="auto">
+          <a:xfrm>
+            <a:off x="103529" y="6293665"/>
+            <a:ext cx="936625" cy="490496"/>
+          </a:xfrm>
+          <a:prstGeom prst="rect">
+            <a:avLst/>
+          </a:prstGeom>
+          <a:noFill/>
+          <a:extLst>
+            <a:ext uri="{909E8E84-426E-40DD-AFC4-6F175D3DCCD1}">
+              <a14:hiddenFill xmlns:a14="http://schemas.microsoft.com/office/drawing/2010/main">
+                <a:solidFill>
+                  <a:srgbClr val="FFFFFF"/>
+                </a:solidFill>
+              </a14:hiddenFill>
+            </a:ext>
+          </a:extLst>
+        </p:spPr>
+      </p:pic>
+    </p:spTree>
+    <p:extLst>
+      <p:ext uri="{BB962C8B-B14F-4D97-AF65-F5344CB8AC3E}">
+        <p14:creationId xmlns:p14="http://schemas.microsoft.com/office/powerpoint/2010/main" val="2862038281"/>
+      </p:ext>
+    </p:extLst>
+  </p:cSld>
+  <p:clrMapOvr>
+    <a:masterClrMapping/>
+  </p:clrMapOvr>
+  <p:timing>
+    <p:tnLst>
+      <p:par>
+        <p:cTn id="1" dur="indefinite" restart="never" nodeType="tmRoot"/>
+      </p:par>
+    </p:tnLst>
+  </p:timing>
+</p:sld>
+</file>
+
+<file path=ppt/slides/slide18.xml><?xml version="1.0" encoding="utf-8"?>
+<p:sld xmlns:a="http://schemas.openxmlformats.org/drawingml/2006/main" xmlns:r="http://schemas.openxmlformats.org/officeDocument/2006/relationships" xmlns:p="http://schemas.openxmlformats.org/presentationml/2006/main">
+  <p:cSld>
+    <p:spTree>
+      <p:nvGrpSpPr>
+        <p:cNvPr id="1" name=""/>
+        <p:cNvGrpSpPr/>
+        <p:nvPr/>
+      </p:nvGrpSpPr>
+      <p:grpSpPr>
+        <a:xfrm>
+          <a:off x="0" y="0"/>
+          <a:ext cx="0" cy="0"/>
+          <a:chOff x="0" y="0"/>
+          <a:chExt cx="0" cy="0"/>
+        </a:xfrm>
+      </p:grpSpPr>
+      <p:sp>
+        <p:nvSpPr>
+          <p:cNvPr id="2" name="Title 1"/>
+          <p:cNvSpPr>
+            <a:spLocks noGrp="1"/>
+          </p:cNvSpPr>
+          <p:nvPr>
+            <p:ph type="title"/>
+          </p:nvPr>
+        </p:nvSpPr>
+        <p:spPr>
+          <a:xfrm>
+            <a:off x="460977" y="365127"/>
+            <a:ext cx="8290057" cy="609730"/>
+          </a:xfrm>
+        </p:spPr>
+        <p:txBody>
+          <a:bodyPr>
+            <a:normAutofit fontScale="90000"/>
+          </a:bodyPr>
+          <a:lstStyle/>
+          <a:p>
             <a:r>
               <a:rPr lang="en-US" dirty="0" smtClean="0">
                 <a:solidFill>
                   <a:schemeClr val="accent5"/>
                 </a:solidFill>
               </a:rPr>
-              <a:t>New Carry-over Bagging </a:t>
+              <a:t>Carry-over </a:t>
+            </a:r>
+            <a:r>
+              <a:rPr lang="en-US" dirty="0" smtClean="0">
+                <a:solidFill>
+                  <a:schemeClr val="accent5"/>
+                </a:solidFill>
+              </a:rPr>
+              <a:t>Bagging </a:t>
             </a:r>
             <a:r>
               <a:rPr lang="en-US" sz="3100" dirty="0" smtClean="0">
@@ -33571,7 +34234,7 @@
               <a:t>(</a:t>
             </a:r>
             <a:r>
-              <a:rPr lang="en-US" sz="3100" dirty="0" err="1" smtClean="0">
+              <a:rPr lang="en-US" sz="3100" dirty="0" smtClean="0">
                 <a:solidFill>
                   <a:prstClr val="black">
                     <a:lumMod val="50000"/>
@@ -33638,24 +34301,41 @@
           <a:p>
             <a:r>
               <a:rPr lang="de-DE" dirty="0" smtClean="0"/>
-              <a:t>Maintain </a:t>
+              <a:t>Once the limit is reached</a:t>
+            </a:r>
+          </a:p>
+          <a:p>
+            <a:pPr lvl="1"/>
+            <a:r>
+              <a:rPr lang="de-DE" dirty="0" smtClean="0">
+                <a:solidFill>
+                  <a:srgbClr val="0070C0"/>
+                </a:solidFill>
+              </a:rPr>
+              <a:t>Move</a:t>
             </a:r>
             <a:r>
-              <a:rPr lang="de-DE" dirty="0"/>
-              <a:t>an extra list of trees</a:t>
+              <a:rPr lang="de-DE" dirty="0" smtClean="0"/>
+              <a:t> trees to the extra list</a:t>
             </a:r>
           </a:p>
           <a:p>
+            <a:pPr lvl="1"/>
+            <a:r>
+              <a:rPr lang="de-DE" dirty="0" smtClean="0">
+                <a:solidFill>
+                  <a:srgbClr val="0070C0"/>
+                </a:solidFill>
+              </a:rPr>
+              <a:t>Retrict</a:t>
+            </a:r>
             <a:r>
               <a:rPr lang="de-DE" dirty="0" smtClean="0"/>
-              <a:t>Once the limit is reached, move trees to the extra list</a:t>
+              <a:t> </a:t>
             </a:r>
-          </a:p>
-          <a:p>
-            <a:pPr lvl="1"/>
             <a:r>
               <a:rPr lang="de-DE" dirty="0" smtClean="0"/>
-              <a:t>Retrict it from growing</a:t>
+              <a:t>it from growing</a:t>
             </a:r>
           </a:p>
           <a:p>
@@ -33694,8 +34374,12 @@
           </a:p>
           <a:p>
             <a:r>
-              <a:rPr lang="de-DE" dirty="0" smtClean="0"/>
-              <a:t>When new one is large enough or more trees reached their limit, </a:t>
+              <a:rPr lang="de-DE" dirty="0">
+                <a:solidFill>
+                  <a:srgbClr val="0070C0"/>
+                </a:solidFill>
+              </a:rPr>
+              <a:t>D</a:t>
             </a:r>
             <a:r>
               <a:rPr lang="de-DE" dirty="0" smtClean="0">
@@ -33703,7 +34387,7 @@
                   <a:srgbClr val="0070C0"/>
                 </a:solidFill>
               </a:rPr>
-              <a:t>delete</a:t>
+              <a:t>elete</a:t>
             </a:r>
             <a:r>
               <a:rPr lang="de-DE" dirty="0" smtClean="0"/>
@@ -33719,8 +34403,39 @@
             </a:r>
             <a:r>
               <a:rPr lang="de-DE" dirty="0" smtClean="0"/>
-              <a:t> from the extra list</a:t>
+              <a:t> from </a:t>
             </a:r>
+            <a:r>
+              <a:rPr lang="de-DE" dirty="0" smtClean="0"/>
+              <a:t>extra list</a:t>
+            </a:r>
+          </a:p>
+          <a:p>
+            <a:pPr lvl="1"/>
+            <a:r>
+              <a:rPr lang="de-DE" dirty="0"/>
+              <a:t>When new one is large </a:t>
+            </a:r>
+            <a:r>
+              <a:rPr lang="de-DE" dirty="0" smtClean="0"/>
+              <a:t>enough</a:t>
+            </a:r>
+          </a:p>
+          <a:p>
+            <a:pPr lvl="1"/>
+            <a:r>
+              <a:rPr lang="de-DE" dirty="0" smtClean="0"/>
+              <a:t>Or </a:t>
+            </a:r>
+            <a:r>
+              <a:rPr lang="de-DE" dirty="0"/>
+              <a:t>more trees reached their </a:t>
+            </a:r>
+            <a:r>
+              <a:rPr lang="de-DE" dirty="0" smtClean="0"/>
+              <a:t>limit</a:t>
+            </a:r>
+            <a:endParaRPr lang="de-DE" dirty="0" smtClean="0"/>
           </a:p>
           <a:p>
             <a:r>
@@ -33760,7 +34475,7 @@
           <a:p>
             <a:fld id="{EAE41600-55F5-4A6B-8385-85433044AE0B}" type="slidenum">
               <a:rPr lang="de-DE" smtClean="0"/>
-              <a:t>17</a:t>
+              <a:t>18</a:t>
             </a:fld>
             <a:endParaRPr lang="de-DE" dirty="0"/>
           </a:p>
@@ -33845,7 +34560,7 @@
         </p:nvSpPr>
         <p:spPr>
           <a:xfrm>
-            <a:off x="6900117" y="1261837"/>
+            <a:off x="7051199" y="1347978"/>
             <a:ext cx="226960" cy="206290"/>
           </a:xfrm>
           <a:prstGeom prst="triangle">
@@ -33896,7 +34611,7 @@
         </p:nvSpPr>
         <p:spPr>
           <a:xfrm>
-            <a:off x="6489887" y="1071571"/>
+            <a:off x="6622615" y="1072387"/>
             <a:ext cx="613006" cy="276999"/>
           </a:xfrm>
           <a:prstGeom prst="rect">
@@ -34044,8 +34759,8 @@
             <a:avLst/>
           </a:prstGeom>
           <a:solidFill>
-            <a:schemeClr val="bg1">
-              <a:lumMod val="75000"/>
+            <a:schemeClr val="accent6">
+              <a:lumMod val="50000"/>
               <a:alpha val="44000"/>
             </a:schemeClr>
           </a:solidFill>
@@ -34088,7 +34803,7 @@
         </p:nvSpPr>
         <p:spPr>
           <a:xfrm>
-            <a:off x="6971432" y="3047087"/>
+            <a:off x="7009898" y="3089905"/>
             <a:ext cx="252797" cy="217896"/>
           </a:xfrm>
           <a:prstGeom prst="triangle">
@@ -34146,10 +34861,9 @@
             <a:avLst/>
           </a:prstGeom>
           <a:solidFill>
-            <a:schemeClr val="bg1">
-              <a:lumMod val="75000"/>
+            <a:srgbClr val="FFC000">
               <a:alpha val="44000"/>
-            </a:schemeClr>
+            </a:srgbClr>
           </a:solidFill>
           <a:ln>
             <a:solidFill>
@@ -34190,7 +34904,7 @@
         </p:nvSpPr>
         <p:spPr>
           <a:xfrm>
-            <a:off x="7008533" y="2002764"/>
+            <a:off x="7066585" y="2056408"/>
             <a:ext cx="127764" cy="99403"/>
           </a:xfrm>
           <a:prstGeom prst="triangle">
@@ -34241,15 +34955,65 @@
         </p:nvSpPr>
         <p:spPr>
           <a:xfrm>
-            <a:off x="6423150" y="1554567"/>
+            <a:off x="6520573" y="1580633"/>
             <a:ext cx="206120" cy="195233"/>
           </a:xfrm>
           <a:prstGeom prst="triangle">
             <a:avLst/>
           </a:prstGeom>
           <a:solidFill>
-            <a:schemeClr val="bg1">
-              <a:lumMod val="75000"/>
+            <a:srgbClr val="FFC000">
+              <a:alpha val="44000"/>
+            </a:srgbClr>
+          </a:solidFill>
+          <a:ln>
+            <a:solidFill>
+              <a:schemeClr val="tx1"/>
+            </a:solidFill>
+          </a:ln>
+        </p:spPr>
+        <p:style>
+          <a:lnRef idx="2">
+            <a:schemeClr val="accent1">
+              <a:shade val="50000"/>
+            </a:schemeClr>
+          </a:lnRef>
+          <a:fillRef idx="1">
+            <a:schemeClr val="accent1"/>
+          </a:fillRef>
+          <a:effectRef idx="0">
+            <a:schemeClr val="accent1"/>
+          </a:effectRef>
+          <a:fontRef idx="minor">
+            <a:schemeClr val="lt1"/>
+          </a:fontRef>
+        </p:style>
+        <p:txBody>
+          <a:bodyPr rtlCol="0" anchor="ctr"/>
+          <a:lstStyle/>
+          <a:p>
+            <a:pPr algn="ctr"/>
+            <a:endParaRPr lang="en-US" dirty="0"/>
+          </a:p>
+        </p:txBody>
+      </p:sp>
+      <p:sp>
+        <p:nvSpPr>
+          <p:cNvPr id="30" name="Isosceles Triangle 29"/>
+          <p:cNvSpPr/>
+          <p:nvPr/>
+        </p:nvSpPr>
+        <p:spPr>
+          <a:xfrm>
+            <a:off x="7545086" y="1479296"/>
+            <a:ext cx="214744" cy="206883"/>
+          </a:xfrm>
+          <a:prstGeom prst="triangle">
+            <a:avLst/>
+          </a:prstGeom>
+          <a:solidFill>
+            <a:schemeClr val="accent6">
+              <a:lumMod val="50000"/>
               <a:alpha val="44000"/>
             </a:schemeClr>
           </a:solidFill>
@@ -34286,21 +35050,21 @@
       </p:sp>
       <p:sp>
         <p:nvSpPr>
-          <p:cNvPr id="30" name="Isosceles Triangle 29"/>
+          <p:cNvPr id="31" name="Isosceles Triangle 30"/>
           <p:cNvSpPr/>
           <p:nvPr/>
         </p:nvSpPr>
         <p:spPr>
           <a:xfrm>
-            <a:off x="7421090" y="1480480"/>
-            <a:ext cx="214744" cy="206883"/>
+            <a:off x="7440334" y="2150464"/>
+            <a:ext cx="405552" cy="488125"/>
           </a:xfrm>
           <a:prstGeom prst="triangle">
             <a:avLst/>
           </a:prstGeom>
           <a:solidFill>
-            <a:schemeClr val="bg1">
-              <a:lumMod val="75000"/>
+            <a:schemeClr val="accent6">
+              <a:lumMod val="50000"/>
               <a:alpha val="44000"/>
             </a:schemeClr>
           </a:solidFill>
@@ -34337,23 +35101,22 @@
       </p:sp>
       <p:sp>
         <p:nvSpPr>
-          <p:cNvPr id="31" name="Isosceles Triangle 30"/>
+          <p:cNvPr id="32" name="Isosceles Triangle 31"/>
           <p:cNvSpPr/>
           <p:nvPr/>
         </p:nvSpPr>
         <p:spPr>
           <a:xfrm>
-            <a:off x="7308187" y="2066410"/>
-            <a:ext cx="405552" cy="488125"/>
+            <a:off x="6565309" y="3615902"/>
+            <a:ext cx="127764" cy="99403"/>
           </a:xfrm>
           <a:prstGeom prst="triangle">
             <a:avLst/>
           </a:prstGeom>
           <a:solidFill>
-            <a:schemeClr val="bg1">
-              <a:lumMod val="75000"/>
+            <a:srgbClr val="FFC000">
               <a:alpha val="44000"/>
-            </a:schemeClr>
+            </a:srgbClr>
           </a:solidFill>
           <a:ln>
             <a:solidFill>
@@ -34388,64 +35151,13 @@
       </p:sp>
       <p:sp>
         <p:nvSpPr>
-          <p:cNvPr id="32" name="Isosceles Triangle 31"/>
-          <p:cNvSpPr/>
-          <p:nvPr/>
-        </p:nvSpPr>
-        <p:spPr>
-          <a:xfrm>
-            <a:off x="6622615" y="3615849"/>
-            <a:ext cx="127764" cy="99403"/>
-          </a:xfrm>
-          <a:prstGeom prst="triangle">
-            <a:avLst/>
-          </a:prstGeom>
-          <a:solidFill>
-            <a:schemeClr val="bg1">
-              <a:lumMod val="75000"/>
-              <a:alpha val="44000"/>
-            </a:schemeClr>
-          </a:solidFill>
-          <a:ln>
-            <a:solidFill>
-              <a:schemeClr val="tx1"/>
-            </a:solidFill>
-          </a:ln>
-        </p:spPr>
-        <p:style>
-          <a:lnRef idx="2">
-            <a:schemeClr val="accent1">
-              <a:shade val="50000"/>
-            </a:schemeClr>
-          </a:lnRef>
-          <a:fillRef idx="1">
-            <a:schemeClr val="accent1"/>
-          </a:fillRef>
-          <a:effectRef idx="0">
-            <a:schemeClr val="accent1"/>
-          </a:effectRef>
-          <a:fontRef idx="minor">
-            <a:schemeClr val="lt1"/>
-          </a:fontRef>
-        </p:style>
-        <p:txBody>
-          <a:bodyPr rtlCol="0" anchor="ctr"/>
-          <a:lstStyle/>
-          <a:p>
-            <a:pPr algn="ctr"/>
-            <a:endParaRPr lang="en-US" dirty="0"/>
-          </a:p>
-        </p:txBody>
-      </p:sp>
-      <p:sp>
-        <p:nvSpPr>
           <p:cNvPr id="33" name="Isosceles Triangle 32"/>
           <p:cNvSpPr/>
           <p:nvPr/>
         </p:nvSpPr>
         <p:spPr>
           <a:xfrm>
-            <a:off x="7075657" y="5317214"/>
+            <a:off x="7050307" y="5317214"/>
             <a:ext cx="205724" cy="196472"/>
           </a:xfrm>
           <a:prstGeom prst="triangle">
@@ -34496,15 +35208,15 @@
         </p:nvSpPr>
         <p:spPr>
           <a:xfrm>
-            <a:off x="7448453" y="4645507"/>
+            <a:off x="7574971" y="4736271"/>
             <a:ext cx="127764" cy="99403"/>
           </a:xfrm>
           <a:prstGeom prst="triangle">
             <a:avLst/>
           </a:prstGeom>
           <a:solidFill>
-            <a:schemeClr val="bg1">
-              <a:lumMod val="75000"/>
+            <a:schemeClr val="accent6">
+              <a:lumMod val="50000"/>
               <a:alpha val="44000"/>
             </a:schemeClr>
           </a:solidFill>
@@ -34547,17 +35259,16 @@
         </p:nvSpPr>
         <p:spPr>
           <a:xfrm>
-            <a:off x="6538282" y="5634046"/>
+            <a:off x="6472031" y="5644297"/>
             <a:ext cx="361835" cy="435464"/>
           </a:xfrm>
           <a:prstGeom prst="triangle">
             <a:avLst/>
           </a:prstGeom>
           <a:solidFill>
-            <a:schemeClr val="bg1">
-              <a:lumMod val="75000"/>
+            <a:srgbClr val="FFC000">
               <a:alpha val="44000"/>
-            </a:schemeClr>
+            </a:srgbClr>
           </a:solidFill>
           <a:ln>
             <a:solidFill>
@@ -34850,7 +35561,7 @@
         </p:nvSpPr>
         <p:spPr>
           <a:xfrm>
-            <a:off x="6519795" y="1792583"/>
+            <a:off x="6645951" y="1857569"/>
             <a:ext cx="554832" cy="307777"/>
           </a:xfrm>
           <a:prstGeom prst="rect">
@@ -34887,8 +35598,8 @@
             <a:avLst/>
           </a:prstGeom>
           <a:solidFill>
-            <a:schemeClr val="bg1">
-              <a:lumMod val="75000"/>
+            <a:schemeClr val="accent6">
+              <a:lumMod val="50000"/>
               <a:alpha val="44000"/>
             </a:schemeClr>
           </a:solidFill>
@@ -34931,7 +35642,7 @@
         </p:nvSpPr>
         <p:spPr>
           <a:xfrm>
-            <a:off x="7028584" y="4194127"/>
+            <a:off x="7009898" y="4318896"/>
             <a:ext cx="252797" cy="217896"/>
           </a:xfrm>
           <a:prstGeom prst="triangle">
@@ -35068,17 +35779,16 @@
         </p:nvSpPr>
         <p:spPr>
           <a:xfrm>
-            <a:off x="6459410" y="2198345"/>
+            <a:off x="6419447" y="2263531"/>
             <a:ext cx="405552" cy="488125"/>
           </a:xfrm>
           <a:prstGeom prst="triangle">
             <a:avLst/>
           </a:prstGeom>
           <a:solidFill>
-            <a:schemeClr val="bg1">
-              <a:lumMod val="75000"/>
+            <a:srgbClr val="FFC000">
               <a:alpha val="44000"/>
-            </a:schemeClr>
+            </a:srgbClr>
           </a:solidFill>
           <a:ln>
             <a:solidFill>
@@ -35119,15 +35829,15 @@
         </p:nvSpPr>
         <p:spPr>
           <a:xfrm>
-            <a:off x="7486650" y="5438673"/>
+            <a:off x="7421724" y="5438187"/>
             <a:ext cx="472224" cy="641574"/>
           </a:xfrm>
           <a:prstGeom prst="triangle">
             <a:avLst/>
           </a:prstGeom>
           <a:solidFill>
-            <a:schemeClr val="bg1">
-              <a:lumMod val="75000"/>
+            <a:schemeClr val="accent6">
+              <a:lumMod val="50000"/>
               <a:alpha val="44000"/>
             </a:schemeClr>
           </a:solidFill>
@@ -35360,7 +36070,7 @@
         </p:nvSpPr>
         <p:spPr>
           <a:xfrm>
-            <a:off x="7470658" y="4437938"/>
+            <a:off x="7470658" y="4337899"/>
             <a:ext cx="893771" cy="276999"/>
           </a:xfrm>
           <a:prstGeom prst="rect">
@@ -35576,7 +36286,7 @@
 </p:sld>
 </file>
 
-<file path=ppt/slides/slide18.xml><?xml version="1.0" encoding="utf-8"?>
+<file path=ppt/slides/slide19.xml><?xml version="1.0" encoding="utf-8"?>
 <p:sld xmlns:a="http://schemas.openxmlformats.org/drawingml/2006/main" xmlns:r="http://schemas.openxmlformats.org/officeDocument/2006/relationships" xmlns:p="http://schemas.openxmlformats.org/presentationml/2006/main">
   <p:cSld>
     <p:spTree>
@@ -35761,7 +36471,7 @@
           <a:p>
             <a:fld id="{EAE41600-55F5-4A6B-8385-85433044AE0B}" type="slidenum">
               <a:rPr lang="de-DE" smtClean="0"/>
-              <a:t>18</a:t>
+              <a:t>19</a:t>
             </a:fld>
             <a:endParaRPr lang="de-DE" dirty="0"/>
           </a:p>
@@ -35842,236 +36552,6 @@
     <p:extLst>
       <p:ext uri="{BB962C8B-B14F-4D97-AF65-F5344CB8AC3E}">
         <p14:creationId xmlns:p14="http://schemas.microsoft.com/office/powerpoint/2010/main" val="4197158927"/>
-      </p:ext>
-    </p:extLst>
-  </p:cSld>
-  <p:clrMapOvr>
-    <a:masterClrMapping/>
-  </p:clrMapOvr>
-  <p:timing>
-    <p:tnLst>
-      <p:par>
-        <p:cTn id="1" dur="indefinite" restart="never" nodeType="tmRoot"/>
-      </p:par>
-    </p:tnLst>
-  </p:timing>
-</p:sld>
-</file>
-
-<file path=ppt/slides/slide19.xml><?xml version="1.0" encoding="utf-8"?>
-<p:sld xmlns:a="http://schemas.openxmlformats.org/drawingml/2006/main" xmlns:r="http://schemas.openxmlformats.org/officeDocument/2006/relationships" xmlns:p="http://schemas.openxmlformats.org/presentationml/2006/main">
-  <p:cSld>
-    <p:spTree>
-      <p:nvGrpSpPr>
-        <p:cNvPr id="1" name=""/>
-        <p:cNvGrpSpPr/>
-        <p:nvPr/>
-      </p:nvGrpSpPr>
-      <p:grpSpPr>
-        <a:xfrm>
-          <a:off x="0" y="0"/>
-          <a:ext cx="0" cy="0"/>
-          <a:chOff x="0" y="0"/>
-          <a:chExt cx="0" cy="0"/>
-        </a:xfrm>
-      </p:grpSpPr>
-      <p:sp>
-        <p:nvSpPr>
-          <p:cNvPr id="2" name="Title 1"/>
-          <p:cNvSpPr>
-            <a:spLocks noGrp="1"/>
-          </p:cNvSpPr>
-          <p:nvPr>
-            <p:ph type="title"/>
-          </p:nvPr>
-        </p:nvSpPr>
-        <p:spPr>
-          <a:xfrm>
-            <a:off x="460977" y="365127"/>
-            <a:ext cx="8290057" cy="609730"/>
-          </a:xfrm>
-        </p:spPr>
-        <p:txBody>
-          <a:bodyPr>
-            <a:normAutofit fontScale="90000"/>
-          </a:bodyPr>
-          <a:lstStyle/>
-          <a:p>
-            <a:r>
-              <a:rPr lang="en-US" dirty="0" smtClean="0">
-                <a:solidFill>
-                  <a:schemeClr val="accent5"/>
-                </a:solidFill>
-              </a:rPr>
-              <a:t>Data Generation</a:t>
-            </a:r>
-            <a:endParaRPr lang="de-DE" dirty="0">
-              <a:solidFill>
-                <a:schemeClr val="accent5"/>
-              </a:solidFill>
-            </a:endParaRPr>
-          </a:p>
-        </p:txBody>
-      </p:sp>
-      <p:sp>
-        <p:nvSpPr>
-          <p:cNvPr id="3" name="Content Placeholder 2"/>
-          <p:cNvSpPr>
-            <a:spLocks noGrp="1"/>
-          </p:cNvSpPr>
-          <p:nvPr>
-            <p:ph idx="1"/>
-          </p:nvPr>
-        </p:nvSpPr>
-        <p:spPr>
-          <a:xfrm>
-            <a:off x="460977" y="1046648"/>
-            <a:ext cx="8290057" cy="5206790"/>
-          </a:xfrm>
-        </p:spPr>
-        <p:txBody>
-          <a:bodyPr/>
-          <a:lstStyle/>
-          <a:p>
-            <a:r>
-              <a:rPr lang="de-DE" dirty="0" smtClean="0"/>
-              <a:t>Most existing generators uses randomized approach</a:t>
-            </a:r>
-          </a:p>
-          <a:p>
-            <a:r>
-              <a:rPr lang="de-DE" dirty="0" smtClean="0"/>
-              <a:t>Random radial basis function (RandRBF) generator is challenging for DT based approaches</a:t>
-            </a:r>
-          </a:p>
-          <a:p>
-            <a:pPr lvl="1"/>
-            <a:r>
-              <a:rPr lang="de-DE" dirty="0" smtClean="0"/>
-              <a:t>Randomly chooses user-defined number of centroids in the hyperspace</a:t>
-            </a:r>
-          </a:p>
-          <a:p>
-            <a:pPr lvl="1"/>
-            <a:r>
-              <a:rPr lang="de-DE" dirty="0" smtClean="0"/>
-              <a:t>Assigns class label, drift coefficient, standard deviation, weights to each of the entroids</a:t>
-            </a:r>
-          </a:p>
-          <a:p>
-            <a:pPr lvl="1"/>
-            <a:r>
-              <a:rPr lang="de-DE" dirty="0" smtClean="0"/>
-              <a:t>Instances are generated by selecting a centroid at random (weighted), and choosing a point using normal distribution</a:t>
-            </a:r>
-          </a:p>
-          <a:p>
-            <a:r>
-              <a:rPr lang="de-DE" dirty="0" smtClean="0"/>
-              <a:t>Not possible to generate varying speed data set</a:t>
-            </a:r>
-            <a:endParaRPr lang="de-DE" dirty="0"/>
-          </a:p>
-        </p:txBody>
-      </p:sp>
-      <p:sp>
-        <p:nvSpPr>
-          <p:cNvPr id="7" name="Slide Number Placeholder 6"/>
-          <p:cNvSpPr>
-            <a:spLocks noGrp="1"/>
-          </p:cNvSpPr>
-          <p:nvPr>
-            <p:ph type="sldNum" sz="quarter" idx="12"/>
-          </p:nvPr>
-        </p:nvSpPr>
-        <p:spPr/>
-        <p:txBody>
-          <a:bodyPr/>
-          <a:lstStyle/>
-          <a:p>
-            <a:fld id="{EAE41600-55F5-4A6B-8385-85433044AE0B}" type="slidenum">
-              <a:rPr lang="de-DE" smtClean="0"/>
-              <a:t>19</a:t>
-            </a:fld>
-            <a:endParaRPr lang="de-DE" dirty="0"/>
-          </a:p>
-        </p:txBody>
-      </p:sp>
-      <p:pic>
-        <p:nvPicPr>
-          <p:cNvPr id="15" name="Picture 14"/>
-          <p:cNvPicPr>
-            <a:picLocks noChangeAspect="1"/>
-          </p:cNvPicPr>
-          <p:nvPr/>
-        </p:nvPicPr>
-        <p:blipFill>
-          <a:blip r:embed="rId3" cstate="print">
-            <a:extLst>
-              <a:ext uri="{28A0092B-C50C-407E-A947-70E740481C1C}">
-                <a14:useLocalDpi xmlns:a14="http://schemas.microsoft.com/office/drawing/2010/main" val="0"/>
-              </a:ext>
-            </a:extLst>
-          </a:blip>
-          <a:stretch>
-            <a:fillRect/>
-          </a:stretch>
-        </p:blipFill>
-        <p:spPr>
-          <a:xfrm>
-            <a:off x="8198547" y="101546"/>
-            <a:ext cx="817158" cy="430469"/>
-          </a:xfrm>
-          <a:prstGeom prst="rect">
-            <a:avLst/>
-          </a:prstGeom>
-        </p:spPr>
-      </p:pic>
-      <p:pic>
-        <p:nvPicPr>
-          <p:cNvPr id="16" name="Picture 2" descr="File:LMU Muenchen Logo.svg"/>
-          <p:cNvPicPr>
-            <a:picLocks noChangeAspect="1" noChangeArrowheads="1"/>
-          </p:cNvPicPr>
-          <p:nvPr/>
-        </p:nvPicPr>
-        <p:blipFill>
-          <a:blip r:embed="rId4" cstate="print">
-            <a:extLst>
-              <a:ext uri="{28A0092B-C50C-407E-A947-70E740481C1C}">
-                <a14:useLocalDpi xmlns:a14="http://schemas.microsoft.com/office/drawing/2010/main" val="0"/>
-              </a:ext>
-            </a:extLst>
-          </a:blip>
-          <a:srcRect/>
-          <a:stretch>
-            <a:fillRect/>
-          </a:stretch>
-        </p:blipFill>
-        <p:spPr bwMode="auto">
-          <a:xfrm>
-            <a:off x="103529" y="6293665"/>
-            <a:ext cx="936625" cy="490496"/>
-          </a:xfrm>
-          <a:prstGeom prst="rect">
-            <a:avLst/>
-          </a:prstGeom>
-          <a:noFill/>
-          <a:extLst>
-            <a:ext uri="{909E8E84-426E-40DD-AFC4-6F175D3DCCD1}">
-              <a14:hiddenFill xmlns:a14="http://schemas.microsoft.com/office/drawing/2010/main">
-                <a:solidFill>
-                  <a:srgbClr val="FFFFFF"/>
-                </a:solidFill>
-              </a14:hiddenFill>
-            </a:ext>
-          </a:extLst>
-        </p:spPr>
-      </p:pic>
-    </p:spTree>
-    <p:extLst>
-      <p:ext uri="{BB962C8B-B14F-4D97-AF65-F5344CB8AC3E}">
-        <p14:creationId xmlns:p14="http://schemas.microsoft.com/office/powerpoint/2010/main" val="3858327530"/>
       </p:ext>
     </p:extLst>
   </p:cSld>
@@ -36497,20 +36977,12 @@
           <a:lstStyle/>
           <a:p>
             <a:r>
-              <a:rPr lang="en-US" dirty="0" err="1" smtClean="0">
-                <a:solidFill>
-                  <a:schemeClr val="accent5"/>
-                </a:solidFill>
-              </a:rPr>
-              <a:t>RandRBF</a:t>
-            </a:r>
-            <a:r>
               <a:rPr lang="en-US" dirty="0" smtClean="0">
                 <a:solidFill>
                   <a:schemeClr val="accent5"/>
                 </a:solidFill>
               </a:rPr>
-              <a:t> Data Set</a:t>
+              <a:t>Data Generation</a:t>
             </a:r>
             <a:endParaRPr lang="de-DE" dirty="0">
               <a:solidFill>
@@ -36540,6 +37012,43 @@
           <a:bodyPr/>
           <a:lstStyle/>
           <a:p>
+            <a:r>
+              <a:rPr lang="de-DE" dirty="0" smtClean="0"/>
+              <a:t>Most existing generators uses randomized approach</a:t>
+            </a:r>
+          </a:p>
+          <a:p>
+            <a:r>
+              <a:rPr lang="de-DE" dirty="0" smtClean="0"/>
+              <a:t>Random radial basis function (RandRBF) generator is challenging for DT based approaches</a:t>
+            </a:r>
+          </a:p>
+          <a:p>
+            <a:pPr lvl="1"/>
+            <a:r>
+              <a:rPr lang="de-DE" dirty="0" smtClean="0"/>
+              <a:t>Randomly chooses user-defined number of centroids in the hyperspace</a:t>
+            </a:r>
+          </a:p>
+          <a:p>
+            <a:pPr lvl="1"/>
+            <a:r>
+              <a:rPr lang="de-DE" dirty="0" smtClean="0"/>
+              <a:t>Assigns class label, drift coefficient, standard deviation, weights to each of the entroids</a:t>
+            </a:r>
+          </a:p>
+          <a:p>
+            <a:pPr lvl="1"/>
+            <a:r>
+              <a:rPr lang="de-DE" dirty="0" smtClean="0"/>
+              <a:t>Instances are generated by selecting a centroid at random (weighted), and choosing a point using normal distribution</a:t>
+            </a:r>
+          </a:p>
+          <a:p>
+            <a:r>
+              <a:rPr lang="de-DE" dirty="0" smtClean="0"/>
+              <a:t>Not possible to generate varying speed data set</a:t>
+            </a:r>
             <a:endParaRPr lang="de-DE" dirty="0"/>
           </a:p>
         </p:txBody>
@@ -36562,6 +37071,207 @@
             <a:fld id="{EAE41600-55F5-4A6B-8385-85433044AE0B}" type="slidenum">
               <a:rPr lang="de-DE" smtClean="0"/>
               <a:t>20</a:t>
+            </a:fld>
+            <a:endParaRPr lang="de-DE" dirty="0"/>
+          </a:p>
+        </p:txBody>
+      </p:sp>
+      <p:pic>
+        <p:nvPicPr>
+          <p:cNvPr id="15" name="Picture 14"/>
+          <p:cNvPicPr>
+            <a:picLocks noChangeAspect="1"/>
+          </p:cNvPicPr>
+          <p:nvPr/>
+        </p:nvPicPr>
+        <p:blipFill>
+          <a:blip r:embed="rId3" cstate="print">
+            <a:extLst>
+              <a:ext uri="{28A0092B-C50C-407E-A947-70E740481C1C}">
+                <a14:useLocalDpi xmlns:a14="http://schemas.microsoft.com/office/drawing/2010/main" val="0"/>
+              </a:ext>
+            </a:extLst>
+          </a:blip>
+          <a:stretch>
+            <a:fillRect/>
+          </a:stretch>
+        </p:blipFill>
+        <p:spPr>
+          <a:xfrm>
+            <a:off x="8198547" y="101546"/>
+            <a:ext cx="817158" cy="430469"/>
+          </a:xfrm>
+          <a:prstGeom prst="rect">
+            <a:avLst/>
+          </a:prstGeom>
+        </p:spPr>
+      </p:pic>
+      <p:pic>
+        <p:nvPicPr>
+          <p:cNvPr id="16" name="Picture 2" descr="File:LMU Muenchen Logo.svg"/>
+          <p:cNvPicPr>
+            <a:picLocks noChangeAspect="1" noChangeArrowheads="1"/>
+          </p:cNvPicPr>
+          <p:nvPr/>
+        </p:nvPicPr>
+        <p:blipFill>
+          <a:blip r:embed="rId4" cstate="print">
+            <a:extLst>
+              <a:ext uri="{28A0092B-C50C-407E-A947-70E740481C1C}">
+                <a14:useLocalDpi xmlns:a14="http://schemas.microsoft.com/office/drawing/2010/main" val="0"/>
+              </a:ext>
+            </a:extLst>
+          </a:blip>
+          <a:srcRect/>
+          <a:stretch>
+            <a:fillRect/>
+          </a:stretch>
+        </p:blipFill>
+        <p:spPr bwMode="auto">
+          <a:xfrm>
+            <a:off x="103529" y="6293665"/>
+            <a:ext cx="936625" cy="490496"/>
+          </a:xfrm>
+          <a:prstGeom prst="rect">
+            <a:avLst/>
+          </a:prstGeom>
+          <a:noFill/>
+          <a:extLst>
+            <a:ext uri="{909E8E84-426E-40DD-AFC4-6F175D3DCCD1}">
+              <a14:hiddenFill xmlns:a14="http://schemas.microsoft.com/office/drawing/2010/main">
+                <a:solidFill>
+                  <a:srgbClr val="FFFFFF"/>
+                </a:solidFill>
+              </a14:hiddenFill>
+            </a:ext>
+          </a:extLst>
+        </p:spPr>
+      </p:pic>
+    </p:spTree>
+    <p:extLst>
+      <p:ext uri="{BB962C8B-B14F-4D97-AF65-F5344CB8AC3E}">
+        <p14:creationId xmlns:p14="http://schemas.microsoft.com/office/powerpoint/2010/main" val="3858327530"/>
+      </p:ext>
+    </p:extLst>
+  </p:cSld>
+  <p:clrMapOvr>
+    <a:masterClrMapping/>
+  </p:clrMapOvr>
+  <p:timing>
+    <p:tnLst>
+      <p:par>
+        <p:cTn id="1" dur="indefinite" restart="never" nodeType="tmRoot"/>
+      </p:par>
+    </p:tnLst>
+  </p:timing>
+</p:sld>
+</file>
+
+<file path=ppt/slides/slide21.xml><?xml version="1.0" encoding="utf-8"?>
+<p:sld xmlns:a="http://schemas.openxmlformats.org/drawingml/2006/main" xmlns:r="http://schemas.openxmlformats.org/officeDocument/2006/relationships" xmlns:p="http://schemas.openxmlformats.org/presentationml/2006/main">
+  <p:cSld>
+    <p:spTree>
+      <p:nvGrpSpPr>
+        <p:cNvPr id="1" name=""/>
+        <p:cNvGrpSpPr/>
+        <p:nvPr/>
+      </p:nvGrpSpPr>
+      <p:grpSpPr>
+        <a:xfrm>
+          <a:off x="0" y="0"/>
+          <a:ext cx="0" cy="0"/>
+          <a:chOff x="0" y="0"/>
+          <a:chExt cx="0" cy="0"/>
+        </a:xfrm>
+      </p:grpSpPr>
+      <p:sp>
+        <p:nvSpPr>
+          <p:cNvPr id="2" name="Title 1"/>
+          <p:cNvSpPr>
+            <a:spLocks noGrp="1"/>
+          </p:cNvSpPr>
+          <p:nvPr>
+            <p:ph type="title"/>
+          </p:nvPr>
+        </p:nvSpPr>
+        <p:spPr>
+          <a:xfrm>
+            <a:off x="460977" y="365127"/>
+            <a:ext cx="8290057" cy="609730"/>
+          </a:xfrm>
+        </p:spPr>
+        <p:txBody>
+          <a:bodyPr>
+            <a:normAutofit fontScale="90000"/>
+          </a:bodyPr>
+          <a:lstStyle/>
+          <a:p>
+            <a:r>
+              <a:rPr lang="en-US" dirty="0" smtClean="0">
+                <a:solidFill>
+                  <a:schemeClr val="accent5"/>
+                </a:solidFill>
+              </a:rPr>
+              <a:t>RandRBF</a:t>
+            </a:r>
+            <a:r>
+              <a:rPr lang="en-US" dirty="0" smtClean="0">
+                <a:solidFill>
+                  <a:schemeClr val="accent5"/>
+                </a:solidFill>
+              </a:rPr>
+              <a:t> Data Set</a:t>
+            </a:r>
+            <a:endParaRPr lang="de-DE" dirty="0">
+              <a:solidFill>
+                <a:schemeClr val="accent5"/>
+              </a:solidFill>
+            </a:endParaRPr>
+          </a:p>
+        </p:txBody>
+      </p:sp>
+      <p:sp>
+        <p:nvSpPr>
+          <p:cNvPr id="3" name="Content Placeholder 2"/>
+          <p:cNvSpPr>
+            <a:spLocks noGrp="1"/>
+          </p:cNvSpPr>
+          <p:nvPr>
+            <p:ph idx="1"/>
+          </p:nvPr>
+        </p:nvSpPr>
+        <p:spPr>
+          <a:xfrm>
+            <a:off x="460977" y="1046648"/>
+            <a:ext cx="8290057" cy="5206790"/>
+          </a:xfrm>
+        </p:spPr>
+        <p:txBody>
+          <a:bodyPr/>
+          <a:lstStyle/>
+          <a:p>
+            <a:endParaRPr lang="de-DE" dirty="0"/>
+          </a:p>
+        </p:txBody>
+      </p:sp>
+      <p:sp>
+        <p:nvSpPr>
+          <p:cNvPr id="7" name="Slide Number Placeholder 6"/>
+          <p:cNvSpPr>
+            <a:spLocks noGrp="1"/>
+          </p:cNvSpPr>
+          <p:nvPr>
+            <p:ph type="sldNum" sz="quarter" idx="12"/>
+          </p:nvPr>
+        </p:nvSpPr>
+        <p:spPr/>
+        <p:txBody>
+          <a:bodyPr/>
+          <a:lstStyle/>
+          <a:p>
+            <a:fld id="{EAE41600-55F5-4A6B-8385-85433044AE0B}" type="slidenum">
+              <a:rPr lang="de-DE" smtClean="0"/>
+              <a:t>21</a:t>
             </a:fld>
             <a:endParaRPr lang="de-DE" dirty="0"/>
           </a:p>
@@ -36802,7 +37512,7 @@
 </p:sld>
 </file>
 
-<file path=ppt/slides/slide21.xml><?xml version="1.0" encoding="utf-8"?>
+<file path=ppt/slides/slide22.xml><?xml version="1.0" encoding="utf-8"?>
 <p:sld xmlns:a="http://schemas.openxmlformats.org/drawingml/2006/main" xmlns:r="http://schemas.openxmlformats.org/officeDocument/2006/relationships" xmlns:p="http://schemas.openxmlformats.org/presentationml/2006/main">
   <p:cSld>
     <p:spTree>
@@ -36908,7 +37618,7 @@
           <a:p>
             <a:fld id="{EAE41600-55F5-4A6B-8385-85433044AE0B}" type="slidenum">
               <a:rPr lang="de-DE" smtClean="0"/>
-              <a:t>21</a:t>
+              <a:t>22</a:t>
             </a:fld>
             <a:endParaRPr lang="de-DE" dirty="0"/>
           </a:p>
@@ -37053,7 +37763,7 @@
 </p:sld>
 </file>
 
-<file path=ppt/slides/slide22.xml><?xml version="1.0" encoding="utf-8"?>
+<file path=ppt/slides/slide23.xml><?xml version="1.0" encoding="utf-8"?>
 <p:sld xmlns:a="http://schemas.openxmlformats.org/drawingml/2006/main" xmlns:r="http://schemas.openxmlformats.org/officeDocument/2006/relationships" xmlns:p="http://schemas.openxmlformats.org/presentationml/2006/main">
   <p:cSld>
     <p:spTree>
@@ -37159,7 +37869,7 @@
           <a:p>
             <a:fld id="{EAE41600-55F5-4A6B-8385-85433044AE0B}" type="slidenum">
               <a:rPr lang="de-DE" smtClean="0"/>
-              <a:t>22</a:t>
+              <a:t>23</a:t>
             </a:fld>
             <a:endParaRPr lang="de-DE" dirty="0"/>
           </a:p>
@@ -37304,7 +38014,7 @@
 </p:sld>
 </file>
 
-<file path=ppt/slides/slide23.xml><?xml version="1.0" encoding="utf-8"?>
+<file path=ppt/slides/slide24.xml><?xml version="1.0" encoding="utf-8"?>
 <p:sld xmlns:a="http://schemas.openxmlformats.org/drawingml/2006/main" xmlns:r="http://schemas.openxmlformats.org/officeDocument/2006/relationships" xmlns:p="http://schemas.openxmlformats.org/presentationml/2006/main">
   <p:cSld>
     <p:spTree>
@@ -37402,7 +38112,7 @@
           <a:p>
             <a:fld id="{EAE41600-55F5-4A6B-8385-85433044AE0B}" type="slidenum">
               <a:rPr lang="de-DE" smtClean="0"/>
-              <a:t>23</a:t>
+              <a:t>24</a:t>
             </a:fld>
             <a:endParaRPr lang="de-DE" dirty="0"/>
           </a:p>
@@ -37607,7 +38317,7 @@
 </p:sld>
 </file>
 
-<file path=ppt/slides/slide24.xml><?xml version="1.0" encoding="utf-8"?>
+<file path=ppt/slides/slide25.xml><?xml version="1.0" encoding="utf-8"?>
 <p:sld xmlns:a="http://schemas.openxmlformats.org/drawingml/2006/main" xmlns:r="http://schemas.openxmlformats.org/officeDocument/2006/relationships" xmlns:p="http://schemas.openxmlformats.org/presentationml/2006/main">
   <p:cSld>
     <p:spTree>
@@ -37754,7 +38464,7 @@
           <a:p>
             <a:fld id="{EAE41600-55F5-4A6B-8385-85433044AE0B}" type="slidenum">
               <a:rPr lang="de-DE" smtClean="0"/>
-              <a:t>24</a:t>
+              <a:t>25</a:t>
             </a:fld>
             <a:endParaRPr lang="de-DE" dirty="0"/>
           </a:p>
@@ -37851,247 +38561,6 @@
 </p:sld>
 </file>
 
-<file path=ppt/slides/slide25.xml><?xml version="1.0" encoding="utf-8"?>
-<p:sld xmlns:a="http://schemas.openxmlformats.org/drawingml/2006/main" xmlns:r="http://schemas.openxmlformats.org/officeDocument/2006/relationships" xmlns:p="http://schemas.openxmlformats.org/presentationml/2006/main">
-  <p:cSld>
-    <p:spTree>
-      <p:nvGrpSpPr>
-        <p:cNvPr id="1" name=""/>
-        <p:cNvGrpSpPr/>
-        <p:nvPr/>
-      </p:nvGrpSpPr>
-      <p:grpSpPr>
-        <a:xfrm>
-          <a:off x="0" y="0"/>
-          <a:ext cx="0" cy="0"/>
-          <a:chOff x="0" y="0"/>
-          <a:chExt cx="0" cy="0"/>
-        </a:xfrm>
-      </p:grpSpPr>
-      <p:sp>
-        <p:nvSpPr>
-          <p:cNvPr id="2" name="Title 1"/>
-          <p:cNvSpPr>
-            <a:spLocks noGrp="1"/>
-          </p:cNvSpPr>
-          <p:nvPr>
-            <p:ph type="title"/>
-          </p:nvPr>
-        </p:nvSpPr>
-        <p:spPr>
-          <a:xfrm>
-            <a:off x="460977" y="365127"/>
-            <a:ext cx="8290057" cy="609730"/>
-          </a:xfrm>
-        </p:spPr>
-        <p:txBody>
-          <a:bodyPr>
-            <a:normAutofit fontScale="90000"/>
-          </a:bodyPr>
-          <a:lstStyle/>
-          <a:p>
-            <a:r>
-              <a:rPr lang="en-US" dirty="0" smtClean="0">
-                <a:solidFill>
-                  <a:schemeClr val="accent5"/>
-                </a:solidFill>
-              </a:rPr>
-              <a:t>Results</a:t>
-            </a:r>
-            <a:endParaRPr lang="de-DE" dirty="0">
-              <a:solidFill>
-                <a:schemeClr val="accent5"/>
-              </a:solidFill>
-            </a:endParaRPr>
-          </a:p>
-        </p:txBody>
-      </p:sp>
-      <p:sp>
-        <p:nvSpPr>
-          <p:cNvPr id="3" name="Content Placeholder 2"/>
-          <p:cNvSpPr>
-            <a:spLocks noGrp="1"/>
-          </p:cNvSpPr>
-          <p:nvPr>
-            <p:ph idx="1"/>
-          </p:nvPr>
-        </p:nvSpPr>
-        <p:spPr>
-          <a:xfrm>
-            <a:off x="460977" y="1046648"/>
-            <a:ext cx="8290057" cy="5206790"/>
-          </a:xfrm>
-        </p:spPr>
-        <p:txBody>
-          <a:bodyPr/>
-          <a:lstStyle/>
-          <a:p>
-            <a:endParaRPr lang="de-DE" dirty="0"/>
-          </a:p>
-        </p:txBody>
-      </p:sp>
-      <p:sp>
-        <p:nvSpPr>
-          <p:cNvPr id="7" name="Slide Number Placeholder 6"/>
-          <p:cNvSpPr>
-            <a:spLocks noGrp="1"/>
-          </p:cNvSpPr>
-          <p:nvPr>
-            <p:ph type="sldNum" sz="quarter" idx="12"/>
-          </p:nvPr>
-        </p:nvSpPr>
-        <p:spPr/>
-        <p:txBody>
-          <a:bodyPr/>
-          <a:lstStyle/>
-          <a:p>
-            <a:fld id="{EAE41600-55F5-4A6B-8385-85433044AE0B}" type="slidenum">
-              <a:rPr lang="de-DE" smtClean="0"/>
-              <a:t>25</a:t>
-            </a:fld>
-            <a:endParaRPr lang="de-DE" dirty="0"/>
-          </a:p>
-        </p:txBody>
-      </p:sp>
-      <p:pic>
-        <p:nvPicPr>
-          <p:cNvPr id="10" name="Picture 9"/>
-          <p:cNvPicPr>
-            <a:picLocks noChangeAspect="1"/>
-          </p:cNvPicPr>
-          <p:nvPr/>
-        </p:nvPicPr>
-        <p:blipFill>
-          <a:blip r:embed="rId3" cstate="print">
-            <a:extLst>
-              <a:ext uri="{28A0092B-C50C-407E-A947-70E740481C1C}">
-                <a14:useLocalDpi xmlns:a14="http://schemas.microsoft.com/office/drawing/2010/main" val="0"/>
-              </a:ext>
-            </a:extLst>
-          </a:blip>
-          <a:stretch>
-            <a:fillRect/>
-          </a:stretch>
-        </p:blipFill>
-        <p:spPr>
-          <a:xfrm>
-            <a:off x="8198547" y="101546"/>
-            <a:ext cx="817158" cy="430469"/>
-          </a:xfrm>
-          <a:prstGeom prst="rect">
-            <a:avLst/>
-          </a:prstGeom>
-        </p:spPr>
-      </p:pic>
-      <p:pic>
-        <p:nvPicPr>
-          <p:cNvPr id="11" name="Picture 2" descr="File:LMU Muenchen Logo.svg"/>
-          <p:cNvPicPr>
-            <a:picLocks noChangeAspect="1" noChangeArrowheads="1"/>
-          </p:cNvPicPr>
-          <p:nvPr/>
-        </p:nvPicPr>
-        <p:blipFill>
-          <a:blip r:embed="rId4" cstate="print">
-            <a:extLst>
-              <a:ext uri="{28A0092B-C50C-407E-A947-70E740481C1C}">
-                <a14:useLocalDpi xmlns:a14="http://schemas.microsoft.com/office/drawing/2010/main" val="0"/>
-              </a:ext>
-            </a:extLst>
-          </a:blip>
-          <a:srcRect/>
-          <a:stretch>
-            <a:fillRect/>
-          </a:stretch>
-        </p:blipFill>
-        <p:spPr bwMode="auto">
-          <a:xfrm>
-            <a:off x="103529" y="6293665"/>
-            <a:ext cx="936625" cy="490496"/>
-          </a:xfrm>
-          <a:prstGeom prst="rect">
-            <a:avLst/>
-          </a:prstGeom>
-          <a:noFill/>
-          <a:extLst>
-            <a:ext uri="{909E8E84-426E-40DD-AFC4-6F175D3DCCD1}">
-              <a14:hiddenFill xmlns:a14="http://schemas.microsoft.com/office/drawing/2010/main">
-                <a:solidFill>
-                  <a:srgbClr val="FFFFFF"/>
-                </a:solidFill>
-              </a14:hiddenFill>
-            </a:ext>
-          </a:extLst>
-        </p:spPr>
-      </p:pic>
-      <p:pic>
-        <p:nvPicPr>
-          <p:cNvPr id="9" name="Picture 8"/>
-          <p:cNvPicPr>
-            <a:picLocks noChangeAspect="1"/>
-          </p:cNvPicPr>
-          <p:nvPr/>
-        </p:nvPicPr>
-        <p:blipFill>
-          <a:blip r:embed="rId5"/>
-          <a:stretch>
-            <a:fillRect/>
-          </a:stretch>
-        </p:blipFill>
-        <p:spPr>
-          <a:xfrm>
-            <a:off x="2621265" y="1180159"/>
-            <a:ext cx="4022449" cy="2619119"/>
-          </a:xfrm>
-          <a:prstGeom prst="rect">
-            <a:avLst/>
-          </a:prstGeom>
-        </p:spPr>
-      </p:pic>
-      <p:pic>
-        <p:nvPicPr>
-          <p:cNvPr id="12" name="Picture 11"/>
-          <p:cNvPicPr>
-            <a:picLocks noChangeAspect="1"/>
-          </p:cNvPicPr>
-          <p:nvPr/>
-        </p:nvPicPr>
-        <p:blipFill>
-          <a:blip r:embed="rId6"/>
-          <a:stretch>
-            <a:fillRect/>
-          </a:stretch>
-        </p:blipFill>
-        <p:spPr>
-          <a:xfrm>
-            <a:off x="2756685" y="3882288"/>
-            <a:ext cx="3913533" cy="2504661"/>
-          </a:xfrm>
-          <a:prstGeom prst="rect">
-            <a:avLst/>
-          </a:prstGeom>
-        </p:spPr>
-      </p:pic>
-    </p:spTree>
-    <p:extLst>
-      <p:ext uri="{BB962C8B-B14F-4D97-AF65-F5344CB8AC3E}">
-        <p14:creationId xmlns:p14="http://schemas.microsoft.com/office/powerpoint/2010/main" val="3518554107"/>
-      </p:ext>
-    </p:extLst>
-  </p:cSld>
-  <p:clrMapOvr>
-    <a:masterClrMapping/>
-  </p:clrMapOvr>
-  <p:timing>
-    <p:tnLst>
-      <p:par>
-        <p:cTn id="1" dur="indefinite" restart="never" nodeType="tmRoot"/>
-      </p:par>
-    </p:tnLst>
-  </p:timing>
-</p:sld>
-</file>
-
 <file path=ppt/slides/slide26.xml><?xml version="1.0" encoding="utf-8"?>
 <p:sld xmlns:a="http://schemas.openxmlformats.org/drawingml/2006/main" xmlns:r="http://schemas.openxmlformats.org/officeDocument/2006/relationships" xmlns:p="http://schemas.openxmlformats.org/presentationml/2006/main">
   <p:cSld>
@@ -38137,7 +38606,7 @@
                   <a:schemeClr val="accent5"/>
                 </a:solidFill>
               </a:rPr>
-              <a:t>Results</a:t>
+              <a:t>Comparison with Batch Approaches</a:t>
             </a:r>
             <a:endParaRPr lang="de-DE" dirty="0">
               <a:solidFill>
@@ -38167,7 +38636,20 @@
           <a:bodyPr/>
           <a:lstStyle/>
           <a:p>
+            <a:r>
+              <a:rPr lang="de-DE" dirty="0" smtClean="0"/>
+              <a:t>10 fold cross validation for batch approaches</a:t>
+            </a:r>
+          </a:p>
+          <a:p>
+            <a:r>
+              <a:rPr lang="de-DE" dirty="0" smtClean="0"/>
+              <a:t>ADWIN variants and BagSRHT reach closest to C4.5</a:t>
+            </a:r>
             <a:endParaRPr lang="de-DE" dirty="0"/>
+          </a:p>
+          <a:p>
+            <a:endParaRPr lang="de-DE" dirty="0" smtClean="0"/>
           </a:p>
         </p:txBody>
       </p:sp>
@@ -38189,6 +38671,274 @@
             <a:fld id="{EAE41600-55F5-4A6B-8385-85433044AE0B}" type="slidenum">
               <a:rPr lang="de-DE" smtClean="0"/>
               <a:t>26</a:t>
+            </a:fld>
+            <a:endParaRPr lang="de-DE" dirty="0"/>
+          </a:p>
+        </p:txBody>
+      </p:sp>
+      <p:pic>
+        <p:nvPicPr>
+          <p:cNvPr id="10" name="Picture 9"/>
+          <p:cNvPicPr>
+            <a:picLocks noChangeAspect="1"/>
+          </p:cNvPicPr>
+          <p:nvPr/>
+        </p:nvPicPr>
+        <p:blipFill>
+          <a:blip r:embed="rId3" cstate="print">
+            <a:extLst>
+              <a:ext uri="{28A0092B-C50C-407E-A947-70E740481C1C}">
+                <a14:useLocalDpi xmlns:a14="http://schemas.microsoft.com/office/drawing/2010/main" val="0"/>
+              </a:ext>
+            </a:extLst>
+          </a:blip>
+          <a:stretch>
+            <a:fillRect/>
+          </a:stretch>
+        </p:blipFill>
+        <p:spPr>
+          <a:xfrm>
+            <a:off x="8198547" y="101546"/>
+            <a:ext cx="817158" cy="430469"/>
+          </a:xfrm>
+          <a:prstGeom prst="rect">
+            <a:avLst/>
+          </a:prstGeom>
+        </p:spPr>
+      </p:pic>
+      <p:pic>
+        <p:nvPicPr>
+          <p:cNvPr id="9" name="Picture 8"/>
+          <p:cNvPicPr>
+            <a:picLocks noChangeAspect="1"/>
+          </p:cNvPicPr>
+          <p:nvPr/>
+        </p:nvPicPr>
+        <p:blipFill>
+          <a:blip r:embed="rId4"/>
+          <a:stretch>
+            <a:fillRect/>
+          </a:stretch>
+        </p:blipFill>
+        <p:spPr>
+          <a:xfrm>
+            <a:off x="579368" y="2622987"/>
+            <a:ext cx="4022449" cy="2619119"/>
+          </a:xfrm>
+          <a:prstGeom prst="rect">
+            <a:avLst/>
+          </a:prstGeom>
+        </p:spPr>
+      </p:pic>
+      <p:pic>
+        <p:nvPicPr>
+          <p:cNvPr id="12" name="Picture 11"/>
+          <p:cNvPicPr>
+            <a:picLocks noChangeAspect="1"/>
+          </p:cNvPicPr>
+          <p:nvPr/>
+        </p:nvPicPr>
+        <p:blipFill>
+          <a:blip r:embed="rId5"/>
+          <a:stretch>
+            <a:fillRect/>
+          </a:stretch>
+        </p:blipFill>
+        <p:spPr>
+          <a:xfrm>
+            <a:off x="4837501" y="2680217"/>
+            <a:ext cx="3913533" cy="2504661"/>
+          </a:xfrm>
+          <a:prstGeom prst="rect">
+            <a:avLst/>
+          </a:prstGeom>
+        </p:spPr>
+      </p:pic>
+      <p:pic>
+        <p:nvPicPr>
+          <p:cNvPr id="11" name="Picture 2" descr="File:LMU Muenchen Logo.svg"/>
+          <p:cNvPicPr>
+            <a:picLocks noChangeAspect="1" noChangeArrowheads="1"/>
+          </p:cNvPicPr>
+          <p:nvPr/>
+        </p:nvPicPr>
+        <p:blipFill>
+          <a:blip r:embed="rId6" cstate="print">
+            <a:extLst>
+              <a:ext uri="{28A0092B-C50C-407E-A947-70E740481C1C}">
+                <a14:useLocalDpi xmlns:a14="http://schemas.microsoft.com/office/drawing/2010/main" val="0"/>
+              </a:ext>
+            </a:extLst>
+          </a:blip>
+          <a:srcRect/>
+          <a:stretch>
+            <a:fillRect/>
+          </a:stretch>
+        </p:blipFill>
+        <p:spPr bwMode="auto">
+          <a:xfrm>
+            <a:off x="103529" y="6293665"/>
+            <a:ext cx="936625" cy="490496"/>
+          </a:xfrm>
+          <a:prstGeom prst="rect">
+            <a:avLst/>
+          </a:prstGeom>
+          <a:noFill/>
+          <a:extLst>
+            <a:ext uri="{909E8E84-426E-40DD-AFC4-6F175D3DCCD1}">
+              <a14:hiddenFill xmlns:a14="http://schemas.microsoft.com/office/drawing/2010/main">
+                <a:solidFill>
+                  <a:srgbClr val="FFFFFF"/>
+                </a:solidFill>
+              </a14:hiddenFill>
+            </a:ext>
+          </a:extLst>
+        </p:spPr>
+      </p:pic>
+    </p:spTree>
+    <p:extLst>
+      <p:ext uri="{BB962C8B-B14F-4D97-AF65-F5344CB8AC3E}">
+        <p14:creationId xmlns:p14="http://schemas.microsoft.com/office/powerpoint/2010/main" val="3518554107"/>
+      </p:ext>
+    </p:extLst>
+  </p:cSld>
+  <p:clrMapOvr>
+    <a:masterClrMapping/>
+  </p:clrMapOvr>
+  <p:timing>
+    <p:tnLst>
+      <p:par>
+        <p:cTn id="1" dur="indefinite" restart="never" nodeType="tmRoot"/>
+      </p:par>
+    </p:tnLst>
+  </p:timing>
+</p:sld>
+</file>
+
+<file path=ppt/slides/slide27.xml><?xml version="1.0" encoding="utf-8"?>
+<p:sld xmlns:a="http://schemas.openxmlformats.org/drawingml/2006/main" xmlns:r="http://schemas.openxmlformats.org/officeDocument/2006/relationships" xmlns:p="http://schemas.openxmlformats.org/presentationml/2006/main">
+  <p:cSld>
+    <p:spTree>
+      <p:nvGrpSpPr>
+        <p:cNvPr id="1" name=""/>
+        <p:cNvGrpSpPr/>
+        <p:nvPr/>
+      </p:nvGrpSpPr>
+      <p:grpSpPr>
+        <a:xfrm>
+          <a:off x="0" y="0"/>
+          <a:ext cx="0" cy="0"/>
+          <a:chOff x="0" y="0"/>
+          <a:chExt cx="0" cy="0"/>
+        </a:xfrm>
+      </p:grpSpPr>
+      <p:sp>
+        <p:nvSpPr>
+          <p:cNvPr id="2" name="Title 1"/>
+          <p:cNvSpPr>
+            <a:spLocks noGrp="1"/>
+          </p:cNvSpPr>
+          <p:nvPr>
+            <p:ph type="title"/>
+          </p:nvPr>
+        </p:nvSpPr>
+        <p:spPr>
+          <a:xfrm>
+            <a:off x="460977" y="365127"/>
+            <a:ext cx="8290057" cy="609730"/>
+          </a:xfrm>
+        </p:spPr>
+        <p:txBody>
+          <a:bodyPr>
+            <a:normAutofit fontScale="90000"/>
+          </a:bodyPr>
+          <a:lstStyle/>
+          <a:p>
+            <a:r>
+              <a:rPr lang="en-US" dirty="0" smtClean="0">
+                <a:solidFill>
+                  <a:schemeClr val="accent5"/>
+                </a:solidFill>
+              </a:rPr>
+              <a:t>Effect of Parameters </a:t>
+            </a:r>
+            <a:r>
+              <a:rPr lang="en-US" sz="3100" dirty="0" smtClean="0">
+                <a:solidFill>
+                  <a:prstClr val="black">
+                    <a:lumMod val="50000"/>
+                    <a:lumOff val="50000"/>
+                  </a:prstClr>
+                </a:solidFill>
+              </a:rPr>
+              <a:t>Data Generation</a:t>
+            </a:r>
+            <a:endParaRPr lang="de-DE" dirty="0">
+              <a:solidFill>
+                <a:schemeClr val="accent5"/>
+              </a:solidFill>
+            </a:endParaRPr>
+          </a:p>
+        </p:txBody>
+      </p:sp>
+      <p:sp>
+        <p:nvSpPr>
+          <p:cNvPr id="3" name="Content Placeholder 2"/>
+          <p:cNvSpPr>
+            <a:spLocks noGrp="1"/>
+          </p:cNvSpPr>
+          <p:nvPr>
+            <p:ph idx="1"/>
+          </p:nvPr>
+        </p:nvSpPr>
+        <p:spPr>
+          <a:xfrm>
+            <a:off x="460977" y="1046648"/>
+            <a:ext cx="8290057" cy="5206790"/>
+          </a:xfrm>
+        </p:spPr>
+        <p:txBody>
+          <a:bodyPr/>
+          <a:lstStyle/>
+          <a:p>
+            <a:r>
+              <a:rPr lang="de-DE" dirty="0" smtClean="0"/>
+              <a:t>Without any drift, all method performs the same</a:t>
+            </a:r>
+          </a:p>
+          <a:p>
+            <a:r>
+              <a:rPr lang="de-DE" dirty="0" smtClean="0"/>
+              <a:t>With small drift ADWIN and boost variants performs best</a:t>
+            </a:r>
+          </a:p>
+          <a:p>
+            <a:r>
+              <a:rPr lang="de-DE" dirty="0" smtClean="0"/>
+              <a:t>BagSRHT and BagASHT performs similar in all cases</a:t>
+            </a:r>
+            <a:endParaRPr lang="de-DE" dirty="0"/>
+          </a:p>
+        </p:txBody>
+      </p:sp>
+      <p:sp>
+        <p:nvSpPr>
+          <p:cNvPr id="7" name="Slide Number Placeholder 6"/>
+          <p:cNvSpPr>
+            <a:spLocks noGrp="1"/>
+          </p:cNvSpPr>
+          <p:nvPr>
+            <p:ph type="sldNum" sz="quarter" idx="12"/>
+          </p:nvPr>
+        </p:nvSpPr>
+        <p:spPr/>
+        <p:txBody>
+          <a:bodyPr/>
+          <a:lstStyle/>
+          <a:p>
+            <a:fld id="{EAE41600-55F5-4A6B-8385-85433044AE0B}" type="slidenum">
+              <a:rPr lang="de-DE" smtClean="0"/>
+              <a:t>27</a:t>
             </a:fld>
             <a:endParaRPr lang="de-DE" dirty="0"/>
           </a:p>
@@ -38240,7 +38990,7 @@
         </p:blipFill>
         <p:spPr>
           <a:xfrm>
-            <a:off x="571841" y="2252593"/>
+            <a:off x="571841" y="3208559"/>
             <a:ext cx="3857625" cy="2705100"/>
           </a:xfrm>
           <a:prstGeom prst="rect">
@@ -38264,7 +39014,7 @@
         </p:blipFill>
         <p:spPr>
           <a:xfrm>
-            <a:off x="4911635" y="2328793"/>
+            <a:off x="4911635" y="3284759"/>
             <a:ext cx="3876675" cy="2628900"/>
           </a:xfrm>
           <a:prstGeom prst="rect">
@@ -38333,7 +39083,7 @@
 </p:sld>
 </file>
 
-<file path=ppt/slides/slide27.xml><?xml version="1.0" encoding="utf-8"?>
+<file path=ppt/slides/slide28.xml><?xml version="1.0" encoding="utf-8"?>
 <p:sld xmlns:a="http://schemas.openxmlformats.org/drawingml/2006/main" xmlns:r="http://schemas.openxmlformats.org/officeDocument/2006/relationships" xmlns:p="http://schemas.openxmlformats.org/presentationml/2006/main">
   <p:cSld>
     <p:spTree>
@@ -38373,12 +39123,23 @@
           <a:lstStyle/>
           <a:p>
             <a:r>
-              <a:rPr lang="en-US" dirty="0" smtClean="0">
+              <a:rPr lang="en-US" dirty="0">
                 <a:solidFill>
                   <a:schemeClr val="accent5"/>
                 </a:solidFill>
               </a:rPr>
-              <a:t>Results</a:t>
+              <a:t>Effect of Parameters </a:t>
+            </a:r>
+            <a:r>
+              <a:rPr lang="en-US" sz="3100" dirty="0" smtClean="0">
+                <a:solidFill>
+                  <a:prstClr val="black">
+                    <a:lumMod val="50000"/>
+                    <a:lumOff val="50000"/>
+                  </a:prstClr>
+                </a:solidFill>
+              </a:rPr>
+              <a:t>Algorithm</a:t>
             </a:r>
             <a:endParaRPr lang="de-DE" dirty="0">
               <a:solidFill>
@@ -38408,6 +39169,10 @@
           <a:bodyPr/>
           <a:lstStyle/>
           <a:p>
+            <a:r>
+              <a:rPr lang="de-DE" dirty="0" smtClean="0"/>
+              <a:t>Grece period effectively reduces processing time and tree size</a:t>
+            </a:r>
             <a:endParaRPr lang="de-DE" dirty="0"/>
           </a:p>
         </p:txBody>
@@ -38429,7 +39194,7 @@
           <a:p>
             <a:fld id="{EAE41600-55F5-4A6B-8385-85433044AE0B}" type="slidenum">
               <a:rPr lang="de-DE" smtClean="0"/>
-              <a:t>27</a:t>
+              <a:t>28</a:t>
             </a:fld>
             <a:endParaRPr lang="de-DE" dirty="0"/>
           </a:p>
@@ -38481,7 +39246,7 @@
         </p:blipFill>
         <p:spPr>
           <a:xfrm>
-            <a:off x="571841" y="1062935"/>
+            <a:off x="571841" y="2218403"/>
             <a:ext cx="3838575" cy="2686050"/>
           </a:xfrm>
           <a:prstGeom prst="rect">
@@ -38505,8 +39270,229 @@
         </p:blipFill>
         <p:spPr>
           <a:xfrm>
-            <a:off x="4835700" y="1062935"/>
+            <a:off x="4835700" y="2218403"/>
             <a:ext cx="3915334" cy="2642608"/>
+          </a:xfrm>
+          <a:prstGeom prst="rect">
+            <a:avLst/>
+          </a:prstGeom>
+        </p:spPr>
+      </p:pic>
+      <p:pic>
+        <p:nvPicPr>
+          <p:cNvPr id="11" name="Picture 2" descr="File:LMU Muenchen Logo.svg"/>
+          <p:cNvPicPr>
+            <a:picLocks noChangeAspect="1" noChangeArrowheads="1"/>
+          </p:cNvPicPr>
+          <p:nvPr/>
+        </p:nvPicPr>
+        <p:blipFill>
+          <a:blip r:embed="rId6" cstate="print">
+            <a:extLst>
+              <a:ext uri="{28A0092B-C50C-407E-A947-70E740481C1C}">
+                <a14:useLocalDpi xmlns:a14="http://schemas.microsoft.com/office/drawing/2010/main" val="0"/>
+              </a:ext>
+            </a:extLst>
+          </a:blip>
+          <a:srcRect/>
+          <a:stretch>
+            <a:fillRect/>
+          </a:stretch>
+        </p:blipFill>
+        <p:spPr bwMode="auto">
+          <a:xfrm>
+            <a:off x="103529" y="6293665"/>
+            <a:ext cx="936625" cy="490496"/>
+          </a:xfrm>
+          <a:prstGeom prst="rect">
+            <a:avLst/>
+          </a:prstGeom>
+          <a:noFill/>
+          <a:extLst>
+            <a:ext uri="{909E8E84-426E-40DD-AFC4-6F175D3DCCD1}">
+              <a14:hiddenFill xmlns:a14="http://schemas.microsoft.com/office/drawing/2010/main">
+                <a:solidFill>
+                  <a:srgbClr val="FFFFFF"/>
+                </a:solidFill>
+              </a14:hiddenFill>
+            </a:ext>
+          </a:extLst>
+        </p:spPr>
+      </p:pic>
+    </p:spTree>
+    <p:extLst>
+      <p:ext uri="{BB962C8B-B14F-4D97-AF65-F5344CB8AC3E}">
+        <p14:creationId xmlns:p14="http://schemas.microsoft.com/office/powerpoint/2010/main" val="1264094379"/>
+      </p:ext>
+    </p:extLst>
+  </p:cSld>
+  <p:clrMapOvr>
+    <a:masterClrMapping/>
+  </p:clrMapOvr>
+  <p:timing>
+    <p:tnLst>
+      <p:par>
+        <p:cTn id="1" dur="indefinite" restart="never" nodeType="tmRoot"/>
+      </p:par>
+    </p:tnLst>
+  </p:timing>
+</p:sld>
+</file>
+
+<file path=ppt/slides/slide29.xml><?xml version="1.0" encoding="utf-8"?>
+<p:sld xmlns:a="http://schemas.openxmlformats.org/drawingml/2006/main" xmlns:r="http://schemas.openxmlformats.org/officeDocument/2006/relationships" xmlns:p="http://schemas.openxmlformats.org/presentationml/2006/main">
+  <p:cSld>
+    <p:spTree>
+      <p:nvGrpSpPr>
+        <p:cNvPr id="1" name=""/>
+        <p:cNvGrpSpPr/>
+        <p:nvPr/>
+      </p:nvGrpSpPr>
+      <p:grpSpPr>
+        <a:xfrm>
+          <a:off x="0" y="0"/>
+          <a:ext cx="0" cy="0"/>
+          <a:chOff x="0" y="0"/>
+          <a:chExt cx="0" cy="0"/>
+        </a:xfrm>
+      </p:grpSpPr>
+      <p:sp>
+        <p:nvSpPr>
+          <p:cNvPr id="2" name="Title 1"/>
+          <p:cNvSpPr>
+            <a:spLocks noGrp="1"/>
+          </p:cNvSpPr>
+          <p:nvPr>
+            <p:ph type="title"/>
+          </p:nvPr>
+        </p:nvSpPr>
+        <p:spPr>
+          <a:xfrm>
+            <a:off x="460977" y="365127"/>
+            <a:ext cx="8290057" cy="609730"/>
+          </a:xfrm>
+        </p:spPr>
+        <p:txBody>
+          <a:bodyPr>
+            <a:normAutofit fontScale="90000"/>
+          </a:bodyPr>
+          <a:lstStyle/>
+          <a:p>
+            <a:r>
+              <a:rPr lang="en-US" dirty="0">
+                <a:solidFill>
+                  <a:schemeClr val="accent5"/>
+                </a:solidFill>
+              </a:rPr>
+              <a:t>Effect of Parameters </a:t>
+            </a:r>
+            <a:r>
+              <a:rPr lang="en-US" sz="3100" dirty="0" smtClean="0">
+                <a:solidFill>
+                  <a:prstClr val="black">
+                    <a:lumMod val="50000"/>
+                    <a:lumOff val="50000"/>
+                  </a:prstClr>
+                </a:solidFill>
+              </a:rPr>
+              <a:t>Algorithm</a:t>
+            </a:r>
+            <a:endParaRPr lang="de-DE" dirty="0">
+              <a:solidFill>
+                <a:schemeClr val="accent5"/>
+              </a:solidFill>
+            </a:endParaRPr>
+          </a:p>
+        </p:txBody>
+      </p:sp>
+      <p:sp>
+        <p:nvSpPr>
+          <p:cNvPr id="3" name="Content Placeholder 2"/>
+          <p:cNvSpPr>
+            <a:spLocks noGrp="1"/>
+          </p:cNvSpPr>
+          <p:nvPr>
+            <p:ph idx="1"/>
+          </p:nvPr>
+        </p:nvSpPr>
+        <p:spPr>
+          <a:xfrm>
+            <a:off x="460977" y="1046648"/>
+            <a:ext cx="8290057" cy="5206790"/>
+          </a:xfrm>
+        </p:spPr>
+        <p:txBody>
+          <a:bodyPr/>
+          <a:lstStyle/>
+          <a:p>
+            <a:r>
+              <a:rPr lang="de-DE" dirty="0" smtClean="0"/>
+              <a:t>Larger tie threshold causes massive trees</a:t>
+            </a:r>
+          </a:p>
+          <a:p>
+            <a:r>
+              <a:rPr lang="de-DE" dirty="0" smtClean="0"/>
+              <a:t>Binary splits are nearly as effective as non-binary splits</a:t>
+            </a:r>
+          </a:p>
+          <a:p>
+            <a:pPr lvl="1"/>
+            <a:r>
+              <a:rPr lang="de-DE" dirty="0" smtClean="0"/>
+              <a:t>Negligible loss of accuracy (1-2%)</a:t>
+            </a:r>
+            <a:endParaRPr lang="de-DE" dirty="0"/>
+          </a:p>
+        </p:txBody>
+      </p:sp>
+      <p:sp>
+        <p:nvSpPr>
+          <p:cNvPr id="7" name="Slide Number Placeholder 6"/>
+          <p:cNvSpPr>
+            <a:spLocks noGrp="1"/>
+          </p:cNvSpPr>
+          <p:nvPr>
+            <p:ph type="sldNum" sz="quarter" idx="12"/>
+          </p:nvPr>
+        </p:nvSpPr>
+        <p:spPr/>
+        <p:txBody>
+          <a:bodyPr/>
+          <a:lstStyle/>
+          <a:p>
+            <a:fld id="{EAE41600-55F5-4A6B-8385-85433044AE0B}" type="slidenum">
+              <a:rPr lang="de-DE" smtClean="0"/>
+              <a:t>29</a:t>
+            </a:fld>
+            <a:endParaRPr lang="de-DE" dirty="0"/>
+          </a:p>
+        </p:txBody>
+      </p:sp>
+      <p:pic>
+        <p:nvPicPr>
+          <p:cNvPr id="10" name="Picture 9"/>
+          <p:cNvPicPr>
+            <a:picLocks noChangeAspect="1"/>
+          </p:cNvPicPr>
+          <p:nvPr/>
+        </p:nvPicPr>
+        <p:blipFill>
+          <a:blip r:embed="rId3" cstate="print">
+            <a:extLst>
+              <a:ext uri="{28A0092B-C50C-407E-A947-70E740481C1C}">
+                <a14:useLocalDpi xmlns:a14="http://schemas.microsoft.com/office/drawing/2010/main" val="0"/>
+              </a:ext>
+            </a:extLst>
+          </a:blip>
+          <a:stretch>
+            <a:fillRect/>
+          </a:stretch>
+        </p:blipFill>
+        <p:spPr>
+          <a:xfrm>
+            <a:off x="8198547" y="101546"/>
+            <a:ext cx="817158" cy="430469"/>
           </a:xfrm>
           <a:prstGeom prst="rect">
             <a:avLst/>
@@ -38522,14 +39508,14 @@
           <p:nvPr/>
         </p:nvPicPr>
         <p:blipFill>
-          <a:blip r:embed="rId6"/>
+          <a:blip r:embed="rId4"/>
           <a:stretch>
             <a:fillRect/>
           </a:stretch>
         </p:blipFill>
         <p:spPr>
           <a:xfrm>
-            <a:off x="556031" y="3727451"/>
+            <a:off x="556031" y="2837989"/>
             <a:ext cx="3762375" cy="2628900"/>
           </a:xfrm>
           <a:prstGeom prst="rect">
@@ -38546,7 +39532,7 @@
           <p:nvPr/>
         </p:nvPicPr>
         <p:blipFill>
-          <a:blip r:embed="rId7" cstate="print">
+          <a:blip r:embed="rId5" cstate="print">
             <a:extLst>
               <a:ext uri="{28A0092B-C50C-407E-A947-70E740481C1C}">
                 <a14:useLocalDpi xmlns:a14="http://schemas.microsoft.com/office/drawing/2010/main" val="0"/>
@@ -38587,14 +39573,14 @@
           <p:nvPr/>
         </p:nvPicPr>
         <p:blipFill>
-          <a:blip r:embed="rId8"/>
+          <a:blip r:embed="rId6"/>
           <a:stretch>
             <a:fillRect/>
           </a:stretch>
         </p:blipFill>
         <p:spPr>
           <a:xfrm>
-            <a:off x="4859792" y="3808456"/>
+            <a:off x="4859792" y="2894055"/>
             <a:ext cx="3867150" cy="2590800"/>
           </a:xfrm>
           <a:prstGeom prst="rect">
@@ -38605,511 +39591,7 @@
     </p:spTree>
     <p:extLst>
       <p:ext uri="{BB962C8B-B14F-4D97-AF65-F5344CB8AC3E}">
-        <p14:creationId xmlns:p14="http://schemas.microsoft.com/office/powerpoint/2010/main" val="1264094379"/>
-      </p:ext>
-    </p:extLst>
-  </p:cSld>
-  <p:clrMapOvr>
-    <a:masterClrMapping/>
-  </p:clrMapOvr>
-  <p:timing>
-    <p:tnLst>
-      <p:par>
-        <p:cTn id="1" dur="indefinite" restart="never" nodeType="tmRoot"/>
-      </p:par>
-    </p:tnLst>
-  </p:timing>
-</p:sld>
-</file>
-
-<file path=ppt/slides/slide28.xml><?xml version="1.0" encoding="utf-8"?>
-<p:sld xmlns:a="http://schemas.openxmlformats.org/drawingml/2006/main" xmlns:r="http://schemas.openxmlformats.org/officeDocument/2006/relationships" xmlns:p="http://schemas.openxmlformats.org/presentationml/2006/main">
-  <p:cSld>
-    <p:spTree>
-      <p:nvGrpSpPr>
-        <p:cNvPr id="1" name=""/>
-        <p:cNvGrpSpPr/>
-        <p:nvPr/>
-      </p:nvGrpSpPr>
-      <p:grpSpPr>
-        <a:xfrm>
-          <a:off x="0" y="0"/>
-          <a:ext cx="0" cy="0"/>
-          <a:chOff x="0" y="0"/>
-          <a:chExt cx="0" cy="0"/>
-        </a:xfrm>
-      </p:grpSpPr>
-      <p:sp>
-        <p:nvSpPr>
-          <p:cNvPr id="2" name="Title 1"/>
-          <p:cNvSpPr>
-            <a:spLocks noGrp="1"/>
-          </p:cNvSpPr>
-          <p:nvPr>
-            <p:ph type="title"/>
-          </p:nvPr>
-        </p:nvSpPr>
-        <p:spPr>
-          <a:xfrm>
-            <a:off x="460977" y="365127"/>
-            <a:ext cx="8290057" cy="609730"/>
-          </a:xfrm>
-        </p:spPr>
-        <p:txBody>
-          <a:bodyPr>
-            <a:normAutofit fontScale="90000"/>
-          </a:bodyPr>
-          <a:lstStyle/>
-          <a:p>
-            <a:r>
-              <a:rPr lang="en-US" dirty="0" smtClean="0">
-                <a:solidFill>
-                  <a:schemeClr val="accent5"/>
-                </a:solidFill>
-              </a:rPr>
-              <a:t>Results</a:t>
-            </a:r>
-            <a:endParaRPr lang="de-DE" dirty="0">
-              <a:solidFill>
-                <a:schemeClr val="accent5"/>
-              </a:solidFill>
-            </a:endParaRPr>
-          </a:p>
-        </p:txBody>
-      </p:sp>
-      <p:sp>
-        <p:nvSpPr>
-          <p:cNvPr id="3" name="Content Placeholder 2"/>
-          <p:cNvSpPr>
-            <a:spLocks noGrp="1"/>
-          </p:cNvSpPr>
-          <p:nvPr>
-            <p:ph idx="1"/>
-          </p:nvPr>
-        </p:nvSpPr>
-        <p:spPr>
-          <a:xfrm>
-            <a:off x="460977" y="1046648"/>
-            <a:ext cx="8290057" cy="5206790"/>
-          </a:xfrm>
-        </p:spPr>
-        <p:txBody>
-          <a:bodyPr/>
-          <a:lstStyle/>
-          <a:p>
-            <a:endParaRPr lang="de-DE" dirty="0"/>
-          </a:p>
-        </p:txBody>
-      </p:sp>
-      <p:sp>
-        <p:nvSpPr>
-          <p:cNvPr id="7" name="Slide Number Placeholder 6"/>
-          <p:cNvSpPr>
-            <a:spLocks noGrp="1"/>
-          </p:cNvSpPr>
-          <p:nvPr>
-            <p:ph type="sldNum" sz="quarter" idx="12"/>
-          </p:nvPr>
-        </p:nvSpPr>
-        <p:spPr/>
-        <p:txBody>
-          <a:bodyPr/>
-          <a:lstStyle/>
-          <a:p>
-            <a:fld id="{EAE41600-55F5-4A6B-8385-85433044AE0B}" type="slidenum">
-              <a:rPr lang="de-DE" smtClean="0"/>
-              <a:t>28</a:t>
-            </a:fld>
-            <a:endParaRPr lang="de-DE" dirty="0"/>
-          </a:p>
-        </p:txBody>
-      </p:sp>
-      <p:pic>
-        <p:nvPicPr>
-          <p:cNvPr id="10" name="Picture 9"/>
-          <p:cNvPicPr>
-            <a:picLocks noChangeAspect="1"/>
-          </p:cNvPicPr>
-          <p:nvPr/>
-        </p:nvPicPr>
-        <p:blipFill>
-          <a:blip r:embed="rId3" cstate="print">
-            <a:extLst>
-              <a:ext uri="{28A0092B-C50C-407E-A947-70E740481C1C}">
-                <a14:useLocalDpi xmlns:a14="http://schemas.microsoft.com/office/drawing/2010/main" val="0"/>
-              </a:ext>
-            </a:extLst>
-          </a:blip>
-          <a:stretch>
-            <a:fillRect/>
-          </a:stretch>
-        </p:blipFill>
-        <p:spPr>
-          <a:xfrm>
-            <a:off x="8198547" y="101546"/>
-            <a:ext cx="817158" cy="430469"/>
-          </a:xfrm>
-          <a:prstGeom prst="rect">
-            <a:avLst/>
-          </a:prstGeom>
-        </p:spPr>
-      </p:pic>
-      <p:pic>
-        <p:nvPicPr>
-          <p:cNvPr id="11" name="Picture 2" descr="File:LMU Muenchen Logo.svg"/>
-          <p:cNvPicPr>
-            <a:picLocks noChangeAspect="1" noChangeArrowheads="1"/>
-          </p:cNvPicPr>
-          <p:nvPr/>
-        </p:nvPicPr>
-        <p:blipFill>
-          <a:blip r:embed="rId4" cstate="print">
-            <a:extLst>
-              <a:ext uri="{28A0092B-C50C-407E-A947-70E740481C1C}">
-                <a14:useLocalDpi xmlns:a14="http://schemas.microsoft.com/office/drawing/2010/main" val="0"/>
-              </a:ext>
-            </a:extLst>
-          </a:blip>
-          <a:srcRect/>
-          <a:stretch>
-            <a:fillRect/>
-          </a:stretch>
-        </p:blipFill>
-        <p:spPr bwMode="auto">
-          <a:xfrm>
-            <a:off x="103529" y="6293665"/>
-            <a:ext cx="936625" cy="490496"/>
-          </a:xfrm>
-          <a:prstGeom prst="rect">
-            <a:avLst/>
-          </a:prstGeom>
-          <a:noFill/>
-          <a:extLst>
-            <a:ext uri="{909E8E84-426E-40DD-AFC4-6F175D3DCCD1}">
-              <a14:hiddenFill xmlns:a14="http://schemas.microsoft.com/office/drawing/2010/main">
-                <a:solidFill>
-                  <a:srgbClr val="FFFFFF"/>
-                </a:solidFill>
-              </a14:hiddenFill>
-            </a:ext>
-          </a:extLst>
-        </p:spPr>
-      </p:pic>
-      <p:pic>
-        <p:nvPicPr>
-          <p:cNvPr id="4" name="Picture 3"/>
-          <p:cNvPicPr>
-            <a:picLocks noChangeAspect="1"/>
-          </p:cNvPicPr>
-          <p:nvPr/>
-        </p:nvPicPr>
-        <p:blipFill>
-          <a:blip r:embed="rId5"/>
-          <a:stretch>
-            <a:fillRect/>
-          </a:stretch>
-        </p:blipFill>
-        <p:spPr>
-          <a:xfrm>
-            <a:off x="348330" y="1030253"/>
-            <a:ext cx="8515350" cy="2933700"/>
-          </a:xfrm>
-          <a:prstGeom prst="rect">
-            <a:avLst/>
-          </a:prstGeom>
-        </p:spPr>
-      </p:pic>
-      <p:pic>
-        <p:nvPicPr>
-          <p:cNvPr id="5" name="Picture 4"/>
-          <p:cNvPicPr>
-            <a:picLocks noChangeAspect="1"/>
-          </p:cNvPicPr>
-          <p:nvPr/>
-        </p:nvPicPr>
-        <p:blipFill>
-          <a:blip r:embed="rId6"/>
-          <a:stretch>
-            <a:fillRect/>
-          </a:stretch>
-        </p:blipFill>
-        <p:spPr>
-          <a:xfrm>
-            <a:off x="2851909" y="4262713"/>
-            <a:ext cx="3705225" cy="1990725"/>
-          </a:xfrm>
-          <a:prstGeom prst="rect">
-            <a:avLst/>
-          </a:prstGeom>
-        </p:spPr>
-      </p:pic>
-    </p:spTree>
-    <p:extLst>
-      <p:ext uri="{BB962C8B-B14F-4D97-AF65-F5344CB8AC3E}">
-        <p14:creationId xmlns:p14="http://schemas.microsoft.com/office/powerpoint/2010/main" val="1689878407"/>
-      </p:ext>
-    </p:extLst>
-  </p:cSld>
-  <p:clrMapOvr>
-    <a:masterClrMapping/>
-  </p:clrMapOvr>
-  <p:timing>
-    <p:tnLst>
-      <p:par>
-        <p:cTn id="1" dur="indefinite" restart="never" nodeType="tmRoot"/>
-      </p:par>
-    </p:tnLst>
-  </p:timing>
-</p:sld>
-</file>
-
-<file path=ppt/slides/slide29.xml><?xml version="1.0" encoding="utf-8"?>
-<p:sld xmlns:a="http://schemas.openxmlformats.org/drawingml/2006/main" xmlns:r="http://schemas.openxmlformats.org/officeDocument/2006/relationships" xmlns:p="http://schemas.openxmlformats.org/presentationml/2006/main">
-  <p:cSld>
-    <p:spTree>
-      <p:nvGrpSpPr>
-        <p:cNvPr id="1" name=""/>
-        <p:cNvGrpSpPr/>
-        <p:nvPr/>
-      </p:nvGrpSpPr>
-      <p:grpSpPr>
-        <a:xfrm>
-          <a:off x="0" y="0"/>
-          <a:ext cx="0" cy="0"/>
-          <a:chOff x="0" y="0"/>
-          <a:chExt cx="0" cy="0"/>
-        </a:xfrm>
-      </p:grpSpPr>
-      <p:pic>
-        <p:nvPicPr>
-          <p:cNvPr id="11" name="Picture 2" descr="http://learningworkshop.mindedge.com/wp-content/uploads/2014/04/quote_bubbles.jpg"/>
-          <p:cNvPicPr>
-            <a:picLocks noChangeAspect="1" noChangeArrowheads="1"/>
-          </p:cNvPicPr>
-          <p:nvPr/>
-        </p:nvPicPr>
-        <p:blipFill>
-          <a:blip r:embed="rId3">
-            <a:duotone>
-              <a:schemeClr val="bg2">
-                <a:shade val="45000"/>
-                <a:satMod val="135000"/>
-              </a:schemeClr>
-              <a:prstClr val="white"/>
-            </a:duotone>
-            <a:extLst>
-              <a:ext uri="{28A0092B-C50C-407E-A947-70E740481C1C}">
-                <a14:useLocalDpi xmlns:a14="http://schemas.microsoft.com/office/drawing/2010/main" val="0"/>
-              </a:ext>
-            </a:extLst>
-          </a:blip>
-          <a:srcRect/>
-          <a:stretch>
-            <a:fillRect/>
-          </a:stretch>
-        </p:blipFill>
-        <p:spPr bwMode="auto">
-          <a:xfrm>
-            <a:off x="5619750" y="4219574"/>
-            <a:ext cx="3524250" cy="2638426"/>
-          </a:xfrm>
-          <a:prstGeom prst="rect">
-            <a:avLst/>
-          </a:prstGeom>
-          <a:noFill/>
-          <a:extLst>
-            <a:ext uri="{909E8E84-426E-40DD-AFC4-6F175D3DCCD1}">
-              <a14:hiddenFill xmlns:a14="http://schemas.microsoft.com/office/drawing/2010/main">
-                <a:solidFill>
-                  <a:srgbClr val="FFFFFF"/>
-                </a:solidFill>
-              </a14:hiddenFill>
-            </a:ext>
-          </a:extLst>
-        </p:spPr>
-      </p:pic>
-      <p:sp>
-        <p:nvSpPr>
-          <p:cNvPr id="2" name="Title 1"/>
-          <p:cNvSpPr>
-            <a:spLocks noGrp="1"/>
-          </p:cNvSpPr>
-          <p:nvPr>
-            <p:ph type="title"/>
-          </p:nvPr>
-        </p:nvSpPr>
-        <p:spPr>
-          <a:xfrm>
-            <a:off x="460977" y="365127"/>
-            <a:ext cx="8290057" cy="609730"/>
-          </a:xfrm>
-        </p:spPr>
-        <p:txBody>
-          <a:bodyPr>
-            <a:normAutofit fontScale="90000"/>
-          </a:bodyPr>
-          <a:lstStyle/>
-          <a:p>
-            <a:r>
-              <a:rPr lang="de-DE" dirty="0" smtClean="0">
-                <a:solidFill>
-                  <a:schemeClr val="accent5"/>
-                </a:solidFill>
-              </a:rPr>
-              <a:t>Conclusion</a:t>
-            </a:r>
-            <a:endParaRPr lang="de-DE" dirty="0">
-              <a:solidFill>
-                <a:schemeClr val="accent5"/>
-              </a:solidFill>
-            </a:endParaRPr>
-          </a:p>
-        </p:txBody>
-      </p:sp>
-      <p:sp>
-        <p:nvSpPr>
-          <p:cNvPr id="3" name="Content Placeholder 2"/>
-          <p:cNvSpPr>
-            <a:spLocks noGrp="1"/>
-          </p:cNvSpPr>
-          <p:nvPr>
-            <p:ph idx="1"/>
-          </p:nvPr>
-        </p:nvSpPr>
-        <p:spPr>
-          <a:xfrm>
-            <a:off x="460977" y="1046648"/>
-            <a:ext cx="8290057" cy="5206790"/>
-          </a:xfrm>
-        </p:spPr>
-        <p:txBody>
-          <a:bodyPr/>
-          <a:lstStyle/>
-          <a:p>
-            <a:r>
-              <a:rPr lang="en-US" dirty="0" smtClean="0"/>
-              <a:t>New look at the composition of streams</a:t>
-            </a:r>
-          </a:p>
-          <a:p>
-            <a:r>
-              <a:rPr lang="en-US" dirty="0" smtClean="0"/>
-              <a:t>New approach to generate varied-speed data streams</a:t>
-            </a:r>
-          </a:p>
-          <a:p>
-            <a:r>
-              <a:rPr lang="en-US" dirty="0" smtClean="0"/>
-              <a:t>Improvement on ASHT bagging by using introducing carry-over bagging</a:t>
-            </a:r>
-          </a:p>
-          <a:p>
-            <a:r>
-              <a:rPr lang="en-US" dirty="0" smtClean="0"/>
-              <a:t>A comprehensive survey of the existing literature</a:t>
-            </a:r>
-            <a:endParaRPr lang="en-US" dirty="0"/>
-          </a:p>
-        </p:txBody>
-      </p:sp>
-      <p:sp>
-        <p:nvSpPr>
-          <p:cNvPr id="7" name="Slide Number Placeholder 6"/>
-          <p:cNvSpPr>
-            <a:spLocks noGrp="1"/>
-          </p:cNvSpPr>
-          <p:nvPr>
-            <p:ph type="sldNum" sz="quarter" idx="12"/>
-          </p:nvPr>
-        </p:nvSpPr>
-        <p:spPr/>
-        <p:txBody>
-          <a:bodyPr/>
-          <a:lstStyle/>
-          <a:p>
-            <a:fld id="{EAE41600-55F5-4A6B-8385-85433044AE0B}" type="slidenum">
-              <a:rPr lang="de-DE" smtClean="0"/>
-              <a:t>29</a:t>
-            </a:fld>
-            <a:endParaRPr lang="de-DE" dirty="0"/>
-          </a:p>
-        </p:txBody>
-      </p:sp>
-      <p:pic>
-        <p:nvPicPr>
-          <p:cNvPr id="12" name="Picture 11"/>
-          <p:cNvPicPr>
-            <a:picLocks noChangeAspect="1"/>
-          </p:cNvPicPr>
-          <p:nvPr/>
-        </p:nvPicPr>
-        <p:blipFill>
-          <a:blip r:embed="rId4" cstate="print">
-            <a:extLst>
-              <a:ext uri="{28A0092B-C50C-407E-A947-70E740481C1C}">
-                <a14:useLocalDpi xmlns:a14="http://schemas.microsoft.com/office/drawing/2010/main" val="0"/>
-              </a:ext>
-            </a:extLst>
-          </a:blip>
-          <a:stretch>
-            <a:fillRect/>
-          </a:stretch>
-        </p:blipFill>
-        <p:spPr>
-          <a:xfrm>
-            <a:off x="8198547" y="101546"/>
-            <a:ext cx="817158" cy="430469"/>
-          </a:xfrm>
-          <a:prstGeom prst="rect">
-            <a:avLst/>
-          </a:prstGeom>
-        </p:spPr>
-      </p:pic>
-      <p:pic>
-        <p:nvPicPr>
-          <p:cNvPr id="13" name="Picture 2" descr="File:LMU Muenchen Logo.svg"/>
-          <p:cNvPicPr>
-            <a:picLocks noChangeAspect="1" noChangeArrowheads="1"/>
-          </p:cNvPicPr>
-          <p:nvPr/>
-        </p:nvPicPr>
-        <p:blipFill>
-          <a:blip r:embed="rId5" cstate="print">
-            <a:extLst>
-              <a:ext uri="{28A0092B-C50C-407E-A947-70E740481C1C}">
-                <a14:useLocalDpi xmlns:a14="http://schemas.microsoft.com/office/drawing/2010/main" val="0"/>
-              </a:ext>
-            </a:extLst>
-          </a:blip>
-          <a:srcRect/>
-          <a:stretch>
-            <a:fillRect/>
-          </a:stretch>
-        </p:blipFill>
-        <p:spPr bwMode="auto">
-          <a:xfrm>
-            <a:off x="103529" y="6293665"/>
-            <a:ext cx="936625" cy="490496"/>
-          </a:xfrm>
-          <a:prstGeom prst="rect">
-            <a:avLst/>
-          </a:prstGeom>
-          <a:noFill/>
-          <a:extLst>
-            <a:ext uri="{909E8E84-426E-40DD-AFC4-6F175D3DCCD1}">
-              <a14:hiddenFill xmlns:a14="http://schemas.microsoft.com/office/drawing/2010/main">
-                <a:solidFill>
-                  <a:srgbClr val="FFFFFF"/>
-                </a:solidFill>
-              </a14:hiddenFill>
-            </a:ext>
-          </a:extLst>
-        </p:spPr>
-      </p:pic>
-    </p:spTree>
-    <p:extLst>
-      <p:ext uri="{BB962C8B-B14F-4D97-AF65-F5344CB8AC3E}">
-        <p14:creationId xmlns:p14="http://schemas.microsoft.com/office/powerpoint/2010/main" val="2726249108"/>
+        <p14:creationId xmlns:p14="http://schemas.microsoft.com/office/powerpoint/2010/main" val="1210981006"/>
       </p:ext>
     </p:extLst>
   </p:cSld>
@@ -39431,6 +39913,869 @@
           <a:chExt cx="0" cy="0"/>
         </a:xfrm>
       </p:grpSpPr>
+      <p:sp>
+        <p:nvSpPr>
+          <p:cNvPr id="2" name="Title 1"/>
+          <p:cNvSpPr>
+            <a:spLocks noGrp="1"/>
+          </p:cNvSpPr>
+          <p:nvPr>
+            <p:ph type="title"/>
+          </p:nvPr>
+        </p:nvSpPr>
+        <p:spPr>
+          <a:xfrm>
+            <a:off x="460977" y="365127"/>
+            <a:ext cx="8290057" cy="609730"/>
+          </a:xfrm>
+        </p:spPr>
+        <p:txBody>
+          <a:bodyPr>
+            <a:normAutofit fontScale="90000"/>
+          </a:bodyPr>
+          <a:lstStyle/>
+          <a:p>
+            <a:r>
+              <a:rPr lang="en-US" dirty="0" smtClean="0">
+                <a:solidFill>
+                  <a:schemeClr val="accent5"/>
+                </a:solidFill>
+              </a:rPr>
+              <a:t>BagSRHT</a:t>
+            </a:r>
+            <a:r>
+              <a:rPr lang="en-US" dirty="0" smtClean="0">
+                <a:solidFill>
+                  <a:schemeClr val="accent5"/>
+                </a:solidFill>
+              </a:rPr>
+              <a:t> vs </a:t>
+            </a:r>
+            <a:r>
+              <a:rPr lang="en-US" dirty="0" smtClean="0">
+                <a:solidFill>
+                  <a:schemeClr val="accent5"/>
+                </a:solidFill>
+              </a:rPr>
+              <a:t>BagASHT</a:t>
+            </a:r>
+            <a:endParaRPr lang="de-DE" dirty="0">
+              <a:solidFill>
+                <a:schemeClr val="accent5"/>
+              </a:solidFill>
+            </a:endParaRPr>
+          </a:p>
+        </p:txBody>
+      </p:sp>
+      <p:sp>
+        <p:nvSpPr>
+          <p:cNvPr id="3" name="Content Placeholder 2"/>
+          <p:cNvSpPr>
+            <a:spLocks noGrp="1"/>
+          </p:cNvSpPr>
+          <p:nvPr>
+            <p:ph idx="1"/>
+          </p:nvPr>
+        </p:nvSpPr>
+        <p:spPr>
+          <a:xfrm>
+            <a:off x="460977" y="1046648"/>
+            <a:ext cx="8290057" cy="5206790"/>
+          </a:xfrm>
+        </p:spPr>
+        <p:txBody>
+          <a:bodyPr/>
+          <a:lstStyle/>
+          <a:p>
+            <a:r>
+              <a:rPr lang="de-DE" dirty="0" smtClean="0"/>
+              <a:t>Performance is prone to tree reset</a:t>
+            </a:r>
+          </a:p>
+          <a:p>
+            <a:pPr lvl="1"/>
+            <a:r>
+              <a:rPr lang="de-DE" dirty="0" smtClean="0"/>
+              <a:t>VSRBF performance suffers significantly more than Random RBF</a:t>
+            </a:r>
+          </a:p>
+          <a:p>
+            <a:r>
+              <a:rPr lang="de-DE" dirty="0" smtClean="0"/>
+              <a:t>BagSRHT is likely to be more stable than BagASHT</a:t>
+            </a:r>
+            <a:endParaRPr lang="de-DE" dirty="0"/>
+          </a:p>
+        </p:txBody>
+      </p:sp>
+      <p:sp>
+        <p:nvSpPr>
+          <p:cNvPr id="7" name="Slide Number Placeholder 6"/>
+          <p:cNvSpPr>
+            <a:spLocks noGrp="1"/>
+          </p:cNvSpPr>
+          <p:nvPr>
+            <p:ph type="sldNum" sz="quarter" idx="12"/>
+          </p:nvPr>
+        </p:nvSpPr>
+        <p:spPr/>
+        <p:txBody>
+          <a:bodyPr/>
+          <a:lstStyle/>
+          <a:p>
+            <a:fld id="{EAE41600-55F5-4A6B-8385-85433044AE0B}" type="slidenum">
+              <a:rPr lang="de-DE" smtClean="0"/>
+              <a:t>30</a:t>
+            </a:fld>
+            <a:endParaRPr lang="de-DE" dirty="0"/>
+          </a:p>
+        </p:txBody>
+      </p:sp>
+      <p:pic>
+        <p:nvPicPr>
+          <p:cNvPr id="10" name="Picture 9"/>
+          <p:cNvPicPr>
+            <a:picLocks noChangeAspect="1"/>
+          </p:cNvPicPr>
+          <p:nvPr/>
+        </p:nvPicPr>
+        <p:blipFill>
+          <a:blip r:embed="rId3" cstate="print">
+            <a:extLst>
+              <a:ext uri="{28A0092B-C50C-407E-A947-70E740481C1C}">
+                <a14:useLocalDpi xmlns:a14="http://schemas.microsoft.com/office/drawing/2010/main" val="0"/>
+              </a:ext>
+            </a:extLst>
+          </a:blip>
+          <a:stretch>
+            <a:fillRect/>
+          </a:stretch>
+        </p:blipFill>
+        <p:spPr>
+          <a:xfrm>
+            <a:off x="8198547" y="101546"/>
+            <a:ext cx="817158" cy="430469"/>
+          </a:xfrm>
+          <a:prstGeom prst="rect">
+            <a:avLst/>
+          </a:prstGeom>
+        </p:spPr>
+      </p:pic>
+      <p:pic>
+        <p:nvPicPr>
+          <p:cNvPr id="11" name="Picture 2" descr="File:LMU Muenchen Logo.svg"/>
+          <p:cNvPicPr>
+            <a:picLocks noChangeAspect="1" noChangeArrowheads="1"/>
+          </p:cNvPicPr>
+          <p:nvPr/>
+        </p:nvPicPr>
+        <p:blipFill>
+          <a:blip r:embed="rId4" cstate="print">
+            <a:extLst>
+              <a:ext uri="{28A0092B-C50C-407E-A947-70E740481C1C}">
+                <a14:useLocalDpi xmlns:a14="http://schemas.microsoft.com/office/drawing/2010/main" val="0"/>
+              </a:ext>
+            </a:extLst>
+          </a:blip>
+          <a:srcRect/>
+          <a:stretch>
+            <a:fillRect/>
+          </a:stretch>
+        </p:blipFill>
+        <p:spPr bwMode="auto">
+          <a:xfrm>
+            <a:off x="103529" y="6293665"/>
+            <a:ext cx="936625" cy="490496"/>
+          </a:xfrm>
+          <a:prstGeom prst="rect">
+            <a:avLst/>
+          </a:prstGeom>
+          <a:noFill/>
+          <a:extLst>
+            <a:ext uri="{909E8E84-426E-40DD-AFC4-6F175D3DCCD1}">
+              <a14:hiddenFill xmlns:a14="http://schemas.microsoft.com/office/drawing/2010/main">
+                <a:solidFill>
+                  <a:srgbClr val="FFFFFF"/>
+                </a:solidFill>
+              </a14:hiddenFill>
+            </a:ext>
+          </a:extLst>
+        </p:spPr>
+      </p:pic>
+      <p:pic>
+        <p:nvPicPr>
+          <p:cNvPr id="4" name="Picture 3"/>
+          <p:cNvPicPr>
+            <a:picLocks noChangeAspect="1"/>
+          </p:cNvPicPr>
+          <p:nvPr/>
+        </p:nvPicPr>
+        <p:blipFill>
+          <a:blip r:embed="rId5"/>
+          <a:stretch>
+            <a:fillRect/>
+          </a:stretch>
+        </p:blipFill>
+        <p:spPr>
+          <a:xfrm>
+            <a:off x="348330" y="2875675"/>
+            <a:ext cx="8515350" cy="2933700"/>
+          </a:xfrm>
+          <a:prstGeom prst="rect">
+            <a:avLst/>
+          </a:prstGeom>
+        </p:spPr>
+      </p:pic>
+      <p:sp>
+        <p:nvSpPr>
+          <p:cNvPr id="6" name="TextBox 5"/>
+          <p:cNvSpPr txBox="1"/>
+          <p:nvPr/>
+        </p:nvSpPr>
+        <p:spPr>
+          <a:xfrm>
+            <a:off x="1620982" y="5846740"/>
+            <a:ext cx="1378904" cy="369332"/>
+          </a:xfrm>
+          <a:prstGeom prst="rect">
+            <a:avLst/>
+          </a:prstGeom>
+          <a:noFill/>
+        </p:spPr>
+        <p:txBody>
+          <a:bodyPr wrap="none" rtlCol="0">
+            <a:spAutoFit/>
+          </a:bodyPr>
+          <a:lstStyle/>
+          <a:p>
+            <a:r>
+              <a:rPr lang="en-US" dirty="0" smtClean="0"/>
+              <a:t>Random RBF</a:t>
+            </a:r>
+            <a:endParaRPr lang="en-US" dirty="0"/>
+          </a:p>
+        </p:txBody>
+      </p:sp>
+      <p:sp>
+        <p:nvSpPr>
+          <p:cNvPr id="13" name="TextBox 12"/>
+          <p:cNvSpPr txBox="1"/>
+          <p:nvPr/>
+        </p:nvSpPr>
+        <p:spPr>
+          <a:xfrm>
+            <a:off x="6194464" y="5846740"/>
+            <a:ext cx="776431" cy="369332"/>
+          </a:xfrm>
+          <a:prstGeom prst="rect">
+            <a:avLst/>
+          </a:prstGeom>
+          <a:noFill/>
+        </p:spPr>
+        <p:txBody>
+          <a:bodyPr wrap="none" rtlCol="0">
+            <a:spAutoFit/>
+          </a:bodyPr>
+          <a:lstStyle/>
+          <a:p>
+            <a:r>
+              <a:rPr lang="en-US" dirty="0" smtClean="0"/>
+              <a:t>VSRBF</a:t>
+            </a:r>
+            <a:endParaRPr lang="en-US" dirty="0"/>
+          </a:p>
+        </p:txBody>
+      </p:sp>
+    </p:spTree>
+    <p:extLst>
+      <p:ext uri="{BB962C8B-B14F-4D97-AF65-F5344CB8AC3E}">
+        <p14:creationId xmlns:p14="http://schemas.microsoft.com/office/powerpoint/2010/main" val="1689878407"/>
+      </p:ext>
+    </p:extLst>
+  </p:cSld>
+  <p:clrMapOvr>
+    <a:masterClrMapping/>
+  </p:clrMapOvr>
+  <p:timing>
+    <p:tnLst>
+      <p:par>
+        <p:cTn id="1" dur="indefinite" restart="never" nodeType="tmRoot"/>
+      </p:par>
+    </p:tnLst>
+  </p:timing>
+</p:sld>
+</file>
+
+<file path=ppt/slides/slide31.xml><?xml version="1.0" encoding="utf-8"?>
+<p:sld xmlns:a="http://schemas.openxmlformats.org/drawingml/2006/main" xmlns:r="http://schemas.openxmlformats.org/officeDocument/2006/relationships" xmlns:p="http://schemas.openxmlformats.org/presentationml/2006/main">
+  <p:cSld>
+    <p:spTree>
+      <p:nvGrpSpPr>
+        <p:cNvPr id="1" name=""/>
+        <p:cNvGrpSpPr/>
+        <p:nvPr/>
+      </p:nvGrpSpPr>
+      <p:grpSpPr>
+        <a:xfrm>
+          <a:off x="0" y="0"/>
+          <a:ext cx="0" cy="0"/>
+          <a:chOff x="0" y="0"/>
+          <a:chExt cx="0" cy="0"/>
+        </a:xfrm>
+      </p:grpSpPr>
+      <p:pic>
+        <p:nvPicPr>
+          <p:cNvPr id="8" name="Picture 7"/>
+          <p:cNvPicPr>
+            <a:picLocks noChangeAspect="1"/>
+          </p:cNvPicPr>
+          <p:nvPr/>
+        </p:nvPicPr>
+        <p:blipFill>
+          <a:blip r:embed="rId3"/>
+          <a:stretch>
+            <a:fillRect/>
+          </a:stretch>
+        </p:blipFill>
+        <p:spPr>
+          <a:xfrm>
+            <a:off x="459821" y="2902247"/>
+            <a:ext cx="8351670" cy="2941598"/>
+          </a:xfrm>
+          <a:prstGeom prst="rect">
+            <a:avLst/>
+          </a:prstGeom>
+        </p:spPr>
+      </p:pic>
+      <p:sp>
+        <p:nvSpPr>
+          <p:cNvPr id="2" name="Title 1"/>
+          <p:cNvSpPr>
+            <a:spLocks noGrp="1"/>
+          </p:cNvSpPr>
+          <p:nvPr>
+            <p:ph type="title"/>
+          </p:nvPr>
+        </p:nvSpPr>
+        <p:spPr>
+          <a:xfrm>
+            <a:off x="460977" y="365127"/>
+            <a:ext cx="8290057" cy="609730"/>
+          </a:xfrm>
+        </p:spPr>
+        <p:txBody>
+          <a:bodyPr>
+            <a:normAutofit fontScale="90000"/>
+          </a:bodyPr>
+          <a:lstStyle/>
+          <a:p>
+            <a:r>
+              <a:rPr lang="en-US" dirty="0" smtClean="0">
+                <a:solidFill>
+                  <a:schemeClr val="accent5"/>
+                </a:solidFill>
+              </a:rPr>
+              <a:t>BagSRHT</a:t>
+            </a:r>
+            <a:r>
+              <a:rPr lang="en-US" dirty="0" smtClean="0">
+                <a:solidFill>
+                  <a:schemeClr val="accent5"/>
+                </a:solidFill>
+              </a:rPr>
+              <a:t> vs </a:t>
+            </a:r>
+            <a:r>
+              <a:rPr lang="en-US" dirty="0" smtClean="0">
+                <a:solidFill>
+                  <a:schemeClr val="accent5"/>
+                </a:solidFill>
+              </a:rPr>
+              <a:t>BagASHT</a:t>
+            </a:r>
+            <a:endParaRPr lang="de-DE" dirty="0">
+              <a:solidFill>
+                <a:schemeClr val="accent5"/>
+              </a:solidFill>
+            </a:endParaRPr>
+          </a:p>
+        </p:txBody>
+      </p:sp>
+      <p:sp>
+        <p:nvSpPr>
+          <p:cNvPr id="3" name="Content Placeholder 2"/>
+          <p:cNvSpPr>
+            <a:spLocks noGrp="1"/>
+          </p:cNvSpPr>
+          <p:nvPr>
+            <p:ph idx="1"/>
+          </p:nvPr>
+        </p:nvSpPr>
+        <p:spPr>
+          <a:xfrm>
+            <a:off x="460977" y="1046648"/>
+            <a:ext cx="8290057" cy="5206790"/>
+          </a:xfrm>
+        </p:spPr>
+        <p:txBody>
+          <a:bodyPr/>
+          <a:lstStyle/>
+          <a:p>
+            <a:r>
+              <a:rPr lang="de-DE" dirty="0" smtClean="0"/>
+              <a:t>Performance is prone to tree reset</a:t>
+            </a:r>
+          </a:p>
+          <a:p>
+            <a:pPr lvl="1"/>
+            <a:r>
+              <a:rPr lang="de-DE" dirty="0" smtClean="0"/>
+              <a:t>VSRBF performance suffers significantly more than Random RBF</a:t>
+            </a:r>
+          </a:p>
+          <a:p>
+            <a:r>
+              <a:rPr lang="de-DE" dirty="0" smtClean="0"/>
+              <a:t>BagSRHT is likely to be more stable than BagASHT</a:t>
+            </a:r>
+            <a:endParaRPr lang="de-DE" dirty="0"/>
+          </a:p>
+        </p:txBody>
+      </p:sp>
+      <p:sp>
+        <p:nvSpPr>
+          <p:cNvPr id="7" name="Slide Number Placeholder 6"/>
+          <p:cNvSpPr>
+            <a:spLocks noGrp="1"/>
+          </p:cNvSpPr>
+          <p:nvPr>
+            <p:ph type="sldNum" sz="quarter" idx="12"/>
+          </p:nvPr>
+        </p:nvSpPr>
+        <p:spPr/>
+        <p:txBody>
+          <a:bodyPr/>
+          <a:lstStyle/>
+          <a:p>
+            <a:fld id="{EAE41600-55F5-4A6B-8385-85433044AE0B}" type="slidenum">
+              <a:rPr lang="de-DE" smtClean="0"/>
+              <a:t>31</a:t>
+            </a:fld>
+            <a:endParaRPr lang="de-DE" dirty="0"/>
+          </a:p>
+        </p:txBody>
+      </p:sp>
+      <p:pic>
+        <p:nvPicPr>
+          <p:cNvPr id="10" name="Picture 9"/>
+          <p:cNvPicPr>
+            <a:picLocks noChangeAspect="1"/>
+          </p:cNvPicPr>
+          <p:nvPr/>
+        </p:nvPicPr>
+        <p:blipFill>
+          <a:blip r:embed="rId4" cstate="print">
+            <a:extLst>
+              <a:ext uri="{28A0092B-C50C-407E-A947-70E740481C1C}">
+                <a14:useLocalDpi xmlns:a14="http://schemas.microsoft.com/office/drawing/2010/main" val="0"/>
+              </a:ext>
+            </a:extLst>
+          </a:blip>
+          <a:stretch>
+            <a:fillRect/>
+          </a:stretch>
+        </p:blipFill>
+        <p:spPr>
+          <a:xfrm>
+            <a:off x="8198547" y="101546"/>
+            <a:ext cx="817158" cy="430469"/>
+          </a:xfrm>
+          <a:prstGeom prst="rect">
+            <a:avLst/>
+          </a:prstGeom>
+        </p:spPr>
+      </p:pic>
+      <p:pic>
+        <p:nvPicPr>
+          <p:cNvPr id="11" name="Picture 2" descr="File:LMU Muenchen Logo.svg"/>
+          <p:cNvPicPr>
+            <a:picLocks noChangeAspect="1" noChangeArrowheads="1"/>
+          </p:cNvPicPr>
+          <p:nvPr/>
+        </p:nvPicPr>
+        <p:blipFill>
+          <a:blip r:embed="rId5" cstate="print">
+            <a:extLst>
+              <a:ext uri="{28A0092B-C50C-407E-A947-70E740481C1C}">
+                <a14:useLocalDpi xmlns:a14="http://schemas.microsoft.com/office/drawing/2010/main" val="0"/>
+              </a:ext>
+            </a:extLst>
+          </a:blip>
+          <a:srcRect/>
+          <a:stretch>
+            <a:fillRect/>
+          </a:stretch>
+        </p:blipFill>
+        <p:spPr bwMode="auto">
+          <a:xfrm>
+            <a:off x="103529" y="6293665"/>
+            <a:ext cx="936625" cy="490496"/>
+          </a:xfrm>
+          <a:prstGeom prst="rect">
+            <a:avLst/>
+          </a:prstGeom>
+          <a:noFill/>
+          <a:extLst>
+            <a:ext uri="{909E8E84-426E-40DD-AFC4-6F175D3DCCD1}">
+              <a14:hiddenFill xmlns:a14="http://schemas.microsoft.com/office/drawing/2010/main">
+                <a:solidFill>
+                  <a:srgbClr val="FFFFFF"/>
+                </a:solidFill>
+              </a14:hiddenFill>
+            </a:ext>
+          </a:extLst>
+        </p:spPr>
+      </p:pic>
+      <p:sp>
+        <p:nvSpPr>
+          <p:cNvPr id="6" name="TextBox 5"/>
+          <p:cNvSpPr txBox="1"/>
+          <p:nvPr/>
+        </p:nvSpPr>
+        <p:spPr>
+          <a:xfrm>
+            <a:off x="1620982" y="5846740"/>
+            <a:ext cx="1378904" cy="369332"/>
+          </a:xfrm>
+          <a:prstGeom prst="rect">
+            <a:avLst/>
+          </a:prstGeom>
+          <a:noFill/>
+        </p:spPr>
+        <p:txBody>
+          <a:bodyPr wrap="none" rtlCol="0">
+            <a:spAutoFit/>
+          </a:bodyPr>
+          <a:lstStyle/>
+          <a:p>
+            <a:r>
+              <a:rPr lang="en-US" dirty="0" smtClean="0"/>
+              <a:t>Random RBF</a:t>
+            </a:r>
+            <a:endParaRPr lang="en-US" dirty="0"/>
+          </a:p>
+        </p:txBody>
+      </p:sp>
+      <p:sp>
+        <p:nvSpPr>
+          <p:cNvPr id="13" name="TextBox 12"/>
+          <p:cNvSpPr txBox="1"/>
+          <p:nvPr/>
+        </p:nvSpPr>
+        <p:spPr>
+          <a:xfrm>
+            <a:off x="6194464" y="5846740"/>
+            <a:ext cx="776431" cy="369332"/>
+          </a:xfrm>
+          <a:prstGeom prst="rect">
+            <a:avLst/>
+          </a:prstGeom>
+          <a:noFill/>
+        </p:spPr>
+        <p:txBody>
+          <a:bodyPr wrap="none" rtlCol="0">
+            <a:spAutoFit/>
+          </a:bodyPr>
+          <a:lstStyle/>
+          <a:p>
+            <a:r>
+              <a:rPr lang="en-US" dirty="0" smtClean="0"/>
+              <a:t>VSRBF</a:t>
+            </a:r>
+            <a:endParaRPr lang="en-US" dirty="0"/>
+          </a:p>
+        </p:txBody>
+      </p:sp>
+    </p:spTree>
+    <p:extLst>
+      <p:ext uri="{BB962C8B-B14F-4D97-AF65-F5344CB8AC3E}">
+        <p14:creationId xmlns:p14="http://schemas.microsoft.com/office/powerpoint/2010/main" val="2243984252"/>
+      </p:ext>
+    </p:extLst>
+  </p:cSld>
+  <p:clrMapOvr>
+    <a:masterClrMapping/>
+  </p:clrMapOvr>
+  <p:timing>
+    <p:tnLst>
+      <p:par>
+        <p:cTn id="1" dur="indefinite" restart="never" nodeType="tmRoot"/>
+      </p:par>
+    </p:tnLst>
+  </p:timing>
+</p:sld>
+</file>
+
+<file path=ppt/slides/slide32.xml><?xml version="1.0" encoding="utf-8"?>
+<p:sld xmlns:a="http://schemas.openxmlformats.org/drawingml/2006/main" xmlns:r="http://schemas.openxmlformats.org/officeDocument/2006/relationships" xmlns:p="http://schemas.openxmlformats.org/presentationml/2006/main">
+  <p:cSld>
+    <p:spTree>
+      <p:nvGrpSpPr>
+        <p:cNvPr id="1" name=""/>
+        <p:cNvGrpSpPr/>
+        <p:nvPr/>
+      </p:nvGrpSpPr>
+      <p:grpSpPr>
+        <a:xfrm>
+          <a:off x="0" y="0"/>
+          <a:ext cx="0" cy="0"/>
+          <a:chOff x="0" y="0"/>
+          <a:chExt cx="0" cy="0"/>
+        </a:xfrm>
+      </p:grpSpPr>
+      <p:sp>
+        <p:nvSpPr>
+          <p:cNvPr id="3" name="Content Placeholder 2"/>
+          <p:cNvSpPr>
+            <a:spLocks noGrp="1"/>
+          </p:cNvSpPr>
+          <p:nvPr>
+            <p:ph idx="1"/>
+          </p:nvPr>
+        </p:nvSpPr>
+        <p:spPr>
+          <a:xfrm>
+            <a:off x="460977" y="1046648"/>
+            <a:ext cx="8290057" cy="5206790"/>
+          </a:xfrm>
+        </p:spPr>
+        <p:txBody>
+          <a:bodyPr/>
+          <a:lstStyle/>
+          <a:p>
+            <a:r>
+              <a:rPr lang="de-DE" dirty="0" smtClean="0"/>
+              <a:t>Bag SRHT performs better for slower sub-streams</a:t>
+            </a:r>
+          </a:p>
+          <a:p>
+            <a:r>
+              <a:rPr lang="de-DE" dirty="0" smtClean="0"/>
+              <a:t>However, increases misclassifcation for faster sub-streams</a:t>
+            </a:r>
+            <a:endParaRPr lang="de-DE" dirty="0"/>
+          </a:p>
+        </p:txBody>
+      </p:sp>
+      <p:pic>
+        <p:nvPicPr>
+          <p:cNvPr id="5" name="Picture 4"/>
+          <p:cNvPicPr>
+            <a:picLocks noChangeAspect="1"/>
+          </p:cNvPicPr>
+          <p:nvPr/>
+        </p:nvPicPr>
+        <p:blipFill>
+          <a:blip r:embed="rId3"/>
+          <a:stretch>
+            <a:fillRect/>
+          </a:stretch>
+        </p:blipFill>
+        <p:spPr>
+          <a:xfrm>
+            <a:off x="2657388" y="3092334"/>
+            <a:ext cx="4506576" cy="2421271"/>
+          </a:xfrm>
+          <a:prstGeom prst="rect">
+            <a:avLst/>
+          </a:prstGeom>
+        </p:spPr>
+      </p:pic>
+      <p:sp>
+        <p:nvSpPr>
+          <p:cNvPr id="2" name="Title 1"/>
+          <p:cNvSpPr>
+            <a:spLocks noGrp="1"/>
+          </p:cNvSpPr>
+          <p:nvPr>
+            <p:ph type="title"/>
+          </p:nvPr>
+        </p:nvSpPr>
+        <p:spPr>
+          <a:xfrm>
+            <a:off x="460977" y="365127"/>
+            <a:ext cx="8290057" cy="609730"/>
+          </a:xfrm>
+        </p:spPr>
+        <p:txBody>
+          <a:bodyPr>
+            <a:normAutofit fontScale="90000"/>
+          </a:bodyPr>
+          <a:lstStyle/>
+          <a:p>
+            <a:r>
+              <a:rPr lang="en-US" dirty="0" smtClean="0">
+                <a:solidFill>
+                  <a:schemeClr val="accent5"/>
+                </a:solidFill>
+              </a:rPr>
+              <a:t>BagSRHT</a:t>
+            </a:r>
+            <a:r>
+              <a:rPr lang="en-US" dirty="0" smtClean="0">
+                <a:solidFill>
+                  <a:schemeClr val="accent5"/>
+                </a:solidFill>
+              </a:rPr>
+              <a:t> vs </a:t>
+            </a:r>
+            <a:r>
+              <a:rPr lang="en-US" dirty="0" smtClean="0">
+                <a:solidFill>
+                  <a:schemeClr val="accent5"/>
+                </a:solidFill>
+              </a:rPr>
+              <a:t>BagASHT</a:t>
+            </a:r>
+            <a:endParaRPr lang="de-DE" dirty="0">
+              <a:solidFill>
+                <a:schemeClr val="accent5"/>
+              </a:solidFill>
+            </a:endParaRPr>
+          </a:p>
+        </p:txBody>
+      </p:sp>
+      <p:sp>
+        <p:nvSpPr>
+          <p:cNvPr id="7" name="Slide Number Placeholder 6"/>
+          <p:cNvSpPr>
+            <a:spLocks noGrp="1"/>
+          </p:cNvSpPr>
+          <p:nvPr>
+            <p:ph type="sldNum" sz="quarter" idx="12"/>
+          </p:nvPr>
+        </p:nvSpPr>
+        <p:spPr/>
+        <p:txBody>
+          <a:bodyPr/>
+          <a:lstStyle/>
+          <a:p>
+            <a:fld id="{EAE41600-55F5-4A6B-8385-85433044AE0B}" type="slidenum">
+              <a:rPr lang="de-DE" smtClean="0"/>
+              <a:t>32</a:t>
+            </a:fld>
+            <a:endParaRPr lang="de-DE" dirty="0"/>
+          </a:p>
+        </p:txBody>
+      </p:sp>
+      <p:pic>
+        <p:nvPicPr>
+          <p:cNvPr id="10" name="Picture 9"/>
+          <p:cNvPicPr>
+            <a:picLocks noChangeAspect="1"/>
+          </p:cNvPicPr>
+          <p:nvPr/>
+        </p:nvPicPr>
+        <p:blipFill>
+          <a:blip r:embed="rId4" cstate="print">
+            <a:extLst>
+              <a:ext uri="{28A0092B-C50C-407E-A947-70E740481C1C}">
+                <a14:useLocalDpi xmlns:a14="http://schemas.microsoft.com/office/drawing/2010/main" val="0"/>
+              </a:ext>
+            </a:extLst>
+          </a:blip>
+          <a:stretch>
+            <a:fillRect/>
+          </a:stretch>
+        </p:blipFill>
+        <p:spPr>
+          <a:xfrm>
+            <a:off x="8198547" y="101546"/>
+            <a:ext cx="817158" cy="430469"/>
+          </a:xfrm>
+          <a:prstGeom prst="rect">
+            <a:avLst/>
+          </a:prstGeom>
+        </p:spPr>
+      </p:pic>
+      <p:pic>
+        <p:nvPicPr>
+          <p:cNvPr id="11" name="Picture 2" descr="File:LMU Muenchen Logo.svg"/>
+          <p:cNvPicPr>
+            <a:picLocks noChangeAspect="1" noChangeArrowheads="1"/>
+          </p:cNvPicPr>
+          <p:nvPr/>
+        </p:nvPicPr>
+        <p:blipFill>
+          <a:blip r:embed="rId5" cstate="print">
+            <a:extLst>
+              <a:ext uri="{28A0092B-C50C-407E-A947-70E740481C1C}">
+                <a14:useLocalDpi xmlns:a14="http://schemas.microsoft.com/office/drawing/2010/main" val="0"/>
+              </a:ext>
+            </a:extLst>
+          </a:blip>
+          <a:srcRect/>
+          <a:stretch>
+            <a:fillRect/>
+          </a:stretch>
+        </p:blipFill>
+        <p:spPr bwMode="auto">
+          <a:xfrm>
+            <a:off x="103529" y="6293665"/>
+            <a:ext cx="936625" cy="490496"/>
+          </a:xfrm>
+          <a:prstGeom prst="rect">
+            <a:avLst/>
+          </a:prstGeom>
+          <a:noFill/>
+          <a:extLst>
+            <a:ext uri="{909E8E84-426E-40DD-AFC4-6F175D3DCCD1}">
+              <a14:hiddenFill xmlns:a14="http://schemas.microsoft.com/office/drawing/2010/main">
+                <a:solidFill>
+                  <a:srgbClr val="FFFFFF"/>
+                </a:solidFill>
+              </a14:hiddenFill>
+            </a:ext>
+          </a:extLst>
+        </p:spPr>
+      </p:pic>
+    </p:spTree>
+    <p:extLst>
+      <p:ext uri="{BB962C8B-B14F-4D97-AF65-F5344CB8AC3E}">
+        <p14:creationId xmlns:p14="http://schemas.microsoft.com/office/powerpoint/2010/main" val="1705307913"/>
+      </p:ext>
+    </p:extLst>
+  </p:cSld>
+  <p:clrMapOvr>
+    <a:masterClrMapping/>
+  </p:clrMapOvr>
+  <p:timing>
+    <p:tnLst>
+      <p:par>
+        <p:cTn id="1" dur="indefinite" restart="never" nodeType="tmRoot"/>
+      </p:par>
+    </p:tnLst>
+  </p:timing>
+</p:sld>
+</file>
+
+<file path=ppt/slides/slide33.xml><?xml version="1.0" encoding="utf-8"?>
+<p:sld xmlns:a="http://schemas.openxmlformats.org/drawingml/2006/main" xmlns:r="http://schemas.openxmlformats.org/officeDocument/2006/relationships" xmlns:p="http://schemas.openxmlformats.org/presentationml/2006/main">
+  <p:cSld>
+    <p:spTree>
+      <p:nvGrpSpPr>
+        <p:cNvPr id="1" name=""/>
+        <p:cNvGrpSpPr/>
+        <p:nvPr/>
+      </p:nvGrpSpPr>
+      <p:grpSpPr>
+        <a:xfrm>
+          <a:off x="0" y="0"/>
+          <a:ext cx="0" cy="0"/>
+          <a:chOff x="0" y="0"/>
+          <a:chExt cx="0" cy="0"/>
+        </a:xfrm>
+      </p:grpSpPr>
       <p:pic>
         <p:nvPicPr>
           <p:cNvPr id="11" name="Picture 2" descr="http://learningworkshop.mindedge.com/wp-content/uploads/2014/04/quote_bubbles.jpg"/>
@@ -39502,12 +40847,12 @@
           <a:lstStyle/>
           <a:p>
             <a:r>
-              <a:rPr lang="en-US" dirty="0" smtClean="0">
+              <a:rPr lang="de-DE" dirty="0" smtClean="0">
                 <a:solidFill>
                   <a:schemeClr val="accent5"/>
                 </a:solidFill>
               </a:rPr>
-              <a:t>Future Work</a:t>
+              <a:t>Conclusion</a:t>
             </a:r>
             <a:endParaRPr lang="de-DE" dirty="0">
               <a:solidFill>
@@ -39539,34 +40884,25 @@
           <a:p>
             <a:r>
               <a:rPr lang="en-US" dirty="0" smtClean="0"/>
-              <a:t>Fitting the model into text streams</a:t>
+              <a:t>New look at the composition of streams</a:t>
             </a:r>
           </a:p>
           <a:p>
-            <a:pPr lvl="1"/>
             <a:r>
               <a:rPr lang="en-US" dirty="0" smtClean="0"/>
-              <a:t>The motivation is taken from text based streams</a:t>
+              <a:t>New approach to generate varied-speed data streams</a:t>
             </a:r>
           </a:p>
           <a:p>
-            <a:pPr lvl="1"/>
             <a:r>
               <a:rPr lang="en-US" dirty="0" smtClean="0"/>
-              <a:t>Evaluation is performed with numeric data for thesis scope</a:t>
+              <a:t>Improvement on ASHT bagging by using introducing carry-over bagging</a:t>
             </a:r>
           </a:p>
           <a:p>
             <a:r>
               <a:rPr lang="en-US" dirty="0" smtClean="0"/>
-              <a:t>Devising approach to select a subset of the incoming streams to learn the model</a:t>
-            </a:r>
-          </a:p>
-          <a:p>
-            <a:pPr lvl="1"/>
-            <a:r>
-              <a:rPr lang="en-US" dirty="0" smtClean="0"/>
-              <a:t>Equivalent number of instances from both slower and faster streams</a:t>
+              <a:t>A comprehensive survey of the existing literature</a:t>
             </a:r>
             <a:endParaRPr lang="en-US" dirty="0"/>
           </a:p>
@@ -39589,7 +40925,279 @@
           <a:p>
             <a:fld id="{EAE41600-55F5-4A6B-8385-85433044AE0B}" type="slidenum">
               <a:rPr lang="de-DE" smtClean="0"/>
-              <a:t>30</a:t>
+              <a:t>33</a:t>
+            </a:fld>
+            <a:endParaRPr lang="de-DE" dirty="0"/>
+          </a:p>
+        </p:txBody>
+      </p:sp>
+      <p:pic>
+        <p:nvPicPr>
+          <p:cNvPr id="12" name="Picture 11"/>
+          <p:cNvPicPr>
+            <a:picLocks noChangeAspect="1"/>
+          </p:cNvPicPr>
+          <p:nvPr/>
+        </p:nvPicPr>
+        <p:blipFill>
+          <a:blip r:embed="rId4" cstate="print">
+            <a:extLst>
+              <a:ext uri="{28A0092B-C50C-407E-A947-70E740481C1C}">
+                <a14:useLocalDpi xmlns:a14="http://schemas.microsoft.com/office/drawing/2010/main" val="0"/>
+              </a:ext>
+            </a:extLst>
+          </a:blip>
+          <a:stretch>
+            <a:fillRect/>
+          </a:stretch>
+        </p:blipFill>
+        <p:spPr>
+          <a:xfrm>
+            <a:off x="8198547" y="101546"/>
+            <a:ext cx="817158" cy="430469"/>
+          </a:xfrm>
+          <a:prstGeom prst="rect">
+            <a:avLst/>
+          </a:prstGeom>
+        </p:spPr>
+      </p:pic>
+      <p:pic>
+        <p:nvPicPr>
+          <p:cNvPr id="13" name="Picture 2" descr="File:LMU Muenchen Logo.svg"/>
+          <p:cNvPicPr>
+            <a:picLocks noChangeAspect="1" noChangeArrowheads="1"/>
+          </p:cNvPicPr>
+          <p:nvPr/>
+        </p:nvPicPr>
+        <p:blipFill>
+          <a:blip r:embed="rId5" cstate="print">
+            <a:extLst>
+              <a:ext uri="{28A0092B-C50C-407E-A947-70E740481C1C}">
+                <a14:useLocalDpi xmlns:a14="http://schemas.microsoft.com/office/drawing/2010/main" val="0"/>
+              </a:ext>
+            </a:extLst>
+          </a:blip>
+          <a:srcRect/>
+          <a:stretch>
+            <a:fillRect/>
+          </a:stretch>
+        </p:blipFill>
+        <p:spPr bwMode="auto">
+          <a:xfrm>
+            <a:off x="103529" y="6293665"/>
+            <a:ext cx="936625" cy="490496"/>
+          </a:xfrm>
+          <a:prstGeom prst="rect">
+            <a:avLst/>
+          </a:prstGeom>
+          <a:noFill/>
+          <a:extLst>
+            <a:ext uri="{909E8E84-426E-40DD-AFC4-6F175D3DCCD1}">
+              <a14:hiddenFill xmlns:a14="http://schemas.microsoft.com/office/drawing/2010/main">
+                <a:solidFill>
+                  <a:srgbClr val="FFFFFF"/>
+                </a:solidFill>
+              </a14:hiddenFill>
+            </a:ext>
+          </a:extLst>
+        </p:spPr>
+      </p:pic>
+    </p:spTree>
+    <p:extLst>
+      <p:ext uri="{BB962C8B-B14F-4D97-AF65-F5344CB8AC3E}">
+        <p14:creationId xmlns:p14="http://schemas.microsoft.com/office/powerpoint/2010/main" val="2726249108"/>
+      </p:ext>
+    </p:extLst>
+  </p:cSld>
+  <p:clrMapOvr>
+    <a:masterClrMapping/>
+  </p:clrMapOvr>
+  <p:timing>
+    <p:tnLst>
+      <p:par>
+        <p:cTn id="1" dur="indefinite" restart="never" nodeType="tmRoot"/>
+      </p:par>
+    </p:tnLst>
+  </p:timing>
+</p:sld>
+</file>
+
+<file path=ppt/slides/slide34.xml><?xml version="1.0" encoding="utf-8"?>
+<p:sld xmlns:a="http://schemas.openxmlformats.org/drawingml/2006/main" xmlns:r="http://schemas.openxmlformats.org/officeDocument/2006/relationships" xmlns:p="http://schemas.openxmlformats.org/presentationml/2006/main">
+  <p:cSld>
+    <p:spTree>
+      <p:nvGrpSpPr>
+        <p:cNvPr id="1" name=""/>
+        <p:cNvGrpSpPr/>
+        <p:nvPr/>
+      </p:nvGrpSpPr>
+      <p:grpSpPr>
+        <a:xfrm>
+          <a:off x="0" y="0"/>
+          <a:ext cx="0" cy="0"/>
+          <a:chOff x="0" y="0"/>
+          <a:chExt cx="0" cy="0"/>
+        </a:xfrm>
+      </p:grpSpPr>
+      <p:pic>
+        <p:nvPicPr>
+          <p:cNvPr id="11" name="Picture 2" descr="http://learningworkshop.mindedge.com/wp-content/uploads/2014/04/quote_bubbles.jpg"/>
+          <p:cNvPicPr>
+            <a:picLocks noChangeAspect="1" noChangeArrowheads="1"/>
+          </p:cNvPicPr>
+          <p:nvPr/>
+        </p:nvPicPr>
+        <p:blipFill>
+          <a:blip r:embed="rId3">
+            <a:duotone>
+              <a:schemeClr val="bg2">
+                <a:shade val="45000"/>
+                <a:satMod val="135000"/>
+              </a:schemeClr>
+              <a:prstClr val="white"/>
+            </a:duotone>
+            <a:extLst>
+              <a:ext uri="{28A0092B-C50C-407E-A947-70E740481C1C}">
+                <a14:useLocalDpi xmlns:a14="http://schemas.microsoft.com/office/drawing/2010/main" val="0"/>
+              </a:ext>
+            </a:extLst>
+          </a:blip>
+          <a:srcRect/>
+          <a:stretch>
+            <a:fillRect/>
+          </a:stretch>
+        </p:blipFill>
+        <p:spPr bwMode="auto">
+          <a:xfrm>
+            <a:off x="5619750" y="4219574"/>
+            <a:ext cx="3524250" cy="2638426"/>
+          </a:xfrm>
+          <a:prstGeom prst="rect">
+            <a:avLst/>
+          </a:prstGeom>
+          <a:noFill/>
+          <a:extLst>
+            <a:ext uri="{909E8E84-426E-40DD-AFC4-6F175D3DCCD1}">
+              <a14:hiddenFill xmlns:a14="http://schemas.microsoft.com/office/drawing/2010/main">
+                <a:solidFill>
+                  <a:srgbClr val="FFFFFF"/>
+                </a:solidFill>
+              </a14:hiddenFill>
+            </a:ext>
+          </a:extLst>
+        </p:spPr>
+      </p:pic>
+      <p:sp>
+        <p:nvSpPr>
+          <p:cNvPr id="2" name="Title 1"/>
+          <p:cNvSpPr>
+            <a:spLocks noGrp="1"/>
+          </p:cNvSpPr>
+          <p:nvPr>
+            <p:ph type="title"/>
+          </p:nvPr>
+        </p:nvSpPr>
+        <p:spPr>
+          <a:xfrm>
+            <a:off x="460977" y="365127"/>
+            <a:ext cx="8290057" cy="609730"/>
+          </a:xfrm>
+        </p:spPr>
+        <p:txBody>
+          <a:bodyPr>
+            <a:normAutofit fontScale="90000"/>
+          </a:bodyPr>
+          <a:lstStyle/>
+          <a:p>
+            <a:r>
+              <a:rPr lang="en-US" dirty="0" smtClean="0">
+                <a:solidFill>
+                  <a:schemeClr val="accent5"/>
+                </a:solidFill>
+              </a:rPr>
+              <a:t>Future Work</a:t>
+            </a:r>
+            <a:endParaRPr lang="de-DE" dirty="0">
+              <a:solidFill>
+                <a:schemeClr val="accent5"/>
+              </a:solidFill>
+            </a:endParaRPr>
+          </a:p>
+        </p:txBody>
+      </p:sp>
+      <p:sp>
+        <p:nvSpPr>
+          <p:cNvPr id="3" name="Content Placeholder 2"/>
+          <p:cNvSpPr>
+            <a:spLocks noGrp="1"/>
+          </p:cNvSpPr>
+          <p:nvPr>
+            <p:ph idx="1"/>
+          </p:nvPr>
+        </p:nvSpPr>
+        <p:spPr>
+          <a:xfrm>
+            <a:off x="460977" y="1046648"/>
+            <a:ext cx="8290057" cy="5206790"/>
+          </a:xfrm>
+        </p:spPr>
+        <p:txBody>
+          <a:bodyPr/>
+          <a:lstStyle/>
+          <a:p>
+            <a:r>
+              <a:rPr lang="en-US" dirty="0" smtClean="0"/>
+              <a:t>Fitting the model into text streams</a:t>
+            </a:r>
+          </a:p>
+          <a:p>
+            <a:pPr lvl="1"/>
+            <a:r>
+              <a:rPr lang="en-US" dirty="0" smtClean="0"/>
+              <a:t>The motivation is taken from text based streams</a:t>
+            </a:r>
+          </a:p>
+          <a:p>
+            <a:pPr lvl="1"/>
+            <a:r>
+              <a:rPr lang="en-US" dirty="0" smtClean="0"/>
+              <a:t>Evaluation is performed with numeric data for thesis scope</a:t>
+            </a:r>
+          </a:p>
+          <a:p>
+            <a:r>
+              <a:rPr lang="en-US" dirty="0" smtClean="0"/>
+              <a:t>Devising approach to select a subset of the incoming streams to learn the model</a:t>
+            </a:r>
+          </a:p>
+          <a:p>
+            <a:pPr lvl="1"/>
+            <a:r>
+              <a:rPr lang="en-US" dirty="0" smtClean="0"/>
+              <a:t>Equivalent number of instances from both slower and faster streams</a:t>
+            </a:r>
+            <a:endParaRPr lang="en-US" dirty="0"/>
+          </a:p>
+        </p:txBody>
+      </p:sp>
+      <p:sp>
+        <p:nvSpPr>
+          <p:cNvPr id="7" name="Slide Number Placeholder 6"/>
+          <p:cNvSpPr>
+            <a:spLocks noGrp="1"/>
+          </p:cNvSpPr>
+          <p:nvPr>
+            <p:ph type="sldNum" sz="quarter" idx="12"/>
+          </p:nvPr>
+        </p:nvSpPr>
+        <p:spPr/>
+        <p:txBody>
+          <a:bodyPr/>
+          <a:lstStyle/>
+          <a:p>
+            <a:fld id="{EAE41600-55F5-4A6B-8385-85433044AE0B}" type="slidenum">
+              <a:rPr lang="de-DE" smtClean="0"/>
+              <a:t>34</a:t>
             </a:fld>
             <a:endParaRPr lang="de-DE" dirty="0"/>
           </a:p>
@@ -39686,7 +41294,492 @@
 </p:sld>
 </file>
 
-<file path=ppt/slides/slide31.xml><?xml version="1.0" encoding="utf-8"?>
+<file path=ppt/slides/slide35.xml><?xml version="1.0" encoding="utf-8"?>
+<p:sld xmlns:a="http://schemas.openxmlformats.org/drawingml/2006/main" xmlns:r="http://schemas.openxmlformats.org/officeDocument/2006/relationships" xmlns:p="http://schemas.openxmlformats.org/presentationml/2006/main">
+  <p:cSld>
+    <p:spTree>
+      <p:nvGrpSpPr>
+        <p:cNvPr id="1" name=""/>
+        <p:cNvGrpSpPr/>
+        <p:nvPr/>
+      </p:nvGrpSpPr>
+      <p:grpSpPr>
+        <a:xfrm>
+          <a:off x="0" y="0"/>
+          <a:ext cx="0" cy="0"/>
+          <a:chOff x="0" y="0"/>
+          <a:chExt cx="0" cy="0"/>
+        </a:xfrm>
+      </p:grpSpPr>
+      <p:pic>
+        <p:nvPicPr>
+          <p:cNvPr id="11" name="Picture 2" descr="http://learningworkshop.mindedge.com/wp-content/uploads/2014/04/quote_bubbles.jpg"/>
+          <p:cNvPicPr>
+            <a:picLocks noChangeAspect="1" noChangeArrowheads="1"/>
+          </p:cNvPicPr>
+          <p:nvPr/>
+        </p:nvPicPr>
+        <p:blipFill>
+          <a:blip r:embed="rId3">
+            <a:duotone>
+              <a:schemeClr val="bg2">
+                <a:shade val="45000"/>
+                <a:satMod val="135000"/>
+              </a:schemeClr>
+              <a:prstClr val="white"/>
+            </a:duotone>
+            <a:extLst>
+              <a:ext uri="{28A0092B-C50C-407E-A947-70E740481C1C}">
+                <a14:useLocalDpi xmlns:a14="http://schemas.microsoft.com/office/drawing/2010/main" val="0"/>
+              </a:ext>
+            </a:extLst>
+          </a:blip>
+          <a:srcRect/>
+          <a:stretch>
+            <a:fillRect/>
+          </a:stretch>
+        </p:blipFill>
+        <p:spPr bwMode="auto">
+          <a:xfrm>
+            <a:off x="5619750" y="4219574"/>
+            <a:ext cx="3524250" cy="2638426"/>
+          </a:xfrm>
+          <a:prstGeom prst="rect">
+            <a:avLst/>
+          </a:prstGeom>
+          <a:noFill/>
+          <a:extLst>
+            <a:ext uri="{909E8E84-426E-40DD-AFC4-6F175D3DCCD1}">
+              <a14:hiddenFill xmlns:a14="http://schemas.microsoft.com/office/drawing/2010/main">
+                <a:solidFill>
+                  <a:srgbClr val="FFFFFF"/>
+                </a:solidFill>
+              </a14:hiddenFill>
+            </a:ext>
+          </a:extLst>
+        </p:spPr>
+      </p:pic>
+      <p:sp>
+        <p:nvSpPr>
+          <p:cNvPr id="2" name="Title 1"/>
+          <p:cNvSpPr>
+            <a:spLocks noGrp="1"/>
+          </p:cNvSpPr>
+          <p:nvPr>
+            <p:ph type="title"/>
+          </p:nvPr>
+        </p:nvSpPr>
+        <p:spPr>
+          <a:xfrm>
+            <a:off x="460977" y="365127"/>
+            <a:ext cx="8290057" cy="609730"/>
+          </a:xfrm>
+        </p:spPr>
+        <p:txBody>
+          <a:bodyPr>
+            <a:normAutofit fontScale="90000"/>
+          </a:bodyPr>
+          <a:lstStyle/>
+          <a:p>
+            <a:r>
+              <a:rPr lang="en-US" dirty="0" smtClean="0">
+                <a:solidFill>
+                  <a:schemeClr val="accent5"/>
+                </a:solidFill>
+              </a:rPr>
+              <a:t>References</a:t>
+            </a:r>
+            <a:endParaRPr lang="de-DE" dirty="0">
+              <a:solidFill>
+                <a:schemeClr val="accent5"/>
+              </a:solidFill>
+            </a:endParaRPr>
+          </a:p>
+        </p:txBody>
+      </p:sp>
+      <p:sp>
+        <p:nvSpPr>
+          <p:cNvPr id="3" name="Content Placeholder 2"/>
+          <p:cNvSpPr>
+            <a:spLocks noGrp="1"/>
+          </p:cNvSpPr>
+          <p:nvPr>
+            <p:ph idx="1"/>
+          </p:nvPr>
+        </p:nvSpPr>
+        <p:spPr>
+          <a:xfrm>
+            <a:off x="460977" y="1046648"/>
+            <a:ext cx="8290057" cy="5206790"/>
+          </a:xfrm>
+        </p:spPr>
+        <p:txBody>
+          <a:bodyPr>
+            <a:normAutofit fontScale="92500" lnSpcReduction="20000"/>
+          </a:bodyPr>
+          <a:lstStyle/>
+          <a:p>
+            <a:pPr marL="514350" indent="-514350">
+              <a:buFont typeface="+mj-lt"/>
+              <a:buAutoNum type="arabicPeriod"/>
+            </a:pPr>
+            <a:r>
+              <a:rPr lang="en-US" dirty="0"/>
+              <a:t>Catlett, J. (1991). </a:t>
+            </a:r>
+            <a:r>
+              <a:rPr lang="en-US" dirty="0" err="1"/>
+              <a:t>Megainduction</a:t>
+            </a:r>
+            <a:r>
+              <a:rPr lang="en-US" dirty="0"/>
+              <a:t>: Machine learning on very </a:t>
+            </a:r>
+            <a:r>
+              <a:rPr lang="en-US" dirty="0" smtClean="0"/>
+              <a:t>large databases</a:t>
+            </a:r>
+            <a:r>
+              <a:rPr lang="en-US" dirty="0"/>
+              <a:t>. In </a:t>
+            </a:r>
+            <a:r>
+              <a:rPr lang="en-US" i="1" dirty="0"/>
+              <a:t>PhD thesis, University of Sydney</a:t>
+            </a:r>
+            <a:r>
+              <a:rPr lang="en-US" dirty="0" smtClean="0"/>
+              <a:t>.</a:t>
+            </a:r>
+          </a:p>
+          <a:p>
+            <a:pPr marL="514350" indent="-514350">
+              <a:buFont typeface="+mj-lt"/>
+              <a:buAutoNum type="arabicPeriod"/>
+            </a:pPr>
+            <a:r>
+              <a:rPr lang="en-US" dirty="0" smtClean="0"/>
+              <a:t>Hoeffding</a:t>
+            </a:r>
+            <a:r>
+              <a:rPr lang="en-US" dirty="0"/>
+              <a:t>, W. (1963). Probability inequalities for sums of bounded </a:t>
+            </a:r>
+            <a:r>
+              <a:rPr lang="en-US" dirty="0" smtClean="0"/>
+              <a:t>random variables</a:t>
+            </a:r>
+            <a:r>
+              <a:rPr lang="en-US" dirty="0"/>
+              <a:t>. 58:13–30.</a:t>
+            </a:r>
+            <a:endParaRPr lang="en-US" dirty="0" smtClean="0"/>
+          </a:p>
+          <a:p>
+            <a:pPr marL="514350" indent="-514350">
+              <a:buFont typeface="+mj-lt"/>
+              <a:buAutoNum type="arabicPeriod"/>
+            </a:pPr>
+            <a:r>
+              <a:rPr lang="en-US" dirty="0" err="1" smtClean="0"/>
+              <a:t>Domingos</a:t>
+            </a:r>
+            <a:r>
+              <a:rPr lang="en-US" dirty="0"/>
+              <a:t>, P. and </a:t>
+            </a:r>
+            <a:r>
+              <a:rPr lang="en-US" dirty="0" err="1"/>
+              <a:t>Hulten</a:t>
+            </a:r>
+            <a:r>
+              <a:rPr lang="en-US" dirty="0"/>
+              <a:t>, G. (2000). Mining </a:t>
+            </a:r>
+            <a:r>
+              <a:rPr lang="en-US" dirty="0" smtClean="0"/>
+              <a:t>high-speed data </a:t>
+            </a:r>
+            <a:r>
+              <a:rPr lang="en-US" dirty="0"/>
+              <a:t>streams. In </a:t>
+            </a:r>
+            <a:r>
+              <a:rPr lang="en-US" i="1" dirty="0"/>
+              <a:t>Proceedings of the ACM KDD</a:t>
+            </a:r>
+            <a:r>
+              <a:rPr lang="en-US" dirty="0" smtClean="0"/>
+              <a:t>.</a:t>
+            </a:r>
+          </a:p>
+          <a:p>
+            <a:pPr marL="514350" indent="-514350">
+              <a:buFont typeface="+mj-lt"/>
+              <a:buAutoNum type="arabicPeriod"/>
+            </a:pPr>
+            <a:r>
+              <a:rPr lang="en-US" dirty="0" err="1"/>
+              <a:t>Hulten</a:t>
+            </a:r>
+            <a:r>
+              <a:rPr lang="en-US" dirty="0"/>
+              <a:t>, G., Spencer, L., and </a:t>
+            </a:r>
+            <a:r>
+              <a:rPr lang="en-US" dirty="0" err="1"/>
+              <a:t>Domingos</a:t>
+            </a:r>
+            <a:r>
+              <a:rPr lang="en-US" dirty="0"/>
+              <a:t>, P. (2001). Mining time </a:t>
+            </a:r>
+            <a:r>
+              <a:rPr lang="en-US" dirty="0" smtClean="0"/>
+              <a:t>changing data </a:t>
+            </a:r>
+            <a:r>
+              <a:rPr lang="en-US" dirty="0"/>
+              <a:t>stream. In </a:t>
+            </a:r>
+            <a:r>
+              <a:rPr lang="en-US" i="1" dirty="0"/>
+              <a:t>ACM KDD</a:t>
+            </a:r>
+            <a:r>
+              <a:rPr lang="en-US" dirty="0"/>
+              <a:t>, pages 97–106.</a:t>
+            </a:r>
+            <a:endParaRPr lang="en-US" dirty="0" smtClean="0"/>
+          </a:p>
+          <a:p>
+            <a:pPr marL="514350" indent="-514350">
+              <a:buFont typeface="+mj-lt"/>
+              <a:buAutoNum type="arabicPeriod"/>
+            </a:pPr>
+            <a:r>
+              <a:rPr lang="en-US" dirty="0" err="1"/>
+              <a:t>Bifet</a:t>
+            </a:r>
+            <a:r>
+              <a:rPr lang="en-US" dirty="0"/>
+              <a:t>, A., Holmes, G., </a:t>
+            </a:r>
+            <a:r>
+              <a:rPr lang="en-US" dirty="0" err="1"/>
+              <a:t>Pfahringer</a:t>
+            </a:r>
+            <a:r>
+              <a:rPr lang="en-US" dirty="0"/>
+              <a:t>, B., </a:t>
+            </a:r>
+            <a:r>
+              <a:rPr lang="en-US" dirty="0" err="1"/>
+              <a:t>Kirkby</a:t>
+            </a:r>
+            <a:r>
+              <a:rPr lang="en-US" dirty="0"/>
+              <a:t>, R., and </a:t>
+            </a:r>
+            <a:r>
+              <a:rPr lang="en-US" dirty="0" err="1"/>
+              <a:t>Gavaldà</a:t>
+            </a:r>
+            <a:r>
+              <a:rPr lang="en-US" dirty="0"/>
+              <a:t>, R</a:t>
+            </a:r>
+            <a:r>
+              <a:rPr lang="en-US" dirty="0" smtClean="0"/>
+              <a:t>. (</a:t>
+            </a:r>
+            <a:r>
+              <a:rPr lang="en-US" dirty="0"/>
+              <a:t>2009). New ensemble methods for evolving data streams. In </a:t>
+            </a:r>
+            <a:r>
+              <a:rPr lang="en-US" i="1" dirty="0"/>
+              <a:t>SIGKDD</a:t>
+            </a:r>
+            <a:r>
+              <a:rPr lang="en-US" dirty="0"/>
+              <a:t>, pages 139–148</a:t>
+            </a:r>
+            <a:r>
+              <a:rPr lang="en-US" dirty="0" smtClean="0"/>
+              <a:t>.</a:t>
+            </a:r>
+            <a:r>
+              <a:rPr lang="en-US" dirty="0"/>
+              <a:t> </a:t>
+            </a:r>
+            <a:endParaRPr lang="en-US" dirty="0" smtClean="0"/>
+          </a:p>
+          <a:p>
+            <a:pPr marL="514350" indent="-514350">
+              <a:buFont typeface="+mj-lt"/>
+              <a:buAutoNum type="arabicPeriod"/>
+            </a:pPr>
+            <a:r>
+              <a:rPr lang="en-US" dirty="0" err="1" smtClean="0"/>
+              <a:t>Oza</a:t>
+            </a:r>
+            <a:r>
+              <a:rPr lang="en-US" dirty="0"/>
+              <a:t>, N. C. and Russell, S. (2001). Online bagging and boosting</a:t>
+            </a:r>
+            <a:r>
+              <a:rPr lang="en-US" dirty="0" smtClean="0"/>
+              <a:t>. In </a:t>
+            </a:r>
+            <a:r>
+              <a:rPr lang="en-US" i="1" dirty="0"/>
+              <a:t>Artificial Intelligence and Statistics</a:t>
+            </a:r>
+            <a:r>
+              <a:rPr lang="en-US" dirty="0"/>
+              <a:t>, pages 105–112</a:t>
+            </a:r>
+            <a:r>
+              <a:rPr lang="en-US" dirty="0" smtClean="0"/>
+              <a:t>.</a:t>
+            </a:r>
+          </a:p>
+          <a:p>
+            <a:pPr marL="514350" indent="-514350">
+              <a:buFont typeface="+mj-lt"/>
+              <a:buAutoNum type="arabicPeriod"/>
+            </a:pPr>
+            <a:r>
+              <a:rPr lang="en-US" dirty="0" err="1"/>
+              <a:t>Breiman</a:t>
+            </a:r>
+            <a:r>
+              <a:rPr lang="en-US" dirty="0"/>
+              <a:t>, L. (1994). Bagging prediction</a:t>
+            </a:r>
+            <a:r>
+              <a:rPr lang="en-US" dirty="0" smtClean="0"/>
+              <a:t>.</a:t>
+            </a:r>
+          </a:p>
+        </p:txBody>
+      </p:sp>
+      <p:sp>
+        <p:nvSpPr>
+          <p:cNvPr id="7" name="Slide Number Placeholder 6"/>
+          <p:cNvSpPr>
+            <a:spLocks noGrp="1"/>
+          </p:cNvSpPr>
+          <p:nvPr>
+            <p:ph type="sldNum" sz="quarter" idx="12"/>
+          </p:nvPr>
+        </p:nvSpPr>
+        <p:spPr/>
+        <p:txBody>
+          <a:bodyPr/>
+          <a:lstStyle/>
+          <a:p>
+            <a:fld id="{EAE41600-55F5-4A6B-8385-85433044AE0B}" type="slidenum">
+              <a:rPr lang="de-DE" smtClean="0"/>
+              <a:t>35</a:t>
+            </a:fld>
+            <a:endParaRPr lang="de-DE" dirty="0"/>
+          </a:p>
+        </p:txBody>
+      </p:sp>
+      <p:pic>
+        <p:nvPicPr>
+          <p:cNvPr id="12" name="Picture 11"/>
+          <p:cNvPicPr>
+            <a:picLocks noChangeAspect="1"/>
+          </p:cNvPicPr>
+          <p:nvPr/>
+        </p:nvPicPr>
+        <p:blipFill>
+          <a:blip r:embed="rId4" cstate="print">
+            <a:extLst>
+              <a:ext uri="{28A0092B-C50C-407E-A947-70E740481C1C}">
+                <a14:useLocalDpi xmlns:a14="http://schemas.microsoft.com/office/drawing/2010/main" val="0"/>
+              </a:ext>
+            </a:extLst>
+          </a:blip>
+          <a:stretch>
+            <a:fillRect/>
+          </a:stretch>
+        </p:blipFill>
+        <p:spPr>
+          <a:xfrm>
+            <a:off x="8198547" y="101546"/>
+            <a:ext cx="817158" cy="430469"/>
+          </a:xfrm>
+          <a:prstGeom prst="rect">
+            <a:avLst/>
+          </a:prstGeom>
+        </p:spPr>
+      </p:pic>
+      <p:pic>
+        <p:nvPicPr>
+          <p:cNvPr id="13" name="Picture 2" descr="File:LMU Muenchen Logo.svg"/>
+          <p:cNvPicPr>
+            <a:picLocks noChangeAspect="1" noChangeArrowheads="1"/>
+          </p:cNvPicPr>
+          <p:nvPr/>
+        </p:nvPicPr>
+        <p:blipFill>
+          <a:blip r:embed="rId5" cstate="print">
+            <a:extLst>
+              <a:ext uri="{28A0092B-C50C-407E-A947-70E740481C1C}">
+                <a14:useLocalDpi xmlns:a14="http://schemas.microsoft.com/office/drawing/2010/main" val="0"/>
+              </a:ext>
+            </a:extLst>
+          </a:blip>
+          <a:srcRect/>
+          <a:stretch>
+            <a:fillRect/>
+          </a:stretch>
+        </p:blipFill>
+        <p:spPr bwMode="auto">
+          <a:xfrm>
+            <a:off x="103529" y="6293665"/>
+            <a:ext cx="936625" cy="490496"/>
+          </a:xfrm>
+          <a:prstGeom prst="rect">
+            <a:avLst/>
+          </a:prstGeom>
+          <a:noFill/>
+          <a:extLst>
+            <a:ext uri="{909E8E84-426E-40DD-AFC4-6F175D3DCCD1}">
+              <a14:hiddenFill xmlns:a14="http://schemas.microsoft.com/office/drawing/2010/main">
+                <a:solidFill>
+                  <a:srgbClr val="FFFFFF"/>
+                </a:solidFill>
+              </a14:hiddenFill>
+            </a:ext>
+          </a:extLst>
+        </p:spPr>
+      </p:pic>
+    </p:spTree>
+    <p:extLst>
+      <p:ext uri="{BB962C8B-B14F-4D97-AF65-F5344CB8AC3E}">
+        <p14:creationId xmlns:p14="http://schemas.microsoft.com/office/powerpoint/2010/main" val="3090403201"/>
+      </p:ext>
+    </p:extLst>
+  </p:cSld>
+  <p:clrMapOvr>
+    <a:masterClrMapping/>
+  </p:clrMapOvr>
+  <p:timing>
+    <p:tnLst>
+      <p:par>
+        <p:cTn id="1" dur="indefinite" restart="never" nodeType="tmRoot"/>
+      </p:par>
+    </p:tnLst>
+  </p:timing>
+</p:sld>
+</file>
+
+<file path=ppt/slides/slide36.xml><?xml version="1.0" encoding="utf-8"?>
 <p:sld xmlns:a="http://schemas.openxmlformats.org/drawingml/2006/main" xmlns:r="http://schemas.openxmlformats.org/officeDocument/2006/relationships" xmlns:p="http://schemas.openxmlformats.org/presentationml/2006/main">
   <p:cSld>
     <p:spTree>
@@ -39774,7 +41867,7 @@
           <a:p>
             <a:fld id="{EAE41600-55F5-4A6B-8385-85433044AE0B}" type="slidenum">
               <a:rPr lang="de-DE" smtClean="0"/>
-              <a:t>31</a:t>
+              <a:t>36</a:t>
             </a:fld>
             <a:endParaRPr lang="de-DE" dirty="0"/>
           </a:p>
@@ -39895,7 +41988,7 @@
 </p:sld>
 </file>
 
-<file path=ppt/slides/slide32.xml><?xml version="1.0" encoding="utf-8"?>
+<file path=ppt/slides/slide37.xml><?xml version="1.0" encoding="utf-8"?>
 <p:sld xmlns:a="http://schemas.openxmlformats.org/drawingml/2006/main" xmlns:r="http://schemas.openxmlformats.org/officeDocument/2006/relationships" xmlns:p="http://schemas.openxmlformats.org/presentationml/2006/main">
   <p:cSld>
     <p:spTree>
@@ -40099,7 +42192,7 @@
           <a:p>
             <a:fld id="{EAE41600-55F5-4A6B-8385-85433044AE0B}" type="slidenum">
               <a:rPr lang="de-DE" smtClean="0"/>
-              <a:t>32</a:t>
+              <a:t>37</a:t>
             </a:fld>
             <a:endParaRPr lang="de-DE" dirty="0"/>
           </a:p>
@@ -40196,7 +42289,7 @@
 </p:sld>
 </file>
 
-<file path=ppt/slides/slide33.xml><?xml version="1.0" encoding="utf-8"?>
+<file path=ppt/slides/slide38.xml><?xml version="1.0" encoding="utf-8"?>
 <p:sld xmlns:a="http://schemas.openxmlformats.org/drawingml/2006/main" xmlns:r="http://schemas.openxmlformats.org/officeDocument/2006/relationships" xmlns:p="http://schemas.openxmlformats.org/presentationml/2006/main">
   <p:cSld>
     <p:spTree>
@@ -40327,7 +42420,7 @@
           <a:p>
             <a:fld id="{EAE41600-55F5-4A6B-8385-85433044AE0B}" type="slidenum">
               <a:rPr lang="de-DE" smtClean="0"/>
-              <a:t>33</a:t>
+              <a:t>38</a:t>
             </a:fld>
             <a:endParaRPr lang="de-DE" dirty="0"/>
           </a:p>
@@ -40424,7 +42517,7 @@
 </p:sld>
 </file>
 
-<file path=ppt/slides/slide34.xml><?xml version="1.0" encoding="utf-8"?>
+<file path=ppt/slides/slide39.xml><?xml version="1.0" encoding="utf-8"?>
 <p:sld xmlns:a="http://schemas.openxmlformats.org/drawingml/2006/main" xmlns:r="http://schemas.openxmlformats.org/officeDocument/2006/relationships" xmlns:p="http://schemas.openxmlformats.org/presentationml/2006/main">
   <p:cSld>
     <p:spTree>
@@ -40534,7 +42627,7 @@
           <a:p>
             <a:fld id="{EAE41600-55F5-4A6B-8385-85433044AE0B}" type="slidenum">
               <a:rPr lang="de-DE" smtClean="0"/>
-              <a:t>34</a:t>
+              <a:t>39</a:t>
             </a:fld>
             <a:endParaRPr lang="de-DE" dirty="0"/>
           </a:p>
@@ -41385,7 +43478,338 @@
 </p:sld>
 </file>
 
-<file path=ppt/slides/slide35.xml><?xml version="1.0" encoding="utf-8"?>
+<file path=ppt/slides/slide4.xml><?xml version="1.0" encoding="utf-8"?>
+<p:sld xmlns:a="http://schemas.openxmlformats.org/drawingml/2006/main" xmlns:r="http://schemas.openxmlformats.org/officeDocument/2006/relationships" xmlns:p="http://schemas.openxmlformats.org/presentationml/2006/main">
+  <p:cSld>
+    <p:spTree>
+      <p:nvGrpSpPr>
+        <p:cNvPr id="1" name=""/>
+        <p:cNvGrpSpPr/>
+        <p:nvPr/>
+      </p:nvGrpSpPr>
+      <p:grpSpPr>
+        <a:xfrm>
+          <a:off x="0" y="0"/>
+          <a:ext cx="0" cy="0"/>
+          <a:chOff x="0" y="0"/>
+          <a:chExt cx="0" cy="0"/>
+        </a:xfrm>
+      </p:grpSpPr>
+      <p:pic>
+        <p:nvPicPr>
+          <p:cNvPr id="10" name="Picture 2" descr="http://www.mcraeandcompany.co.uk/Blog/wp-content/uploads/2012/10/contentwriting.jpeg"/>
+          <p:cNvPicPr>
+            <a:picLocks noChangeAspect="1" noChangeArrowheads="1"/>
+          </p:cNvPicPr>
+          <p:nvPr/>
+        </p:nvPicPr>
+        <p:blipFill>
+          <a:blip r:embed="rId3">
+            <a:duotone>
+              <a:schemeClr val="bg2">
+                <a:shade val="45000"/>
+                <a:satMod val="135000"/>
+              </a:schemeClr>
+              <a:prstClr val="white"/>
+            </a:duotone>
+            <a:extLst>
+              <a:ext uri="{28A0092B-C50C-407E-A947-70E740481C1C}">
+                <a14:useLocalDpi xmlns:a14="http://schemas.microsoft.com/office/drawing/2010/main" val="0"/>
+              </a:ext>
+            </a:extLst>
+          </a:blip>
+          <a:srcRect/>
+          <a:stretch>
+            <a:fillRect/>
+          </a:stretch>
+        </p:blipFill>
+        <p:spPr bwMode="auto">
+          <a:xfrm>
+            <a:off x="6024245" y="2584218"/>
+            <a:ext cx="3119755" cy="4147295"/>
+          </a:xfrm>
+          <a:prstGeom prst="rect">
+            <a:avLst/>
+          </a:prstGeom>
+          <a:noFill/>
+          <a:extLst>
+            <a:ext uri="{909E8E84-426E-40DD-AFC4-6F175D3DCCD1}">
+              <a14:hiddenFill xmlns:a14="http://schemas.microsoft.com/office/drawing/2010/main">
+                <a:solidFill>
+                  <a:srgbClr val="FFFFFF"/>
+                </a:solidFill>
+              </a14:hiddenFill>
+            </a:ext>
+          </a:extLst>
+        </p:spPr>
+      </p:pic>
+      <p:sp>
+        <p:nvSpPr>
+          <p:cNvPr id="2" name="Title 1"/>
+          <p:cNvSpPr>
+            <a:spLocks noGrp="1"/>
+          </p:cNvSpPr>
+          <p:nvPr>
+            <p:ph type="title"/>
+          </p:nvPr>
+        </p:nvSpPr>
+        <p:spPr>
+          <a:xfrm>
+            <a:off x="460977" y="365127"/>
+            <a:ext cx="8290057" cy="609730"/>
+          </a:xfrm>
+        </p:spPr>
+        <p:txBody>
+          <a:bodyPr>
+            <a:normAutofit fontScale="90000"/>
+          </a:bodyPr>
+          <a:lstStyle/>
+          <a:p>
+            <a:r>
+              <a:rPr lang="en-US" dirty="0" smtClean="0">
+                <a:solidFill>
+                  <a:schemeClr val="accent5"/>
+                </a:solidFill>
+              </a:rPr>
+              <a:t>Contents</a:t>
+            </a:r>
+            <a:endParaRPr lang="de-DE" dirty="0">
+              <a:solidFill>
+                <a:schemeClr val="accent5"/>
+              </a:solidFill>
+            </a:endParaRPr>
+          </a:p>
+        </p:txBody>
+      </p:sp>
+      <p:sp>
+        <p:nvSpPr>
+          <p:cNvPr id="3" name="Content Placeholder 2"/>
+          <p:cNvSpPr>
+            <a:spLocks noGrp="1"/>
+          </p:cNvSpPr>
+          <p:nvPr>
+            <p:ph idx="1"/>
+          </p:nvPr>
+        </p:nvSpPr>
+        <p:spPr>
+          <a:xfrm>
+            <a:off x="460977" y="1046648"/>
+            <a:ext cx="8290057" cy="5206790"/>
+          </a:xfrm>
+        </p:spPr>
+        <p:txBody>
+          <a:bodyPr/>
+          <a:lstStyle/>
+          <a:p>
+            <a:r>
+              <a:rPr lang="en-US" dirty="0" smtClean="0"/>
+              <a:t>Motivation</a:t>
+            </a:r>
+          </a:p>
+          <a:p>
+            <a:r>
+              <a:rPr lang="en-US" dirty="0" smtClean="0"/>
+              <a:t>Problem Statement </a:t>
+            </a:r>
+          </a:p>
+          <a:p>
+            <a:r>
+              <a:rPr lang="en-US" dirty="0" smtClean="0"/>
+              <a:t>Background</a:t>
+            </a:r>
+          </a:p>
+          <a:p>
+            <a:r>
+              <a:rPr lang="en-US" dirty="0" smtClean="0"/>
+              <a:t>A </a:t>
+            </a:r>
+            <a:r>
+              <a:rPr lang="en-US" dirty="0"/>
+              <a:t>New </a:t>
+            </a:r>
+            <a:r>
+              <a:rPr lang="en-US" dirty="0" smtClean="0"/>
+              <a:t>Ensemble Approach</a:t>
+            </a:r>
+          </a:p>
+          <a:p>
+            <a:r>
+              <a:rPr lang="en-US" dirty="0" smtClean="0"/>
+              <a:t>Data Set Description</a:t>
+            </a:r>
+          </a:p>
+          <a:p>
+            <a:r>
+              <a:rPr lang="en-US" dirty="0" smtClean="0"/>
+              <a:t>Results</a:t>
+            </a:r>
+          </a:p>
+          <a:p>
+            <a:r>
+              <a:rPr lang="en-US" dirty="0" smtClean="0"/>
+              <a:t>Discussions</a:t>
+            </a:r>
+            <a:endParaRPr lang="en-US" dirty="0"/>
+          </a:p>
+        </p:txBody>
+      </p:sp>
+      <p:sp>
+        <p:nvSpPr>
+          <p:cNvPr id="7" name="Slide Number Placeholder 6"/>
+          <p:cNvSpPr>
+            <a:spLocks noGrp="1"/>
+          </p:cNvSpPr>
+          <p:nvPr>
+            <p:ph type="sldNum" sz="quarter" idx="12"/>
+          </p:nvPr>
+        </p:nvSpPr>
+        <p:spPr/>
+        <p:txBody>
+          <a:bodyPr/>
+          <a:lstStyle/>
+          <a:p>
+            <a:fld id="{EAE41600-55F5-4A6B-8385-85433044AE0B}" type="slidenum">
+              <a:rPr lang="de-DE" smtClean="0"/>
+              <a:t>4</a:t>
+            </a:fld>
+            <a:endParaRPr lang="de-DE" dirty="0"/>
+          </a:p>
+        </p:txBody>
+      </p:sp>
+      <p:sp>
+        <p:nvSpPr>
+          <p:cNvPr id="11" name="TextBox 10"/>
+          <p:cNvSpPr txBox="1"/>
+          <p:nvPr/>
+        </p:nvSpPr>
+        <p:spPr>
+          <a:xfrm rot="18659458">
+            <a:off x="7203909" y="5139073"/>
+            <a:ext cx="1625766" cy="215444"/>
+          </a:xfrm>
+          <a:prstGeom prst="rect">
+            <a:avLst/>
+          </a:prstGeom>
+          <a:noFill/>
+        </p:spPr>
+        <p:txBody>
+          <a:bodyPr wrap="none" rtlCol="0">
+            <a:spAutoFit/>
+          </a:bodyPr>
+          <a:lstStyle/>
+          <a:p>
+            <a:r>
+              <a:rPr lang="en-US" sz="800" dirty="0" smtClean="0">
+                <a:solidFill>
+                  <a:schemeClr val="bg1">
+                    <a:lumMod val="65000"/>
+                  </a:schemeClr>
+                </a:solidFill>
+              </a:rPr>
+              <a:t>Image © mcraeandcompany.co.uk</a:t>
+            </a:r>
+            <a:endParaRPr lang="en-US" sz="800" dirty="0">
+              <a:solidFill>
+                <a:schemeClr val="bg1">
+                  <a:lumMod val="65000"/>
+                </a:schemeClr>
+              </a:solidFill>
+            </a:endParaRPr>
+          </a:p>
+        </p:txBody>
+      </p:sp>
+      <p:pic>
+        <p:nvPicPr>
+          <p:cNvPr id="12" name="Picture 11"/>
+          <p:cNvPicPr>
+            <a:picLocks noChangeAspect="1"/>
+          </p:cNvPicPr>
+          <p:nvPr/>
+        </p:nvPicPr>
+        <p:blipFill>
+          <a:blip r:embed="rId4" cstate="print">
+            <a:extLst>
+              <a:ext uri="{28A0092B-C50C-407E-A947-70E740481C1C}">
+                <a14:useLocalDpi xmlns:a14="http://schemas.microsoft.com/office/drawing/2010/main" val="0"/>
+              </a:ext>
+            </a:extLst>
+          </a:blip>
+          <a:stretch>
+            <a:fillRect/>
+          </a:stretch>
+        </p:blipFill>
+        <p:spPr>
+          <a:xfrm>
+            <a:off x="8198547" y="101546"/>
+            <a:ext cx="817158" cy="430469"/>
+          </a:xfrm>
+          <a:prstGeom prst="rect">
+            <a:avLst/>
+          </a:prstGeom>
+        </p:spPr>
+      </p:pic>
+      <p:pic>
+        <p:nvPicPr>
+          <p:cNvPr id="13" name="Picture 2" descr="File:LMU Muenchen Logo.svg"/>
+          <p:cNvPicPr>
+            <a:picLocks noChangeAspect="1" noChangeArrowheads="1"/>
+          </p:cNvPicPr>
+          <p:nvPr/>
+        </p:nvPicPr>
+        <p:blipFill>
+          <a:blip r:embed="rId5" cstate="print">
+            <a:extLst>
+              <a:ext uri="{28A0092B-C50C-407E-A947-70E740481C1C}">
+                <a14:useLocalDpi xmlns:a14="http://schemas.microsoft.com/office/drawing/2010/main" val="0"/>
+              </a:ext>
+            </a:extLst>
+          </a:blip>
+          <a:srcRect/>
+          <a:stretch>
+            <a:fillRect/>
+          </a:stretch>
+        </p:blipFill>
+        <p:spPr bwMode="auto">
+          <a:xfrm>
+            <a:off x="103529" y="6293665"/>
+            <a:ext cx="936625" cy="490496"/>
+          </a:xfrm>
+          <a:prstGeom prst="rect">
+            <a:avLst/>
+          </a:prstGeom>
+          <a:noFill/>
+          <a:extLst>
+            <a:ext uri="{909E8E84-426E-40DD-AFC4-6F175D3DCCD1}">
+              <a14:hiddenFill xmlns:a14="http://schemas.microsoft.com/office/drawing/2010/main">
+                <a:solidFill>
+                  <a:srgbClr val="FFFFFF"/>
+                </a:solidFill>
+              </a14:hiddenFill>
+            </a:ext>
+          </a:extLst>
+        </p:spPr>
+      </p:pic>
+    </p:spTree>
+    <p:extLst>
+      <p:ext uri="{BB962C8B-B14F-4D97-AF65-F5344CB8AC3E}">
+        <p14:creationId xmlns:p14="http://schemas.microsoft.com/office/powerpoint/2010/main" val="3680883624"/>
+      </p:ext>
+    </p:extLst>
+  </p:cSld>
+  <p:clrMapOvr>
+    <a:masterClrMapping/>
+  </p:clrMapOvr>
+  <p:timing>
+    <p:tnLst>
+      <p:par>
+        <p:cTn id="1" dur="indefinite" restart="never" nodeType="tmRoot"/>
+      </p:par>
+    </p:tnLst>
+  </p:timing>
+</p:sld>
+</file>
+
+<file path=ppt/slides/slide40.xml><?xml version="1.0" encoding="utf-8"?>
 <p:sld xmlns:a="http://schemas.openxmlformats.org/drawingml/2006/main" xmlns:r="http://schemas.openxmlformats.org/officeDocument/2006/relationships" xmlns:p="http://schemas.openxmlformats.org/presentationml/2006/main">
   <p:cSld>
     <p:spTree>
@@ -41495,7 +43919,7 @@
           <a:p>
             <a:fld id="{EAE41600-55F5-4A6B-8385-85433044AE0B}" type="slidenum">
               <a:rPr lang="de-DE" smtClean="0"/>
-              <a:t>35</a:t>
+              <a:t>40</a:t>
             </a:fld>
             <a:endParaRPr lang="de-DE" dirty="0"/>
           </a:p>
@@ -42462,7 +44886,7 @@
 </p:sld>
 </file>
 
-<file path=ppt/slides/slide36.xml><?xml version="1.0" encoding="utf-8"?>
+<file path=ppt/slides/slide41.xml><?xml version="1.0" encoding="utf-8"?>
 <p:sld xmlns:a="http://schemas.openxmlformats.org/drawingml/2006/main" xmlns:r="http://schemas.openxmlformats.org/officeDocument/2006/relationships" xmlns:p="http://schemas.openxmlformats.org/presentationml/2006/main">
   <p:cSld>
     <p:spTree>
@@ -42572,7 +44996,7 @@
           <a:p>
             <a:fld id="{EAE41600-55F5-4A6B-8385-85433044AE0B}" type="slidenum">
               <a:rPr lang="de-DE" smtClean="0"/>
-              <a:t>36</a:t>
+              <a:t>41</a:t>
             </a:fld>
             <a:endParaRPr lang="de-DE" dirty="0"/>
           </a:p>
@@ -43657,7 +46081,7 @@
 </p:sld>
 </file>
 
-<file path=ppt/slides/slide37.xml><?xml version="1.0" encoding="utf-8"?>
+<file path=ppt/slides/slide42.xml><?xml version="1.0" encoding="utf-8"?>
 <p:sld xmlns:a="http://schemas.openxmlformats.org/drawingml/2006/main" xmlns:r="http://schemas.openxmlformats.org/officeDocument/2006/relationships" xmlns:p="http://schemas.openxmlformats.org/presentationml/2006/main">
   <p:cSld>
     <p:spTree>
@@ -43767,7 +46191,7 @@
           <a:p>
             <a:fld id="{EAE41600-55F5-4A6B-8385-85433044AE0B}" type="slidenum">
               <a:rPr lang="de-DE" smtClean="0"/>
-              <a:t>37</a:t>
+              <a:t>42</a:t>
             </a:fld>
             <a:endParaRPr lang="de-DE" dirty="0"/>
           </a:p>
@@ -44844,7 +47268,7 @@
 </p:sld>
 </file>
 
-<file path=ppt/slides/slide38.xml><?xml version="1.0" encoding="utf-8"?>
+<file path=ppt/slides/slide43.xml><?xml version="1.0" encoding="utf-8"?>
 <p:sld xmlns:a="http://schemas.openxmlformats.org/drawingml/2006/main" xmlns:r="http://schemas.openxmlformats.org/officeDocument/2006/relationships" xmlns:p="http://schemas.openxmlformats.org/presentationml/2006/main">
   <p:cSld>
     <p:spTree>
@@ -44954,7 +47378,7 @@
           <a:p>
             <a:fld id="{EAE41600-55F5-4A6B-8385-85433044AE0B}" type="slidenum">
               <a:rPr lang="de-DE" smtClean="0"/>
-              <a:t>38</a:t>
+              <a:t>43</a:t>
             </a:fld>
             <a:endParaRPr lang="de-DE" dirty="0"/>
           </a:p>
@@ -46534,7 +48958,7 @@
 </p:sld>
 </file>
 
-<file path=ppt/slides/slide39.xml><?xml version="1.0" encoding="utf-8"?>
+<file path=ppt/slides/slide44.xml><?xml version="1.0" encoding="utf-8"?>
 <p:sld xmlns:a="http://schemas.openxmlformats.org/drawingml/2006/main" xmlns:r="http://schemas.openxmlformats.org/officeDocument/2006/relationships" xmlns:p="http://schemas.openxmlformats.org/presentationml/2006/main">
   <p:cSld>
     <p:spTree>
@@ -46742,7 +49166,7 @@
           <a:p>
             <a:fld id="{EAE41600-55F5-4A6B-8385-85433044AE0B}" type="slidenum">
               <a:rPr lang="de-DE" smtClean="0"/>
-              <a:t>39</a:t>
+              <a:t>44</a:t>
             </a:fld>
             <a:endParaRPr lang="de-DE" dirty="0"/>
           </a:p>
@@ -46839,338 +49263,7 @@
 </p:sld>
 </file>
 
-<file path=ppt/slides/slide4.xml><?xml version="1.0" encoding="utf-8"?>
-<p:sld xmlns:a="http://schemas.openxmlformats.org/drawingml/2006/main" xmlns:r="http://schemas.openxmlformats.org/officeDocument/2006/relationships" xmlns:p="http://schemas.openxmlformats.org/presentationml/2006/main">
-  <p:cSld>
-    <p:spTree>
-      <p:nvGrpSpPr>
-        <p:cNvPr id="1" name=""/>
-        <p:cNvGrpSpPr/>
-        <p:nvPr/>
-      </p:nvGrpSpPr>
-      <p:grpSpPr>
-        <a:xfrm>
-          <a:off x="0" y="0"/>
-          <a:ext cx="0" cy="0"/>
-          <a:chOff x="0" y="0"/>
-          <a:chExt cx="0" cy="0"/>
-        </a:xfrm>
-      </p:grpSpPr>
-      <p:pic>
-        <p:nvPicPr>
-          <p:cNvPr id="10" name="Picture 2" descr="http://www.mcraeandcompany.co.uk/Blog/wp-content/uploads/2012/10/contentwriting.jpeg"/>
-          <p:cNvPicPr>
-            <a:picLocks noChangeAspect="1" noChangeArrowheads="1"/>
-          </p:cNvPicPr>
-          <p:nvPr/>
-        </p:nvPicPr>
-        <p:blipFill>
-          <a:blip r:embed="rId3">
-            <a:duotone>
-              <a:schemeClr val="bg2">
-                <a:shade val="45000"/>
-                <a:satMod val="135000"/>
-              </a:schemeClr>
-              <a:prstClr val="white"/>
-            </a:duotone>
-            <a:extLst>
-              <a:ext uri="{28A0092B-C50C-407E-A947-70E740481C1C}">
-                <a14:useLocalDpi xmlns:a14="http://schemas.microsoft.com/office/drawing/2010/main" val="0"/>
-              </a:ext>
-            </a:extLst>
-          </a:blip>
-          <a:srcRect/>
-          <a:stretch>
-            <a:fillRect/>
-          </a:stretch>
-        </p:blipFill>
-        <p:spPr bwMode="auto">
-          <a:xfrm>
-            <a:off x="6024245" y="2584218"/>
-            <a:ext cx="3119755" cy="4147295"/>
-          </a:xfrm>
-          <a:prstGeom prst="rect">
-            <a:avLst/>
-          </a:prstGeom>
-          <a:noFill/>
-          <a:extLst>
-            <a:ext uri="{909E8E84-426E-40DD-AFC4-6F175D3DCCD1}">
-              <a14:hiddenFill xmlns:a14="http://schemas.microsoft.com/office/drawing/2010/main">
-                <a:solidFill>
-                  <a:srgbClr val="FFFFFF"/>
-                </a:solidFill>
-              </a14:hiddenFill>
-            </a:ext>
-          </a:extLst>
-        </p:spPr>
-      </p:pic>
-      <p:sp>
-        <p:nvSpPr>
-          <p:cNvPr id="2" name="Title 1"/>
-          <p:cNvSpPr>
-            <a:spLocks noGrp="1"/>
-          </p:cNvSpPr>
-          <p:nvPr>
-            <p:ph type="title"/>
-          </p:nvPr>
-        </p:nvSpPr>
-        <p:spPr>
-          <a:xfrm>
-            <a:off x="460977" y="365127"/>
-            <a:ext cx="8290057" cy="609730"/>
-          </a:xfrm>
-        </p:spPr>
-        <p:txBody>
-          <a:bodyPr>
-            <a:normAutofit fontScale="90000"/>
-          </a:bodyPr>
-          <a:lstStyle/>
-          <a:p>
-            <a:r>
-              <a:rPr lang="en-US" dirty="0" smtClean="0">
-                <a:solidFill>
-                  <a:schemeClr val="accent5"/>
-                </a:solidFill>
-              </a:rPr>
-              <a:t>Contents</a:t>
-            </a:r>
-            <a:endParaRPr lang="de-DE" dirty="0">
-              <a:solidFill>
-                <a:schemeClr val="accent5"/>
-              </a:solidFill>
-            </a:endParaRPr>
-          </a:p>
-        </p:txBody>
-      </p:sp>
-      <p:sp>
-        <p:nvSpPr>
-          <p:cNvPr id="3" name="Content Placeholder 2"/>
-          <p:cNvSpPr>
-            <a:spLocks noGrp="1"/>
-          </p:cNvSpPr>
-          <p:nvPr>
-            <p:ph idx="1"/>
-          </p:nvPr>
-        </p:nvSpPr>
-        <p:spPr>
-          <a:xfrm>
-            <a:off x="460977" y="1046648"/>
-            <a:ext cx="8290057" cy="5206790"/>
-          </a:xfrm>
-        </p:spPr>
-        <p:txBody>
-          <a:bodyPr/>
-          <a:lstStyle/>
-          <a:p>
-            <a:r>
-              <a:rPr lang="en-US" dirty="0" smtClean="0"/>
-              <a:t>Motivation</a:t>
-            </a:r>
-          </a:p>
-          <a:p>
-            <a:r>
-              <a:rPr lang="en-US" dirty="0" smtClean="0"/>
-              <a:t>Problem Statement </a:t>
-            </a:r>
-          </a:p>
-          <a:p>
-            <a:r>
-              <a:rPr lang="en-US" dirty="0" smtClean="0"/>
-              <a:t>Background</a:t>
-            </a:r>
-          </a:p>
-          <a:p>
-            <a:r>
-              <a:rPr lang="en-US" dirty="0" smtClean="0"/>
-              <a:t>A </a:t>
-            </a:r>
-            <a:r>
-              <a:rPr lang="en-US" dirty="0"/>
-              <a:t>New </a:t>
-            </a:r>
-            <a:r>
-              <a:rPr lang="en-US" dirty="0" smtClean="0"/>
-              <a:t>Ensemble Approach</a:t>
-            </a:r>
-          </a:p>
-          <a:p>
-            <a:r>
-              <a:rPr lang="en-US" dirty="0" smtClean="0"/>
-              <a:t>Data Set Description</a:t>
-            </a:r>
-          </a:p>
-          <a:p>
-            <a:r>
-              <a:rPr lang="en-US" dirty="0" smtClean="0"/>
-              <a:t>Results</a:t>
-            </a:r>
-          </a:p>
-          <a:p>
-            <a:r>
-              <a:rPr lang="en-US" dirty="0" smtClean="0"/>
-              <a:t>Discussions</a:t>
-            </a:r>
-            <a:endParaRPr lang="en-US" dirty="0"/>
-          </a:p>
-        </p:txBody>
-      </p:sp>
-      <p:sp>
-        <p:nvSpPr>
-          <p:cNvPr id="7" name="Slide Number Placeholder 6"/>
-          <p:cNvSpPr>
-            <a:spLocks noGrp="1"/>
-          </p:cNvSpPr>
-          <p:nvPr>
-            <p:ph type="sldNum" sz="quarter" idx="12"/>
-          </p:nvPr>
-        </p:nvSpPr>
-        <p:spPr/>
-        <p:txBody>
-          <a:bodyPr/>
-          <a:lstStyle/>
-          <a:p>
-            <a:fld id="{EAE41600-55F5-4A6B-8385-85433044AE0B}" type="slidenum">
-              <a:rPr lang="de-DE" smtClean="0"/>
-              <a:t>4</a:t>
-            </a:fld>
-            <a:endParaRPr lang="de-DE" dirty="0"/>
-          </a:p>
-        </p:txBody>
-      </p:sp>
-      <p:sp>
-        <p:nvSpPr>
-          <p:cNvPr id="11" name="TextBox 10"/>
-          <p:cNvSpPr txBox="1"/>
-          <p:nvPr/>
-        </p:nvSpPr>
-        <p:spPr>
-          <a:xfrm rot="18659458">
-            <a:off x="7203909" y="5139073"/>
-            <a:ext cx="1625766" cy="215444"/>
-          </a:xfrm>
-          <a:prstGeom prst="rect">
-            <a:avLst/>
-          </a:prstGeom>
-          <a:noFill/>
-        </p:spPr>
-        <p:txBody>
-          <a:bodyPr wrap="none" rtlCol="0">
-            <a:spAutoFit/>
-          </a:bodyPr>
-          <a:lstStyle/>
-          <a:p>
-            <a:r>
-              <a:rPr lang="en-US" sz="800" dirty="0" smtClean="0">
-                <a:solidFill>
-                  <a:schemeClr val="bg1">
-                    <a:lumMod val="65000"/>
-                  </a:schemeClr>
-                </a:solidFill>
-              </a:rPr>
-              <a:t>Image © mcraeandcompany.co.uk</a:t>
-            </a:r>
-            <a:endParaRPr lang="en-US" sz="800" dirty="0">
-              <a:solidFill>
-                <a:schemeClr val="bg1">
-                  <a:lumMod val="65000"/>
-                </a:schemeClr>
-              </a:solidFill>
-            </a:endParaRPr>
-          </a:p>
-        </p:txBody>
-      </p:sp>
-      <p:pic>
-        <p:nvPicPr>
-          <p:cNvPr id="12" name="Picture 11"/>
-          <p:cNvPicPr>
-            <a:picLocks noChangeAspect="1"/>
-          </p:cNvPicPr>
-          <p:nvPr/>
-        </p:nvPicPr>
-        <p:blipFill>
-          <a:blip r:embed="rId4" cstate="print">
-            <a:extLst>
-              <a:ext uri="{28A0092B-C50C-407E-A947-70E740481C1C}">
-                <a14:useLocalDpi xmlns:a14="http://schemas.microsoft.com/office/drawing/2010/main" val="0"/>
-              </a:ext>
-            </a:extLst>
-          </a:blip>
-          <a:stretch>
-            <a:fillRect/>
-          </a:stretch>
-        </p:blipFill>
-        <p:spPr>
-          <a:xfrm>
-            <a:off x="8198547" y="101546"/>
-            <a:ext cx="817158" cy="430469"/>
-          </a:xfrm>
-          <a:prstGeom prst="rect">
-            <a:avLst/>
-          </a:prstGeom>
-        </p:spPr>
-      </p:pic>
-      <p:pic>
-        <p:nvPicPr>
-          <p:cNvPr id="13" name="Picture 2" descr="File:LMU Muenchen Logo.svg"/>
-          <p:cNvPicPr>
-            <a:picLocks noChangeAspect="1" noChangeArrowheads="1"/>
-          </p:cNvPicPr>
-          <p:nvPr/>
-        </p:nvPicPr>
-        <p:blipFill>
-          <a:blip r:embed="rId5" cstate="print">
-            <a:extLst>
-              <a:ext uri="{28A0092B-C50C-407E-A947-70E740481C1C}">
-                <a14:useLocalDpi xmlns:a14="http://schemas.microsoft.com/office/drawing/2010/main" val="0"/>
-              </a:ext>
-            </a:extLst>
-          </a:blip>
-          <a:srcRect/>
-          <a:stretch>
-            <a:fillRect/>
-          </a:stretch>
-        </p:blipFill>
-        <p:spPr bwMode="auto">
-          <a:xfrm>
-            <a:off x="103529" y="6293665"/>
-            <a:ext cx="936625" cy="490496"/>
-          </a:xfrm>
-          <a:prstGeom prst="rect">
-            <a:avLst/>
-          </a:prstGeom>
-          <a:noFill/>
-          <a:extLst>
-            <a:ext uri="{909E8E84-426E-40DD-AFC4-6F175D3DCCD1}">
-              <a14:hiddenFill xmlns:a14="http://schemas.microsoft.com/office/drawing/2010/main">
-                <a:solidFill>
-                  <a:srgbClr val="FFFFFF"/>
-                </a:solidFill>
-              </a14:hiddenFill>
-            </a:ext>
-          </a:extLst>
-        </p:spPr>
-      </p:pic>
-    </p:spTree>
-    <p:extLst>
-      <p:ext uri="{BB962C8B-B14F-4D97-AF65-F5344CB8AC3E}">
-        <p14:creationId xmlns:p14="http://schemas.microsoft.com/office/powerpoint/2010/main" val="3680883624"/>
-      </p:ext>
-    </p:extLst>
-  </p:cSld>
-  <p:clrMapOvr>
-    <a:masterClrMapping/>
-  </p:clrMapOvr>
-  <p:timing>
-    <p:tnLst>
-      <p:par>
-        <p:cTn id="1" dur="indefinite" restart="never" nodeType="tmRoot"/>
-      </p:par>
-    </p:tnLst>
-  </p:timing>
-</p:sld>
-</file>
-
-<file path=ppt/slides/slide40.xml><?xml version="1.0" encoding="utf-8"?>
+<file path=ppt/slides/slide45.xml><?xml version="1.0" encoding="utf-8"?>
 <p:sld xmlns:a="http://schemas.openxmlformats.org/drawingml/2006/main" xmlns:r="http://schemas.openxmlformats.org/officeDocument/2006/relationships" xmlns:p="http://schemas.openxmlformats.org/presentationml/2006/main">
   <p:cSld>
     <p:spTree>
@@ -47386,7 +49479,7 @@
           <a:p>
             <a:fld id="{EAE41600-55F5-4A6B-8385-85433044AE0B}" type="slidenum">
               <a:rPr lang="de-DE" smtClean="0"/>
-              <a:t>40</a:t>
+              <a:t>45</a:t>
             </a:fld>
             <a:endParaRPr lang="de-DE" dirty="0"/>
           </a:p>
@@ -51668,7 +53761,7 @@
 </p:sld>
 </file>
 
-<file path=ppt/slides/slide41.xml><?xml version="1.0" encoding="utf-8"?>
+<file path=ppt/slides/slide46.xml><?xml version="1.0" encoding="utf-8"?>
 <p:sld xmlns:a="http://schemas.openxmlformats.org/drawingml/2006/main" xmlns:r="http://schemas.openxmlformats.org/officeDocument/2006/relationships" xmlns:p="http://schemas.openxmlformats.org/presentationml/2006/main">
   <p:cSld>
     <p:spTree>
@@ -51909,7 +54002,7 @@
           <a:p>
             <a:fld id="{EAE41600-55F5-4A6B-8385-85433044AE0B}" type="slidenum">
               <a:rPr lang="de-DE" smtClean="0"/>
-              <a:t>41</a:t>
+              <a:t>46</a:t>
             </a:fld>
             <a:endParaRPr lang="de-DE" dirty="0"/>
           </a:p>
@@ -52320,7 +54413,7 @@
 </p:sld>
 </file>
 
-<file path=ppt/slides/slide42.xml><?xml version="1.0" encoding="utf-8"?>
+<file path=ppt/slides/slide47.xml><?xml version="1.0" encoding="utf-8"?>
 <p:sld xmlns:a="http://schemas.openxmlformats.org/drawingml/2006/main" xmlns:r="http://schemas.openxmlformats.org/officeDocument/2006/relationships" xmlns:p="http://schemas.openxmlformats.org/presentationml/2006/main">
   <p:cSld>
     <p:spTree>
@@ -52464,7 +54557,7 @@
           <a:p>
             <a:fld id="{EAE41600-55F5-4A6B-8385-85433044AE0B}" type="slidenum">
               <a:rPr lang="de-DE" smtClean="0"/>
-              <a:t>42</a:t>
+              <a:t>47</a:t>
             </a:fld>
             <a:endParaRPr lang="de-DE" dirty="0"/>
           </a:p>
@@ -52561,7 +54654,7 @@
 </p:sld>
 </file>
 
-<file path=ppt/slides/slide43.xml><?xml version="1.0" encoding="utf-8"?>
+<file path=ppt/slides/slide48.xml><?xml version="1.0" encoding="utf-8"?>
 <p:sld xmlns:a="http://schemas.openxmlformats.org/drawingml/2006/main" xmlns:r="http://schemas.openxmlformats.org/officeDocument/2006/relationships" xmlns:p="http://schemas.openxmlformats.org/presentationml/2006/main">
   <p:cSld>
     <p:spTree>
@@ -52657,7 +54750,7 @@
           <a:p>
             <a:fld id="{EAE41600-55F5-4A6B-8385-85433044AE0B}" type="slidenum">
               <a:rPr lang="de-DE" smtClean="0"/>
-              <a:t>43</a:t>
+              <a:t>48</a:t>
             </a:fld>
             <a:endParaRPr lang="de-DE" dirty="0"/>
           </a:p>
@@ -52754,7 +54847,7 @@
 </p:sld>
 </file>
 
-<file path=ppt/slides/slide44.xml><?xml version="1.0" encoding="utf-8"?>
+<file path=ppt/slides/slide49.xml><?xml version="1.0" encoding="utf-8"?>
 <p:sld xmlns:a="http://schemas.openxmlformats.org/drawingml/2006/main" xmlns:r="http://schemas.openxmlformats.org/officeDocument/2006/relationships" xmlns:p="http://schemas.openxmlformats.org/presentationml/2006/main">
   <p:cSld>
     <p:spTree>
@@ -52842,7 +54935,7 @@
           <a:p>
             <a:fld id="{EAE41600-55F5-4A6B-8385-85433044AE0B}" type="slidenum">
               <a:rPr lang="de-DE" smtClean="0"/>
-              <a:t>44</a:t>
+              <a:t>49</a:t>
             </a:fld>
             <a:endParaRPr lang="de-DE" dirty="0"/>
           </a:p>
@@ -52939,221 +55032,6 @@
 </p:sld>
 </file>
 
-<file path=ppt/slides/slide45.xml><?xml version="1.0" encoding="utf-8"?>
-<p:sld xmlns:a="http://schemas.openxmlformats.org/drawingml/2006/main" xmlns:r="http://schemas.openxmlformats.org/officeDocument/2006/relationships" xmlns:p="http://schemas.openxmlformats.org/presentationml/2006/main">
-  <p:cSld>
-    <p:spTree>
-      <p:nvGrpSpPr>
-        <p:cNvPr id="1" name=""/>
-        <p:cNvGrpSpPr/>
-        <p:nvPr/>
-      </p:nvGrpSpPr>
-      <p:grpSpPr>
-        <a:xfrm>
-          <a:off x="0" y="0"/>
-          <a:ext cx="0" cy="0"/>
-          <a:chOff x="0" y="0"/>
-          <a:chExt cx="0" cy="0"/>
-        </a:xfrm>
-      </p:grpSpPr>
-      <p:sp>
-        <p:nvSpPr>
-          <p:cNvPr id="2" name="Title 1"/>
-          <p:cNvSpPr>
-            <a:spLocks noGrp="1"/>
-          </p:cNvSpPr>
-          <p:nvPr>
-            <p:ph type="title"/>
-          </p:nvPr>
-        </p:nvSpPr>
-        <p:spPr>
-          <a:xfrm>
-            <a:off x="460977" y="365127"/>
-            <a:ext cx="8290057" cy="609730"/>
-          </a:xfrm>
-        </p:spPr>
-        <p:txBody>
-          <a:bodyPr>
-            <a:normAutofit fontScale="90000"/>
-          </a:bodyPr>
-          <a:lstStyle/>
-          <a:p>
-            <a:endParaRPr lang="de-DE" dirty="0">
-              <a:solidFill>
-                <a:schemeClr val="accent5"/>
-              </a:solidFill>
-            </a:endParaRPr>
-          </a:p>
-        </p:txBody>
-      </p:sp>
-      <p:sp>
-        <p:nvSpPr>
-          <p:cNvPr id="3" name="Content Placeholder 2"/>
-          <p:cNvSpPr>
-            <a:spLocks noGrp="1"/>
-          </p:cNvSpPr>
-          <p:nvPr>
-            <p:ph idx="1"/>
-          </p:nvPr>
-        </p:nvSpPr>
-        <p:spPr>
-          <a:xfrm>
-            <a:off x="460977" y="1046648"/>
-            <a:ext cx="8290057" cy="5206790"/>
-          </a:xfrm>
-        </p:spPr>
-        <p:txBody>
-          <a:bodyPr/>
-          <a:lstStyle/>
-          <a:p>
-            <a:endParaRPr lang="de-DE" dirty="0"/>
-          </a:p>
-        </p:txBody>
-      </p:sp>
-      <p:pic>
-        <p:nvPicPr>
-          <p:cNvPr id="4" name="Picture 3"/>
-          <p:cNvPicPr>
-            <a:picLocks noChangeAspect="1"/>
-          </p:cNvPicPr>
-          <p:nvPr/>
-        </p:nvPicPr>
-        <p:blipFill>
-          <a:blip r:embed="rId3" cstate="print">
-            <a:extLst>
-              <a:ext uri="{28A0092B-C50C-407E-A947-70E740481C1C}">
-                <a14:useLocalDpi xmlns:a14="http://schemas.microsoft.com/office/drawing/2010/main" val="0"/>
-              </a:ext>
-            </a:extLst>
-          </a:blip>
-          <a:stretch>
-            <a:fillRect/>
-          </a:stretch>
-        </p:blipFill>
-        <p:spPr>
-          <a:xfrm>
-            <a:off x="4250827" y="6356351"/>
-            <a:ext cx="710130" cy="374088"/>
-          </a:xfrm>
-          <a:prstGeom prst="rect">
-            <a:avLst/>
-          </a:prstGeom>
-        </p:spPr>
-      </p:pic>
-      <p:pic>
-        <p:nvPicPr>
-          <p:cNvPr id="6" name="Picture 5"/>
-          <p:cNvPicPr>
-            <a:picLocks noChangeAspect="1"/>
-          </p:cNvPicPr>
-          <p:nvPr/>
-        </p:nvPicPr>
-        <p:blipFill>
-          <a:blip r:embed="rId4" cstate="print">
-            <a:extLst>
-              <a:ext uri="{28A0092B-C50C-407E-A947-70E740481C1C}">
-                <a14:useLocalDpi xmlns:a14="http://schemas.microsoft.com/office/drawing/2010/main" val="0"/>
-              </a:ext>
-            </a:extLst>
-          </a:blip>
-          <a:stretch>
-            <a:fillRect/>
-          </a:stretch>
-        </p:blipFill>
-        <p:spPr>
-          <a:xfrm>
-            <a:off x="8441441" y="26990"/>
-            <a:ext cx="619186" cy="676274"/>
-          </a:xfrm>
-          <a:prstGeom prst="rect">
-            <a:avLst/>
-          </a:prstGeom>
-        </p:spPr>
-      </p:pic>
-      <p:sp>
-        <p:nvSpPr>
-          <p:cNvPr id="7" name="Slide Number Placeholder 6"/>
-          <p:cNvSpPr>
-            <a:spLocks noGrp="1"/>
-          </p:cNvSpPr>
-          <p:nvPr>
-            <p:ph type="sldNum" sz="quarter" idx="12"/>
-          </p:nvPr>
-        </p:nvSpPr>
-        <p:spPr/>
-        <p:txBody>
-          <a:bodyPr/>
-          <a:lstStyle/>
-          <a:p>
-            <a:fld id="{EAE41600-55F5-4A6B-8385-85433044AE0B}" type="slidenum">
-              <a:rPr lang="de-DE" smtClean="0"/>
-              <a:t>45</a:t>
-            </a:fld>
-            <a:endParaRPr lang="de-DE" dirty="0"/>
-          </a:p>
-        </p:txBody>
-      </p:sp>
-      <p:pic>
-        <p:nvPicPr>
-          <p:cNvPr id="1026" name="Picture 2" descr="File:LMU Muenchen Logo.svg"/>
-          <p:cNvPicPr>
-            <a:picLocks noChangeAspect="1" noChangeArrowheads="1"/>
-          </p:cNvPicPr>
-          <p:nvPr/>
-        </p:nvPicPr>
-        <p:blipFill>
-          <a:blip r:embed="rId5" cstate="print">
-            <a:extLst>
-              <a:ext uri="{28A0092B-C50C-407E-A947-70E740481C1C}">
-                <a14:useLocalDpi xmlns:a14="http://schemas.microsoft.com/office/drawing/2010/main" val="0"/>
-              </a:ext>
-            </a:extLst>
-          </a:blip>
-          <a:srcRect/>
-          <a:stretch>
-            <a:fillRect/>
-          </a:stretch>
-        </p:blipFill>
-        <p:spPr bwMode="auto">
-          <a:xfrm>
-            <a:off x="460977" y="6293665"/>
-            <a:ext cx="936625" cy="490496"/>
-          </a:xfrm>
-          <a:prstGeom prst="rect">
-            <a:avLst/>
-          </a:prstGeom>
-          <a:noFill/>
-          <a:extLst>
-            <a:ext uri="{909E8E84-426E-40DD-AFC4-6F175D3DCCD1}">
-              <a14:hiddenFill xmlns:a14="http://schemas.microsoft.com/office/drawing/2010/main">
-                <a:solidFill>
-                  <a:srgbClr val="FFFFFF"/>
-                </a:solidFill>
-              </a14:hiddenFill>
-            </a:ext>
-          </a:extLst>
-        </p:spPr>
-      </p:pic>
-    </p:spTree>
-    <p:extLst>
-      <p:ext uri="{BB962C8B-B14F-4D97-AF65-F5344CB8AC3E}">
-        <p14:creationId xmlns:p14="http://schemas.microsoft.com/office/powerpoint/2010/main" val="2105383144"/>
-      </p:ext>
-    </p:extLst>
-  </p:cSld>
-  <p:clrMapOvr>
-    <a:masterClrMapping/>
-  </p:clrMapOvr>
-  <p:timing>
-    <p:tnLst>
-      <p:par>
-        <p:cTn id="1" dur="indefinite" restart="never" nodeType="tmRoot"/>
-      </p:par>
-    </p:tnLst>
-  </p:timing>
-</p:sld>
-</file>
-
 <file path=ppt/slides/slide5.xml><?xml version="1.0" encoding="utf-8"?>
 <p:sld xmlns:a="http://schemas.openxmlformats.org/drawingml/2006/main" xmlns:r="http://schemas.openxmlformats.org/officeDocument/2006/relationships" xmlns:p="http://schemas.openxmlformats.org/presentationml/2006/main">
   <p:cSld>
@@ -53430,6 +55308,221 @@
     <p:extLst>
       <p:ext uri="{BB962C8B-B14F-4D97-AF65-F5344CB8AC3E}">
         <p14:creationId xmlns:p14="http://schemas.microsoft.com/office/powerpoint/2010/main" val="3475131837"/>
+      </p:ext>
+    </p:extLst>
+  </p:cSld>
+  <p:clrMapOvr>
+    <a:masterClrMapping/>
+  </p:clrMapOvr>
+  <p:timing>
+    <p:tnLst>
+      <p:par>
+        <p:cTn id="1" dur="indefinite" restart="never" nodeType="tmRoot"/>
+      </p:par>
+    </p:tnLst>
+  </p:timing>
+</p:sld>
+</file>
+
+<file path=ppt/slides/slide50.xml><?xml version="1.0" encoding="utf-8"?>
+<p:sld xmlns:a="http://schemas.openxmlformats.org/drawingml/2006/main" xmlns:r="http://schemas.openxmlformats.org/officeDocument/2006/relationships" xmlns:p="http://schemas.openxmlformats.org/presentationml/2006/main">
+  <p:cSld>
+    <p:spTree>
+      <p:nvGrpSpPr>
+        <p:cNvPr id="1" name=""/>
+        <p:cNvGrpSpPr/>
+        <p:nvPr/>
+      </p:nvGrpSpPr>
+      <p:grpSpPr>
+        <a:xfrm>
+          <a:off x="0" y="0"/>
+          <a:ext cx="0" cy="0"/>
+          <a:chOff x="0" y="0"/>
+          <a:chExt cx="0" cy="0"/>
+        </a:xfrm>
+      </p:grpSpPr>
+      <p:sp>
+        <p:nvSpPr>
+          <p:cNvPr id="2" name="Title 1"/>
+          <p:cNvSpPr>
+            <a:spLocks noGrp="1"/>
+          </p:cNvSpPr>
+          <p:nvPr>
+            <p:ph type="title"/>
+          </p:nvPr>
+        </p:nvSpPr>
+        <p:spPr>
+          <a:xfrm>
+            <a:off x="460977" y="365127"/>
+            <a:ext cx="8290057" cy="609730"/>
+          </a:xfrm>
+        </p:spPr>
+        <p:txBody>
+          <a:bodyPr>
+            <a:normAutofit fontScale="90000"/>
+          </a:bodyPr>
+          <a:lstStyle/>
+          <a:p>
+            <a:endParaRPr lang="de-DE" dirty="0">
+              <a:solidFill>
+                <a:schemeClr val="accent5"/>
+              </a:solidFill>
+            </a:endParaRPr>
+          </a:p>
+        </p:txBody>
+      </p:sp>
+      <p:sp>
+        <p:nvSpPr>
+          <p:cNvPr id="3" name="Content Placeholder 2"/>
+          <p:cNvSpPr>
+            <a:spLocks noGrp="1"/>
+          </p:cNvSpPr>
+          <p:nvPr>
+            <p:ph idx="1"/>
+          </p:nvPr>
+        </p:nvSpPr>
+        <p:spPr>
+          <a:xfrm>
+            <a:off x="460977" y="1046648"/>
+            <a:ext cx="8290057" cy="5206790"/>
+          </a:xfrm>
+        </p:spPr>
+        <p:txBody>
+          <a:bodyPr/>
+          <a:lstStyle/>
+          <a:p>
+            <a:endParaRPr lang="de-DE" dirty="0"/>
+          </a:p>
+        </p:txBody>
+      </p:sp>
+      <p:pic>
+        <p:nvPicPr>
+          <p:cNvPr id="4" name="Picture 3"/>
+          <p:cNvPicPr>
+            <a:picLocks noChangeAspect="1"/>
+          </p:cNvPicPr>
+          <p:nvPr/>
+        </p:nvPicPr>
+        <p:blipFill>
+          <a:blip r:embed="rId3" cstate="print">
+            <a:extLst>
+              <a:ext uri="{28A0092B-C50C-407E-A947-70E740481C1C}">
+                <a14:useLocalDpi xmlns:a14="http://schemas.microsoft.com/office/drawing/2010/main" val="0"/>
+              </a:ext>
+            </a:extLst>
+          </a:blip>
+          <a:stretch>
+            <a:fillRect/>
+          </a:stretch>
+        </p:blipFill>
+        <p:spPr>
+          <a:xfrm>
+            <a:off x="4250827" y="6356351"/>
+            <a:ext cx="710130" cy="374088"/>
+          </a:xfrm>
+          <a:prstGeom prst="rect">
+            <a:avLst/>
+          </a:prstGeom>
+        </p:spPr>
+      </p:pic>
+      <p:pic>
+        <p:nvPicPr>
+          <p:cNvPr id="6" name="Picture 5"/>
+          <p:cNvPicPr>
+            <a:picLocks noChangeAspect="1"/>
+          </p:cNvPicPr>
+          <p:nvPr/>
+        </p:nvPicPr>
+        <p:blipFill>
+          <a:blip r:embed="rId4" cstate="print">
+            <a:extLst>
+              <a:ext uri="{28A0092B-C50C-407E-A947-70E740481C1C}">
+                <a14:useLocalDpi xmlns:a14="http://schemas.microsoft.com/office/drawing/2010/main" val="0"/>
+              </a:ext>
+            </a:extLst>
+          </a:blip>
+          <a:stretch>
+            <a:fillRect/>
+          </a:stretch>
+        </p:blipFill>
+        <p:spPr>
+          <a:xfrm>
+            <a:off x="8441441" y="26990"/>
+            <a:ext cx="619186" cy="676274"/>
+          </a:xfrm>
+          <a:prstGeom prst="rect">
+            <a:avLst/>
+          </a:prstGeom>
+        </p:spPr>
+      </p:pic>
+      <p:sp>
+        <p:nvSpPr>
+          <p:cNvPr id="7" name="Slide Number Placeholder 6"/>
+          <p:cNvSpPr>
+            <a:spLocks noGrp="1"/>
+          </p:cNvSpPr>
+          <p:nvPr>
+            <p:ph type="sldNum" sz="quarter" idx="12"/>
+          </p:nvPr>
+        </p:nvSpPr>
+        <p:spPr/>
+        <p:txBody>
+          <a:bodyPr/>
+          <a:lstStyle/>
+          <a:p>
+            <a:fld id="{EAE41600-55F5-4A6B-8385-85433044AE0B}" type="slidenum">
+              <a:rPr lang="de-DE" smtClean="0"/>
+              <a:t>50</a:t>
+            </a:fld>
+            <a:endParaRPr lang="de-DE" dirty="0"/>
+          </a:p>
+        </p:txBody>
+      </p:sp>
+      <p:pic>
+        <p:nvPicPr>
+          <p:cNvPr id="1026" name="Picture 2" descr="File:LMU Muenchen Logo.svg"/>
+          <p:cNvPicPr>
+            <a:picLocks noChangeAspect="1" noChangeArrowheads="1"/>
+          </p:cNvPicPr>
+          <p:nvPr/>
+        </p:nvPicPr>
+        <p:blipFill>
+          <a:blip r:embed="rId5" cstate="print">
+            <a:extLst>
+              <a:ext uri="{28A0092B-C50C-407E-A947-70E740481C1C}">
+                <a14:useLocalDpi xmlns:a14="http://schemas.microsoft.com/office/drawing/2010/main" val="0"/>
+              </a:ext>
+            </a:extLst>
+          </a:blip>
+          <a:srcRect/>
+          <a:stretch>
+            <a:fillRect/>
+          </a:stretch>
+        </p:blipFill>
+        <p:spPr bwMode="auto">
+          <a:xfrm>
+            <a:off x="460977" y="6293665"/>
+            <a:ext cx="936625" cy="490496"/>
+          </a:xfrm>
+          <a:prstGeom prst="rect">
+            <a:avLst/>
+          </a:prstGeom>
+          <a:noFill/>
+          <a:extLst>
+            <a:ext uri="{909E8E84-426E-40DD-AFC4-6F175D3DCCD1}">
+              <a14:hiddenFill xmlns:a14="http://schemas.microsoft.com/office/drawing/2010/main">
+                <a:solidFill>
+                  <a:srgbClr val="FFFFFF"/>
+                </a:solidFill>
+              </a14:hiddenFill>
+            </a:ext>
+          </a:extLst>
+        </p:spPr>
+      </p:pic>
+    </p:spTree>
+    <p:extLst>
+      <p:ext uri="{BB962C8B-B14F-4D97-AF65-F5344CB8AC3E}">
+        <p14:creationId xmlns:p14="http://schemas.microsoft.com/office/powerpoint/2010/main" val="2105383144"/>
       </p:ext>
     </p:extLst>
   </p:cSld>
@@ -54398,13 +56491,56 @@
           <a:p>
             <a:r>
               <a:rPr lang="de-DE" dirty="0" smtClean="0"/>
-              <a:t>To find the best attribute for a split in a stream, it would be sufficient to consider a certain fraction of the stream</a:t>
+              <a:t>To find the best attribute for a split in a stream, it would be sufficient to consider a certain fraction of the </a:t>
             </a:r>
-          </a:p>
-          <a:p>
             <a:r>
               <a:rPr lang="de-DE" dirty="0" smtClean="0"/>
-              <a:t>Hoeffding bound provides a statistical guarrantee. Error bound to decide with </a:t>
+              <a:t>stream </a:t>
+            </a:r>
+            <a:r>
+              <a:rPr lang="de-DE" dirty="0" smtClean="0">
+                <a:solidFill>
+                  <a:schemeClr val="bg1">
+                    <a:lumMod val="50000"/>
+                  </a:schemeClr>
+                </a:solidFill>
+              </a:rPr>
+              <a:t>[1]</a:t>
+            </a:r>
+            <a:endParaRPr lang="de-DE" dirty="0" smtClean="0">
+              <a:solidFill>
+                <a:schemeClr val="bg1">
+                  <a:lumMod val="50000"/>
+                </a:schemeClr>
+              </a:solidFill>
+            </a:endParaRPr>
+          </a:p>
+          <a:p>
+            <a:r>
+              <a:rPr lang="de-DE" dirty="0" smtClean="0"/>
+              <a:t>Hoeffding bound provides a statistical </a:t>
+            </a:r>
+            <a:r>
+              <a:rPr lang="de-DE" dirty="0" smtClean="0"/>
+              <a:t>guarrantee </a:t>
+            </a:r>
+            <a:r>
+              <a:rPr lang="de-DE" dirty="0" smtClean="0">
+                <a:solidFill>
+                  <a:schemeClr val="bg1">
+                    <a:lumMod val="50000"/>
+                  </a:schemeClr>
+                </a:solidFill>
+              </a:rPr>
+              <a:t>[2]</a:t>
+            </a:r>
+            <a:r>
+              <a:rPr lang="de-DE" dirty="0" smtClean="0"/>
+              <a:t>. </a:t>
+            </a:r>
+            <a:r>
+              <a:rPr lang="de-DE" dirty="0" smtClean="0"/>
+              <a:t>Error bound to decide with </a:t>
             </a:r>
             <a:r>
               <a:rPr lang="de-DE" i="1" dirty="0" smtClean="0"/>
@@ -54456,7 +56592,11 @@
             </a:r>
             <a:r>
               <a:rPr lang="en-US" dirty="0" smtClean="0"/>
-              <a:t>of instances</a:t>
+              <a:t>of </a:t>
+            </a:r>
+            <a:r>
+              <a:rPr lang="en-US" dirty="0" smtClean="0"/>
+              <a:t>instances</a:t>
             </a:r>
             <a:endParaRPr lang="de-DE" dirty="0"/>
           </a:p>

--- a/presentation/thesis.pptx
+++ b/presentation/thesis.pptx
@@ -841,11 +841,11 @@
           <c:showPercent val="0"/>
           <c:showBubbleSize val="0"/>
         </c:dLbls>
-        <c:axId val="134641392"/>
-        <c:axId val="81295712"/>
+        <c:axId val="197733728"/>
+        <c:axId val="197734288"/>
       </c:areaChart>
       <c:catAx>
-        <c:axId val="134641392"/>
+        <c:axId val="197733728"/>
         <c:scaling>
           <c:orientation val="minMax"/>
         </c:scaling>
@@ -950,7 +950,7 @@
             <a:endParaRPr lang="en-US"/>
           </a:p>
         </c:txPr>
-        <c:crossAx val="81295712"/>
+        <c:crossAx val="197734288"/>
         <c:crosses val="autoZero"/>
         <c:auto val="1"/>
         <c:lblAlgn val="ctr"/>
@@ -958,7 +958,7 @@
         <c:noMultiLvlLbl val="0"/>
       </c:catAx>
       <c:valAx>
-        <c:axId val="81295712"/>
+        <c:axId val="197734288"/>
         <c:scaling>
           <c:orientation val="minMax"/>
         </c:scaling>
@@ -1066,7 +1066,7 @@
             <a:endParaRPr lang="en-US"/>
           </a:p>
         </c:txPr>
-        <c:crossAx val="134641392"/>
+        <c:crossAx val="197733728"/>
         <c:crosses val="autoZero"/>
         <c:crossBetween val="midCat"/>
       </c:valAx>
@@ -1430,11 +1430,11 @@
           <c:showPercent val="0"/>
           <c:showBubbleSize val="0"/>
         </c:dLbls>
-        <c:axId val="195143552"/>
-        <c:axId val="195144112"/>
+        <c:axId val="197737088"/>
+        <c:axId val="197737648"/>
       </c:areaChart>
       <c:catAx>
-        <c:axId val="195143552"/>
+        <c:axId val="197737088"/>
         <c:scaling>
           <c:orientation val="minMax"/>
         </c:scaling>
@@ -1476,7 +1476,7 @@
             <a:endParaRPr lang="en-US"/>
           </a:p>
         </c:txPr>
-        <c:crossAx val="195144112"/>
+        <c:crossAx val="197737648"/>
         <c:crosses val="autoZero"/>
         <c:auto val="1"/>
         <c:lblAlgn val="ctr"/>
@@ -1484,7 +1484,7 @@
         <c:noMultiLvlLbl val="0"/>
       </c:catAx>
       <c:valAx>
-        <c:axId val="195144112"/>
+        <c:axId val="197737648"/>
         <c:scaling>
           <c:orientation val="minMax"/>
         </c:scaling>
@@ -1535,7 +1535,7 @@
             <a:endParaRPr lang="en-US"/>
           </a:p>
         </c:txPr>
-        <c:crossAx val="195143552"/>
+        <c:crossAx val="197737088"/>
         <c:crosses val="autoZero"/>
         <c:crossBetween val="midCat"/>
       </c:valAx>
@@ -2810,7 +2810,7 @@
           <a:p>
             <a:fld id="{29EF9550-9381-4D4C-AF8B-5B07172670DD}" type="datetimeFigureOut">
               <a:rPr lang="en-US" smtClean="0"/>
-              <a:t>11/8/2015</a:t>
+              <a:t>11/9/2015</a:t>
             </a:fld>
             <a:endParaRPr lang="en-US" dirty="0"/>
           </a:p>
@@ -7409,7 +7409,7 @@
           <a:p>
             <a:fld id="{40A9466D-1D48-456F-8680-1F0B18548100}" type="datetimeFigureOut">
               <a:rPr lang="en-US" smtClean="0"/>
-              <a:t>11/8/2015</a:t>
+              <a:t>11/9/2015</a:t>
             </a:fld>
             <a:endParaRPr lang="en-US" dirty="0"/>
           </a:p>
@@ -7579,7 +7579,7 @@
           <a:p>
             <a:fld id="{40A9466D-1D48-456F-8680-1F0B18548100}" type="datetimeFigureOut">
               <a:rPr lang="en-US" smtClean="0"/>
-              <a:t>11/8/2015</a:t>
+              <a:t>11/9/2015</a:t>
             </a:fld>
             <a:endParaRPr lang="en-US" dirty="0"/>
           </a:p>
@@ -7759,7 +7759,7 @@
           <a:p>
             <a:fld id="{40A9466D-1D48-456F-8680-1F0B18548100}" type="datetimeFigureOut">
               <a:rPr lang="en-US" smtClean="0"/>
-              <a:t>11/8/2015</a:t>
+              <a:t>11/9/2015</a:t>
             </a:fld>
             <a:endParaRPr lang="en-US" dirty="0"/>
           </a:p>
@@ -7929,7 +7929,7 @@
           <a:p>
             <a:fld id="{40A9466D-1D48-456F-8680-1F0B18548100}" type="datetimeFigureOut">
               <a:rPr lang="en-US" smtClean="0"/>
-              <a:t>11/8/2015</a:t>
+              <a:t>11/9/2015</a:t>
             </a:fld>
             <a:endParaRPr lang="en-US" dirty="0"/>
           </a:p>
@@ -8173,7 +8173,7 @@
           <a:p>
             <a:fld id="{40A9466D-1D48-456F-8680-1F0B18548100}" type="datetimeFigureOut">
               <a:rPr lang="en-US" smtClean="0"/>
-              <a:t>11/8/2015</a:t>
+              <a:t>11/9/2015</a:t>
             </a:fld>
             <a:endParaRPr lang="en-US" dirty="0"/>
           </a:p>
@@ -8405,7 +8405,7 @@
           <a:p>
             <a:fld id="{40A9466D-1D48-456F-8680-1F0B18548100}" type="datetimeFigureOut">
               <a:rPr lang="en-US" smtClean="0"/>
-              <a:t>11/8/2015</a:t>
+              <a:t>11/9/2015</a:t>
             </a:fld>
             <a:endParaRPr lang="en-US" dirty="0"/>
           </a:p>
@@ -8772,7 +8772,7 @@
           <a:p>
             <a:fld id="{40A9466D-1D48-456F-8680-1F0B18548100}" type="datetimeFigureOut">
               <a:rPr lang="en-US" smtClean="0"/>
-              <a:t>11/8/2015</a:t>
+              <a:t>11/9/2015</a:t>
             </a:fld>
             <a:endParaRPr lang="en-US" dirty="0"/>
           </a:p>
@@ -8890,7 +8890,7 @@
           <a:p>
             <a:fld id="{40A9466D-1D48-456F-8680-1F0B18548100}" type="datetimeFigureOut">
               <a:rPr lang="en-US" smtClean="0"/>
-              <a:t>11/8/2015</a:t>
+              <a:t>11/9/2015</a:t>
             </a:fld>
             <a:endParaRPr lang="en-US" dirty="0"/>
           </a:p>
@@ -8985,7 +8985,7 @@
           <a:p>
             <a:fld id="{40A9466D-1D48-456F-8680-1F0B18548100}" type="datetimeFigureOut">
               <a:rPr lang="en-US" smtClean="0"/>
-              <a:t>11/8/2015</a:t>
+              <a:t>11/9/2015</a:t>
             </a:fld>
             <a:endParaRPr lang="en-US" dirty="0"/>
           </a:p>
@@ -9262,7 +9262,7 @@
           <a:p>
             <a:fld id="{40A9466D-1D48-456F-8680-1F0B18548100}" type="datetimeFigureOut">
               <a:rPr lang="en-US" smtClean="0"/>
-              <a:t>11/8/2015</a:t>
+              <a:t>11/9/2015</a:t>
             </a:fld>
             <a:endParaRPr lang="en-US" dirty="0"/>
           </a:p>
@@ -9519,7 +9519,7 @@
           <a:p>
             <a:fld id="{40A9466D-1D48-456F-8680-1F0B18548100}" type="datetimeFigureOut">
               <a:rPr lang="en-US" smtClean="0"/>
-              <a:t>11/8/2015</a:t>
+              <a:t>11/9/2015</a:t>
             </a:fld>
             <a:endParaRPr lang="en-US" dirty="0"/>
           </a:p>
@@ -9732,7 +9732,7 @@
           <a:p>
             <a:fld id="{40A9466D-1D48-456F-8680-1F0B18548100}" type="datetimeFigureOut">
               <a:rPr lang="en-US" smtClean="0"/>
-              <a:t>11/8/2015</a:t>
+              <a:t>11/9/2015</a:t>
             </a:fld>
             <a:endParaRPr lang="en-US" dirty="0"/>
           </a:p>
@@ -31241,13 +31241,8 @@
             <a:pPr lvl="1"/>
             <a:r>
               <a:rPr lang="de-DE" dirty="0" smtClean="0"/>
-              <a:t>Instances are generated by selecting a centroid at random (weighted), and choosing a point using normal </a:t>
+              <a:t>Instances are generated by selecting a centroid at random (weighted), and choosing a point using normal distribution</a:t>
             </a:r>
-            <a:r>
-              <a:rPr lang="de-DE" dirty="0" smtClean="0"/>
-              <a:t>distribution</a:t>
-            </a:r>
-            <a:endParaRPr lang="de-DE" dirty="0" smtClean="0"/>
           </a:p>
         </p:txBody>
       </p:sp>
@@ -32116,15 +32111,7 @@
                   <a:schemeClr val="accent5"/>
                 </a:solidFill>
               </a:rPr>
-              <a:t>Random RBF Data </a:t>
-            </a:r>
-            <a:r>
-              <a:rPr lang="en-US" dirty="0" smtClean="0">
-                <a:solidFill>
-                  <a:schemeClr val="accent5"/>
-                </a:solidFill>
-              </a:rPr>
-              <a:t>Set</a:t>
+              <a:t>Random RBF Data Set</a:t>
             </a:r>
             <a:endParaRPr lang="de-DE" dirty="0">
               <a:solidFill>
@@ -32162,11 +32149,7 @@
           <a:p>
             <a:r>
               <a:rPr lang="de-DE" dirty="0" smtClean="0"/>
-              <a:t>All centroids are active all the </a:t>
-            </a:r>
-            <a:r>
-              <a:rPr lang="de-DE" dirty="0" smtClean="0"/>
-              <a:t>time</a:t>
+              <a:t>All centroids are active all the time</a:t>
             </a:r>
           </a:p>
           <a:p>
@@ -33234,26 +33217,13 @@
           <a:p>
             <a:r>
               <a:rPr lang="de-DE" dirty="0" smtClean="0"/>
-              <a:t>10 </a:t>
+              <a:t>10 fold cross validation for batch approaches</a:t>
             </a:r>
+          </a:p>
+          <a:p>
             <a:r>
               <a:rPr lang="de-DE" dirty="0" smtClean="0"/>
-              <a:t>fold cross validation for batch </a:t>
-            </a:r>
-            <a:r>
-              <a:rPr lang="de-DE" dirty="0" smtClean="0"/>
-              <a:t>approaches</a:t>
-            </a:r>
-            <a:endParaRPr lang="de-DE" dirty="0" smtClean="0"/>
-          </a:p>
-          <a:p>
-            <a:r>
-              <a:rPr lang="de-DE" dirty="0" smtClean="0"/>
-              <a:t>ADWIN variants and BagSRHT reach closest to </a:t>
-            </a:r>
-            <a:r>
-              <a:rPr lang="de-DE" dirty="0" smtClean="0"/>
-              <a:t>C4.5</a:t>
+              <a:t>ADWIN variants and BagSRHT reach closest to C4.5</a:t>
             </a:r>
           </a:p>
           <a:p>
@@ -36255,7 +36225,6 @@
               <a:rPr lang="en-US" dirty="0" smtClean="0"/>
               <a:t>.</a:t>
             </a:r>
-            <a:endParaRPr lang="en-US" dirty="0" smtClean="0"/>
           </a:p>
         </p:txBody>
       </p:sp>
@@ -51501,14 +51470,31 @@
           <a:p>
             <a:r>
               <a:rPr lang="de-DE" dirty="0" smtClean="0"/>
-              <a:t>Try to split if a node/leaf is impure</a:t>
+              <a:t>Try to split if </a:t>
             </a:r>
-          </a:p>
-          <a:p>
+            <a:r>
+              <a:rPr lang="de-DE" smtClean="0"/>
+              <a:t>a </a:t>
+            </a:r>
+            <a:r>
+              <a:rPr lang="de-DE" smtClean="0"/>
+              <a:t>leaf </a:t>
+            </a:r>
             <a:r>
               <a:rPr lang="de-DE" dirty="0" smtClean="0"/>
-              <a:t>Use information gain/ gini index to obtain best two split attribute</a:t>
+              <a:t>is impure</a:t>
             </a:r>
+          </a:p>
+          <a:p>
+            <a:r>
+              <a:rPr lang="de-DE" dirty="0" smtClean="0"/>
+              <a:t>Use information gain/ gini index to obtain best two split </a:t>
+            </a:r>
+            <a:r>
+              <a:rPr lang="de-DE" dirty="0" smtClean="0"/>
+              <a:t>attributes</a:t>
+            </a:r>
+            <a:endParaRPr lang="de-DE" dirty="0" smtClean="0"/>
           </a:p>
           <a:p>
             <a:r>

--- a/presentation/thesis.pptx
+++ b/presentation/thesis.pptx
@@ -5,7 +5,7 @@
     <p:sldMasterId id="2147483660" r:id="rId1"/>
   </p:sldMasterIdLst>
   <p:notesMasterIdLst>
-    <p:notesMasterId r:id="rId52"/>
+    <p:notesMasterId r:id="rId54"/>
   </p:notesMasterIdLst>
   <p:sldIdLst>
     <p:sldId id="258" r:id="rId2"/>
@@ -26,38 +26,40 @@
     <p:sldId id="269" r:id="rId17"/>
     <p:sldId id="310" r:id="rId18"/>
     <p:sldId id="314" r:id="rId19"/>
-    <p:sldId id="282" r:id="rId20"/>
-    <p:sldId id="262" r:id="rId21"/>
-    <p:sldId id="279" r:id="rId22"/>
-    <p:sldId id="281" r:id="rId23"/>
-    <p:sldId id="271" r:id="rId24"/>
-    <p:sldId id="277" r:id="rId25"/>
-    <p:sldId id="291" r:id="rId26"/>
-    <p:sldId id="312" r:id="rId27"/>
-    <p:sldId id="316" r:id="rId28"/>
-    <p:sldId id="292" r:id="rId29"/>
-    <p:sldId id="319" r:id="rId30"/>
-    <p:sldId id="317" r:id="rId31"/>
-    <p:sldId id="278" r:id="rId32"/>
-    <p:sldId id="276" r:id="rId33"/>
-    <p:sldId id="318" r:id="rId34"/>
-    <p:sldId id="274" r:id="rId35"/>
-    <p:sldId id="320" r:id="rId36"/>
-    <p:sldId id="321" r:id="rId37"/>
-    <p:sldId id="272" r:id="rId38"/>
-    <p:sldId id="306" r:id="rId39"/>
-    <p:sldId id="308" r:id="rId40"/>
-    <p:sldId id="270" r:id="rId41"/>
-    <p:sldId id="298" r:id="rId42"/>
-    <p:sldId id="299" r:id="rId43"/>
-    <p:sldId id="300" r:id="rId44"/>
-    <p:sldId id="301" r:id="rId45"/>
-    <p:sldId id="302" r:id="rId46"/>
-    <p:sldId id="305" r:id="rId47"/>
-    <p:sldId id="309" r:id="rId48"/>
-    <p:sldId id="273" r:id="rId49"/>
-    <p:sldId id="275" r:id="rId50"/>
-    <p:sldId id="304" r:id="rId51"/>
+    <p:sldId id="262" r:id="rId20"/>
+    <p:sldId id="279" r:id="rId21"/>
+    <p:sldId id="281" r:id="rId22"/>
+    <p:sldId id="271" r:id="rId23"/>
+    <p:sldId id="323" r:id="rId24"/>
+    <p:sldId id="324" r:id="rId25"/>
+    <p:sldId id="325" r:id="rId26"/>
+    <p:sldId id="291" r:id="rId27"/>
+    <p:sldId id="312" r:id="rId28"/>
+    <p:sldId id="277" r:id="rId29"/>
+    <p:sldId id="278" r:id="rId30"/>
+    <p:sldId id="276" r:id="rId31"/>
+    <p:sldId id="318" r:id="rId32"/>
+    <p:sldId id="274" r:id="rId33"/>
+    <p:sldId id="320" r:id="rId34"/>
+    <p:sldId id="321" r:id="rId35"/>
+    <p:sldId id="272" r:id="rId36"/>
+    <p:sldId id="306" r:id="rId37"/>
+    <p:sldId id="308" r:id="rId38"/>
+    <p:sldId id="328" r:id="rId39"/>
+    <p:sldId id="322" r:id="rId40"/>
+    <p:sldId id="327" r:id="rId41"/>
+    <p:sldId id="326" r:id="rId42"/>
+    <p:sldId id="270" r:id="rId43"/>
+    <p:sldId id="298" r:id="rId44"/>
+    <p:sldId id="299" r:id="rId45"/>
+    <p:sldId id="300" r:id="rId46"/>
+    <p:sldId id="301" r:id="rId47"/>
+    <p:sldId id="302" r:id="rId48"/>
+    <p:sldId id="305" r:id="rId49"/>
+    <p:sldId id="309" r:id="rId50"/>
+    <p:sldId id="273" r:id="rId51"/>
+    <p:sldId id="275" r:id="rId52"/>
+    <p:sldId id="304" r:id="rId53"/>
   </p:sldIdLst>
   <p:sldSz cx="9144000" cy="6858000" type="screen4x3"/>
   <p:notesSz cx="6858000" cy="9144000"/>
@@ -3992,7 +3994,7 @@
     </p:spTree>
     <p:extLst>
       <p:ext uri="{BB962C8B-B14F-4D97-AF65-F5344CB8AC3E}">
-        <p14:creationId xmlns:p14="http://schemas.microsoft.com/office/powerpoint/2010/main" val="3573307590"/>
+        <p14:creationId xmlns:p14="http://schemas.microsoft.com/office/powerpoint/2010/main" val="4243109790"/>
       </p:ext>
     </p:extLst>
   </p:cSld>
@@ -4160,7 +4162,7 @@
     </p:spTree>
     <p:extLst>
       <p:ext uri="{BB962C8B-B14F-4D97-AF65-F5344CB8AC3E}">
-        <p14:creationId xmlns:p14="http://schemas.microsoft.com/office/powerpoint/2010/main" val="4243109790"/>
+        <p14:creationId xmlns:p14="http://schemas.microsoft.com/office/powerpoint/2010/main" val="451598986"/>
       </p:ext>
     </p:extLst>
   </p:cSld>
@@ -4244,7 +4246,7 @@
     </p:spTree>
     <p:extLst>
       <p:ext uri="{BB962C8B-B14F-4D97-AF65-F5344CB8AC3E}">
-        <p14:creationId xmlns:p14="http://schemas.microsoft.com/office/powerpoint/2010/main" val="451598986"/>
+        <p14:creationId xmlns:p14="http://schemas.microsoft.com/office/powerpoint/2010/main" val="858466757"/>
       </p:ext>
     </p:extLst>
   </p:cSld>
@@ -4328,7 +4330,7 @@
     </p:spTree>
     <p:extLst>
       <p:ext uri="{BB962C8B-B14F-4D97-AF65-F5344CB8AC3E}">
-        <p14:creationId xmlns:p14="http://schemas.microsoft.com/office/powerpoint/2010/main" val="858466757"/>
+        <p14:creationId xmlns:p14="http://schemas.microsoft.com/office/powerpoint/2010/main" val="1353603493"/>
       </p:ext>
     </p:extLst>
   </p:cSld>
@@ -4412,7 +4414,7 @@
     </p:spTree>
     <p:extLst>
       <p:ext uri="{BB962C8B-B14F-4D97-AF65-F5344CB8AC3E}">
-        <p14:creationId xmlns:p14="http://schemas.microsoft.com/office/powerpoint/2010/main" val="1353603493"/>
+        <p14:creationId xmlns:p14="http://schemas.microsoft.com/office/powerpoint/2010/main" val="4068302601"/>
       </p:ext>
     </p:extLst>
   </p:cSld>
@@ -4496,7 +4498,7 @@
     </p:spTree>
     <p:extLst>
       <p:ext uri="{BB962C8B-B14F-4D97-AF65-F5344CB8AC3E}">
-        <p14:creationId xmlns:p14="http://schemas.microsoft.com/office/powerpoint/2010/main" val="329063926"/>
+        <p14:creationId xmlns:p14="http://schemas.microsoft.com/office/powerpoint/2010/main" val="23203169"/>
       </p:ext>
     </p:extLst>
   </p:cSld>
@@ -4580,7 +4582,7 @@
     </p:spTree>
     <p:extLst>
       <p:ext uri="{BB962C8B-B14F-4D97-AF65-F5344CB8AC3E}">
-        <p14:creationId xmlns:p14="http://schemas.microsoft.com/office/powerpoint/2010/main" val="150995341"/>
+        <p14:creationId xmlns:p14="http://schemas.microsoft.com/office/powerpoint/2010/main" val="2018229242"/>
       </p:ext>
     </p:extLst>
   </p:cSld>
@@ -4664,7 +4666,7 @@
     </p:spTree>
     <p:extLst>
       <p:ext uri="{BB962C8B-B14F-4D97-AF65-F5344CB8AC3E}">
-        <p14:creationId xmlns:p14="http://schemas.microsoft.com/office/powerpoint/2010/main" val="3321337590"/>
+        <p14:creationId xmlns:p14="http://schemas.microsoft.com/office/powerpoint/2010/main" val="150995341"/>
       </p:ext>
     </p:extLst>
   </p:cSld>
@@ -4748,7 +4750,7 @@
     </p:spTree>
     <p:extLst>
       <p:ext uri="{BB962C8B-B14F-4D97-AF65-F5344CB8AC3E}">
-        <p14:creationId xmlns:p14="http://schemas.microsoft.com/office/powerpoint/2010/main" val="804897995"/>
+        <p14:creationId xmlns:p14="http://schemas.microsoft.com/office/powerpoint/2010/main" val="3321337590"/>
       </p:ext>
     </p:extLst>
   </p:cSld>
@@ -4832,7 +4834,7 @@
     </p:spTree>
     <p:extLst>
       <p:ext uri="{BB962C8B-B14F-4D97-AF65-F5344CB8AC3E}">
-        <p14:creationId xmlns:p14="http://schemas.microsoft.com/office/powerpoint/2010/main" val="2192286905"/>
+        <p14:creationId xmlns:p14="http://schemas.microsoft.com/office/powerpoint/2010/main" val="329063926"/>
       </p:ext>
     </p:extLst>
   </p:cSld>
@@ -4916,7 +4918,7 @@
     </p:spTree>
     <p:extLst>
       <p:ext uri="{BB962C8B-B14F-4D97-AF65-F5344CB8AC3E}">
-        <p14:creationId xmlns:p14="http://schemas.microsoft.com/office/powerpoint/2010/main" val="3215637796"/>
+        <p14:creationId xmlns:p14="http://schemas.microsoft.com/office/powerpoint/2010/main" val="3859988731"/>
       </p:ext>
     </p:extLst>
   </p:cSld>
@@ -5084,7 +5086,7 @@
     </p:spTree>
     <p:extLst>
       <p:ext uri="{BB962C8B-B14F-4D97-AF65-F5344CB8AC3E}">
-        <p14:creationId xmlns:p14="http://schemas.microsoft.com/office/powerpoint/2010/main" val="1500061022"/>
+        <p14:creationId xmlns:p14="http://schemas.microsoft.com/office/powerpoint/2010/main" val="3047822849"/>
       </p:ext>
     </p:extLst>
   </p:cSld>
@@ -5168,7 +5170,7 @@
     </p:spTree>
     <p:extLst>
       <p:ext uri="{BB962C8B-B14F-4D97-AF65-F5344CB8AC3E}">
-        <p14:creationId xmlns:p14="http://schemas.microsoft.com/office/powerpoint/2010/main" val="3859988731"/>
+        <p14:creationId xmlns:p14="http://schemas.microsoft.com/office/powerpoint/2010/main" val="555445020"/>
       </p:ext>
     </p:extLst>
   </p:cSld>
@@ -5252,7 +5254,7 @@
     </p:spTree>
     <p:extLst>
       <p:ext uri="{BB962C8B-B14F-4D97-AF65-F5344CB8AC3E}">
-        <p14:creationId xmlns:p14="http://schemas.microsoft.com/office/powerpoint/2010/main" val="3047822849"/>
+        <p14:creationId xmlns:p14="http://schemas.microsoft.com/office/powerpoint/2010/main" val="3405287662"/>
       </p:ext>
     </p:extLst>
   </p:cSld>
@@ -5336,7 +5338,7 @@
     </p:spTree>
     <p:extLst>
       <p:ext uri="{BB962C8B-B14F-4D97-AF65-F5344CB8AC3E}">
-        <p14:creationId xmlns:p14="http://schemas.microsoft.com/office/powerpoint/2010/main" val="555445020"/>
+        <p14:creationId xmlns:p14="http://schemas.microsoft.com/office/powerpoint/2010/main" val="4240068888"/>
       </p:ext>
     </p:extLst>
   </p:cSld>
@@ -5420,7 +5422,7 @@
     </p:spTree>
     <p:extLst>
       <p:ext uri="{BB962C8B-B14F-4D97-AF65-F5344CB8AC3E}">
-        <p14:creationId xmlns:p14="http://schemas.microsoft.com/office/powerpoint/2010/main" val="3405287662"/>
+        <p14:creationId xmlns:p14="http://schemas.microsoft.com/office/powerpoint/2010/main" val="73879606"/>
       </p:ext>
     </p:extLst>
   </p:cSld>
@@ -5504,7 +5506,7 @@
     </p:spTree>
     <p:extLst>
       <p:ext uri="{BB962C8B-B14F-4D97-AF65-F5344CB8AC3E}">
-        <p14:creationId xmlns:p14="http://schemas.microsoft.com/office/powerpoint/2010/main" val="4240068888"/>
+        <p14:creationId xmlns:p14="http://schemas.microsoft.com/office/powerpoint/2010/main" val="2781110940"/>
       </p:ext>
     </p:extLst>
   </p:cSld>
@@ -5588,7 +5590,7 @@
     </p:spTree>
     <p:extLst>
       <p:ext uri="{BB962C8B-B14F-4D97-AF65-F5344CB8AC3E}">
-        <p14:creationId xmlns:p14="http://schemas.microsoft.com/office/powerpoint/2010/main" val="2113741901"/>
+        <p14:creationId xmlns:p14="http://schemas.microsoft.com/office/powerpoint/2010/main" val="768067529"/>
       </p:ext>
     </p:extLst>
   </p:cSld>
@@ -5672,7 +5674,7 @@
     </p:spTree>
     <p:extLst>
       <p:ext uri="{BB962C8B-B14F-4D97-AF65-F5344CB8AC3E}">
-        <p14:creationId xmlns:p14="http://schemas.microsoft.com/office/powerpoint/2010/main" val="2781110940"/>
+        <p14:creationId xmlns:p14="http://schemas.microsoft.com/office/powerpoint/2010/main" val="3241613473"/>
       </p:ext>
     </p:extLst>
   </p:cSld>
@@ -5756,7 +5758,7 @@
     </p:spTree>
     <p:extLst>
       <p:ext uri="{BB962C8B-B14F-4D97-AF65-F5344CB8AC3E}">
-        <p14:creationId xmlns:p14="http://schemas.microsoft.com/office/powerpoint/2010/main" val="768067529"/>
+        <p14:creationId xmlns:p14="http://schemas.microsoft.com/office/powerpoint/2010/main" val="744964635"/>
       </p:ext>
     </p:extLst>
   </p:cSld>
@@ -5840,7 +5842,7 @@
     </p:spTree>
     <p:extLst>
       <p:ext uri="{BB962C8B-B14F-4D97-AF65-F5344CB8AC3E}">
-        <p14:creationId xmlns:p14="http://schemas.microsoft.com/office/powerpoint/2010/main" val="3241613473"/>
+        <p14:creationId xmlns:p14="http://schemas.microsoft.com/office/powerpoint/2010/main" val="2561259947"/>
       </p:ext>
     </p:extLst>
   </p:cSld>
@@ -6008,7 +6010,7 @@
     </p:spTree>
     <p:extLst>
       <p:ext uri="{BB962C8B-B14F-4D97-AF65-F5344CB8AC3E}">
-        <p14:creationId xmlns:p14="http://schemas.microsoft.com/office/powerpoint/2010/main" val="1060358246"/>
+        <p14:creationId xmlns:p14="http://schemas.microsoft.com/office/powerpoint/2010/main" val="3777179759"/>
       </p:ext>
     </p:extLst>
   </p:cSld>
@@ -6092,7 +6094,7 @@
     </p:spTree>
     <p:extLst>
       <p:ext uri="{BB962C8B-B14F-4D97-AF65-F5344CB8AC3E}">
-        <p14:creationId xmlns:p14="http://schemas.microsoft.com/office/powerpoint/2010/main" val="447987208"/>
+        <p14:creationId xmlns:p14="http://schemas.microsoft.com/office/powerpoint/2010/main" val="2069515310"/>
       </p:ext>
     </p:extLst>
   </p:cSld>
@@ -6176,7 +6178,7 @@
     </p:spTree>
     <p:extLst>
       <p:ext uri="{BB962C8B-B14F-4D97-AF65-F5344CB8AC3E}">
-        <p14:creationId xmlns:p14="http://schemas.microsoft.com/office/powerpoint/2010/main" val="1430775894"/>
+        <p14:creationId xmlns:p14="http://schemas.microsoft.com/office/powerpoint/2010/main" val="1060358246"/>
       </p:ext>
     </p:extLst>
   </p:cSld>
@@ -6260,7 +6262,7 @@
     </p:spTree>
     <p:extLst>
       <p:ext uri="{BB962C8B-B14F-4D97-AF65-F5344CB8AC3E}">
-        <p14:creationId xmlns:p14="http://schemas.microsoft.com/office/powerpoint/2010/main" val="3238820970"/>
+        <p14:creationId xmlns:p14="http://schemas.microsoft.com/office/powerpoint/2010/main" val="447987208"/>
       </p:ext>
     </p:extLst>
   </p:cSld>
@@ -6344,7 +6346,7 @@
     </p:spTree>
     <p:extLst>
       <p:ext uri="{BB962C8B-B14F-4D97-AF65-F5344CB8AC3E}">
-        <p14:creationId xmlns:p14="http://schemas.microsoft.com/office/powerpoint/2010/main" val="2607096596"/>
+        <p14:creationId xmlns:p14="http://schemas.microsoft.com/office/powerpoint/2010/main" val="1430775894"/>
       </p:ext>
     </p:extLst>
   </p:cSld>
@@ -6428,7 +6430,7 @@
     </p:spTree>
     <p:extLst>
       <p:ext uri="{BB962C8B-B14F-4D97-AF65-F5344CB8AC3E}">
-        <p14:creationId xmlns:p14="http://schemas.microsoft.com/office/powerpoint/2010/main" val="1241887842"/>
+        <p14:creationId xmlns:p14="http://schemas.microsoft.com/office/powerpoint/2010/main" val="3238820970"/>
       </p:ext>
     </p:extLst>
   </p:cSld>
@@ -6512,7 +6514,7 @@
     </p:spTree>
     <p:extLst>
       <p:ext uri="{BB962C8B-B14F-4D97-AF65-F5344CB8AC3E}">
-        <p14:creationId xmlns:p14="http://schemas.microsoft.com/office/powerpoint/2010/main" val="1564291333"/>
+        <p14:creationId xmlns:p14="http://schemas.microsoft.com/office/powerpoint/2010/main" val="2607096596"/>
       </p:ext>
     </p:extLst>
   </p:cSld>
@@ -6596,7 +6598,7 @@
     </p:spTree>
     <p:extLst>
       <p:ext uri="{BB962C8B-B14F-4D97-AF65-F5344CB8AC3E}">
-        <p14:creationId xmlns:p14="http://schemas.microsoft.com/office/powerpoint/2010/main" val="4008732982"/>
+        <p14:creationId xmlns:p14="http://schemas.microsoft.com/office/powerpoint/2010/main" val="1241887842"/>
       </p:ext>
     </p:extLst>
   </p:cSld>
@@ -6680,7 +6682,7 @@
     </p:spTree>
     <p:extLst>
       <p:ext uri="{BB962C8B-B14F-4D97-AF65-F5344CB8AC3E}">
-        <p14:creationId xmlns:p14="http://schemas.microsoft.com/office/powerpoint/2010/main" val="2030628123"/>
+        <p14:creationId xmlns:p14="http://schemas.microsoft.com/office/powerpoint/2010/main" val="1564291333"/>
       </p:ext>
     </p:extLst>
   </p:cSld>
@@ -6764,7 +6766,7 @@
     </p:spTree>
     <p:extLst>
       <p:ext uri="{BB962C8B-B14F-4D97-AF65-F5344CB8AC3E}">
-        <p14:creationId xmlns:p14="http://schemas.microsoft.com/office/powerpoint/2010/main" val="200436687"/>
+        <p14:creationId xmlns:p14="http://schemas.microsoft.com/office/powerpoint/2010/main" val="4008732982"/>
       </p:ext>
     </p:extLst>
   </p:cSld>
@@ -6924,6 +6926,174 @@
             <a:fld id="{3BCB612C-0155-4D60-8939-3857CFB261A5}" type="slidenum">
               <a:rPr lang="de-DE" smtClean="0"/>
               <a:t>50</a:t>
+            </a:fld>
+            <a:endParaRPr lang="de-DE" dirty="0"/>
+          </a:p>
+        </p:txBody>
+      </p:sp>
+    </p:spTree>
+    <p:extLst>
+      <p:ext uri="{BB962C8B-B14F-4D97-AF65-F5344CB8AC3E}">
+        <p14:creationId xmlns:p14="http://schemas.microsoft.com/office/powerpoint/2010/main" val="2030628123"/>
+      </p:ext>
+    </p:extLst>
+  </p:cSld>
+  <p:clrMapOvr>
+    <a:masterClrMapping/>
+  </p:clrMapOvr>
+</p:notes>
+</file>
+
+<file path=ppt/notesSlides/notesSlide51.xml><?xml version="1.0" encoding="utf-8"?>
+<p:notes xmlns:a="http://schemas.openxmlformats.org/drawingml/2006/main" xmlns:r="http://schemas.openxmlformats.org/officeDocument/2006/relationships" xmlns:p="http://schemas.openxmlformats.org/presentationml/2006/main">
+  <p:cSld>
+    <p:spTree>
+      <p:nvGrpSpPr>
+        <p:cNvPr id="1" name=""/>
+        <p:cNvGrpSpPr/>
+        <p:nvPr/>
+      </p:nvGrpSpPr>
+      <p:grpSpPr>
+        <a:xfrm>
+          <a:off x="0" y="0"/>
+          <a:ext cx="0" cy="0"/>
+          <a:chOff x="0" y="0"/>
+          <a:chExt cx="0" cy="0"/>
+        </a:xfrm>
+      </p:grpSpPr>
+      <p:sp>
+        <p:nvSpPr>
+          <p:cNvPr id="2" name="Slide Image Placeholder 1"/>
+          <p:cNvSpPr>
+            <a:spLocks noGrp="1" noRot="1" noChangeAspect="1"/>
+          </p:cNvSpPr>
+          <p:nvPr>
+            <p:ph type="sldImg"/>
+          </p:nvPr>
+        </p:nvSpPr>
+        <p:spPr/>
+      </p:sp>
+      <p:sp>
+        <p:nvSpPr>
+          <p:cNvPr id="3" name="Notes Placeholder 2"/>
+          <p:cNvSpPr>
+            <a:spLocks noGrp="1"/>
+          </p:cNvSpPr>
+          <p:nvPr>
+            <p:ph type="body" idx="1"/>
+          </p:nvPr>
+        </p:nvSpPr>
+        <p:spPr/>
+        <p:txBody>
+          <a:bodyPr/>
+          <a:lstStyle/>
+          <a:p>
+            <a:endParaRPr lang="de-DE" dirty="0"/>
+          </a:p>
+        </p:txBody>
+      </p:sp>
+      <p:sp>
+        <p:nvSpPr>
+          <p:cNvPr id="4" name="Slide Number Placeholder 3"/>
+          <p:cNvSpPr>
+            <a:spLocks noGrp="1"/>
+          </p:cNvSpPr>
+          <p:nvPr>
+            <p:ph type="sldNum" sz="quarter" idx="10"/>
+          </p:nvPr>
+        </p:nvSpPr>
+        <p:spPr/>
+        <p:txBody>
+          <a:bodyPr/>
+          <a:lstStyle/>
+          <a:p>
+            <a:fld id="{3BCB612C-0155-4D60-8939-3857CFB261A5}" type="slidenum">
+              <a:rPr lang="de-DE" smtClean="0"/>
+              <a:t>51</a:t>
+            </a:fld>
+            <a:endParaRPr lang="de-DE" dirty="0"/>
+          </a:p>
+        </p:txBody>
+      </p:sp>
+    </p:spTree>
+    <p:extLst>
+      <p:ext uri="{BB962C8B-B14F-4D97-AF65-F5344CB8AC3E}">
+        <p14:creationId xmlns:p14="http://schemas.microsoft.com/office/powerpoint/2010/main" val="200436687"/>
+      </p:ext>
+    </p:extLst>
+  </p:cSld>
+  <p:clrMapOvr>
+    <a:masterClrMapping/>
+  </p:clrMapOvr>
+</p:notes>
+</file>
+
+<file path=ppt/notesSlides/notesSlide52.xml><?xml version="1.0" encoding="utf-8"?>
+<p:notes xmlns:a="http://schemas.openxmlformats.org/drawingml/2006/main" xmlns:r="http://schemas.openxmlformats.org/officeDocument/2006/relationships" xmlns:p="http://schemas.openxmlformats.org/presentationml/2006/main">
+  <p:cSld>
+    <p:spTree>
+      <p:nvGrpSpPr>
+        <p:cNvPr id="1" name=""/>
+        <p:cNvGrpSpPr/>
+        <p:nvPr/>
+      </p:nvGrpSpPr>
+      <p:grpSpPr>
+        <a:xfrm>
+          <a:off x="0" y="0"/>
+          <a:ext cx="0" cy="0"/>
+          <a:chOff x="0" y="0"/>
+          <a:chExt cx="0" cy="0"/>
+        </a:xfrm>
+      </p:grpSpPr>
+      <p:sp>
+        <p:nvSpPr>
+          <p:cNvPr id="2" name="Slide Image Placeholder 1"/>
+          <p:cNvSpPr>
+            <a:spLocks noGrp="1" noRot="1" noChangeAspect="1"/>
+          </p:cNvSpPr>
+          <p:nvPr>
+            <p:ph type="sldImg"/>
+          </p:nvPr>
+        </p:nvSpPr>
+        <p:spPr/>
+      </p:sp>
+      <p:sp>
+        <p:nvSpPr>
+          <p:cNvPr id="3" name="Notes Placeholder 2"/>
+          <p:cNvSpPr>
+            <a:spLocks noGrp="1"/>
+          </p:cNvSpPr>
+          <p:nvPr>
+            <p:ph type="body" idx="1"/>
+          </p:nvPr>
+        </p:nvSpPr>
+        <p:spPr/>
+        <p:txBody>
+          <a:bodyPr/>
+          <a:lstStyle/>
+          <a:p>
+            <a:endParaRPr lang="de-DE" dirty="0"/>
+          </a:p>
+        </p:txBody>
+      </p:sp>
+      <p:sp>
+        <p:nvSpPr>
+          <p:cNvPr id="4" name="Slide Number Placeholder 3"/>
+          <p:cNvSpPr>
+            <a:spLocks noGrp="1"/>
+          </p:cNvSpPr>
+          <p:nvPr>
+            <p:ph type="sldNum" sz="quarter" idx="10"/>
+          </p:nvPr>
+        </p:nvSpPr>
+        <p:spPr/>
+        <p:txBody>
+          <a:bodyPr/>
+          <a:lstStyle/>
+          <a:p>
+            <a:fld id="{3BCB612C-0155-4D60-8939-3857CFB261A5}" type="slidenum">
+              <a:rPr lang="de-DE" smtClean="0"/>
+              <a:t>52</a:t>
             </a:fld>
             <a:endParaRPr lang="de-DE" dirty="0"/>
           </a:p>
@@ -10362,7 +10532,14 @@
                 <a:latin typeface="Times New Roman" panose="02020603050405020304" pitchFamily="18" charset="0"/>
                 <a:cs typeface="Times New Roman" panose="02020603050405020304" pitchFamily="18" charset="0"/>
               </a:rPr>
-              <a:t>Supervisor: Prof. Dr. Burkhard Rost</a:t>
+              <a:t>Supervisor</a:t>
+            </a:r>
+            <a:r>
+              <a:rPr lang="de-DE" sz="1400" dirty="0" smtClean="0">
+                <a:latin typeface="Times New Roman" panose="02020603050405020304" pitchFamily="18" charset="0"/>
+                <a:cs typeface="Times New Roman" panose="02020603050405020304" pitchFamily="18" charset="0"/>
+              </a:rPr>
+              <a:t>: Prof. Dr. Burkhard Rost</a:t>
             </a:r>
           </a:p>
           <a:p>
@@ -10467,14 +10644,14 @@
             <a:r>
               <a:rPr lang="en-US" sz="4000" b="1" dirty="0">
                 <a:solidFill>
-                  <a:schemeClr val="accent5"/>
+                  <a:srgbClr val="0070C0"/>
                 </a:solidFill>
               </a:rPr>
               <a:t>Ensemble Learning in Data Streams</a:t>
             </a:r>
             <a:endParaRPr lang="de-DE" sz="4000" b="1" dirty="0">
               <a:solidFill>
-                <a:schemeClr val="accent5"/>
+                <a:srgbClr val="0070C0"/>
               </a:solidFill>
             </a:endParaRPr>
           </a:p>
@@ -10896,33 +11073,31 @@
           <a:p>
             <a:r>
               <a:rPr lang="de-DE" dirty="0" smtClean="0"/>
-              <a:t>Set bound on the maximum tree size</a:t>
+              <a:t>Set bound on the maximum tree </a:t>
             </a:r>
-          </a:p>
-          <a:p>
-            <a:pPr lvl="1"/>
             <a:r>
               <a:rPr lang="de-DE" dirty="0" smtClean="0"/>
-              <a:t>Number of decision nodes</a:t>
+              <a:t>size</a:t>
             </a:r>
           </a:p>
           <a:p>
-            <a:pPr lvl="1"/>
             <a:r>
               <a:rPr lang="de-DE" dirty="0" smtClean="0"/>
-              <a:t>Depth</a:t>
+              <a:t>Start </a:t>
             </a:r>
-          </a:p>
-          <a:p>
             <a:r>
               <a:rPr lang="de-DE" dirty="0" smtClean="0"/>
-              <a:t>Start over when limit is reached</a:t>
+              <a:t>over when limit is reached</a:t>
             </a:r>
           </a:p>
           <a:p>
             <a:r>
               <a:rPr lang="de-DE" dirty="0" smtClean="0"/>
-              <a:t>Looses all information learned thus far</a:t>
+              <a:t>Loses </a:t>
+            </a:r>
+            <a:r>
+              <a:rPr lang="de-DE" dirty="0" smtClean="0"/>
+              <a:t>all information learned thus far</a:t>
             </a:r>
             <a:endParaRPr lang="de-DE" dirty="0"/>
           </a:p>
@@ -10959,7 +11134,7 @@
         </p:nvGrpSpPr>
         <p:grpSpPr>
           <a:xfrm>
-            <a:off x="4390225" y="1579183"/>
+            <a:off x="4390225" y="997294"/>
             <a:ext cx="4425953" cy="1752897"/>
             <a:chOff x="1397602" y="1551276"/>
             <a:chExt cx="7033899" cy="2911418"/>
@@ -11587,7 +11762,7 @@
         </p:nvGrpSpPr>
         <p:grpSpPr>
           <a:xfrm>
-            <a:off x="4329738" y="3851263"/>
+            <a:off x="4329738" y="3269374"/>
             <a:ext cx="4256424" cy="1288716"/>
             <a:chOff x="546469" y="2543440"/>
             <a:chExt cx="8661031" cy="2409625"/>
@@ -13480,7 +13655,15 @@
           <a:p>
             <a:r>
               <a:rPr lang="de-DE" dirty="0" smtClean="0"/>
-              <a:t>Delete all children of root except the one that would be new root</a:t>
+              <a:t>Delete all </a:t>
+            </a:r>
+            <a:r>
+              <a:rPr lang="de-DE" dirty="0" smtClean="0"/>
+              <a:t>the children </a:t>
+            </a:r>
+            <a:r>
+              <a:rPr lang="de-DE" dirty="0" smtClean="0"/>
+              <a:t>of root except the one that would be new root</a:t>
             </a:r>
           </a:p>
           <a:p>
@@ -16940,7 +17123,7 @@
               <a:t> (</a:t>
             </a:r>
             <a:r>
-              <a:rPr lang="en-US" sz="3100" dirty="0" err="1" smtClean="0">
+              <a:rPr lang="en-US" sz="3100" noProof="0" dirty="0" smtClean="0">
                 <a:solidFill>
                   <a:schemeClr val="tx1">
                     <a:lumMod val="50000"/>
@@ -26681,29 +26864,7 @@
                   </a:schemeClr>
                 </a:solidFill>
               </a:rPr>
-              <a:t>(</a:t>
-            </a:r>
-            <a:r>
-              <a:rPr lang="en-US" sz="3100" dirty="0" err="1" smtClean="0">
-                <a:solidFill>
-                  <a:schemeClr val="tx1">
-                    <a:lumMod val="50000"/>
-                    <a:lumOff val="50000"/>
-                  </a:schemeClr>
-                </a:solidFill>
-              </a:rPr>
-              <a:t>BagASHT</a:t>
-            </a:r>
-            <a:r>
-              <a:rPr lang="en-US" sz="3100" dirty="0" smtClean="0">
-                <a:solidFill>
-                  <a:schemeClr val="tx1">
-                    <a:lumMod val="50000"/>
-                    <a:lumOff val="50000"/>
-                  </a:schemeClr>
-                </a:solidFill>
-              </a:rPr>
-              <a:t>) [5]</a:t>
+              <a:t>(BagASHT) [5]</a:t>
             </a:r>
             <a:endParaRPr lang="de-DE" dirty="0">
               <a:solidFill>
@@ -26758,7 +26919,19 @@
           <a:p>
             <a:r>
               <a:rPr lang="de-DE" dirty="0" smtClean="0"/>
-              <a:t>Everytime a larger tree gets reset, ensemble looses significant information</a:t>
+              <a:t>Every time </a:t>
+            </a:r>
+            <a:r>
+              <a:rPr lang="de-DE" dirty="0" smtClean="0"/>
+              <a:t>a larger tree gets reset, ensemble </a:t>
+            </a:r>
+            <a:r>
+              <a:rPr lang="de-DE" dirty="0" smtClean="0"/>
+              <a:t>loses </a:t>
+            </a:r>
+            <a:r>
+              <a:rPr lang="de-DE" dirty="0" smtClean="0"/>
+              <a:t>significant information</a:t>
             </a:r>
           </a:p>
           <a:p>
@@ -28905,11 +29078,15 @@
                   <a:srgbClr val="0070C0"/>
                 </a:solidFill>
               </a:rPr>
-              <a:t>Retrict</a:t>
+              <a:t>Restrict</a:t>
             </a:r>
             <a:r>
               <a:rPr lang="de-DE" dirty="0" smtClean="0"/>
-              <a:t> it from growing</a:t>
+              <a:t> </a:t>
+            </a:r>
+            <a:r>
+              <a:rPr lang="de-DE" dirty="0" smtClean="0"/>
+              <a:t>it from growing</a:t>
             </a:r>
           </a:p>
           <a:p>
@@ -31182,7 +31359,15 @@
                   <a:schemeClr val="accent5"/>
                 </a:solidFill>
               </a:rPr>
-              <a:t>Data Generation</a:t>
+              <a:t>Data </a:t>
+            </a:r>
+            <a:r>
+              <a:rPr lang="en-US" dirty="0" smtClean="0">
+                <a:solidFill>
+                  <a:schemeClr val="accent5"/>
+                </a:solidFill>
+              </a:rPr>
+              <a:t>Sets</a:t>
             </a:r>
             <a:endParaRPr lang="de-DE" dirty="0">
               <a:solidFill>
@@ -31219,30 +31404,83 @@
           </a:p>
           <a:p>
             <a:r>
+              <a:rPr lang="de-DE" dirty="0" smtClean="0">
+                <a:solidFill>
+                  <a:srgbClr val="0070C0"/>
+                </a:solidFill>
+              </a:rPr>
+              <a:t>Random </a:t>
+            </a:r>
+            <a:r>
+              <a:rPr lang="de-DE" dirty="0" smtClean="0">
+                <a:solidFill>
+                  <a:srgbClr val="0070C0"/>
+                </a:solidFill>
+              </a:rPr>
+              <a:t>Radial Basis Function </a:t>
+            </a:r>
+            <a:r>
+              <a:rPr lang="de-DE" dirty="0" smtClean="0">
+                <a:solidFill>
+                  <a:srgbClr val="0070C0"/>
+                </a:solidFill>
+              </a:rPr>
+              <a:t>(RandRBF) </a:t>
+            </a:r>
+            <a:r>
               <a:rPr lang="de-DE" dirty="0" smtClean="0"/>
-              <a:t>Random radial basis function (RandRBF) generator is challenging for DT based approaches</a:t>
+              <a:t>generator</a:t>
             </a:r>
           </a:p>
           <a:p>
             <a:pPr lvl="1"/>
             <a:r>
+              <a:rPr lang="de-DE" dirty="0"/>
+              <a:t>Not possible to generate varying speed data set</a:t>
+            </a:r>
+          </a:p>
+          <a:p>
+            <a:r>
               <a:rPr lang="de-DE" dirty="0" smtClean="0"/>
-              <a:t>Randomly chooses user-defined number of centroids in the hyperspace</a:t>
+              <a:t>Modified the generation scheme to </a:t>
+            </a:r>
+            <a:r>
+              <a:rPr lang="en-US" dirty="0" smtClean="0"/>
+              <a:t>achieve desired features in the data set</a:t>
             </a:r>
           </a:p>
           <a:p>
             <a:pPr lvl="1"/>
             <a:r>
-              <a:rPr lang="de-DE" dirty="0" smtClean="0"/>
-              <a:t>Assigns class label, drift coefficient, standard deviation, weights to each of the entroids</a:t>
+              <a:rPr lang="en-US" dirty="0" smtClean="0">
+                <a:solidFill>
+                  <a:srgbClr val="0070C0"/>
+                </a:solidFill>
+              </a:rPr>
+              <a:t>Varying Speed RBF (VSRBF) generator</a:t>
             </a:r>
+            <a:endParaRPr lang="en-US" dirty="0" smtClean="0">
+              <a:solidFill>
+                <a:srgbClr val="0070C0"/>
+              </a:solidFill>
+            </a:endParaRPr>
           </a:p>
           <a:p>
             <a:pPr lvl="1"/>
             <a:r>
-              <a:rPr lang="de-DE" dirty="0" smtClean="0"/>
-              <a:t>Instances are generated by selecting a centroid at random (weighted), and choosing a point using normal distribution</a:t>
+              <a:rPr lang="en-US" dirty="0" smtClean="0"/>
+              <a:t>Slow but consistent sub-streams</a:t>
             </a:r>
+          </a:p>
+          <a:p>
+            <a:pPr lvl="1"/>
+            <a:r>
+              <a:rPr lang="en-US" dirty="0" smtClean="0"/>
+              <a:t>Fast and short lived sub-streams, etc.</a:t>
+            </a:r>
+          </a:p>
+          <a:p>
+            <a:endParaRPr lang="en-US" dirty="0" smtClean="0"/>
           </a:p>
         </p:txBody>
       </p:sp>
@@ -31405,7 +31643,7 @@
                   <a:schemeClr val="accent5"/>
                 </a:solidFill>
               </a:rPr>
-              <a:t>RandRBF Data Set</a:t>
+              <a:t>Random RBF Data Set</a:t>
             </a:r>
             <a:endParaRPr lang="de-DE" dirty="0">
               <a:solidFill>
@@ -31435,6 +31673,18 @@
           <a:bodyPr/>
           <a:lstStyle/>
           <a:p>
+            <a:r>
+              <a:rPr lang="de-DE" dirty="0" smtClean="0"/>
+              <a:t>Centroids contributes to the final weights depending on their weights</a:t>
+            </a:r>
+          </a:p>
+          <a:p>
+            <a:r>
+              <a:rPr lang="de-DE" dirty="0" smtClean="0"/>
+              <a:t>All centroids are active all the time</a:t>
+            </a:r>
+          </a:p>
+          <a:p>
             <a:endParaRPr lang="de-DE" dirty="0"/>
           </a:p>
         </p:txBody>
@@ -31457,730 +31707,6 @@
             <a:fld id="{EAE41600-55F5-4A6B-8385-85433044AE0B}" type="slidenum">
               <a:rPr lang="de-DE" smtClean="0"/>
               <a:t>19</a:t>
-            </a:fld>
-            <a:endParaRPr lang="de-DE" dirty="0"/>
-          </a:p>
-        </p:txBody>
-      </p:sp>
-      <p:pic>
-        <p:nvPicPr>
-          <p:cNvPr id="4" name="Picture 3"/>
-          <p:cNvPicPr>
-            <a:picLocks noChangeAspect="1"/>
-          </p:cNvPicPr>
-          <p:nvPr/>
-        </p:nvPicPr>
-        <p:blipFill>
-          <a:blip r:embed="rId3"/>
-          <a:stretch>
-            <a:fillRect/>
-          </a:stretch>
-        </p:blipFill>
-        <p:spPr>
-          <a:xfrm>
-            <a:off x="609938" y="1201728"/>
-            <a:ext cx="7991907" cy="4896629"/>
-          </a:xfrm>
-          <a:prstGeom prst="rect">
-            <a:avLst/>
-          </a:prstGeom>
-        </p:spPr>
-      </p:pic>
-      <p:pic>
-        <p:nvPicPr>
-          <p:cNvPr id="10" name="Picture 9"/>
-          <p:cNvPicPr>
-            <a:picLocks noChangeAspect="1"/>
-          </p:cNvPicPr>
-          <p:nvPr/>
-        </p:nvPicPr>
-        <p:blipFill>
-          <a:blip r:embed="rId4" cstate="print">
-            <a:extLst>
-              <a:ext uri="{28A0092B-C50C-407E-A947-70E740481C1C}">
-                <a14:useLocalDpi xmlns:a14="http://schemas.microsoft.com/office/drawing/2010/main" val="0"/>
-              </a:ext>
-            </a:extLst>
-          </a:blip>
-          <a:stretch>
-            <a:fillRect/>
-          </a:stretch>
-        </p:blipFill>
-        <p:spPr>
-          <a:xfrm>
-            <a:off x="8198547" y="101546"/>
-            <a:ext cx="817158" cy="430469"/>
-          </a:xfrm>
-          <a:prstGeom prst="rect">
-            <a:avLst/>
-          </a:prstGeom>
-        </p:spPr>
-      </p:pic>
-      <p:pic>
-        <p:nvPicPr>
-          <p:cNvPr id="11" name="Picture 2" descr="File:LMU Muenchen Logo.svg"/>
-          <p:cNvPicPr>
-            <a:picLocks noChangeAspect="1" noChangeArrowheads="1"/>
-          </p:cNvPicPr>
-          <p:nvPr/>
-        </p:nvPicPr>
-        <p:blipFill>
-          <a:blip r:embed="rId5" cstate="print">
-            <a:extLst>
-              <a:ext uri="{28A0092B-C50C-407E-A947-70E740481C1C}">
-                <a14:useLocalDpi xmlns:a14="http://schemas.microsoft.com/office/drawing/2010/main" val="0"/>
-              </a:ext>
-            </a:extLst>
-          </a:blip>
-          <a:srcRect/>
-          <a:stretch>
-            <a:fillRect/>
-          </a:stretch>
-        </p:blipFill>
-        <p:spPr bwMode="auto">
-          <a:xfrm>
-            <a:off x="103529" y="6293665"/>
-            <a:ext cx="936625" cy="490496"/>
-          </a:xfrm>
-          <a:prstGeom prst="rect">
-            <a:avLst/>
-          </a:prstGeom>
-          <a:noFill/>
-          <a:extLst>
-            <a:ext uri="{909E8E84-426E-40DD-AFC4-6F175D3DCCD1}">
-              <a14:hiddenFill xmlns:a14="http://schemas.microsoft.com/office/drawing/2010/main">
-                <a:solidFill>
-                  <a:srgbClr val="FFFFFF"/>
-                </a:solidFill>
-              </a14:hiddenFill>
-            </a:ext>
-          </a:extLst>
-        </p:spPr>
-      </p:pic>
-      <p:sp>
-        <p:nvSpPr>
-          <p:cNvPr id="5" name="TextBox 4"/>
-          <p:cNvSpPr txBox="1"/>
-          <p:nvPr/>
-        </p:nvSpPr>
-        <p:spPr>
-          <a:xfrm>
-            <a:off x="1371600" y="3352800"/>
-            <a:ext cx="2018501" cy="369332"/>
-          </a:xfrm>
-          <a:prstGeom prst="rect">
-            <a:avLst/>
-          </a:prstGeom>
-          <a:noFill/>
-        </p:spPr>
-        <p:txBody>
-          <a:bodyPr wrap="none" rtlCol="0">
-            <a:spAutoFit/>
-          </a:bodyPr>
-          <a:lstStyle/>
-          <a:p>
-            <a:r>
-              <a:rPr lang="en-US" dirty="0" smtClean="0"/>
-              <a:t>Drift Coefficient 0.0</a:t>
-            </a:r>
-            <a:endParaRPr lang="en-US" dirty="0"/>
-          </a:p>
-        </p:txBody>
-      </p:sp>
-      <p:sp>
-        <p:nvSpPr>
-          <p:cNvPr id="9" name="TextBox 8"/>
-          <p:cNvSpPr txBox="1"/>
-          <p:nvPr/>
-        </p:nvSpPr>
-        <p:spPr>
-          <a:xfrm>
-            <a:off x="5473158" y="3352800"/>
-            <a:ext cx="2135521" cy="369332"/>
-          </a:xfrm>
-          <a:prstGeom prst="rect">
-            <a:avLst/>
-          </a:prstGeom>
-          <a:noFill/>
-        </p:spPr>
-        <p:txBody>
-          <a:bodyPr wrap="none" rtlCol="0">
-            <a:spAutoFit/>
-          </a:bodyPr>
-          <a:lstStyle/>
-          <a:p>
-            <a:r>
-              <a:rPr lang="en-US" dirty="0" smtClean="0"/>
-              <a:t>Drift Coefficient 0.01</a:t>
-            </a:r>
-            <a:endParaRPr lang="en-US" dirty="0"/>
-          </a:p>
-        </p:txBody>
-      </p:sp>
-      <p:sp>
-        <p:nvSpPr>
-          <p:cNvPr id="12" name="TextBox 11"/>
-          <p:cNvSpPr txBox="1"/>
-          <p:nvPr/>
-        </p:nvSpPr>
-        <p:spPr>
-          <a:xfrm>
-            <a:off x="1378368" y="5911304"/>
-            <a:ext cx="2018501" cy="369332"/>
-          </a:xfrm>
-          <a:prstGeom prst="rect">
-            <a:avLst/>
-          </a:prstGeom>
-          <a:noFill/>
-        </p:spPr>
-        <p:txBody>
-          <a:bodyPr wrap="none" rtlCol="0">
-            <a:spAutoFit/>
-          </a:bodyPr>
-          <a:lstStyle/>
-          <a:p>
-            <a:r>
-              <a:rPr lang="en-US" dirty="0" smtClean="0"/>
-              <a:t>Drift Coefficient 0.1</a:t>
-            </a:r>
-            <a:endParaRPr lang="en-US" dirty="0"/>
-          </a:p>
-        </p:txBody>
-      </p:sp>
-      <p:sp>
-        <p:nvSpPr>
-          <p:cNvPr id="13" name="TextBox 12"/>
-          <p:cNvSpPr txBox="1"/>
-          <p:nvPr/>
-        </p:nvSpPr>
-        <p:spPr>
-          <a:xfrm>
-            <a:off x="5479926" y="5911304"/>
-            <a:ext cx="2018501" cy="369332"/>
-          </a:xfrm>
-          <a:prstGeom prst="rect">
-            <a:avLst/>
-          </a:prstGeom>
-          <a:noFill/>
-        </p:spPr>
-        <p:txBody>
-          <a:bodyPr wrap="none" rtlCol="0">
-            <a:spAutoFit/>
-          </a:bodyPr>
-          <a:lstStyle/>
-          <a:p>
-            <a:r>
-              <a:rPr lang="en-US" dirty="0" smtClean="0"/>
-              <a:t>Drift Coefficient 1.0</a:t>
-            </a:r>
-            <a:endParaRPr lang="en-US" dirty="0"/>
-          </a:p>
-        </p:txBody>
-      </p:sp>
-    </p:spTree>
-    <p:extLst>
-      <p:ext uri="{BB962C8B-B14F-4D97-AF65-F5344CB8AC3E}">
-        <p14:creationId xmlns:p14="http://schemas.microsoft.com/office/powerpoint/2010/main" val="2626970647"/>
-      </p:ext>
-    </p:extLst>
-  </p:cSld>
-  <p:clrMapOvr>
-    <a:masterClrMapping/>
-  </p:clrMapOvr>
-  <p:timing>
-    <p:tnLst>
-      <p:par>
-        <p:cTn id="1" dur="indefinite" restart="never" nodeType="tmRoot"/>
-      </p:par>
-    </p:tnLst>
-  </p:timing>
-</p:sld>
-</file>
-
-<file path=ppt/slides/slide2.xml><?xml version="1.0" encoding="utf-8"?>
-<p:sld xmlns:a="http://schemas.openxmlformats.org/drawingml/2006/main" xmlns:r="http://schemas.openxmlformats.org/officeDocument/2006/relationships" xmlns:p="http://schemas.openxmlformats.org/presentationml/2006/main">
-  <p:cSld>
-    <p:spTree>
-      <p:nvGrpSpPr>
-        <p:cNvPr id="1" name=""/>
-        <p:cNvGrpSpPr/>
-        <p:nvPr/>
-      </p:nvGrpSpPr>
-      <p:grpSpPr>
-        <a:xfrm>
-          <a:off x="0" y="0"/>
-          <a:ext cx="0" cy="0"/>
-          <a:chOff x="0" y="0"/>
-          <a:chExt cx="0" cy="0"/>
-        </a:xfrm>
-      </p:grpSpPr>
-      <p:pic>
-        <p:nvPicPr>
-          <p:cNvPr id="10" name="Picture 6" descr="http://www.confluence.com/blog/wp-content/uploads/2015/07/data-img.png"/>
-          <p:cNvPicPr>
-            <a:picLocks noChangeAspect="1" noChangeArrowheads="1"/>
-          </p:cNvPicPr>
-          <p:nvPr/>
-        </p:nvPicPr>
-        <p:blipFill>
-          <a:blip r:embed="rId3">
-            <a:duotone>
-              <a:schemeClr val="bg2">
-                <a:shade val="45000"/>
-                <a:satMod val="135000"/>
-              </a:schemeClr>
-              <a:prstClr val="white"/>
-            </a:duotone>
-            <a:extLst>
-              <a:ext uri="{28A0092B-C50C-407E-A947-70E740481C1C}">
-                <a14:useLocalDpi xmlns:a14="http://schemas.microsoft.com/office/drawing/2010/main" val="0"/>
-              </a:ext>
-            </a:extLst>
-          </a:blip>
-          <a:srcRect/>
-          <a:stretch>
-            <a:fillRect/>
-          </a:stretch>
-        </p:blipFill>
-        <p:spPr bwMode="auto">
-          <a:xfrm>
-            <a:off x="6546907" y="5089372"/>
-            <a:ext cx="2597093" cy="1449541"/>
-          </a:xfrm>
-          <a:prstGeom prst="rect">
-            <a:avLst/>
-          </a:prstGeom>
-          <a:noFill/>
-          <a:extLst>
-            <a:ext uri="{909E8E84-426E-40DD-AFC4-6F175D3DCCD1}">
-              <a14:hiddenFill xmlns:a14="http://schemas.microsoft.com/office/drawing/2010/main">
-                <a:solidFill>
-                  <a:srgbClr val="FFFFFF"/>
-                </a:solidFill>
-              </a14:hiddenFill>
-            </a:ext>
-          </a:extLst>
-        </p:spPr>
-      </p:pic>
-      <p:sp>
-        <p:nvSpPr>
-          <p:cNvPr id="2" name="Title 1"/>
-          <p:cNvSpPr>
-            <a:spLocks noGrp="1"/>
-          </p:cNvSpPr>
-          <p:nvPr>
-            <p:ph type="title"/>
-          </p:nvPr>
-        </p:nvSpPr>
-        <p:spPr>
-          <a:xfrm>
-            <a:off x="460977" y="365127"/>
-            <a:ext cx="8290057" cy="609730"/>
-          </a:xfrm>
-        </p:spPr>
-        <p:txBody>
-          <a:bodyPr>
-            <a:normAutofit fontScale="90000"/>
-          </a:bodyPr>
-          <a:lstStyle/>
-          <a:p>
-            <a:r>
-              <a:rPr lang="en-US" dirty="0" smtClean="0">
-                <a:solidFill>
-                  <a:schemeClr val="accent5"/>
-                </a:solidFill>
-              </a:rPr>
-              <a:t>Data Stream</a:t>
-            </a:r>
-            <a:endParaRPr lang="de-DE" dirty="0">
-              <a:solidFill>
-                <a:schemeClr val="accent5"/>
-              </a:solidFill>
-            </a:endParaRPr>
-          </a:p>
-        </p:txBody>
-      </p:sp>
-      <p:sp>
-        <p:nvSpPr>
-          <p:cNvPr id="3" name="Content Placeholder 2"/>
-          <p:cNvSpPr>
-            <a:spLocks noGrp="1"/>
-          </p:cNvSpPr>
-          <p:nvPr>
-            <p:ph idx="1"/>
-          </p:nvPr>
-        </p:nvSpPr>
-        <p:spPr>
-          <a:xfrm>
-            <a:off x="460977" y="1046648"/>
-            <a:ext cx="8290057" cy="5206790"/>
-          </a:xfrm>
-        </p:spPr>
-        <p:txBody>
-          <a:bodyPr/>
-          <a:lstStyle/>
-          <a:p>
-            <a:pPr marL="0" indent="0" algn="ctr">
-              <a:buNone/>
-            </a:pPr>
-            <a:endParaRPr lang="en-US" dirty="0" smtClean="0"/>
-          </a:p>
-          <a:p>
-            <a:pPr marL="0" indent="0" algn="ctr">
-              <a:buNone/>
-            </a:pPr>
-            <a:r>
-              <a:rPr lang="en-US" dirty="0" smtClean="0"/>
-              <a:t>Stream data </a:t>
-            </a:r>
-            <a:r>
-              <a:rPr lang="en-US" dirty="0">
-                <a:solidFill>
-                  <a:srgbClr val="0070C0"/>
-                </a:solidFill>
-              </a:rPr>
-              <a:t>arrives </a:t>
-            </a:r>
-            <a:r>
-              <a:rPr lang="en-US" dirty="0" smtClean="0">
-                <a:solidFill>
-                  <a:srgbClr val="0070C0"/>
-                </a:solidFill>
-              </a:rPr>
-              <a:t>continuously</a:t>
-            </a:r>
-            <a:r>
-              <a:rPr lang="en-US" dirty="0" smtClean="0"/>
-              <a:t> and </a:t>
-            </a:r>
-            <a:r>
-              <a:rPr lang="en-US" dirty="0" smtClean="0">
-                <a:solidFill>
-                  <a:srgbClr val="0070C0"/>
-                </a:solidFill>
-              </a:rPr>
-              <a:t>rapidly</a:t>
-            </a:r>
-            <a:r>
-              <a:rPr lang="en-US" dirty="0" smtClean="0"/>
-              <a:t>, </a:t>
-            </a:r>
-            <a:r>
-              <a:rPr lang="en-US" dirty="0"/>
-              <a:t>and </a:t>
-            </a:r>
-            <a:r>
-              <a:rPr lang="en-US" dirty="0">
-                <a:solidFill>
-                  <a:srgbClr val="0070C0"/>
-                </a:solidFill>
-              </a:rPr>
-              <a:t>if</a:t>
-            </a:r>
-            <a:r>
-              <a:rPr lang="en-US" dirty="0"/>
-              <a:t> it is </a:t>
-            </a:r>
-            <a:r>
-              <a:rPr lang="en-US" dirty="0">
-                <a:solidFill>
-                  <a:srgbClr val="0070C0"/>
-                </a:solidFill>
-              </a:rPr>
-              <a:t>not processed immediately </a:t>
-            </a:r>
-            <a:r>
-              <a:rPr lang="en-US" dirty="0"/>
-              <a:t>or stored, then it is </a:t>
-            </a:r>
-            <a:r>
-              <a:rPr lang="en-US" dirty="0">
-                <a:solidFill>
-                  <a:srgbClr val="0070C0"/>
-                </a:solidFill>
-              </a:rPr>
-              <a:t>lost forever</a:t>
-            </a:r>
-            <a:r>
-              <a:rPr lang="en-US" dirty="0"/>
-              <a:t>. Moreover, </a:t>
-            </a:r>
-            <a:r>
-              <a:rPr lang="en-US" dirty="0" smtClean="0"/>
-              <a:t>arrival speed of data is so high </a:t>
-            </a:r>
-            <a:r>
-              <a:rPr lang="en-US" dirty="0"/>
-              <a:t>that it is </a:t>
-            </a:r>
-            <a:r>
-              <a:rPr lang="en-US" dirty="0">
-                <a:solidFill>
-                  <a:srgbClr val="0070C0"/>
-                </a:solidFill>
-              </a:rPr>
-              <a:t>not feasible to store</a:t>
-            </a:r>
-            <a:r>
-              <a:rPr lang="en-US" dirty="0"/>
-              <a:t> it all in active storage (i.e., in a conventional database), and then interact with </a:t>
-            </a:r>
-            <a:r>
-              <a:rPr lang="en-US" dirty="0" smtClean="0"/>
-              <a:t>it later.</a:t>
-            </a:r>
-          </a:p>
-          <a:p>
-            <a:pPr marL="0" indent="0" algn="ctr">
-              <a:buNone/>
-            </a:pPr>
-            <a:endParaRPr lang="en-US" dirty="0"/>
-          </a:p>
-          <a:p>
-            <a:pPr marL="0" indent="0" algn="ctr">
-              <a:buNone/>
-            </a:pPr>
-            <a:r>
-              <a:rPr lang="en-US" dirty="0"/>
-              <a:t>Social networks, telecommunications, WWW, scientific experiments, e-commerce systems, </a:t>
-            </a:r>
-            <a:r>
-              <a:rPr lang="en-US" dirty="0" smtClean="0"/>
-              <a:t>etc.</a:t>
-            </a:r>
-            <a:endParaRPr lang="de-DE" dirty="0"/>
-          </a:p>
-        </p:txBody>
-      </p:sp>
-      <p:sp>
-        <p:nvSpPr>
-          <p:cNvPr id="7" name="Slide Number Placeholder 6"/>
-          <p:cNvSpPr>
-            <a:spLocks noGrp="1"/>
-          </p:cNvSpPr>
-          <p:nvPr>
-            <p:ph type="sldNum" sz="quarter" idx="12"/>
-          </p:nvPr>
-        </p:nvSpPr>
-        <p:spPr/>
-        <p:txBody>
-          <a:bodyPr/>
-          <a:lstStyle/>
-          <a:p>
-            <a:fld id="{EAE41600-55F5-4A6B-8385-85433044AE0B}" type="slidenum">
-              <a:rPr lang="de-DE" smtClean="0"/>
-              <a:t>2</a:t>
-            </a:fld>
-            <a:endParaRPr lang="de-DE" dirty="0"/>
-          </a:p>
-        </p:txBody>
-      </p:sp>
-      <p:pic>
-        <p:nvPicPr>
-          <p:cNvPr id="8" name="Picture 7"/>
-          <p:cNvPicPr>
-            <a:picLocks noChangeAspect="1"/>
-          </p:cNvPicPr>
-          <p:nvPr/>
-        </p:nvPicPr>
-        <p:blipFill>
-          <a:blip r:embed="rId4" cstate="print">
-            <a:extLst>
-              <a:ext uri="{28A0092B-C50C-407E-A947-70E740481C1C}">
-                <a14:useLocalDpi xmlns:a14="http://schemas.microsoft.com/office/drawing/2010/main" val="0"/>
-              </a:ext>
-            </a:extLst>
-          </a:blip>
-          <a:stretch>
-            <a:fillRect/>
-          </a:stretch>
-        </p:blipFill>
-        <p:spPr>
-          <a:xfrm>
-            <a:off x="8198547" y="101546"/>
-            <a:ext cx="817158" cy="430469"/>
-          </a:xfrm>
-          <a:prstGeom prst="rect">
-            <a:avLst/>
-          </a:prstGeom>
-        </p:spPr>
-      </p:pic>
-      <p:pic>
-        <p:nvPicPr>
-          <p:cNvPr id="9" name="Picture 2" descr="File:LMU Muenchen Logo.svg"/>
-          <p:cNvPicPr>
-            <a:picLocks noChangeAspect="1" noChangeArrowheads="1"/>
-          </p:cNvPicPr>
-          <p:nvPr/>
-        </p:nvPicPr>
-        <p:blipFill>
-          <a:blip r:embed="rId5" cstate="print">
-            <a:extLst>
-              <a:ext uri="{28A0092B-C50C-407E-A947-70E740481C1C}">
-                <a14:useLocalDpi xmlns:a14="http://schemas.microsoft.com/office/drawing/2010/main" val="0"/>
-              </a:ext>
-            </a:extLst>
-          </a:blip>
-          <a:srcRect/>
-          <a:stretch>
-            <a:fillRect/>
-          </a:stretch>
-        </p:blipFill>
-        <p:spPr bwMode="auto">
-          <a:xfrm>
-            <a:off x="103529" y="6293665"/>
-            <a:ext cx="936625" cy="490496"/>
-          </a:xfrm>
-          <a:prstGeom prst="rect">
-            <a:avLst/>
-          </a:prstGeom>
-          <a:noFill/>
-          <a:extLst>
-            <a:ext uri="{909E8E84-426E-40DD-AFC4-6F175D3DCCD1}">
-              <a14:hiddenFill xmlns:a14="http://schemas.microsoft.com/office/drawing/2010/main">
-                <a:solidFill>
-                  <a:srgbClr val="FFFFFF"/>
-                </a:solidFill>
-              </a14:hiddenFill>
-            </a:ext>
-          </a:extLst>
-        </p:spPr>
-      </p:pic>
-    </p:spTree>
-    <p:extLst>
-      <p:ext uri="{BB962C8B-B14F-4D97-AF65-F5344CB8AC3E}">
-        <p14:creationId xmlns:p14="http://schemas.microsoft.com/office/powerpoint/2010/main" val="1371801272"/>
-      </p:ext>
-    </p:extLst>
-  </p:cSld>
-  <p:clrMapOvr>
-    <a:masterClrMapping/>
-  </p:clrMapOvr>
-  <p:timing>
-    <p:tnLst>
-      <p:par>
-        <p:cTn id="1" dur="indefinite" restart="never" nodeType="tmRoot"/>
-      </p:par>
-    </p:tnLst>
-  </p:timing>
-</p:sld>
-</file>
-
-<file path=ppt/slides/slide20.xml><?xml version="1.0" encoding="utf-8"?>
-<p:sld xmlns:a="http://schemas.openxmlformats.org/drawingml/2006/main" xmlns:r="http://schemas.openxmlformats.org/officeDocument/2006/relationships" xmlns:p="http://schemas.openxmlformats.org/presentationml/2006/main">
-  <p:cSld>
-    <p:spTree>
-      <p:nvGrpSpPr>
-        <p:cNvPr id="1" name=""/>
-        <p:cNvGrpSpPr/>
-        <p:nvPr/>
-      </p:nvGrpSpPr>
-      <p:grpSpPr>
-        <a:xfrm>
-          <a:off x="0" y="0"/>
-          <a:ext cx="0" cy="0"/>
-          <a:chOff x="0" y="0"/>
-          <a:chExt cx="0" cy="0"/>
-        </a:xfrm>
-      </p:grpSpPr>
-      <p:sp>
-        <p:nvSpPr>
-          <p:cNvPr id="2" name="Title 1"/>
-          <p:cNvSpPr>
-            <a:spLocks noGrp="1"/>
-          </p:cNvSpPr>
-          <p:nvPr>
-            <p:ph type="title"/>
-          </p:nvPr>
-        </p:nvSpPr>
-        <p:spPr>
-          <a:xfrm>
-            <a:off x="460977" y="365127"/>
-            <a:ext cx="8290057" cy="609730"/>
-          </a:xfrm>
-        </p:spPr>
-        <p:txBody>
-          <a:bodyPr>
-            <a:normAutofit fontScale="90000"/>
-          </a:bodyPr>
-          <a:lstStyle/>
-          <a:p>
-            <a:r>
-              <a:rPr lang="en-US" dirty="0" smtClean="0">
-                <a:solidFill>
-                  <a:schemeClr val="accent5"/>
-                </a:solidFill>
-              </a:rPr>
-              <a:t>Random RBF Data Set</a:t>
-            </a:r>
-            <a:endParaRPr lang="de-DE" dirty="0">
-              <a:solidFill>
-                <a:schemeClr val="accent5"/>
-              </a:solidFill>
-            </a:endParaRPr>
-          </a:p>
-        </p:txBody>
-      </p:sp>
-      <p:sp>
-        <p:nvSpPr>
-          <p:cNvPr id="3" name="Content Placeholder 2"/>
-          <p:cNvSpPr>
-            <a:spLocks noGrp="1"/>
-          </p:cNvSpPr>
-          <p:nvPr>
-            <p:ph idx="1"/>
-          </p:nvPr>
-        </p:nvSpPr>
-        <p:spPr>
-          <a:xfrm>
-            <a:off x="460977" y="1046648"/>
-            <a:ext cx="8290057" cy="5206790"/>
-          </a:xfrm>
-        </p:spPr>
-        <p:txBody>
-          <a:bodyPr/>
-          <a:lstStyle/>
-          <a:p>
-            <a:r>
-              <a:rPr lang="de-DE" dirty="0" smtClean="0"/>
-              <a:t>Centroids contributes to the final weights depending on their weights</a:t>
-            </a:r>
-          </a:p>
-          <a:p>
-            <a:r>
-              <a:rPr lang="de-DE" dirty="0" smtClean="0"/>
-              <a:t>All centroids are active all the time</a:t>
-            </a:r>
-          </a:p>
-          <a:p>
-            <a:r>
-              <a:rPr lang="de-DE" dirty="0"/>
-              <a:t>Not possible to generate varying speed data set</a:t>
-            </a:r>
-          </a:p>
-          <a:p>
-            <a:endParaRPr lang="de-DE" dirty="0"/>
-          </a:p>
-        </p:txBody>
-      </p:sp>
-      <p:sp>
-        <p:nvSpPr>
-          <p:cNvPr id="7" name="Slide Number Placeholder 6"/>
-          <p:cNvSpPr>
-            <a:spLocks noGrp="1"/>
-          </p:cNvSpPr>
-          <p:nvPr>
-            <p:ph type="sldNum" sz="quarter" idx="12"/>
-          </p:nvPr>
-        </p:nvSpPr>
-        <p:spPr/>
-        <p:txBody>
-          <a:bodyPr/>
-          <a:lstStyle/>
-          <a:p>
-            <a:fld id="{EAE41600-55F5-4A6B-8385-85433044AE0B}" type="slidenum">
-              <a:rPr lang="de-DE" smtClean="0"/>
-              <a:t>20</a:t>
             </a:fld>
             <a:endParaRPr lang="de-DE" dirty="0"/>
           </a:p>
@@ -32325,7 +31851,376 @@
 </p:sld>
 </file>
 
-<file path=ppt/slides/slide21.xml><?xml version="1.0" encoding="utf-8"?>
+<file path=ppt/slides/slide2.xml><?xml version="1.0" encoding="utf-8"?>
+<p:sld xmlns:a="http://schemas.openxmlformats.org/drawingml/2006/main" xmlns:r="http://schemas.openxmlformats.org/officeDocument/2006/relationships" xmlns:p="http://schemas.openxmlformats.org/presentationml/2006/main">
+  <p:cSld>
+    <p:spTree>
+      <p:nvGrpSpPr>
+        <p:cNvPr id="1" name=""/>
+        <p:cNvGrpSpPr/>
+        <p:nvPr/>
+      </p:nvGrpSpPr>
+      <p:grpSpPr>
+        <a:xfrm>
+          <a:off x="0" y="0"/>
+          <a:ext cx="0" cy="0"/>
+          <a:chOff x="0" y="0"/>
+          <a:chExt cx="0" cy="0"/>
+        </a:xfrm>
+      </p:grpSpPr>
+      <p:pic>
+        <p:nvPicPr>
+          <p:cNvPr id="10" name="Picture 6" descr="http://www.confluence.com/blog/wp-content/uploads/2015/07/data-img.png"/>
+          <p:cNvPicPr>
+            <a:picLocks noChangeAspect="1" noChangeArrowheads="1"/>
+          </p:cNvPicPr>
+          <p:nvPr/>
+        </p:nvPicPr>
+        <p:blipFill>
+          <a:blip r:embed="rId3">
+            <a:duotone>
+              <a:schemeClr val="bg2">
+                <a:shade val="45000"/>
+                <a:satMod val="135000"/>
+              </a:schemeClr>
+              <a:prstClr val="white"/>
+            </a:duotone>
+            <a:extLst>
+              <a:ext uri="{28A0092B-C50C-407E-A947-70E740481C1C}">
+                <a14:useLocalDpi xmlns:a14="http://schemas.microsoft.com/office/drawing/2010/main" val="0"/>
+              </a:ext>
+            </a:extLst>
+          </a:blip>
+          <a:srcRect/>
+          <a:stretch>
+            <a:fillRect/>
+          </a:stretch>
+        </p:blipFill>
+        <p:spPr bwMode="auto">
+          <a:xfrm>
+            <a:off x="6546907" y="5089372"/>
+            <a:ext cx="2597093" cy="1449541"/>
+          </a:xfrm>
+          <a:prstGeom prst="rect">
+            <a:avLst/>
+          </a:prstGeom>
+          <a:noFill/>
+          <a:extLst>
+            <a:ext uri="{909E8E84-426E-40DD-AFC4-6F175D3DCCD1}">
+              <a14:hiddenFill xmlns:a14="http://schemas.microsoft.com/office/drawing/2010/main">
+                <a:solidFill>
+                  <a:srgbClr val="FFFFFF"/>
+                </a:solidFill>
+              </a14:hiddenFill>
+            </a:ext>
+          </a:extLst>
+        </p:spPr>
+      </p:pic>
+      <p:sp>
+        <p:nvSpPr>
+          <p:cNvPr id="2" name="Title 1"/>
+          <p:cNvSpPr>
+            <a:spLocks noGrp="1"/>
+          </p:cNvSpPr>
+          <p:nvPr>
+            <p:ph type="title"/>
+          </p:nvPr>
+        </p:nvSpPr>
+        <p:spPr>
+          <a:xfrm>
+            <a:off x="460977" y="365127"/>
+            <a:ext cx="8290057" cy="609730"/>
+          </a:xfrm>
+        </p:spPr>
+        <p:txBody>
+          <a:bodyPr>
+            <a:normAutofit fontScale="90000"/>
+          </a:bodyPr>
+          <a:lstStyle/>
+          <a:p>
+            <a:r>
+              <a:rPr lang="en-US" dirty="0" smtClean="0">
+                <a:solidFill>
+                  <a:schemeClr val="accent5"/>
+                </a:solidFill>
+              </a:rPr>
+              <a:t>Data Stream</a:t>
+            </a:r>
+            <a:endParaRPr lang="de-DE" dirty="0">
+              <a:solidFill>
+                <a:schemeClr val="accent5"/>
+              </a:solidFill>
+            </a:endParaRPr>
+          </a:p>
+        </p:txBody>
+      </p:sp>
+      <p:sp>
+        <p:nvSpPr>
+          <p:cNvPr id="3" name="Content Placeholder 2"/>
+          <p:cNvSpPr>
+            <a:spLocks noGrp="1"/>
+          </p:cNvSpPr>
+          <p:nvPr>
+            <p:ph idx="1"/>
+          </p:nvPr>
+        </p:nvSpPr>
+        <p:spPr>
+          <a:xfrm>
+            <a:off x="460977" y="1046648"/>
+            <a:ext cx="8290057" cy="5206790"/>
+          </a:xfrm>
+        </p:spPr>
+        <p:txBody>
+          <a:bodyPr/>
+          <a:lstStyle/>
+          <a:p>
+            <a:pPr marL="0" indent="0" algn="ctr">
+              <a:buNone/>
+            </a:pPr>
+            <a:endParaRPr lang="en-US" dirty="0" smtClean="0"/>
+          </a:p>
+          <a:p>
+            <a:pPr marL="0" indent="0" algn="ctr">
+              <a:buNone/>
+            </a:pPr>
+            <a:r>
+              <a:rPr lang="en-US" dirty="0" smtClean="0"/>
+              <a:t>Stream data </a:t>
+            </a:r>
+            <a:r>
+              <a:rPr lang="en-US" dirty="0">
+                <a:solidFill>
+                  <a:srgbClr val="0070C0"/>
+                </a:solidFill>
+              </a:rPr>
+              <a:t>arrives </a:t>
+            </a:r>
+            <a:r>
+              <a:rPr lang="en-US" dirty="0" smtClean="0">
+                <a:solidFill>
+                  <a:srgbClr val="0070C0"/>
+                </a:solidFill>
+              </a:rPr>
+              <a:t>continuously</a:t>
+            </a:r>
+            <a:r>
+              <a:rPr lang="en-US" dirty="0" smtClean="0"/>
+              <a:t> and </a:t>
+            </a:r>
+            <a:r>
+              <a:rPr lang="en-US" dirty="0" smtClean="0">
+                <a:solidFill>
+                  <a:srgbClr val="0070C0"/>
+                </a:solidFill>
+              </a:rPr>
+              <a:t>rapidly</a:t>
+            </a:r>
+            <a:r>
+              <a:rPr lang="en-US" dirty="0" smtClean="0"/>
+              <a:t>, </a:t>
+            </a:r>
+            <a:r>
+              <a:rPr lang="en-US" dirty="0"/>
+              <a:t>and </a:t>
+            </a:r>
+            <a:r>
+              <a:rPr lang="en-US" dirty="0">
+                <a:solidFill>
+                  <a:srgbClr val="0070C0"/>
+                </a:solidFill>
+              </a:rPr>
+              <a:t>if</a:t>
+            </a:r>
+            <a:r>
+              <a:rPr lang="en-US" dirty="0"/>
+              <a:t> it is </a:t>
+            </a:r>
+            <a:r>
+              <a:rPr lang="en-US" dirty="0">
+                <a:solidFill>
+                  <a:srgbClr val="0070C0"/>
+                </a:solidFill>
+              </a:rPr>
+              <a:t>not processed immediately </a:t>
+            </a:r>
+            <a:r>
+              <a:rPr lang="en-US" dirty="0"/>
+              <a:t>or stored, then it is </a:t>
+            </a:r>
+            <a:r>
+              <a:rPr lang="en-US" dirty="0">
+                <a:solidFill>
+                  <a:srgbClr val="0070C0"/>
+                </a:solidFill>
+              </a:rPr>
+              <a:t>lost forever</a:t>
+            </a:r>
+            <a:r>
+              <a:rPr lang="en-US" dirty="0"/>
+              <a:t>. Moreover, </a:t>
+            </a:r>
+            <a:r>
+              <a:rPr lang="en-US" dirty="0" smtClean="0"/>
+              <a:t>arrival speed of data is so high </a:t>
+            </a:r>
+            <a:r>
+              <a:rPr lang="en-US" dirty="0"/>
+              <a:t>that it is </a:t>
+            </a:r>
+            <a:r>
+              <a:rPr lang="en-US" dirty="0">
+                <a:solidFill>
+                  <a:srgbClr val="0070C0"/>
+                </a:solidFill>
+              </a:rPr>
+              <a:t>not feasible to store</a:t>
+            </a:r>
+            <a:r>
+              <a:rPr lang="en-US" dirty="0"/>
+              <a:t> it all in active storage (i.e., in a conventional database), and then interact with </a:t>
+            </a:r>
+            <a:r>
+              <a:rPr lang="en-US" dirty="0" smtClean="0"/>
+              <a:t>it later.</a:t>
+            </a:r>
+          </a:p>
+          <a:p>
+            <a:pPr marL="0" indent="0" algn="ctr">
+              <a:buNone/>
+            </a:pPr>
+            <a:endParaRPr lang="en-US" dirty="0"/>
+          </a:p>
+          <a:p>
+            <a:pPr marL="0" indent="0" algn="ctr">
+              <a:buNone/>
+            </a:pPr>
+            <a:r>
+              <a:rPr lang="en-US" dirty="0"/>
+              <a:t>Social networks, telecommunications, WWW, scientific experiments, e-commerce systems, </a:t>
+            </a:r>
+            <a:r>
+              <a:rPr lang="en-US" dirty="0" smtClean="0"/>
+              <a:t>etc.</a:t>
+            </a:r>
+            <a:endParaRPr lang="de-DE" dirty="0"/>
+          </a:p>
+        </p:txBody>
+      </p:sp>
+      <p:sp>
+        <p:nvSpPr>
+          <p:cNvPr id="7" name="Slide Number Placeholder 6"/>
+          <p:cNvSpPr>
+            <a:spLocks noGrp="1"/>
+          </p:cNvSpPr>
+          <p:nvPr>
+            <p:ph type="sldNum" sz="quarter" idx="12"/>
+          </p:nvPr>
+        </p:nvSpPr>
+        <p:spPr/>
+        <p:txBody>
+          <a:bodyPr/>
+          <a:lstStyle/>
+          <a:p>
+            <a:fld id="{EAE41600-55F5-4A6B-8385-85433044AE0B}" type="slidenum">
+              <a:rPr lang="de-DE" smtClean="0"/>
+              <a:t>2</a:t>
+            </a:fld>
+            <a:endParaRPr lang="de-DE" dirty="0"/>
+          </a:p>
+        </p:txBody>
+      </p:sp>
+      <p:pic>
+        <p:nvPicPr>
+          <p:cNvPr id="8" name="Picture 7"/>
+          <p:cNvPicPr>
+            <a:picLocks noChangeAspect="1"/>
+          </p:cNvPicPr>
+          <p:nvPr/>
+        </p:nvPicPr>
+        <p:blipFill>
+          <a:blip r:embed="rId4" cstate="print">
+            <a:extLst>
+              <a:ext uri="{28A0092B-C50C-407E-A947-70E740481C1C}">
+                <a14:useLocalDpi xmlns:a14="http://schemas.microsoft.com/office/drawing/2010/main" val="0"/>
+              </a:ext>
+            </a:extLst>
+          </a:blip>
+          <a:stretch>
+            <a:fillRect/>
+          </a:stretch>
+        </p:blipFill>
+        <p:spPr>
+          <a:xfrm>
+            <a:off x="8198547" y="101546"/>
+            <a:ext cx="817158" cy="430469"/>
+          </a:xfrm>
+          <a:prstGeom prst="rect">
+            <a:avLst/>
+          </a:prstGeom>
+        </p:spPr>
+      </p:pic>
+      <p:pic>
+        <p:nvPicPr>
+          <p:cNvPr id="9" name="Picture 2" descr="File:LMU Muenchen Logo.svg"/>
+          <p:cNvPicPr>
+            <a:picLocks noChangeAspect="1" noChangeArrowheads="1"/>
+          </p:cNvPicPr>
+          <p:nvPr/>
+        </p:nvPicPr>
+        <p:blipFill>
+          <a:blip r:embed="rId5" cstate="print">
+            <a:extLst>
+              <a:ext uri="{28A0092B-C50C-407E-A947-70E740481C1C}">
+                <a14:useLocalDpi xmlns:a14="http://schemas.microsoft.com/office/drawing/2010/main" val="0"/>
+              </a:ext>
+            </a:extLst>
+          </a:blip>
+          <a:srcRect/>
+          <a:stretch>
+            <a:fillRect/>
+          </a:stretch>
+        </p:blipFill>
+        <p:spPr bwMode="auto">
+          <a:xfrm>
+            <a:off x="103529" y="6293665"/>
+            <a:ext cx="936625" cy="490496"/>
+          </a:xfrm>
+          <a:prstGeom prst="rect">
+            <a:avLst/>
+          </a:prstGeom>
+          <a:noFill/>
+          <a:extLst>
+            <a:ext uri="{909E8E84-426E-40DD-AFC4-6F175D3DCCD1}">
+              <a14:hiddenFill xmlns:a14="http://schemas.microsoft.com/office/drawing/2010/main">
+                <a:solidFill>
+                  <a:srgbClr val="FFFFFF"/>
+                </a:solidFill>
+              </a14:hiddenFill>
+            </a:ext>
+          </a:extLst>
+        </p:spPr>
+      </p:pic>
+    </p:spTree>
+    <p:extLst>
+      <p:ext uri="{BB962C8B-B14F-4D97-AF65-F5344CB8AC3E}">
+        <p14:creationId xmlns:p14="http://schemas.microsoft.com/office/powerpoint/2010/main" val="1371801272"/>
+      </p:ext>
+    </p:extLst>
+  </p:cSld>
+  <p:clrMapOvr>
+    <a:masterClrMapping/>
+  </p:clrMapOvr>
+  <p:timing>
+    <p:tnLst>
+      <p:par>
+        <p:cTn id="1" dur="indefinite" restart="never" nodeType="tmRoot"/>
+      </p:par>
+    </p:tnLst>
+  </p:timing>
+</p:sld>
+</file>
+
+<file path=ppt/slides/slide20.xml><?xml version="1.0" encoding="utf-8"?>
 <p:sld xmlns:a="http://schemas.openxmlformats.org/drawingml/2006/main" xmlns:r="http://schemas.openxmlformats.org/officeDocument/2006/relationships" xmlns:p="http://schemas.openxmlformats.org/presentationml/2006/main">
   <p:cSld>
     <p:spTree>
@@ -32431,7 +32326,7 @@
           <a:p>
             <a:fld id="{EAE41600-55F5-4A6B-8385-85433044AE0B}" type="slidenum">
               <a:rPr lang="de-DE" smtClean="0"/>
-              <a:t>21</a:t>
+              <a:t>20</a:t>
             </a:fld>
             <a:endParaRPr lang="de-DE" dirty="0"/>
           </a:p>
@@ -32576,7 +32471,7 @@
 </p:sld>
 </file>
 
-<file path=ppt/slides/slide22.xml><?xml version="1.0" encoding="utf-8"?>
+<file path=ppt/slides/slide21.xml><?xml version="1.0" encoding="utf-8"?>
 <p:sld xmlns:a="http://schemas.openxmlformats.org/drawingml/2006/main" xmlns:r="http://schemas.openxmlformats.org/officeDocument/2006/relationships" xmlns:p="http://schemas.openxmlformats.org/presentationml/2006/main">
   <p:cSld>
     <p:spTree>
@@ -32621,7 +32516,7 @@
                   <a:schemeClr val="accent5"/>
                 </a:solidFill>
               </a:rPr>
-              <a:t>Data Set Comparison</a:t>
+              <a:t>Comparison</a:t>
             </a:r>
             <a:endParaRPr lang="de-DE" dirty="0">
               <a:solidFill>
@@ -32649,8 +32544,8 @@
         </p:blipFill>
         <p:spPr>
           <a:xfrm>
-            <a:off x="4804756" y="1103443"/>
-            <a:ext cx="4247558" cy="2700060"/>
+            <a:off x="4804756" y="2862492"/>
+            <a:ext cx="4148051" cy="2636806"/>
           </a:xfrm>
           <a:prstGeom prst="rect">
             <a:avLst/>
@@ -32674,7 +32569,7 @@
           <a:p>
             <a:fld id="{EAE41600-55F5-4A6B-8385-85433044AE0B}" type="slidenum">
               <a:rPr lang="de-DE" smtClean="0"/>
-              <a:t>22</a:t>
+              <a:t>21</a:t>
             </a:fld>
             <a:endParaRPr lang="de-DE" dirty="0"/>
           </a:p>
@@ -32696,32 +32591,8 @@
         </p:blipFill>
         <p:spPr>
           <a:xfrm>
-            <a:off x="219853" y="2292321"/>
+            <a:off x="219853" y="2882524"/>
             <a:ext cx="4545591" cy="2507062"/>
-          </a:xfrm>
-          <a:prstGeom prst="rect">
-            <a:avLst/>
-          </a:prstGeom>
-        </p:spPr>
-      </p:pic>
-      <p:pic>
-        <p:nvPicPr>
-          <p:cNvPr id="5" name="Picture 4"/>
-          <p:cNvPicPr>
-            <a:picLocks noChangeAspect="1"/>
-          </p:cNvPicPr>
-          <p:nvPr/>
-        </p:nvPicPr>
-        <p:blipFill>
-          <a:blip r:embed="rId5"/>
-          <a:stretch>
-            <a:fillRect/>
-          </a:stretch>
-        </p:blipFill>
-        <p:spPr>
-          <a:xfrm>
-            <a:off x="4813069" y="3918723"/>
-            <a:ext cx="4330931" cy="2437628"/>
           </a:xfrm>
           <a:prstGeom prst="rect">
             <a:avLst/>
@@ -32737,7 +32608,7 @@
           <p:nvPr/>
         </p:nvPicPr>
         <p:blipFill>
-          <a:blip r:embed="rId6" cstate="print">
+          <a:blip r:embed="rId5" cstate="print">
             <a:extLst>
               <a:ext uri="{28A0092B-C50C-407E-A947-70E740481C1C}">
                 <a14:useLocalDpi xmlns:a14="http://schemas.microsoft.com/office/drawing/2010/main" val="0"/>
@@ -32767,7 +32638,7 @@
           <p:nvPr/>
         </p:nvPicPr>
         <p:blipFill>
-          <a:blip r:embed="rId7" cstate="print">
+          <a:blip r:embed="rId6" cstate="print">
             <a:extLst>
               <a:ext uri="{28A0092B-C50C-407E-A947-70E740481C1C}">
                 <a14:useLocalDpi xmlns:a14="http://schemas.microsoft.com/office/drawing/2010/main" val="0"/>
@@ -32807,7 +32678,7 @@
         </p:nvSpPr>
         <p:spPr>
           <a:xfrm>
-            <a:off x="1163979" y="5023869"/>
+            <a:off x="1163979" y="5614072"/>
             <a:ext cx="2390911" cy="369332"/>
           </a:xfrm>
           <a:prstGeom prst="rect">
@@ -32837,7 +32708,7 @@
         </p:nvSpPr>
         <p:spPr>
           <a:xfrm>
-            <a:off x="5919120" y="6354248"/>
+            <a:off x="6007866" y="5614072"/>
             <a:ext cx="1841338" cy="369332"/>
           </a:xfrm>
           <a:prstGeom prst="rect">
@@ -32854,6 +32725,206 @@
             <a:r>
               <a:rPr lang="en-US" dirty="0" smtClean="0"/>
               <a:t>VSRBF Generator</a:t>
+            </a:r>
+            <a:endParaRPr lang="en-US" dirty="0"/>
+          </a:p>
+        </p:txBody>
+      </p:sp>
+      <p:sp>
+        <p:nvSpPr>
+          <p:cNvPr id="14" name="Content Placeholder 2"/>
+          <p:cNvSpPr txBox="1">
+            <a:spLocks/>
+          </p:cNvSpPr>
+          <p:nvPr/>
+        </p:nvSpPr>
+        <p:spPr>
+          <a:xfrm>
+            <a:off x="460977" y="1046648"/>
+            <a:ext cx="8290057" cy="5206790"/>
+          </a:xfrm>
+          <a:prstGeom prst="rect">
+            <a:avLst/>
+          </a:prstGeom>
+        </p:spPr>
+        <p:txBody>
+          <a:bodyPr vert="horz" lIns="91440" tIns="45720" rIns="91440" bIns="45720" rtlCol="0">
+            <a:normAutofit/>
+          </a:bodyPr>
+          <a:lstStyle>
+            <a:lvl1pPr marL="228600" indent="-228600" algn="l" defTabSz="914400" rtl="0" eaLnBrk="1" latinLnBrk="0" hangingPunct="1">
+              <a:lnSpc>
+                <a:spcPct val="90000"/>
+              </a:lnSpc>
+              <a:spcBef>
+                <a:spcPts val="1000"/>
+              </a:spcBef>
+              <a:buFont typeface="Arial" panose="020B0604020202020204" pitchFamily="34" charset="0"/>
+              <a:buChar char="•"/>
+              <a:defRPr sz="2800" kern="1200">
+                <a:solidFill>
+                  <a:schemeClr val="tx1"/>
+                </a:solidFill>
+                <a:latin typeface="+mn-lt"/>
+                <a:ea typeface="+mn-ea"/>
+                <a:cs typeface="+mn-cs"/>
+              </a:defRPr>
+            </a:lvl1pPr>
+            <a:lvl2pPr marL="685800" indent="-228600" algn="l" defTabSz="914400" rtl="0" eaLnBrk="1" latinLnBrk="0" hangingPunct="1">
+              <a:lnSpc>
+                <a:spcPct val="90000"/>
+              </a:lnSpc>
+              <a:spcBef>
+                <a:spcPts val="500"/>
+              </a:spcBef>
+              <a:buFont typeface="Arial" panose="020B0604020202020204" pitchFamily="34" charset="0"/>
+              <a:buChar char="•"/>
+              <a:defRPr sz="2400" kern="1200">
+                <a:solidFill>
+                  <a:schemeClr val="tx1"/>
+                </a:solidFill>
+                <a:latin typeface="+mn-lt"/>
+                <a:ea typeface="+mn-ea"/>
+                <a:cs typeface="+mn-cs"/>
+              </a:defRPr>
+            </a:lvl2pPr>
+            <a:lvl3pPr marL="1143000" indent="-228600" algn="l" defTabSz="914400" rtl="0" eaLnBrk="1" latinLnBrk="0" hangingPunct="1">
+              <a:lnSpc>
+                <a:spcPct val="90000"/>
+              </a:lnSpc>
+              <a:spcBef>
+                <a:spcPts val="500"/>
+              </a:spcBef>
+              <a:buFont typeface="Arial" panose="020B0604020202020204" pitchFamily="34" charset="0"/>
+              <a:buChar char="•"/>
+              <a:defRPr sz="2000" kern="1200">
+                <a:solidFill>
+                  <a:schemeClr val="tx1"/>
+                </a:solidFill>
+                <a:latin typeface="+mn-lt"/>
+                <a:ea typeface="+mn-ea"/>
+                <a:cs typeface="+mn-cs"/>
+              </a:defRPr>
+            </a:lvl3pPr>
+            <a:lvl4pPr marL="1600200" indent="-228600" algn="l" defTabSz="914400" rtl="0" eaLnBrk="1" latinLnBrk="0" hangingPunct="1">
+              <a:lnSpc>
+                <a:spcPct val="90000"/>
+              </a:lnSpc>
+              <a:spcBef>
+                <a:spcPts val="500"/>
+              </a:spcBef>
+              <a:buFont typeface="Arial" panose="020B0604020202020204" pitchFamily="34" charset="0"/>
+              <a:buChar char="•"/>
+              <a:defRPr sz="1800" kern="1200">
+                <a:solidFill>
+                  <a:schemeClr val="tx1"/>
+                </a:solidFill>
+                <a:latin typeface="+mn-lt"/>
+                <a:ea typeface="+mn-ea"/>
+                <a:cs typeface="+mn-cs"/>
+              </a:defRPr>
+            </a:lvl4pPr>
+            <a:lvl5pPr marL="2057400" indent="-228600" algn="l" defTabSz="914400" rtl="0" eaLnBrk="1" latinLnBrk="0" hangingPunct="1">
+              <a:lnSpc>
+                <a:spcPct val="90000"/>
+              </a:lnSpc>
+              <a:spcBef>
+                <a:spcPts val="500"/>
+              </a:spcBef>
+              <a:buFont typeface="Arial" panose="020B0604020202020204" pitchFamily="34" charset="0"/>
+              <a:buChar char="•"/>
+              <a:defRPr sz="1800" kern="1200">
+                <a:solidFill>
+                  <a:schemeClr val="tx1"/>
+                </a:solidFill>
+                <a:latin typeface="+mn-lt"/>
+                <a:ea typeface="+mn-ea"/>
+                <a:cs typeface="+mn-cs"/>
+              </a:defRPr>
+            </a:lvl5pPr>
+            <a:lvl6pPr marL="2514600" indent="-228600" algn="l" defTabSz="914400" rtl="0" eaLnBrk="1" latinLnBrk="0" hangingPunct="1">
+              <a:lnSpc>
+                <a:spcPct val="90000"/>
+              </a:lnSpc>
+              <a:spcBef>
+                <a:spcPts val="500"/>
+              </a:spcBef>
+              <a:buFont typeface="Arial" panose="020B0604020202020204" pitchFamily="34" charset="0"/>
+              <a:buChar char="•"/>
+              <a:defRPr sz="1800" kern="1200">
+                <a:solidFill>
+                  <a:schemeClr val="tx1"/>
+                </a:solidFill>
+                <a:latin typeface="+mn-lt"/>
+                <a:ea typeface="+mn-ea"/>
+                <a:cs typeface="+mn-cs"/>
+              </a:defRPr>
+            </a:lvl6pPr>
+            <a:lvl7pPr marL="2971800" indent="-228600" algn="l" defTabSz="914400" rtl="0" eaLnBrk="1" latinLnBrk="0" hangingPunct="1">
+              <a:lnSpc>
+                <a:spcPct val="90000"/>
+              </a:lnSpc>
+              <a:spcBef>
+                <a:spcPts val="500"/>
+              </a:spcBef>
+              <a:buFont typeface="Arial" panose="020B0604020202020204" pitchFamily="34" charset="0"/>
+              <a:buChar char="•"/>
+              <a:defRPr sz="1800" kern="1200">
+                <a:solidFill>
+                  <a:schemeClr val="tx1"/>
+                </a:solidFill>
+                <a:latin typeface="+mn-lt"/>
+                <a:ea typeface="+mn-ea"/>
+                <a:cs typeface="+mn-cs"/>
+              </a:defRPr>
+            </a:lvl7pPr>
+            <a:lvl8pPr marL="3429000" indent="-228600" algn="l" defTabSz="914400" rtl="0" eaLnBrk="1" latinLnBrk="0" hangingPunct="1">
+              <a:lnSpc>
+                <a:spcPct val="90000"/>
+              </a:lnSpc>
+              <a:spcBef>
+                <a:spcPts val="500"/>
+              </a:spcBef>
+              <a:buFont typeface="Arial" panose="020B0604020202020204" pitchFamily="34" charset="0"/>
+              <a:buChar char="•"/>
+              <a:defRPr sz="1800" kern="1200">
+                <a:solidFill>
+                  <a:schemeClr val="tx1"/>
+                </a:solidFill>
+                <a:latin typeface="+mn-lt"/>
+                <a:ea typeface="+mn-ea"/>
+                <a:cs typeface="+mn-cs"/>
+              </a:defRPr>
+            </a:lvl8pPr>
+            <a:lvl9pPr marL="3886200" indent="-228600" algn="l" defTabSz="914400" rtl="0" eaLnBrk="1" latinLnBrk="0" hangingPunct="1">
+              <a:lnSpc>
+                <a:spcPct val="90000"/>
+              </a:lnSpc>
+              <a:spcBef>
+                <a:spcPts val="500"/>
+              </a:spcBef>
+              <a:buFont typeface="Arial" panose="020B0604020202020204" pitchFamily="34" charset="0"/>
+              <a:buChar char="•"/>
+              <a:defRPr sz="1800" kern="1200">
+                <a:solidFill>
+                  <a:schemeClr val="tx1"/>
+                </a:solidFill>
+                <a:latin typeface="+mn-lt"/>
+                <a:ea typeface="+mn-ea"/>
+                <a:cs typeface="+mn-cs"/>
+              </a:defRPr>
+            </a:lvl9pPr>
+          </a:lstStyle>
+          <a:p>
+            <a:r>
+              <a:rPr lang="en-US" dirty="0" smtClean="0"/>
+              <a:t>All the concepts (centroids) are active all the time for random RBF generator</a:t>
+            </a:r>
+          </a:p>
+          <a:p>
+            <a:r>
+              <a:rPr lang="en-US" dirty="0" smtClean="0"/>
+              <a:t>Activation period changes in VSRBF generation scheme</a:t>
             </a:r>
             <a:endParaRPr lang="en-US" dirty="0"/>
           </a:p>
@@ -32879,7 +32950,7 @@
 </p:sld>
 </file>
 
-<file path=ppt/slides/slide23.xml><?xml version="1.0" encoding="utf-8"?>
+<file path=ppt/slides/slide22.xml><?xml version="1.0" encoding="utf-8"?>
 <p:sld xmlns:a="http://schemas.openxmlformats.org/drawingml/2006/main" xmlns:r="http://schemas.openxmlformats.org/officeDocument/2006/relationships" xmlns:p="http://schemas.openxmlformats.org/presentationml/2006/main">
   <p:cSld>
     <p:spTree>
@@ -32955,8 +33026,32 @@
           <a:lstStyle/>
           <a:p>
             <a:r>
+              <a:rPr lang="de-DE" dirty="0"/>
+              <a:t>Data generation</a:t>
+            </a:r>
+          </a:p>
+          <a:p>
+            <a:pPr lvl="1"/>
+            <a:r>
+              <a:rPr lang="de-DE" dirty="0"/>
+              <a:t>Random RBF generator</a:t>
+            </a:r>
+          </a:p>
+          <a:p>
+            <a:pPr lvl="1"/>
+            <a:r>
+              <a:rPr lang="de-DE" dirty="0"/>
+              <a:t>Varied Speed RBF generator</a:t>
+            </a:r>
+          </a:p>
+          <a:p>
+            <a:r>
               <a:rPr lang="de-DE" dirty="0" smtClean="0"/>
-              <a:t>Prequential evaluation</a:t>
+              <a:t>Prequential </a:t>
+            </a:r>
+            <a:r>
+              <a:rPr lang="de-DE" dirty="0" smtClean="0"/>
+              <a:t>evaluation</a:t>
             </a:r>
           </a:p>
           <a:p>
@@ -32983,29 +33078,13 @@
             <a:pPr lvl="1"/>
             <a:r>
               <a:rPr lang="de-DE" dirty="0" smtClean="0"/>
-              <a:t>1 million instances</a:t>
+              <a:t>1 million </a:t>
             </a:r>
-          </a:p>
-          <a:p>
             <a:r>
               <a:rPr lang="de-DE" dirty="0" smtClean="0"/>
-              <a:t>Data generation</a:t>
+              <a:t>instances</a:t>
             </a:r>
-          </a:p>
-          <a:p>
-            <a:pPr lvl="1"/>
-            <a:r>
-              <a:rPr lang="de-DE" dirty="0" smtClean="0"/>
-              <a:t>Random RBF generator</a:t>
-            </a:r>
-          </a:p>
-          <a:p>
-            <a:pPr lvl="1"/>
-            <a:r>
-              <a:rPr lang="de-DE" dirty="0" smtClean="0"/>
-              <a:t>Varied Speed RBF generator</a:t>
-            </a:r>
-            <a:endParaRPr lang="de-DE" dirty="0"/>
+            <a:endParaRPr lang="de-DE" dirty="0" smtClean="0"/>
           </a:p>
         </p:txBody>
       </p:sp>
@@ -33026,7 +33105,7 @@
           <a:p>
             <a:fld id="{EAE41600-55F5-4A6B-8385-85433044AE0B}" type="slidenum">
               <a:rPr lang="de-DE" smtClean="0"/>
-              <a:t>23</a:t>
+              <a:t>22</a:t>
             </a:fld>
             <a:endParaRPr lang="de-DE" dirty="0"/>
           </a:p>
@@ -33123,7 +33202,7 @@
 </p:sld>
 </file>
 
-<file path=ppt/slides/slide24.xml><?xml version="1.0" encoding="utf-8"?>
+<file path=ppt/slides/slide23.xml><?xml version="1.0" encoding="utf-8"?>
 <p:sld xmlns:a="http://schemas.openxmlformats.org/drawingml/2006/main" xmlns:r="http://schemas.openxmlformats.org/officeDocument/2006/relationships" xmlns:p="http://schemas.openxmlformats.org/presentationml/2006/main">
   <p:cSld>
     <p:spTree>
@@ -33168,7 +33247,7 @@
                   <a:schemeClr val="accent5"/>
                 </a:solidFill>
               </a:rPr>
-              <a:t>Comparison with Batch Approaches</a:t>
+              <a:t>BagSRHT vs BagASHT</a:t>
             </a:r>
             <a:endParaRPr lang="de-DE" dirty="0">
               <a:solidFill>
@@ -33200,37 +33279,22 @@
           <a:p>
             <a:r>
               <a:rPr lang="de-DE" dirty="0" smtClean="0"/>
-              <a:t>Census income data set </a:t>
+              <a:t>Performance is prone to tree reset</a:t>
             </a:r>
-            <a:r>
-              <a:rPr lang="de-DE" dirty="0" smtClean="0">
-                <a:solidFill>
-                  <a:schemeClr val="tx1">
-                    <a:lumMod val="50000"/>
-                    <a:lumOff val="50000"/>
-                  </a:schemeClr>
-                </a:solidFill>
-              </a:rPr>
-              <a:t>[8]</a:t>
-            </a:r>
-          </a:p>
-          <a:p>
+          </a:p>
+          <a:p>
+            <a:pPr lvl="1"/>
             <a:r>
               <a:rPr lang="de-DE" dirty="0" smtClean="0"/>
-              <a:t>10 fold cross validation for batch approaches</a:t>
+              <a:t>VSRBF performance suffers significantly more than Random RBF</a:t>
             </a:r>
           </a:p>
           <a:p>
             <a:r>
               <a:rPr lang="de-DE" dirty="0" smtClean="0"/>
-              <a:t>ADWIN variants and BagSRHT reach closest to C4.5</a:t>
+              <a:t>BagSRHT is likely to be more stable than BagASHT</a:t>
             </a:r>
-          </a:p>
-          <a:p>
             <a:endParaRPr lang="de-DE" dirty="0"/>
-          </a:p>
-          <a:p>
-            <a:endParaRPr lang="de-DE" dirty="0" smtClean="0"/>
           </a:p>
         </p:txBody>
       </p:sp>
@@ -33251,7 +33315,1366 @@
           <a:p>
             <a:fld id="{EAE41600-55F5-4A6B-8385-85433044AE0B}" type="slidenum">
               <a:rPr lang="de-DE" smtClean="0"/>
+              <a:t>23</a:t>
+            </a:fld>
+            <a:endParaRPr lang="de-DE" dirty="0"/>
+          </a:p>
+        </p:txBody>
+      </p:sp>
+      <p:pic>
+        <p:nvPicPr>
+          <p:cNvPr id="10" name="Picture 9"/>
+          <p:cNvPicPr>
+            <a:picLocks noChangeAspect="1"/>
+          </p:cNvPicPr>
+          <p:nvPr/>
+        </p:nvPicPr>
+        <p:blipFill>
+          <a:blip r:embed="rId3" cstate="print">
+            <a:extLst>
+              <a:ext uri="{28A0092B-C50C-407E-A947-70E740481C1C}">
+                <a14:useLocalDpi xmlns:a14="http://schemas.microsoft.com/office/drawing/2010/main" val="0"/>
+              </a:ext>
+            </a:extLst>
+          </a:blip>
+          <a:stretch>
+            <a:fillRect/>
+          </a:stretch>
+        </p:blipFill>
+        <p:spPr>
+          <a:xfrm>
+            <a:off x="8198547" y="101546"/>
+            <a:ext cx="817158" cy="430469"/>
+          </a:xfrm>
+          <a:prstGeom prst="rect">
+            <a:avLst/>
+          </a:prstGeom>
+        </p:spPr>
+      </p:pic>
+      <p:pic>
+        <p:nvPicPr>
+          <p:cNvPr id="11" name="Picture 2" descr="File:LMU Muenchen Logo.svg"/>
+          <p:cNvPicPr>
+            <a:picLocks noChangeAspect="1" noChangeArrowheads="1"/>
+          </p:cNvPicPr>
+          <p:nvPr/>
+        </p:nvPicPr>
+        <p:blipFill>
+          <a:blip r:embed="rId4" cstate="print">
+            <a:extLst>
+              <a:ext uri="{28A0092B-C50C-407E-A947-70E740481C1C}">
+                <a14:useLocalDpi xmlns:a14="http://schemas.microsoft.com/office/drawing/2010/main" val="0"/>
+              </a:ext>
+            </a:extLst>
+          </a:blip>
+          <a:srcRect/>
+          <a:stretch>
+            <a:fillRect/>
+          </a:stretch>
+        </p:blipFill>
+        <p:spPr bwMode="auto">
+          <a:xfrm>
+            <a:off x="103529" y="6293665"/>
+            <a:ext cx="936625" cy="490496"/>
+          </a:xfrm>
+          <a:prstGeom prst="rect">
+            <a:avLst/>
+          </a:prstGeom>
+          <a:noFill/>
+          <a:extLst>
+            <a:ext uri="{909E8E84-426E-40DD-AFC4-6F175D3DCCD1}">
+              <a14:hiddenFill xmlns:a14="http://schemas.microsoft.com/office/drawing/2010/main">
+                <a:solidFill>
+                  <a:srgbClr val="FFFFFF"/>
+                </a:solidFill>
+              </a14:hiddenFill>
+            </a:ext>
+          </a:extLst>
+        </p:spPr>
+      </p:pic>
+      <p:pic>
+        <p:nvPicPr>
+          <p:cNvPr id="4" name="Picture 3"/>
+          <p:cNvPicPr>
+            <a:picLocks noChangeAspect="1"/>
+          </p:cNvPicPr>
+          <p:nvPr/>
+        </p:nvPicPr>
+        <p:blipFill>
+          <a:blip r:embed="rId5"/>
+          <a:stretch>
+            <a:fillRect/>
+          </a:stretch>
+        </p:blipFill>
+        <p:spPr>
+          <a:xfrm>
+            <a:off x="348330" y="2875675"/>
+            <a:ext cx="8515350" cy="2933700"/>
+          </a:xfrm>
+          <a:prstGeom prst="rect">
+            <a:avLst/>
+          </a:prstGeom>
+        </p:spPr>
+      </p:pic>
+      <p:sp>
+        <p:nvSpPr>
+          <p:cNvPr id="6" name="TextBox 5"/>
+          <p:cNvSpPr txBox="1"/>
+          <p:nvPr/>
+        </p:nvSpPr>
+        <p:spPr>
+          <a:xfrm>
+            <a:off x="1620982" y="5846740"/>
+            <a:ext cx="1378904" cy="369332"/>
+          </a:xfrm>
+          <a:prstGeom prst="rect">
+            <a:avLst/>
+          </a:prstGeom>
+          <a:noFill/>
+        </p:spPr>
+        <p:txBody>
+          <a:bodyPr wrap="none" rtlCol="0">
+            <a:spAutoFit/>
+          </a:bodyPr>
+          <a:lstStyle/>
+          <a:p>
+            <a:r>
+              <a:rPr lang="en-US" dirty="0" smtClean="0"/>
+              <a:t>Random RBF</a:t>
+            </a:r>
+            <a:endParaRPr lang="en-US" dirty="0"/>
+          </a:p>
+        </p:txBody>
+      </p:sp>
+      <p:sp>
+        <p:nvSpPr>
+          <p:cNvPr id="13" name="TextBox 12"/>
+          <p:cNvSpPr txBox="1"/>
+          <p:nvPr/>
+        </p:nvSpPr>
+        <p:spPr>
+          <a:xfrm>
+            <a:off x="6194464" y="5846740"/>
+            <a:ext cx="776431" cy="369332"/>
+          </a:xfrm>
+          <a:prstGeom prst="rect">
+            <a:avLst/>
+          </a:prstGeom>
+          <a:noFill/>
+        </p:spPr>
+        <p:txBody>
+          <a:bodyPr wrap="none" rtlCol="0">
+            <a:spAutoFit/>
+          </a:bodyPr>
+          <a:lstStyle/>
+          <a:p>
+            <a:r>
+              <a:rPr lang="en-US" dirty="0" smtClean="0"/>
+              <a:t>VSRBF</a:t>
+            </a:r>
+            <a:endParaRPr lang="en-US" dirty="0"/>
+          </a:p>
+        </p:txBody>
+      </p:sp>
+    </p:spTree>
+    <p:extLst>
+      <p:ext uri="{BB962C8B-B14F-4D97-AF65-F5344CB8AC3E}">
+        <p14:creationId xmlns:p14="http://schemas.microsoft.com/office/powerpoint/2010/main" val="2520499741"/>
+      </p:ext>
+    </p:extLst>
+  </p:cSld>
+  <p:clrMapOvr>
+    <a:masterClrMapping/>
+  </p:clrMapOvr>
+  <p:timing>
+    <p:tnLst>
+      <p:par>
+        <p:cTn id="1" dur="indefinite" restart="never" nodeType="tmRoot"/>
+      </p:par>
+    </p:tnLst>
+  </p:timing>
+</p:sld>
+</file>
+
+<file path=ppt/slides/slide24.xml><?xml version="1.0" encoding="utf-8"?>
+<p:sld xmlns:a="http://schemas.openxmlformats.org/drawingml/2006/main" xmlns:r="http://schemas.openxmlformats.org/officeDocument/2006/relationships" xmlns:p="http://schemas.openxmlformats.org/presentationml/2006/main">
+  <p:cSld>
+    <p:spTree>
+      <p:nvGrpSpPr>
+        <p:cNvPr id="1" name=""/>
+        <p:cNvGrpSpPr/>
+        <p:nvPr/>
+      </p:nvGrpSpPr>
+      <p:grpSpPr>
+        <a:xfrm>
+          <a:off x="0" y="0"/>
+          <a:ext cx="0" cy="0"/>
+          <a:chOff x="0" y="0"/>
+          <a:chExt cx="0" cy="0"/>
+        </a:xfrm>
+      </p:grpSpPr>
+      <p:pic>
+        <p:nvPicPr>
+          <p:cNvPr id="8" name="Picture 7"/>
+          <p:cNvPicPr>
+            <a:picLocks noChangeAspect="1"/>
+          </p:cNvPicPr>
+          <p:nvPr/>
+        </p:nvPicPr>
+        <p:blipFill>
+          <a:blip r:embed="rId3"/>
+          <a:stretch>
+            <a:fillRect/>
+          </a:stretch>
+        </p:blipFill>
+        <p:spPr>
+          <a:xfrm>
+            <a:off x="459821" y="2902247"/>
+            <a:ext cx="8351670" cy="2941598"/>
+          </a:xfrm>
+          <a:prstGeom prst="rect">
+            <a:avLst/>
+          </a:prstGeom>
+        </p:spPr>
+      </p:pic>
+      <p:sp>
+        <p:nvSpPr>
+          <p:cNvPr id="2" name="Title 1"/>
+          <p:cNvSpPr>
+            <a:spLocks noGrp="1"/>
+          </p:cNvSpPr>
+          <p:nvPr>
+            <p:ph type="title"/>
+          </p:nvPr>
+        </p:nvSpPr>
+        <p:spPr>
+          <a:xfrm>
+            <a:off x="460977" y="365127"/>
+            <a:ext cx="8290057" cy="609730"/>
+          </a:xfrm>
+        </p:spPr>
+        <p:txBody>
+          <a:bodyPr>
+            <a:normAutofit fontScale="90000"/>
+          </a:bodyPr>
+          <a:lstStyle/>
+          <a:p>
+            <a:r>
+              <a:rPr lang="en-US" dirty="0" smtClean="0">
+                <a:solidFill>
+                  <a:schemeClr val="accent5"/>
+                </a:solidFill>
+              </a:rPr>
+              <a:t>BagSRHT vs BagASHT</a:t>
+            </a:r>
+            <a:endParaRPr lang="de-DE" dirty="0">
+              <a:solidFill>
+                <a:schemeClr val="accent5"/>
+              </a:solidFill>
+            </a:endParaRPr>
+          </a:p>
+        </p:txBody>
+      </p:sp>
+      <p:sp>
+        <p:nvSpPr>
+          <p:cNvPr id="3" name="Content Placeholder 2"/>
+          <p:cNvSpPr>
+            <a:spLocks noGrp="1"/>
+          </p:cNvSpPr>
+          <p:nvPr>
+            <p:ph idx="1"/>
+          </p:nvPr>
+        </p:nvSpPr>
+        <p:spPr>
+          <a:xfrm>
+            <a:off x="460977" y="1046648"/>
+            <a:ext cx="8290057" cy="5206790"/>
+          </a:xfrm>
+        </p:spPr>
+        <p:txBody>
+          <a:bodyPr/>
+          <a:lstStyle/>
+          <a:p>
+            <a:r>
+              <a:rPr lang="de-DE" dirty="0" smtClean="0"/>
+              <a:t>Performance is prone to tree reset</a:t>
+            </a:r>
+          </a:p>
+          <a:p>
+            <a:pPr lvl="1"/>
+            <a:r>
+              <a:rPr lang="de-DE" dirty="0" smtClean="0"/>
+              <a:t>VSRBF performance suffers significantly more than Random RBF</a:t>
+            </a:r>
+          </a:p>
+          <a:p>
+            <a:r>
+              <a:rPr lang="de-DE" dirty="0" smtClean="0"/>
+              <a:t>BagSRHT is likely to be more stable than BagASHT</a:t>
+            </a:r>
+            <a:endParaRPr lang="de-DE" dirty="0"/>
+          </a:p>
+        </p:txBody>
+      </p:sp>
+      <p:sp>
+        <p:nvSpPr>
+          <p:cNvPr id="7" name="Slide Number Placeholder 6"/>
+          <p:cNvSpPr>
+            <a:spLocks noGrp="1"/>
+          </p:cNvSpPr>
+          <p:nvPr>
+            <p:ph type="sldNum" sz="quarter" idx="12"/>
+          </p:nvPr>
+        </p:nvSpPr>
+        <p:spPr/>
+        <p:txBody>
+          <a:bodyPr/>
+          <a:lstStyle/>
+          <a:p>
+            <a:fld id="{EAE41600-55F5-4A6B-8385-85433044AE0B}" type="slidenum">
+              <a:rPr lang="de-DE" smtClean="0"/>
               <a:t>24</a:t>
+            </a:fld>
+            <a:endParaRPr lang="de-DE" dirty="0"/>
+          </a:p>
+        </p:txBody>
+      </p:sp>
+      <p:pic>
+        <p:nvPicPr>
+          <p:cNvPr id="10" name="Picture 9"/>
+          <p:cNvPicPr>
+            <a:picLocks noChangeAspect="1"/>
+          </p:cNvPicPr>
+          <p:nvPr/>
+        </p:nvPicPr>
+        <p:blipFill>
+          <a:blip r:embed="rId4" cstate="print">
+            <a:extLst>
+              <a:ext uri="{28A0092B-C50C-407E-A947-70E740481C1C}">
+                <a14:useLocalDpi xmlns:a14="http://schemas.microsoft.com/office/drawing/2010/main" val="0"/>
+              </a:ext>
+            </a:extLst>
+          </a:blip>
+          <a:stretch>
+            <a:fillRect/>
+          </a:stretch>
+        </p:blipFill>
+        <p:spPr>
+          <a:xfrm>
+            <a:off x="8198547" y="101546"/>
+            <a:ext cx="817158" cy="430469"/>
+          </a:xfrm>
+          <a:prstGeom prst="rect">
+            <a:avLst/>
+          </a:prstGeom>
+        </p:spPr>
+      </p:pic>
+      <p:pic>
+        <p:nvPicPr>
+          <p:cNvPr id="11" name="Picture 2" descr="File:LMU Muenchen Logo.svg"/>
+          <p:cNvPicPr>
+            <a:picLocks noChangeAspect="1" noChangeArrowheads="1"/>
+          </p:cNvPicPr>
+          <p:nvPr/>
+        </p:nvPicPr>
+        <p:blipFill>
+          <a:blip r:embed="rId5" cstate="print">
+            <a:extLst>
+              <a:ext uri="{28A0092B-C50C-407E-A947-70E740481C1C}">
+                <a14:useLocalDpi xmlns:a14="http://schemas.microsoft.com/office/drawing/2010/main" val="0"/>
+              </a:ext>
+            </a:extLst>
+          </a:blip>
+          <a:srcRect/>
+          <a:stretch>
+            <a:fillRect/>
+          </a:stretch>
+        </p:blipFill>
+        <p:spPr bwMode="auto">
+          <a:xfrm>
+            <a:off x="103529" y="6293665"/>
+            <a:ext cx="936625" cy="490496"/>
+          </a:xfrm>
+          <a:prstGeom prst="rect">
+            <a:avLst/>
+          </a:prstGeom>
+          <a:noFill/>
+          <a:extLst>
+            <a:ext uri="{909E8E84-426E-40DD-AFC4-6F175D3DCCD1}">
+              <a14:hiddenFill xmlns:a14="http://schemas.microsoft.com/office/drawing/2010/main">
+                <a:solidFill>
+                  <a:srgbClr val="FFFFFF"/>
+                </a:solidFill>
+              </a14:hiddenFill>
+            </a:ext>
+          </a:extLst>
+        </p:spPr>
+      </p:pic>
+      <p:sp>
+        <p:nvSpPr>
+          <p:cNvPr id="6" name="TextBox 5"/>
+          <p:cNvSpPr txBox="1"/>
+          <p:nvPr/>
+        </p:nvSpPr>
+        <p:spPr>
+          <a:xfrm>
+            <a:off x="1620982" y="5846740"/>
+            <a:ext cx="1378904" cy="369332"/>
+          </a:xfrm>
+          <a:prstGeom prst="rect">
+            <a:avLst/>
+          </a:prstGeom>
+          <a:noFill/>
+        </p:spPr>
+        <p:txBody>
+          <a:bodyPr wrap="none" rtlCol="0">
+            <a:spAutoFit/>
+          </a:bodyPr>
+          <a:lstStyle/>
+          <a:p>
+            <a:r>
+              <a:rPr lang="en-US" dirty="0" smtClean="0"/>
+              <a:t>Random RBF</a:t>
+            </a:r>
+            <a:endParaRPr lang="en-US" dirty="0"/>
+          </a:p>
+        </p:txBody>
+      </p:sp>
+      <p:sp>
+        <p:nvSpPr>
+          <p:cNvPr id="13" name="TextBox 12"/>
+          <p:cNvSpPr txBox="1"/>
+          <p:nvPr/>
+        </p:nvSpPr>
+        <p:spPr>
+          <a:xfrm>
+            <a:off x="6194464" y="5846740"/>
+            <a:ext cx="776431" cy="369332"/>
+          </a:xfrm>
+          <a:prstGeom prst="rect">
+            <a:avLst/>
+          </a:prstGeom>
+          <a:noFill/>
+        </p:spPr>
+        <p:txBody>
+          <a:bodyPr wrap="none" rtlCol="0">
+            <a:spAutoFit/>
+          </a:bodyPr>
+          <a:lstStyle/>
+          <a:p>
+            <a:r>
+              <a:rPr lang="en-US" dirty="0" smtClean="0"/>
+              <a:t>VSRBF</a:t>
+            </a:r>
+            <a:endParaRPr lang="en-US" dirty="0"/>
+          </a:p>
+        </p:txBody>
+      </p:sp>
+    </p:spTree>
+    <p:extLst>
+      <p:ext uri="{BB962C8B-B14F-4D97-AF65-F5344CB8AC3E}">
+        <p14:creationId xmlns:p14="http://schemas.microsoft.com/office/powerpoint/2010/main" val="1957737831"/>
+      </p:ext>
+    </p:extLst>
+  </p:cSld>
+  <p:clrMapOvr>
+    <a:masterClrMapping/>
+  </p:clrMapOvr>
+  <p:timing>
+    <p:tnLst>
+      <p:par>
+        <p:cTn id="1" dur="indefinite" restart="never" nodeType="tmRoot"/>
+      </p:par>
+    </p:tnLst>
+  </p:timing>
+</p:sld>
+</file>
+
+<file path=ppt/slides/slide25.xml><?xml version="1.0" encoding="utf-8"?>
+<p:sld xmlns:a="http://schemas.openxmlformats.org/drawingml/2006/main" xmlns:r="http://schemas.openxmlformats.org/officeDocument/2006/relationships" xmlns:p="http://schemas.openxmlformats.org/presentationml/2006/main">
+  <p:cSld>
+    <p:spTree>
+      <p:nvGrpSpPr>
+        <p:cNvPr id="1" name=""/>
+        <p:cNvGrpSpPr/>
+        <p:nvPr/>
+      </p:nvGrpSpPr>
+      <p:grpSpPr>
+        <a:xfrm>
+          <a:off x="0" y="0"/>
+          <a:ext cx="0" cy="0"/>
+          <a:chOff x="0" y="0"/>
+          <a:chExt cx="0" cy="0"/>
+        </a:xfrm>
+      </p:grpSpPr>
+      <p:sp>
+        <p:nvSpPr>
+          <p:cNvPr id="3" name="Content Placeholder 2"/>
+          <p:cNvSpPr>
+            <a:spLocks noGrp="1"/>
+          </p:cNvSpPr>
+          <p:nvPr>
+            <p:ph idx="1"/>
+          </p:nvPr>
+        </p:nvSpPr>
+        <p:spPr>
+          <a:xfrm>
+            <a:off x="460977" y="1046648"/>
+            <a:ext cx="8290057" cy="5206790"/>
+          </a:xfrm>
+        </p:spPr>
+        <p:txBody>
+          <a:bodyPr/>
+          <a:lstStyle/>
+          <a:p>
+            <a:r>
+              <a:rPr lang="de-DE" dirty="0" smtClean="0"/>
+              <a:t>Bag SRHT performs better for slower sub-streams</a:t>
+            </a:r>
+          </a:p>
+          <a:p>
+            <a:r>
+              <a:rPr lang="de-DE" dirty="0" smtClean="0"/>
+              <a:t>However, increases </a:t>
+            </a:r>
+            <a:r>
+              <a:rPr lang="de-DE" dirty="0" smtClean="0"/>
+              <a:t>misclassification </a:t>
+            </a:r>
+            <a:r>
+              <a:rPr lang="de-DE" dirty="0" smtClean="0"/>
+              <a:t>for faster sub-streams</a:t>
+            </a:r>
+            <a:endParaRPr lang="de-DE" dirty="0"/>
+          </a:p>
+        </p:txBody>
+      </p:sp>
+      <p:pic>
+        <p:nvPicPr>
+          <p:cNvPr id="5" name="Picture 4"/>
+          <p:cNvPicPr>
+            <a:picLocks noChangeAspect="1"/>
+          </p:cNvPicPr>
+          <p:nvPr/>
+        </p:nvPicPr>
+        <p:blipFill>
+          <a:blip r:embed="rId3"/>
+          <a:stretch>
+            <a:fillRect/>
+          </a:stretch>
+        </p:blipFill>
+        <p:spPr>
+          <a:xfrm>
+            <a:off x="2657388" y="3092334"/>
+            <a:ext cx="4506576" cy="2421271"/>
+          </a:xfrm>
+          <a:prstGeom prst="rect">
+            <a:avLst/>
+          </a:prstGeom>
+        </p:spPr>
+      </p:pic>
+      <p:sp>
+        <p:nvSpPr>
+          <p:cNvPr id="2" name="Title 1"/>
+          <p:cNvSpPr>
+            <a:spLocks noGrp="1"/>
+          </p:cNvSpPr>
+          <p:nvPr>
+            <p:ph type="title"/>
+          </p:nvPr>
+        </p:nvSpPr>
+        <p:spPr>
+          <a:xfrm>
+            <a:off x="460977" y="365127"/>
+            <a:ext cx="8290057" cy="609730"/>
+          </a:xfrm>
+        </p:spPr>
+        <p:txBody>
+          <a:bodyPr>
+            <a:normAutofit fontScale="90000"/>
+          </a:bodyPr>
+          <a:lstStyle/>
+          <a:p>
+            <a:r>
+              <a:rPr lang="en-US" dirty="0" smtClean="0">
+                <a:solidFill>
+                  <a:schemeClr val="accent5"/>
+                </a:solidFill>
+              </a:rPr>
+              <a:t>BagSRHT vs BagASHT</a:t>
+            </a:r>
+            <a:endParaRPr lang="de-DE" dirty="0">
+              <a:solidFill>
+                <a:schemeClr val="accent5"/>
+              </a:solidFill>
+            </a:endParaRPr>
+          </a:p>
+        </p:txBody>
+      </p:sp>
+      <p:sp>
+        <p:nvSpPr>
+          <p:cNvPr id="7" name="Slide Number Placeholder 6"/>
+          <p:cNvSpPr>
+            <a:spLocks noGrp="1"/>
+          </p:cNvSpPr>
+          <p:nvPr>
+            <p:ph type="sldNum" sz="quarter" idx="12"/>
+          </p:nvPr>
+        </p:nvSpPr>
+        <p:spPr/>
+        <p:txBody>
+          <a:bodyPr/>
+          <a:lstStyle/>
+          <a:p>
+            <a:fld id="{EAE41600-55F5-4A6B-8385-85433044AE0B}" type="slidenum">
+              <a:rPr lang="de-DE" smtClean="0"/>
+              <a:t>25</a:t>
+            </a:fld>
+            <a:endParaRPr lang="de-DE" dirty="0"/>
+          </a:p>
+        </p:txBody>
+      </p:sp>
+      <p:pic>
+        <p:nvPicPr>
+          <p:cNvPr id="10" name="Picture 9"/>
+          <p:cNvPicPr>
+            <a:picLocks noChangeAspect="1"/>
+          </p:cNvPicPr>
+          <p:nvPr/>
+        </p:nvPicPr>
+        <p:blipFill>
+          <a:blip r:embed="rId4" cstate="print">
+            <a:extLst>
+              <a:ext uri="{28A0092B-C50C-407E-A947-70E740481C1C}">
+                <a14:useLocalDpi xmlns:a14="http://schemas.microsoft.com/office/drawing/2010/main" val="0"/>
+              </a:ext>
+            </a:extLst>
+          </a:blip>
+          <a:stretch>
+            <a:fillRect/>
+          </a:stretch>
+        </p:blipFill>
+        <p:spPr>
+          <a:xfrm>
+            <a:off x="8198547" y="101546"/>
+            <a:ext cx="817158" cy="430469"/>
+          </a:xfrm>
+          <a:prstGeom prst="rect">
+            <a:avLst/>
+          </a:prstGeom>
+        </p:spPr>
+      </p:pic>
+      <p:pic>
+        <p:nvPicPr>
+          <p:cNvPr id="11" name="Picture 2" descr="File:LMU Muenchen Logo.svg"/>
+          <p:cNvPicPr>
+            <a:picLocks noChangeAspect="1" noChangeArrowheads="1"/>
+          </p:cNvPicPr>
+          <p:nvPr/>
+        </p:nvPicPr>
+        <p:blipFill>
+          <a:blip r:embed="rId5" cstate="print">
+            <a:extLst>
+              <a:ext uri="{28A0092B-C50C-407E-A947-70E740481C1C}">
+                <a14:useLocalDpi xmlns:a14="http://schemas.microsoft.com/office/drawing/2010/main" val="0"/>
+              </a:ext>
+            </a:extLst>
+          </a:blip>
+          <a:srcRect/>
+          <a:stretch>
+            <a:fillRect/>
+          </a:stretch>
+        </p:blipFill>
+        <p:spPr bwMode="auto">
+          <a:xfrm>
+            <a:off x="103529" y="6293665"/>
+            <a:ext cx="936625" cy="490496"/>
+          </a:xfrm>
+          <a:prstGeom prst="rect">
+            <a:avLst/>
+          </a:prstGeom>
+          <a:noFill/>
+          <a:extLst>
+            <a:ext uri="{909E8E84-426E-40DD-AFC4-6F175D3DCCD1}">
+              <a14:hiddenFill xmlns:a14="http://schemas.microsoft.com/office/drawing/2010/main">
+                <a:solidFill>
+                  <a:srgbClr val="FFFFFF"/>
+                </a:solidFill>
+              </a14:hiddenFill>
+            </a:ext>
+          </a:extLst>
+        </p:spPr>
+      </p:pic>
+    </p:spTree>
+    <p:extLst>
+      <p:ext uri="{BB962C8B-B14F-4D97-AF65-F5344CB8AC3E}">
+        <p14:creationId xmlns:p14="http://schemas.microsoft.com/office/powerpoint/2010/main" val="1030133209"/>
+      </p:ext>
+    </p:extLst>
+  </p:cSld>
+  <p:clrMapOvr>
+    <a:masterClrMapping/>
+  </p:clrMapOvr>
+  <p:timing>
+    <p:tnLst>
+      <p:par>
+        <p:cTn id="1" dur="indefinite" restart="never" nodeType="tmRoot"/>
+      </p:par>
+    </p:tnLst>
+  </p:timing>
+</p:sld>
+</file>
+
+<file path=ppt/slides/slide26.xml><?xml version="1.0" encoding="utf-8"?>
+<p:sld xmlns:a="http://schemas.openxmlformats.org/drawingml/2006/main" xmlns:r="http://schemas.openxmlformats.org/officeDocument/2006/relationships" xmlns:p="http://schemas.openxmlformats.org/presentationml/2006/main">
+  <p:cSld>
+    <p:spTree>
+      <p:nvGrpSpPr>
+        <p:cNvPr id="1" name=""/>
+        <p:cNvGrpSpPr/>
+        <p:nvPr/>
+      </p:nvGrpSpPr>
+      <p:grpSpPr>
+        <a:xfrm>
+          <a:off x="0" y="0"/>
+          <a:ext cx="0" cy="0"/>
+          <a:chOff x="0" y="0"/>
+          <a:chExt cx="0" cy="0"/>
+        </a:xfrm>
+      </p:grpSpPr>
+      <p:sp>
+        <p:nvSpPr>
+          <p:cNvPr id="2" name="Title 1"/>
+          <p:cNvSpPr>
+            <a:spLocks noGrp="1"/>
+          </p:cNvSpPr>
+          <p:nvPr>
+            <p:ph type="title"/>
+          </p:nvPr>
+        </p:nvSpPr>
+        <p:spPr>
+          <a:xfrm>
+            <a:off x="460977" y="365127"/>
+            <a:ext cx="8290057" cy="609730"/>
+          </a:xfrm>
+        </p:spPr>
+        <p:txBody>
+          <a:bodyPr>
+            <a:normAutofit fontScale="90000"/>
+          </a:bodyPr>
+          <a:lstStyle/>
+          <a:p>
+            <a:r>
+              <a:rPr lang="en-US" dirty="0" smtClean="0">
+                <a:solidFill>
+                  <a:schemeClr val="accent5"/>
+                </a:solidFill>
+              </a:rPr>
+              <a:t>Effect of </a:t>
+            </a:r>
+            <a:r>
+              <a:rPr lang="en-US" dirty="0" smtClean="0">
+                <a:solidFill>
+                  <a:schemeClr val="accent5"/>
+                </a:solidFill>
+              </a:rPr>
+              <a:t>Parameters</a:t>
+            </a:r>
+            <a:endParaRPr lang="de-DE" dirty="0">
+              <a:solidFill>
+                <a:schemeClr val="accent5"/>
+              </a:solidFill>
+            </a:endParaRPr>
+          </a:p>
+        </p:txBody>
+      </p:sp>
+      <p:sp>
+        <p:nvSpPr>
+          <p:cNvPr id="3" name="Content Placeholder 2"/>
+          <p:cNvSpPr>
+            <a:spLocks noGrp="1"/>
+          </p:cNvSpPr>
+          <p:nvPr>
+            <p:ph idx="1"/>
+          </p:nvPr>
+        </p:nvSpPr>
+        <p:spPr>
+          <a:xfrm>
+            <a:off x="460977" y="1046648"/>
+            <a:ext cx="8290057" cy="5206790"/>
+          </a:xfrm>
+        </p:spPr>
+        <p:txBody>
+          <a:bodyPr/>
+          <a:lstStyle/>
+          <a:p>
+            <a:r>
+              <a:rPr lang="de-DE" dirty="0" smtClean="0"/>
+              <a:t>Without any drift, all method performs the same</a:t>
+            </a:r>
+          </a:p>
+          <a:p>
+            <a:r>
+              <a:rPr lang="de-DE" dirty="0" smtClean="0"/>
+              <a:t>With small drift ADWIN and boost variants performs best</a:t>
+            </a:r>
+          </a:p>
+          <a:p>
+            <a:r>
+              <a:rPr lang="de-DE" dirty="0"/>
+              <a:t>Larger tie threshold causes massive trees</a:t>
+            </a:r>
+          </a:p>
+        </p:txBody>
+      </p:sp>
+      <p:sp>
+        <p:nvSpPr>
+          <p:cNvPr id="7" name="Slide Number Placeholder 6"/>
+          <p:cNvSpPr>
+            <a:spLocks noGrp="1"/>
+          </p:cNvSpPr>
+          <p:nvPr>
+            <p:ph type="sldNum" sz="quarter" idx="12"/>
+          </p:nvPr>
+        </p:nvSpPr>
+        <p:spPr/>
+        <p:txBody>
+          <a:bodyPr/>
+          <a:lstStyle/>
+          <a:p>
+            <a:fld id="{EAE41600-55F5-4A6B-8385-85433044AE0B}" type="slidenum">
+              <a:rPr lang="de-DE" smtClean="0"/>
+              <a:t>26</a:t>
+            </a:fld>
+            <a:endParaRPr lang="de-DE" dirty="0"/>
+          </a:p>
+        </p:txBody>
+      </p:sp>
+      <p:pic>
+        <p:nvPicPr>
+          <p:cNvPr id="10" name="Picture 9"/>
+          <p:cNvPicPr>
+            <a:picLocks noChangeAspect="1"/>
+          </p:cNvPicPr>
+          <p:nvPr/>
+        </p:nvPicPr>
+        <p:blipFill>
+          <a:blip r:embed="rId3" cstate="print">
+            <a:extLst>
+              <a:ext uri="{28A0092B-C50C-407E-A947-70E740481C1C}">
+                <a14:useLocalDpi xmlns:a14="http://schemas.microsoft.com/office/drawing/2010/main" val="0"/>
+              </a:ext>
+            </a:extLst>
+          </a:blip>
+          <a:stretch>
+            <a:fillRect/>
+          </a:stretch>
+        </p:blipFill>
+        <p:spPr>
+          <a:xfrm>
+            <a:off x="8198547" y="101546"/>
+            <a:ext cx="817158" cy="430469"/>
+          </a:xfrm>
+          <a:prstGeom prst="rect">
+            <a:avLst/>
+          </a:prstGeom>
+        </p:spPr>
+      </p:pic>
+      <p:pic>
+        <p:nvPicPr>
+          <p:cNvPr id="5" name="Picture 4"/>
+          <p:cNvPicPr>
+            <a:picLocks noChangeAspect="1"/>
+          </p:cNvPicPr>
+          <p:nvPr/>
+        </p:nvPicPr>
+        <p:blipFill>
+          <a:blip r:embed="rId4"/>
+          <a:stretch>
+            <a:fillRect/>
+          </a:stretch>
+        </p:blipFill>
+        <p:spPr>
+          <a:xfrm>
+            <a:off x="571841" y="3208559"/>
+            <a:ext cx="3857625" cy="2705100"/>
+          </a:xfrm>
+          <a:prstGeom prst="rect">
+            <a:avLst/>
+          </a:prstGeom>
+        </p:spPr>
+      </p:pic>
+      <p:pic>
+        <p:nvPicPr>
+          <p:cNvPr id="11" name="Picture 2" descr="File:LMU Muenchen Logo.svg"/>
+          <p:cNvPicPr>
+            <a:picLocks noChangeAspect="1" noChangeArrowheads="1"/>
+          </p:cNvPicPr>
+          <p:nvPr/>
+        </p:nvPicPr>
+        <p:blipFill>
+          <a:blip r:embed="rId5" cstate="print">
+            <a:extLst>
+              <a:ext uri="{28A0092B-C50C-407E-A947-70E740481C1C}">
+                <a14:useLocalDpi xmlns:a14="http://schemas.microsoft.com/office/drawing/2010/main" val="0"/>
+              </a:ext>
+            </a:extLst>
+          </a:blip>
+          <a:srcRect/>
+          <a:stretch>
+            <a:fillRect/>
+          </a:stretch>
+        </p:blipFill>
+        <p:spPr bwMode="auto">
+          <a:xfrm>
+            <a:off x="103529" y="6293665"/>
+            <a:ext cx="936625" cy="490496"/>
+          </a:xfrm>
+          <a:prstGeom prst="rect">
+            <a:avLst/>
+          </a:prstGeom>
+          <a:noFill/>
+          <a:extLst>
+            <a:ext uri="{909E8E84-426E-40DD-AFC4-6F175D3DCCD1}">
+              <a14:hiddenFill xmlns:a14="http://schemas.microsoft.com/office/drawing/2010/main">
+                <a:solidFill>
+                  <a:srgbClr val="FFFFFF"/>
+                </a:solidFill>
+              </a14:hiddenFill>
+            </a:ext>
+          </a:extLst>
+        </p:spPr>
+      </p:pic>
+      <p:pic>
+        <p:nvPicPr>
+          <p:cNvPr id="9" name="Picture 8"/>
+          <p:cNvPicPr>
+            <a:picLocks noChangeAspect="1"/>
+          </p:cNvPicPr>
+          <p:nvPr/>
+        </p:nvPicPr>
+        <p:blipFill>
+          <a:blip r:embed="rId6"/>
+          <a:stretch>
+            <a:fillRect/>
+          </a:stretch>
+        </p:blipFill>
+        <p:spPr>
+          <a:xfrm>
+            <a:off x="4844751" y="3208559"/>
+            <a:ext cx="3762375" cy="2628900"/>
+          </a:xfrm>
+          <a:prstGeom prst="rect">
+            <a:avLst/>
+          </a:prstGeom>
+        </p:spPr>
+      </p:pic>
+    </p:spTree>
+    <p:extLst>
+      <p:ext uri="{BB962C8B-B14F-4D97-AF65-F5344CB8AC3E}">
+        <p14:creationId xmlns:p14="http://schemas.microsoft.com/office/powerpoint/2010/main" val="3875751010"/>
+      </p:ext>
+    </p:extLst>
+  </p:cSld>
+  <p:clrMapOvr>
+    <a:masterClrMapping/>
+  </p:clrMapOvr>
+  <p:timing>
+    <p:tnLst>
+      <p:par>
+        <p:cTn id="1" dur="indefinite" restart="never" nodeType="tmRoot"/>
+      </p:par>
+    </p:tnLst>
+  </p:timing>
+</p:sld>
+</file>
+
+<file path=ppt/slides/slide27.xml><?xml version="1.0" encoding="utf-8"?>
+<p:sld xmlns:a="http://schemas.openxmlformats.org/drawingml/2006/main" xmlns:r="http://schemas.openxmlformats.org/officeDocument/2006/relationships" xmlns:p="http://schemas.openxmlformats.org/presentationml/2006/main">
+  <p:cSld>
+    <p:spTree>
+      <p:nvGrpSpPr>
+        <p:cNvPr id="1" name=""/>
+        <p:cNvGrpSpPr/>
+        <p:nvPr/>
+      </p:nvGrpSpPr>
+      <p:grpSpPr>
+        <a:xfrm>
+          <a:off x="0" y="0"/>
+          <a:ext cx="0" cy="0"/>
+          <a:chOff x="0" y="0"/>
+          <a:chExt cx="0" cy="0"/>
+        </a:xfrm>
+      </p:grpSpPr>
+      <p:sp>
+        <p:nvSpPr>
+          <p:cNvPr id="2" name="Title 1"/>
+          <p:cNvSpPr>
+            <a:spLocks noGrp="1"/>
+          </p:cNvSpPr>
+          <p:nvPr>
+            <p:ph type="title"/>
+          </p:nvPr>
+        </p:nvSpPr>
+        <p:spPr>
+          <a:xfrm>
+            <a:off x="460977" y="365127"/>
+            <a:ext cx="8290057" cy="609730"/>
+          </a:xfrm>
+        </p:spPr>
+        <p:txBody>
+          <a:bodyPr>
+            <a:normAutofit fontScale="90000"/>
+          </a:bodyPr>
+          <a:lstStyle/>
+          <a:p>
+            <a:r>
+              <a:rPr lang="en-US" dirty="0">
+                <a:solidFill>
+                  <a:schemeClr val="accent5"/>
+                </a:solidFill>
+              </a:rPr>
+              <a:t>Effect of </a:t>
+            </a:r>
+            <a:r>
+              <a:rPr lang="en-US" dirty="0" smtClean="0">
+                <a:solidFill>
+                  <a:schemeClr val="accent5"/>
+                </a:solidFill>
+              </a:rPr>
+              <a:t>Parameters</a:t>
+            </a:r>
+            <a:endParaRPr lang="de-DE" dirty="0">
+              <a:solidFill>
+                <a:schemeClr val="accent5"/>
+              </a:solidFill>
+            </a:endParaRPr>
+          </a:p>
+        </p:txBody>
+      </p:sp>
+      <p:sp>
+        <p:nvSpPr>
+          <p:cNvPr id="3" name="Content Placeholder 2"/>
+          <p:cNvSpPr>
+            <a:spLocks noGrp="1"/>
+          </p:cNvSpPr>
+          <p:nvPr>
+            <p:ph idx="1"/>
+          </p:nvPr>
+        </p:nvSpPr>
+        <p:spPr>
+          <a:xfrm>
+            <a:off x="460977" y="1046648"/>
+            <a:ext cx="8290057" cy="5206790"/>
+          </a:xfrm>
+        </p:spPr>
+        <p:txBody>
+          <a:bodyPr/>
+          <a:lstStyle/>
+          <a:p>
+            <a:r>
+              <a:rPr lang="de-DE" dirty="0" smtClean="0"/>
+              <a:t>Grace </a:t>
+            </a:r>
+            <a:r>
+              <a:rPr lang="de-DE" dirty="0" smtClean="0"/>
+              <a:t>period effectively reduces processing time and tree size</a:t>
+            </a:r>
+            <a:endParaRPr lang="de-DE" dirty="0"/>
+          </a:p>
+        </p:txBody>
+      </p:sp>
+      <p:sp>
+        <p:nvSpPr>
+          <p:cNvPr id="7" name="Slide Number Placeholder 6"/>
+          <p:cNvSpPr>
+            <a:spLocks noGrp="1"/>
+          </p:cNvSpPr>
+          <p:nvPr>
+            <p:ph type="sldNum" sz="quarter" idx="12"/>
+          </p:nvPr>
+        </p:nvSpPr>
+        <p:spPr/>
+        <p:txBody>
+          <a:bodyPr/>
+          <a:lstStyle/>
+          <a:p>
+            <a:fld id="{EAE41600-55F5-4A6B-8385-85433044AE0B}" type="slidenum">
+              <a:rPr lang="de-DE" smtClean="0"/>
+              <a:t>27</a:t>
+            </a:fld>
+            <a:endParaRPr lang="de-DE" dirty="0"/>
+          </a:p>
+        </p:txBody>
+      </p:sp>
+      <p:pic>
+        <p:nvPicPr>
+          <p:cNvPr id="10" name="Picture 9"/>
+          <p:cNvPicPr>
+            <a:picLocks noChangeAspect="1"/>
+          </p:cNvPicPr>
+          <p:nvPr/>
+        </p:nvPicPr>
+        <p:blipFill>
+          <a:blip r:embed="rId3" cstate="print">
+            <a:extLst>
+              <a:ext uri="{28A0092B-C50C-407E-A947-70E740481C1C}">
+                <a14:useLocalDpi xmlns:a14="http://schemas.microsoft.com/office/drawing/2010/main" val="0"/>
+              </a:ext>
+            </a:extLst>
+          </a:blip>
+          <a:stretch>
+            <a:fillRect/>
+          </a:stretch>
+        </p:blipFill>
+        <p:spPr>
+          <a:xfrm>
+            <a:off x="8198547" y="101546"/>
+            <a:ext cx="817158" cy="430469"/>
+          </a:xfrm>
+          <a:prstGeom prst="rect">
+            <a:avLst/>
+          </a:prstGeom>
+        </p:spPr>
+      </p:pic>
+      <p:pic>
+        <p:nvPicPr>
+          <p:cNvPr id="8" name="Picture 7"/>
+          <p:cNvPicPr>
+            <a:picLocks noChangeAspect="1"/>
+          </p:cNvPicPr>
+          <p:nvPr/>
+        </p:nvPicPr>
+        <p:blipFill>
+          <a:blip r:embed="rId4"/>
+          <a:stretch>
+            <a:fillRect/>
+          </a:stretch>
+        </p:blipFill>
+        <p:spPr>
+          <a:xfrm>
+            <a:off x="571841" y="2218403"/>
+            <a:ext cx="3838575" cy="2686050"/>
+          </a:xfrm>
+          <a:prstGeom prst="rect">
+            <a:avLst/>
+          </a:prstGeom>
+        </p:spPr>
+      </p:pic>
+      <p:pic>
+        <p:nvPicPr>
+          <p:cNvPr id="9" name="Picture 8"/>
+          <p:cNvPicPr>
+            <a:picLocks noChangeAspect="1"/>
+          </p:cNvPicPr>
+          <p:nvPr/>
+        </p:nvPicPr>
+        <p:blipFill>
+          <a:blip r:embed="rId5"/>
+          <a:stretch>
+            <a:fillRect/>
+          </a:stretch>
+        </p:blipFill>
+        <p:spPr>
+          <a:xfrm>
+            <a:off x="4835700" y="2218403"/>
+            <a:ext cx="3915334" cy="2642608"/>
+          </a:xfrm>
+          <a:prstGeom prst="rect">
+            <a:avLst/>
+          </a:prstGeom>
+        </p:spPr>
+      </p:pic>
+      <p:pic>
+        <p:nvPicPr>
+          <p:cNvPr id="11" name="Picture 2" descr="File:LMU Muenchen Logo.svg"/>
+          <p:cNvPicPr>
+            <a:picLocks noChangeAspect="1" noChangeArrowheads="1"/>
+          </p:cNvPicPr>
+          <p:nvPr/>
+        </p:nvPicPr>
+        <p:blipFill>
+          <a:blip r:embed="rId6" cstate="print">
+            <a:extLst>
+              <a:ext uri="{28A0092B-C50C-407E-A947-70E740481C1C}">
+                <a14:useLocalDpi xmlns:a14="http://schemas.microsoft.com/office/drawing/2010/main" val="0"/>
+              </a:ext>
+            </a:extLst>
+          </a:blip>
+          <a:srcRect/>
+          <a:stretch>
+            <a:fillRect/>
+          </a:stretch>
+        </p:blipFill>
+        <p:spPr bwMode="auto">
+          <a:xfrm>
+            <a:off x="103529" y="6293665"/>
+            <a:ext cx="936625" cy="490496"/>
+          </a:xfrm>
+          <a:prstGeom prst="rect">
+            <a:avLst/>
+          </a:prstGeom>
+          <a:noFill/>
+          <a:extLst>
+            <a:ext uri="{909E8E84-426E-40DD-AFC4-6F175D3DCCD1}">
+              <a14:hiddenFill xmlns:a14="http://schemas.microsoft.com/office/drawing/2010/main">
+                <a:solidFill>
+                  <a:srgbClr val="FFFFFF"/>
+                </a:solidFill>
+              </a14:hiddenFill>
+            </a:ext>
+          </a:extLst>
+        </p:spPr>
+      </p:pic>
+    </p:spTree>
+    <p:extLst>
+      <p:ext uri="{BB962C8B-B14F-4D97-AF65-F5344CB8AC3E}">
+        <p14:creationId xmlns:p14="http://schemas.microsoft.com/office/powerpoint/2010/main" val="1264094379"/>
+      </p:ext>
+    </p:extLst>
+  </p:cSld>
+  <p:clrMapOvr>
+    <a:masterClrMapping/>
+  </p:clrMapOvr>
+  <p:timing>
+    <p:tnLst>
+      <p:par>
+        <p:cTn id="1" dur="indefinite" restart="never" nodeType="tmRoot"/>
+      </p:par>
+    </p:tnLst>
+  </p:timing>
+</p:sld>
+</file>
+
+<file path=ppt/slides/slide28.xml><?xml version="1.0" encoding="utf-8"?>
+<p:sld xmlns:a="http://schemas.openxmlformats.org/drawingml/2006/main" xmlns:r="http://schemas.openxmlformats.org/officeDocument/2006/relationships" xmlns:p="http://schemas.openxmlformats.org/presentationml/2006/main">
+  <p:cSld>
+    <p:spTree>
+      <p:nvGrpSpPr>
+        <p:cNvPr id="1" name=""/>
+        <p:cNvGrpSpPr/>
+        <p:nvPr/>
+      </p:nvGrpSpPr>
+      <p:grpSpPr>
+        <a:xfrm>
+          <a:off x="0" y="0"/>
+          <a:ext cx="0" cy="0"/>
+          <a:chOff x="0" y="0"/>
+          <a:chExt cx="0" cy="0"/>
+        </a:xfrm>
+      </p:grpSpPr>
+      <p:sp>
+        <p:nvSpPr>
+          <p:cNvPr id="2" name="Title 1"/>
+          <p:cNvSpPr>
+            <a:spLocks noGrp="1"/>
+          </p:cNvSpPr>
+          <p:nvPr>
+            <p:ph type="title"/>
+          </p:nvPr>
+        </p:nvSpPr>
+        <p:spPr>
+          <a:xfrm>
+            <a:off x="460977" y="365127"/>
+            <a:ext cx="8290057" cy="609730"/>
+          </a:xfrm>
+        </p:spPr>
+        <p:txBody>
+          <a:bodyPr>
+            <a:normAutofit fontScale="90000"/>
+          </a:bodyPr>
+          <a:lstStyle/>
+          <a:p>
+            <a:r>
+              <a:rPr lang="en-US" dirty="0" smtClean="0">
+                <a:solidFill>
+                  <a:schemeClr val="accent5"/>
+                </a:solidFill>
+              </a:rPr>
+              <a:t>Comparison with Batch Approaches</a:t>
+            </a:r>
+            <a:endParaRPr lang="de-DE" dirty="0">
+              <a:solidFill>
+                <a:schemeClr val="accent5"/>
+              </a:solidFill>
+            </a:endParaRPr>
+          </a:p>
+        </p:txBody>
+      </p:sp>
+      <p:sp>
+        <p:nvSpPr>
+          <p:cNvPr id="3" name="Content Placeholder 2"/>
+          <p:cNvSpPr>
+            <a:spLocks noGrp="1"/>
+          </p:cNvSpPr>
+          <p:nvPr>
+            <p:ph idx="1"/>
+          </p:nvPr>
+        </p:nvSpPr>
+        <p:spPr>
+          <a:xfrm>
+            <a:off x="460977" y="1046648"/>
+            <a:ext cx="8290057" cy="5206790"/>
+          </a:xfrm>
+        </p:spPr>
+        <p:txBody>
+          <a:bodyPr/>
+          <a:lstStyle/>
+          <a:p>
+            <a:r>
+              <a:rPr lang="de-DE" dirty="0" smtClean="0"/>
+              <a:t>Census income data set </a:t>
+            </a:r>
+            <a:r>
+              <a:rPr lang="de-DE" dirty="0" smtClean="0">
+                <a:solidFill>
+                  <a:schemeClr val="tx1">
+                    <a:lumMod val="50000"/>
+                    <a:lumOff val="50000"/>
+                  </a:schemeClr>
+                </a:solidFill>
+              </a:rPr>
+              <a:t>[8]</a:t>
+            </a:r>
+          </a:p>
+          <a:p>
+            <a:r>
+              <a:rPr lang="de-DE" dirty="0" smtClean="0"/>
+              <a:t>10 fold cross validation for batch approaches</a:t>
+            </a:r>
+          </a:p>
+          <a:p>
+            <a:r>
+              <a:rPr lang="de-DE" dirty="0" smtClean="0"/>
+              <a:t>ADWIN variants and BagSRHT reach closest to C4.5</a:t>
+            </a:r>
+          </a:p>
+          <a:p>
+            <a:endParaRPr lang="de-DE" dirty="0"/>
+          </a:p>
+          <a:p>
+            <a:endParaRPr lang="de-DE" dirty="0" smtClean="0"/>
+          </a:p>
+        </p:txBody>
+      </p:sp>
+      <p:sp>
+        <p:nvSpPr>
+          <p:cNvPr id="7" name="Slide Number Placeholder 6"/>
+          <p:cNvSpPr>
+            <a:spLocks noGrp="1"/>
+          </p:cNvSpPr>
+          <p:nvPr>
+            <p:ph type="sldNum" sz="quarter" idx="12"/>
+          </p:nvPr>
+        </p:nvSpPr>
+        <p:spPr/>
+        <p:txBody>
+          <a:bodyPr/>
+          <a:lstStyle/>
+          <a:p>
+            <a:fld id="{EAE41600-55F5-4A6B-8385-85433044AE0B}" type="slidenum">
+              <a:rPr lang="de-DE" smtClean="0"/>
+              <a:t>28</a:t>
             </a:fld>
             <a:endParaRPr lang="de-DE" dirty="0"/>
           </a:p>
@@ -33396,7 +34819,7 @@
 </p:sld>
 </file>
 
-<file path=ppt/slides/slide25.xml><?xml version="1.0" encoding="utf-8"?>
+<file path=ppt/slides/slide29.xml><?xml version="1.0" encoding="utf-8"?>
 <p:sld xmlns:a="http://schemas.openxmlformats.org/drawingml/2006/main" xmlns:r="http://schemas.openxmlformats.org/officeDocument/2006/relationships" xmlns:p="http://schemas.openxmlformats.org/presentationml/2006/main">
   <p:cSld>
     <p:spTree>
@@ -33413,6 +34836,54 @@
           <a:chExt cx="0" cy="0"/>
         </a:xfrm>
       </p:grpSpPr>
+      <p:pic>
+        <p:nvPicPr>
+          <p:cNvPr id="11" name="Picture 2" descr="http://learningworkshop.mindedge.com/wp-content/uploads/2014/04/quote_bubbles.jpg"/>
+          <p:cNvPicPr>
+            <a:picLocks noChangeAspect="1" noChangeArrowheads="1"/>
+          </p:cNvPicPr>
+          <p:nvPr/>
+        </p:nvPicPr>
+        <p:blipFill>
+          <a:blip r:embed="rId3">
+            <a:duotone>
+              <a:schemeClr val="bg2">
+                <a:shade val="45000"/>
+                <a:satMod val="135000"/>
+              </a:schemeClr>
+              <a:prstClr val="white"/>
+            </a:duotone>
+            <a:extLst>
+              <a:ext uri="{28A0092B-C50C-407E-A947-70E740481C1C}">
+                <a14:useLocalDpi xmlns:a14="http://schemas.microsoft.com/office/drawing/2010/main" val="0"/>
+              </a:ext>
+            </a:extLst>
+          </a:blip>
+          <a:srcRect/>
+          <a:stretch>
+            <a:fillRect/>
+          </a:stretch>
+        </p:blipFill>
+        <p:spPr bwMode="auto">
+          <a:xfrm>
+            <a:off x="5619750" y="4219574"/>
+            <a:ext cx="3524250" cy="2638426"/>
+          </a:xfrm>
+          <a:prstGeom prst="rect">
+            <a:avLst/>
+          </a:prstGeom>
+          <a:noFill/>
+          <a:extLst>
+            <a:ext uri="{909E8E84-426E-40DD-AFC4-6F175D3DCCD1}">
+              <a14:hiddenFill xmlns:a14="http://schemas.microsoft.com/office/drawing/2010/main">
+                <a:solidFill>
+                  <a:srgbClr val="FFFFFF"/>
+                </a:solidFill>
+              </a14:hiddenFill>
+            </a:ext>
+          </a:extLst>
+        </p:spPr>
+      </p:pic>
       <p:sp>
         <p:nvSpPr>
           <p:cNvPr id="2" name="Title 1"/>
@@ -33436,23 +34907,12 @@
           <a:lstStyle/>
           <a:p>
             <a:r>
-              <a:rPr lang="en-US" dirty="0" smtClean="0">
+              <a:rPr lang="de-DE" dirty="0" smtClean="0">
                 <a:solidFill>
                   <a:schemeClr val="accent5"/>
                 </a:solidFill>
               </a:rPr>
-              <a:t>Effect of Parameters </a:t>
-            </a:r>
-            <a:r>
-              <a:rPr lang="en-US" sz="3100" dirty="0" smtClean="0">
-                <a:solidFill>
-                  <a:prstClr val="black">
-                    <a:lumMod val="50000"/>
-                    <a:lumOff val="50000"/>
-                  </a:prstClr>
-                </a:solidFill>
-              </a:rPr>
-              <a:t>Data Generation</a:t>
+              <a:t>Conclusion</a:t>
             </a:r>
             <a:endParaRPr lang="de-DE" dirty="0">
               <a:solidFill>
@@ -33483,22 +34943,28 @@
           <a:lstStyle/>
           <a:p>
             <a:r>
-              <a:rPr lang="de-DE" dirty="0" smtClean="0"/>
-              <a:t>Without any drift, all method performs the same</a:t>
+              <a:rPr lang="en-US" dirty="0" smtClean="0"/>
+              <a:t>New look at the composition of streams</a:t>
             </a:r>
           </a:p>
           <a:p>
             <a:r>
-              <a:rPr lang="de-DE" dirty="0" smtClean="0"/>
-              <a:t>With small drift ADWIN and boost variants performs best</a:t>
+              <a:rPr lang="en-US" dirty="0" smtClean="0"/>
+              <a:t>New approach to generate varied-speed data streams</a:t>
             </a:r>
           </a:p>
           <a:p>
             <a:r>
-              <a:rPr lang="de-DE" dirty="0" smtClean="0"/>
-              <a:t>BagSRHT and BagASHT performs similar in all cases</a:t>
+              <a:rPr lang="en-US" dirty="0" smtClean="0"/>
+              <a:t>Improvement on ASHT bagging by using introducing carry-over bagging</a:t>
             </a:r>
-            <a:endParaRPr lang="de-DE" dirty="0"/>
+          </a:p>
+          <a:p>
+            <a:r>
+              <a:rPr lang="en-US" dirty="0" smtClean="0"/>
+              <a:t>A comprehensive survey of the existing literature</a:t>
+            </a:r>
+            <a:endParaRPr lang="en-US" dirty="0"/>
           </a:p>
         </p:txBody>
       </p:sp>
@@ -33519,7 +34985,7 @@
           <a:p>
             <a:fld id="{EAE41600-55F5-4A6B-8385-85433044AE0B}" type="slidenum">
               <a:rPr lang="de-DE" smtClean="0"/>
-              <a:t>25</a:t>
+              <a:t>29</a:t>
             </a:fld>
             <a:endParaRPr lang="de-DE" dirty="0"/>
           </a:p>
@@ -33527,14 +34993,14 @@
       </p:sp>
       <p:pic>
         <p:nvPicPr>
-          <p:cNvPr id="10" name="Picture 9"/>
+          <p:cNvPr id="12" name="Picture 11"/>
           <p:cNvPicPr>
             <a:picLocks noChangeAspect="1"/>
           </p:cNvPicPr>
           <p:nvPr/>
         </p:nvPicPr>
         <p:blipFill>
-          <a:blip r:embed="rId3" cstate="print">
+          <a:blip r:embed="rId4" cstate="print">
             <a:extLst>
               <a:ext uri="{28A0092B-C50C-407E-A947-70E740481C1C}">
                 <a14:useLocalDpi xmlns:a14="http://schemas.microsoft.com/office/drawing/2010/main" val="0"/>
@@ -33557,556 +35023,7 @@
       </p:pic>
       <p:pic>
         <p:nvPicPr>
-          <p:cNvPr id="5" name="Picture 4"/>
-          <p:cNvPicPr>
-            <a:picLocks noChangeAspect="1"/>
-          </p:cNvPicPr>
-          <p:nvPr/>
-        </p:nvPicPr>
-        <p:blipFill>
-          <a:blip r:embed="rId4"/>
-          <a:stretch>
-            <a:fillRect/>
-          </a:stretch>
-        </p:blipFill>
-        <p:spPr>
-          <a:xfrm>
-            <a:off x="571841" y="3208559"/>
-            <a:ext cx="3857625" cy="2705100"/>
-          </a:xfrm>
-          <a:prstGeom prst="rect">
-            <a:avLst/>
-          </a:prstGeom>
-        </p:spPr>
-      </p:pic>
-      <p:pic>
-        <p:nvPicPr>
-          <p:cNvPr id="6" name="Picture 5"/>
-          <p:cNvPicPr>
-            <a:picLocks noChangeAspect="1"/>
-          </p:cNvPicPr>
-          <p:nvPr/>
-        </p:nvPicPr>
-        <p:blipFill>
-          <a:blip r:embed="rId5"/>
-          <a:stretch>
-            <a:fillRect/>
-          </a:stretch>
-        </p:blipFill>
-        <p:spPr>
-          <a:xfrm>
-            <a:off x="4911635" y="3284759"/>
-            <a:ext cx="3876675" cy="2628900"/>
-          </a:xfrm>
-          <a:prstGeom prst="rect">
-            <a:avLst/>
-          </a:prstGeom>
-        </p:spPr>
-      </p:pic>
-      <p:pic>
-        <p:nvPicPr>
-          <p:cNvPr id="11" name="Picture 2" descr="File:LMU Muenchen Logo.svg"/>
-          <p:cNvPicPr>
-            <a:picLocks noChangeAspect="1" noChangeArrowheads="1"/>
-          </p:cNvPicPr>
-          <p:nvPr/>
-        </p:nvPicPr>
-        <p:blipFill>
-          <a:blip r:embed="rId6" cstate="print">
-            <a:extLst>
-              <a:ext uri="{28A0092B-C50C-407E-A947-70E740481C1C}">
-                <a14:useLocalDpi xmlns:a14="http://schemas.microsoft.com/office/drawing/2010/main" val="0"/>
-              </a:ext>
-            </a:extLst>
-          </a:blip>
-          <a:srcRect/>
-          <a:stretch>
-            <a:fillRect/>
-          </a:stretch>
-        </p:blipFill>
-        <p:spPr bwMode="auto">
-          <a:xfrm>
-            <a:off x="103529" y="6293665"/>
-            <a:ext cx="936625" cy="490496"/>
-          </a:xfrm>
-          <a:prstGeom prst="rect">
-            <a:avLst/>
-          </a:prstGeom>
-          <a:noFill/>
-          <a:extLst>
-            <a:ext uri="{909E8E84-426E-40DD-AFC4-6F175D3DCCD1}">
-              <a14:hiddenFill xmlns:a14="http://schemas.microsoft.com/office/drawing/2010/main">
-                <a:solidFill>
-                  <a:srgbClr val="FFFFFF"/>
-                </a:solidFill>
-              </a14:hiddenFill>
-            </a:ext>
-          </a:extLst>
-        </p:spPr>
-      </p:pic>
-    </p:spTree>
-    <p:extLst>
-      <p:ext uri="{BB962C8B-B14F-4D97-AF65-F5344CB8AC3E}">
-        <p14:creationId xmlns:p14="http://schemas.microsoft.com/office/powerpoint/2010/main" val="3875751010"/>
-      </p:ext>
-    </p:extLst>
-  </p:cSld>
-  <p:clrMapOvr>
-    <a:masterClrMapping/>
-  </p:clrMapOvr>
-  <p:timing>
-    <p:tnLst>
-      <p:par>
-        <p:cTn id="1" dur="indefinite" restart="never" nodeType="tmRoot"/>
-      </p:par>
-    </p:tnLst>
-  </p:timing>
-</p:sld>
-</file>
-
-<file path=ppt/slides/slide26.xml><?xml version="1.0" encoding="utf-8"?>
-<p:sld xmlns:a="http://schemas.openxmlformats.org/drawingml/2006/main" xmlns:r="http://schemas.openxmlformats.org/officeDocument/2006/relationships" xmlns:p="http://schemas.openxmlformats.org/presentationml/2006/main">
-  <p:cSld>
-    <p:spTree>
-      <p:nvGrpSpPr>
-        <p:cNvPr id="1" name=""/>
-        <p:cNvGrpSpPr/>
-        <p:nvPr/>
-      </p:nvGrpSpPr>
-      <p:grpSpPr>
-        <a:xfrm>
-          <a:off x="0" y="0"/>
-          <a:ext cx="0" cy="0"/>
-          <a:chOff x="0" y="0"/>
-          <a:chExt cx="0" cy="0"/>
-        </a:xfrm>
-      </p:grpSpPr>
-      <p:sp>
-        <p:nvSpPr>
-          <p:cNvPr id="2" name="Title 1"/>
-          <p:cNvSpPr>
-            <a:spLocks noGrp="1"/>
-          </p:cNvSpPr>
-          <p:nvPr>
-            <p:ph type="title"/>
-          </p:nvPr>
-        </p:nvSpPr>
-        <p:spPr>
-          <a:xfrm>
-            <a:off x="460977" y="365127"/>
-            <a:ext cx="8290057" cy="609730"/>
-          </a:xfrm>
-        </p:spPr>
-        <p:txBody>
-          <a:bodyPr>
-            <a:normAutofit fontScale="90000"/>
-          </a:bodyPr>
-          <a:lstStyle/>
-          <a:p>
-            <a:r>
-              <a:rPr lang="en-US" dirty="0">
-                <a:solidFill>
-                  <a:schemeClr val="accent5"/>
-                </a:solidFill>
-              </a:rPr>
-              <a:t>Effect of Parameters </a:t>
-            </a:r>
-            <a:r>
-              <a:rPr lang="en-US" sz="3100" dirty="0" smtClean="0">
-                <a:solidFill>
-                  <a:prstClr val="black">
-                    <a:lumMod val="50000"/>
-                    <a:lumOff val="50000"/>
-                  </a:prstClr>
-                </a:solidFill>
-              </a:rPr>
-              <a:t>Algorithm</a:t>
-            </a:r>
-            <a:endParaRPr lang="de-DE" dirty="0">
-              <a:solidFill>
-                <a:schemeClr val="accent5"/>
-              </a:solidFill>
-            </a:endParaRPr>
-          </a:p>
-        </p:txBody>
-      </p:sp>
-      <p:sp>
-        <p:nvSpPr>
-          <p:cNvPr id="3" name="Content Placeholder 2"/>
-          <p:cNvSpPr>
-            <a:spLocks noGrp="1"/>
-          </p:cNvSpPr>
-          <p:nvPr>
-            <p:ph idx="1"/>
-          </p:nvPr>
-        </p:nvSpPr>
-        <p:spPr>
-          <a:xfrm>
-            <a:off x="460977" y="1046648"/>
-            <a:ext cx="8290057" cy="5206790"/>
-          </a:xfrm>
-        </p:spPr>
-        <p:txBody>
-          <a:bodyPr/>
-          <a:lstStyle/>
-          <a:p>
-            <a:r>
-              <a:rPr lang="de-DE" dirty="0" smtClean="0"/>
-              <a:t>Grece period effectively reduces processing time and tree size</a:t>
-            </a:r>
-            <a:endParaRPr lang="de-DE" dirty="0"/>
-          </a:p>
-        </p:txBody>
-      </p:sp>
-      <p:sp>
-        <p:nvSpPr>
-          <p:cNvPr id="7" name="Slide Number Placeholder 6"/>
-          <p:cNvSpPr>
-            <a:spLocks noGrp="1"/>
-          </p:cNvSpPr>
-          <p:nvPr>
-            <p:ph type="sldNum" sz="quarter" idx="12"/>
-          </p:nvPr>
-        </p:nvSpPr>
-        <p:spPr/>
-        <p:txBody>
-          <a:bodyPr/>
-          <a:lstStyle/>
-          <a:p>
-            <a:fld id="{EAE41600-55F5-4A6B-8385-85433044AE0B}" type="slidenum">
-              <a:rPr lang="de-DE" smtClean="0"/>
-              <a:t>26</a:t>
-            </a:fld>
-            <a:endParaRPr lang="de-DE" dirty="0"/>
-          </a:p>
-        </p:txBody>
-      </p:sp>
-      <p:pic>
-        <p:nvPicPr>
-          <p:cNvPr id="10" name="Picture 9"/>
-          <p:cNvPicPr>
-            <a:picLocks noChangeAspect="1"/>
-          </p:cNvPicPr>
-          <p:nvPr/>
-        </p:nvPicPr>
-        <p:blipFill>
-          <a:blip r:embed="rId3" cstate="print">
-            <a:extLst>
-              <a:ext uri="{28A0092B-C50C-407E-A947-70E740481C1C}">
-                <a14:useLocalDpi xmlns:a14="http://schemas.microsoft.com/office/drawing/2010/main" val="0"/>
-              </a:ext>
-            </a:extLst>
-          </a:blip>
-          <a:stretch>
-            <a:fillRect/>
-          </a:stretch>
-        </p:blipFill>
-        <p:spPr>
-          <a:xfrm>
-            <a:off x="8198547" y="101546"/>
-            <a:ext cx="817158" cy="430469"/>
-          </a:xfrm>
-          <a:prstGeom prst="rect">
-            <a:avLst/>
-          </a:prstGeom>
-        </p:spPr>
-      </p:pic>
-      <p:pic>
-        <p:nvPicPr>
-          <p:cNvPr id="8" name="Picture 7"/>
-          <p:cNvPicPr>
-            <a:picLocks noChangeAspect="1"/>
-          </p:cNvPicPr>
-          <p:nvPr/>
-        </p:nvPicPr>
-        <p:blipFill>
-          <a:blip r:embed="rId4"/>
-          <a:stretch>
-            <a:fillRect/>
-          </a:stretch>
-        </p:blipFill>
-        <p:spPr>
-          <a:xfrm>
-            <a:off x="571841" y="2218403"/>
-            <a:ext cx="3838575" cy="2686050"/>
-          </a:xfrm>
-          <a:prstGeom prst="rect">
-            <a:avLst/>
-          </a:prstGeom>
-        </p:spPr>
-      </p:pic>
-      <p:pic>
-        <p:nvPicPr>
-          <p:cNvPr id="9" name="Picture 8"/>
-          <p:cNvPicPr>
-            <a:picLocks noChangeAspect="1"/>
-          </p:cNvPicPr>
-          <p:nvPr/>
-        </p:nvPicPr>
-        <p:blipFill>
-          <a:blip r:embed="rId5"/>
-          <a:stretch>
-            <a:fillRect/>
-          </a:stretch>
-        </p:blipFill>
-        <p:spPr>
-          <a:xfrm>
-            <a:off x="4835700" y="2218403"/>
-            <a:ext cx="3915334" cy="2642608"/>
-          </a:xfrm>
-          <a:prstGeom prst="rect">
-            <a:avLst/>
-          </a:prstGeom>
-        </p:spPr>
-      </p:pic>
-      <p:pic>
-        <p:nvPicPr>
-          <p:cNvPr id="11" name="Picture 2" descr="File:LMU Muenchen Logo.svg"/>
-          <p:cNvPicPr>
-            <a:picLocks noChangeAspect="1" noChangeArrowheads="1"/>
-          </p:cNvPicPr>
-          <p:nvPr/>
-        </p:nvPicPr>
-        <p:blipFill>
-          <a:blip r:embed="rId6" cstate="print">
-            <a:extLst>
-              <a:ext uri="{28A0092B-C50C-407E-A947-70E740481C1C}">
-                <a14:useLocalDpi xmlns:a14="http://schemas.microsoft.com/office/drawing/2010/main" val="0"/>
-              </a:ext>
-            </a:extLst>
-          </a:blip>
-          <a:srcRect/>
-          <a:stretch>
-            <a:fillRect/>
-          </a:stretch>
-        </p:blipFill>
-        <p:spPr bwMode="auto">
-          <a:xfrm>
-            <a:off x="103529" y="6293665"/>
-            <a:ext cx="936625" cy="490496"/>
-          </a:xfrm>
-          <a:prstGeom prst="rect">
-            <a:avLst/>
-          </a:prstGeom>
-          <a:noFill/>
-          <a:extLst>
-            <a:ext uri="{909E8E84-426E-40DD-AFC4-6F175D3DCCD1}">
-              <a14:hiddenFill xmlns:a14="http://schemas.microsoft.com/office/drawing/2010/main">
-                <a:solidFill>
-                  <a:srgbClr val="FFFFFF"/>
-                </a:solidFill>
-              </a14:hiddenFill>
-            </a:ext>
-          </a:extLst>
-        </p:spPr>
-      </p:pic>
-    </p:spTree>
-    <p:extLst>
-      <p:ext uri="{BB962C8B-B14F-4D97-AF65-F5344CB8AC3E}">
-        <p14:creationId xmlns:p14="http://schemas.microsoft.com/office/powerpoint/2010/main" val="1264094379"/>
-      </p:ext>
-    </p:extLst>
-  </p:cSld>
-  <p:clrMapOvr>
-    <a:masterClrMapping/>
-  </p:clrMapOvr>
-  <p:timing>
-    <p:tnLst>
-      <p:par>
-        <p:cTn id="1" dur="indefinite" restart="never" nodeType="tmRoot"/>
-      </p:par>
-    </p:tnLst>
-  </p:timing>
-</p:sld>
-</file>
-
-<file path=ppt/slides/slide27.xml><?xml version="1.0" encoding="utf-8"?>
-<p:sld xmlns:a="http://schemas.openxmlformats.org/drawingml/2006/main" xmlns:r="http://schemas.openxmlformats.org/officeDocument/2006/relationships" xmlns:p="http://schemas.openxmlformats.org/presentationml/2006/main">
-  <p:cSld>
-    <p:spTree>
-      <p:nvGrpSpPr>
-        <p:cNvPr id="1" name=""/>
-        <p:cNvGrpSpPr/>
-        <p:nvPr/>
-      </p:nvGrpSpPr>
-      <p:grpSpPr>
-        <a:xfrm>
-          <a:off x="0" y="0"/>
-          <a:ext cx="0" cy="0"/>
-          <a:chOff x="0" y="0"/>
-          <a:chExt cx="0" cy="0"/>
-        </a:xfrm>
-      </p:grpSpPr>
-      <p:sp>
-        <p:nvSpPr>
-          <p:cNvPr id="2" name="Title 1"/>
-          <p:cNvSpPr>
-            <a:spLocks noGrp="1"/>
-          </p:cNvSpPr>
-          <p:nvPr>
-            <p:ph type="title"/>
-          </p:nvPr>
-        </p:nvSpPr>
-        <p:spPr>
-          <a:xfrm>
-            <a:off x="460977" y="365127"/>
-            <a:ext cx="8290057" cy="609730"/>
-          </a:xfrm>
-        </p:spPr>
-        <p:txBody>
-          <a:bodyPr>
-            <a:normAutofit fontScale="90000"/>
-          </a:bodyPr>
-          <a:lstStyle/>
-          <a:p>
-            <a:r>
-              <a:rPr lang="en-US" dirty="0">
-                <a:solidFill>
-                  <a:schemeClr val="accent5"/>
-                </a:solidFill>
-              </a:rPr>
-              <a:t>Effect of Parameters </a:t>
-            </a:r>
-            <a:r>
-              <a:rPr lang="en-US" sz="3100" dirty="0" smtClean="0">
-                <a:solidFill>
-                  <a:prstClr val="black">
-                    <a:lumMod val="50000"/>
-                    <a:lumOff val="50000"/>
-                  </a:prstClr>
-                </a:solidFill>
-              </a:rPr>
-              <a:t>Algorithm</a:t>
-            </a:r>
-            <a:endParaRPr lang="de-DE" dirty="0">
-              <a:solidFill>
-                <a:schemeClr val="accent5"/>
-              </a:solidFill>
-            </a:endParaRPr>
-          </a:p>
-        </p:txBody>
-      </p:sp>
-      <p:sp>
-        <p:nvSpPr>
-          <p:cNvPr id="3" name="Content Placeholder 2"/>
-          <p:cNvSpPr>
-            <a:spLocks noGrp="1"/>
-          </p:cNvSpPr>
-          <p:nvPr>
-            <p:ph idx="1"/>
-          </p:nvPr>
-        </p:nvSpPr>
-        <p:spPr>
-          <a:xfrm>
-            <a:off x="460977" y="1046648"/>
-            <a:ext cx="8290057" cy="5206790"/>
-          </a:xfrm>
-        </p:spPr>
-        <p:txBody>
-          <a:bodyPr/>
-          <a:lstStyle/>
-          <a:p>
-            <a:r>
-              <a:rPr lang="de-DE" dirty="0" smtClean="0"/>
-              <a:t>Larger tie threshold causes massive trees</a:t>
-            </a:r>
-          </a:p>
-          <a:p>
-            <a:r>
-              <a:rPr lang="de-DE" dirty="0" smtClean="0"/>
-              <a:t>Binary splits are nearly as effective as non-binary splits</a:t>
-            </a:r>
-          </a:p>
-          <a:p>
-            <a:pPr lvl="1"/>
-            <a:r>
-              <a:rPr lang="de-DE" dirty="0" smtClean="0"/>
-              <a:t>Negligible loss of accuracy (1-2%)</a:t>
-            </a:r>
-            <a:endParaRPr lang="de-DE" dirty="0"/>
-          </a:p>
-        </p:txBody>
-      </p:sp>
-      <p:sp>
-        <p:nvSpPr>
-          <p:cNvPr id="7" name="Slide Number Placeholder 6"/>
-          <p:cNvSpPr>
-            <a:spLocks noGrp="1"/>
-          </p:cNvSpPr>
-          <p:nvPr>
-            <p:ph type="sldNum" sz="quarter" idx="12"/>
-          </p:nvPr>
-        </p:nvSpPr>
-        <p:spPr/>
-        <p:txBody>
-          <a:bodyPr/>
-          <a:lstStyle/>
-          <a:p>
-            <a:fld id="{EAE41600-55F5-4A6B-8385-85433044AE0B}" type="slidenum">
-              <a:rPr lang="de-DE" smtClean="0"/>
-              <a:t>27</a:t>
-            </a:fld>
-            <a:endParaRPr lang="de-DE" dirty="0"/>
-          </a:p>
-        </p:txBody>
-      </p:sp>
-      <p:pic>
-        <p:nvPicPr>
-          <p:cNvPr id="10" name="Picture 9"/>
-          <p:cNvPicPr>
-            <a:picLocks noChangeAspect="1"/>
-          </p:cNvPicPr>
-          <p:nvPr/>
-        </p:nvPicPr>
-        <p:blipFill>
-          <a:blip r:embed="rId3" cstate="print">
-            <a:extLst>
-              <a:ext uri="{28A0092B-C50C-407E-A947-70E740481C1C}">
-                <a14:useLocalDpi xmlns:a14="http://schemas.microsoft.com/office/drawing/2010/main" val="0"/>
-              </a:ext>
-            </a:extLst>
-          </a:blip>
-          <a:stretch>
-            <a:fillRect/>
-          </a:stretch>
-        </p:blipFill>
-        <p:spPr>
-          <a:xfrm>
-            <a:off x="8198547" y="101546"/>
-            <a:ext cx="817158" cy="430469"/>
-          </a:xfrm>
-          <a:prstGeom prst="rect">
-            <a:avLst/>
-          </a:prstGeom>
-        </p:spPr>
-      </p:pic>
-      <p:pic>
-        <p:nvPicPr>
-          <p:cNvPr id="12" name="Picture 11"/>
-          <p:cNvPicPr>
-            <a:picLocks noChangeAspect="1"/>
-          </p:cNvPicPr>
-          <p:nvPr/>
-        </p:nvPicPr>
-        <p:blipFill>
-          <a:blip r:embed="rId4"/>
-          <a:stretch>
-            <a:fillRect/>
-          </a:stretch>
-        </p:blipFill>
-        <p:spPr>
-          <a:xfrm>
-            <a:off x="556031" y="2837989"/>
-            <a:ext cx="3762375" cy="2628900"/>
-          </a:xfrm>
-          <a:prstGeom prst="rect">
-            <a:avLst/>
-          </a:prstGeom>
-        </p:spPr>
-      </p:pic>
-      <p:pic>
-        <p:nvPicPr>
-          <p:cNvPr id="11" name="Picture 2" descr="File:LMU Muenchen Logo.svg"/>
+          <p:cNvPr id="13" name="Picture 2" descr="File:LMU Muenchen Logo.svg"/>
           <p:cNvPicPr>
             <a:picLocks noChangeAspect="1" noChangeArrowheads="1"/>
           </p:cNvPicPr>
@@ -34145,622 +35062,10 @@
           </a:extLst>
         </p:spPr>
       </p:pic>
-      <p:pic>
-        <p:nvPicPr>
-          <p:cNvPr id="13" name="Picture 12"/>
-          <p:cNvPicPr>
-            <a:picLocks noChangeAspect="1"/>
-          </p:cNvPicPr>
-          <p:nvPr/>
-        </p:nvPicPr>
-        <p:blipFill>
-          <a:blip r:embed="rId6"/>
-          <a:stretch>
-            <a:fillRect/>
-          </a:stretch>
-        </p:blipFill>
-        <p:spPr>
-          <a:xfrm>
-            <a:off x="4859792" y="2894055"/>
-            <a:ext cx="3867150" cy="2590800"/>
-          </a:xfrm>
-          <a:prstGeom prst="rect">
-            <a:avLst/>
-          </a:prstGeom>
-        </p:spPr>
-      </p:pic>
     </p:spTree>
     <p:extLst>
       <p:ext uri="{BB962C8B-B14F-4D97-AF65-F5344CB8AC3E}">
-        <p14:creationId xmlns:p14="http://schemas.microsoft.com/office/powerpoint/2010/main" val="1210981006"/>
-      </p:ext>
-    </p:extLst>
-  </p:cSld>
-  <p:clrMapOvr>
-    <a:masterClrMapping/>
-  </p:clrMapOvr>
-  <p:timing>
-    <p:tnLst>
-      <p:par>
-        <p:cTn id="1" dur="indefinite" restart="never" nodeType="tmRoot"/>
-      </p:par>
-    </p:tnLst>
-  </p:timing>
-</p:sld>
-</file>
-
-<file path=ppt/slides/slide28.xml><?xml version="1.0" encoding="utf-8"?>
-<p:sld xmlns:a="http://schemas.openxmlformats.org/drawingml/2006/main" xmlns:r="http://schemas.openxmlformats.org/officeDocument/2006/relationships" xmlns:p="http://schemas.openxmlformats.org/presentationml/2006/main">
-  <p:cSld>
-    <p:spTree>
-      <p:nvGrpSpPr>
-        <p:cNvPr id="1" name=""/>
-        <p:cNvGrpSpPr/>
-        <p:nvPr/>
-      </p:nvGrpSpPr>
-      <p:grpSpPr>
-        <a:xfrm>
-          <a:off x="0" y="0"/>
-          <a:ext cx="0" cy="0"/>
-          <a:chOff x="0" y="0"/>
-          <a:chExt cx="0" cy="0"/>
-        </a:xfrm>
-      </p:grpSpPr>
-      <p:sp>
-        <p:nvSpPr>
-          <p:cNvPr id="2" name="Title 1"/>
-          <p:cNvSpPr>
-            <a:spLocks noGrp="1"/>
-          </p:cNvSpPr>
-          <p:nvPr>
-            <p:ph type="title"/>
-          </p:nvPr>
-        </p:nvSpPr>
-        <p:spPr>
-          <a:xfrm>
-            <a:off x="460977" y="365127"/>
-            <a:ext cx="8290057" cy="609730"/>
-          </a:xfrm>
-        </p:spPr>
-        <p:txBody>
-          <a:bodyPr>
-            <a:normAutofit fontScale="90000"/>
-          </a:bodyPr>
-          <a:lstStyle/>
-          <a:p>
-            <a:r>
-              <a:rPr lang="en-US" dirty="0" smtClean="0">
-                <a:solidFill>
-                  <a:schemeClr val="accent5"/>
-                </a:solidFill>
-              </a:rPr>
-              <a:t>BagSRHT vs BagASHT</a:t>
-            </a:r>
-            <a:endParaRPr lang="de-DE" dirty="0">
-              <a:solidFill>
-                <a:schemeClr val="accent5"/>
-              </a:solidFill>
-            </a:endParaRPr>
-          </a:p>
-        </p:txBody>
-      </p:sp>
-      <p:sp>
-        <p:nvSpPr>
-          <p:cNvPr id="3" name="Content Placeholder 2"/>
-          <p:cNvSpPr>
-            <a:spLocks noGrp="1"/>
-          </p:cNvSpPr>
-          <p:nvPr>
-            <p:ph idx="1"/>
-          </p:nvPr>
-        </p:nvSpPr>
-        <p:spPr>
-          <a:xfrm>
-            <a:off x="460977" y="1046648"/>
-            <a:ext cx="8290057" cy="5206790"/>
-          </a:xfrm>
-        </p:spPr>
-        <p:txBody>
-          <a:bodyPr/>
-          <a:lstStyle/>
-          <a:p>
-            <a:r>
-              <a:rPr lang="de-DE" dirty="0" smtClean="0"/>
-              <a:t>Performance is prone to tree reset</a:t>
-            </a:r>
-          </a:p>
-          <a:p>
-            <a:pPr lvl="1"/>
-            <a:r>
-              <a:rPr lang="de-DE" dirty="0" smtClean="0"/>
-              <a:t>VSRBF performance suffers significantly more than Random RBF</a:t>
-            </a:r>
-          </a:p>
-          <a:p>
-            <a:r>
-              <a:rPr lang="de-DE" dirty="0" smtClean="0"/>
-              <a:t>BagSRHT is likely to be more stable than BagASHT</a:t>
-            </a:r>
-            <a:endParaRPr lang="de-DE" dirty="0"/>
-          </a:p>
-        </p:txBody>
-      </p:sp>
-      <p:sp>
-        <p:nvSpPr>
-          <p:cNvPr id="7" name="Slide Number Placeholder 6"/>
-          <p:cNvSpPr>
-            <a:spLocks noGrp="1"/>
-          </p:cNvSpPr>
-          <p:nvPr>
-            <p:ph type="sldNum" sz="quarter" idx="12"/>
-          </p:nvPr>
-        </p:nvSpPr>
-        <p:spPr/>
-        <p:txBody>
-          <a:bodyPr/>
-          <a:lstStyle/>
-          <a:p>
-            <a:fld id="{EAE41600-55F5-4A6B-8385-85433044AE0B}" type="slidenum">
-              <a:rPr lang="de-DE" smtClean="0"/>
-              <a:t>28</a:t>
-            </a:fld>
-            <a:endParaRPr lang="de-DE" dirty="0"/>
-          </a:p>
-        </p:txBody>
-      </p:sp>
-      <p:pic>
-        <p:nvPicPr>
-          <p:cNvPr id="10" name="Picture 9"/>
-          <p:cNvPicPr>
-            <a:picLocks noChangeAspect="1"/>
-          </p:cNvPicPr>
-          <p:nvPr/>
-        </p:nvPicPr>
-        <p:blipFill>
-          <a:blip r:embed="rId3" cstate="print">
-            <a:extLst>
-              <a:ext uri="{28A0092B-C50C-407E-A947-70E740481C1C}">
-                <a14:useLocalDpi xmlns:a14="http://schemas.microsoft.com/office/drawing/2010/main" val="0"/>
-              </a:ext>
-            </a:extLst>
-          </a:blip>
-          <a:stretch>
-            <a:fillRect/>
-          </a:stretch>
-        </p:blipFill>
-        <p:spPr>
-          <a:xfrm>
-            <a:off x="8198547" y="101546"/>
-            <a:ext cx="817158" cy="430469"/>
-          </a:xfrm>
-          <a:prstGeom prst="rect">
-            <a:avLst/>
-          </a:prstGeom>
-        </p:spPr>
-      </p:pic>
-      <p:pic>
-        <p:nvPicPr>
-          <p:cNvPr id="11" name="Picture 2" descr="File:LMU Muenchen Logo.svg"/>
-          <p:cNvPicPr>
-            <a:picLocks noChangeAspect="1" noChangeArrowheads="1"/>
-          </p:cNvPicPr>
-          <p:nvPr/>
-        </p:nvPicPr>
-        <p:blipFill>
-          <a:blip r:embed="rId4" cstate="print">
-            <a:extLst>
-              <a:ext uri="{28A0092B-C50C-407E-A947-70E740481C1C}">
-                <a14:useLocalDpi xmlns:a14="http://schemas.microsoft.com/office/drawing/2010/main" val="0"/>
-              </a:ext>
-            </a:extLst>
-          </a:blip>
-          <a:srcRect/>
-          <a:stretch>
-            <a:fillRect/>
-          </a:stretch>
-        </p:blipFill>
-        <p:spPr bwMode="auto">
-          <a:xfrm>
-            <a:off x="103529" y="6293665"/>
-            <a:ext cx="936625" cy="490496"/>
-          </a:xfrm>
-          <a:prstGeom prst="rect">
-            <a:avLst/>
-          </a:prstGeom>
-          <a:noFill/>
-          <a:extLst>
-            <a:ext uri="{909E8E84-426E-40DD-AFC4-6F175D3DCCD1}">
-              <a14:hiddenFill xmlns:a14="http://schemas.microsoft.com/office/drawing/2010/main">
-                <a:solidFill>
-                  <a:srgbClr val="FFFFFF"/>
-                </a:solidFill>
-              </a14:hiddenFill>
-            </a:ext>
-          </a:extLst>
-        </p:spPr>
-      </p:pic>
-      <p:pic>
-        <p:nvPicPr>
-          <p:cNvPr id="4" name="Picture 3"/>
-          <p:cNvPicPr>
-            <a:picLocks noChangeAspect="1"/>
-          </p:cNvPicPr>
-          <p:nvPr/>
-        </p:nvPicPr>
-        <p:blipFill>
-          <a:blip r:embed="rId5"/>
-          <a:stretch>
-            <a:fillRect/>
-          </a:stretch>
-        </p:blipFill>
-        <p:spPr>
-          <a:xfrm>
-            <a:off x="348330" y="2875675"/>
-            <a:ext cx="8515350" cy="2933700"/>
-          </a:xfrm>
-          <a:prstGeom prst="rect">
-            <a:avLst/>
-          </a:prstGeom>
-        </p:spPr>
-      </p:pic>
-      <p:sp>
-        <p:nvSpPr>
-          <p:cNvPr id="6" name="TextBox 5"/>
-          <p:cNvSpPr txBox="1"/>
-          <p:nvPr/>
-        </p:nvSpPr>
-        <p:spPr>
-          <a:xfrm>
-            <a:off x="1620982" y="5846740"/>
-            <a:ext cx="1378904" cy="369332"/>
-          </a:xfrm>
-          <a:prstGeom prst="rect">
-            <a:avLst/>
-          </a:prstGeom>
-          <a:noFill/>
-        </p:spPr>
-        <p:txBody>
-          <a:bodyPr wrap="none" rtlCol="0">
-            <a:spAutoFit/>
-          </a:bodyPr>
-          <a:lstStyle/>
-          <a:p>
-            <a:r>
-              <a:rPr lang="en-US" dirty="0" smtClean="0"/>
-              <a:t>Random RBF</a:t>
-            </a:r>
-            <a:endParaRPr lang="en-US" dirty="0"/>
-          </a:p>
-        </p:txBody>
-      </p:sp>
-      <p:sp>
-        <p:nvSpPr>
-          <p:cNvPr id="13" name="TextBox 12"/>
-          <p:cNvSpPr txBox="1"/>
-          <p:nvPr/>
-        </p:nvSpPr>
-        <p:spPr>
-          <a:xfrm>
-            <a:off x="6194464" y="5846740"/>
-            <a:ext cx="776431" cy="369332"/>
-          </a:xfrm>
-          <a:prstGeom prst="rect">
-            <a:avLst/>
-          </a:prstGeom>
-          <a:noFill/>
-        </p:spPr>
-        <p:txBody>
-          <a:bodyPr wrap="none" rtlCol="0">
-            <a:spAutoFit/>
-          </a:bodyPr>
-          <a:lstStyle/>
-          <a:p>
-            <a:r>
-              <a:rPr lang="en-US" dirty="0" smtClean="0"/>
-              <a:t>VSRBF</a:t>
-            </a:r>
-            <a:endParaRPr lang="en-US" dirty="0"/>
-          </a:p>
-        </p:txBody>
-      </p:sp>
-    </p:spTree>
-    <p:extLst>
-      <p:ext uri="{BB962C8B-B14F-4D97-AF65-F5344CB8AC3E}">
-        <p14:creationId xmlns:p14="http://schemas.microsoft.com/office/powerpoint/2010/main" val="1689878407"/>
-      </p:ext>
-    </p:extLst>
-  </p:cSld>
-  <p:clrMapOvr>
-    <a:masterClrMapping/>
-  </p:clrMapOvr>
-  <p:timing>
-    <p:tnLst>
-      <p:par>
-        <p:cTn id="1" dur="indefinite" restart="never" nodeType="tmRoot"/>
-      </p:par>
-    </p:tnLst>
-  </p:timing>
-</p:sld>
-</file>
-
-<file path=ppt/slides/slide29.xml><?xml version="1.0" encoding="utf-8"?>
-<p:sld xmlns:a="http://schemas.openxmlformats.org/drawingml/2006/main" xmlns:r="http://schemas.openxmlformats.org/officeDocument/2006/relationships" xmlns:p="http://schemas.openxmlformats.org/presentationml/2006/main">
-  <p:cSld>
-    <p:spTree>
-      <p:nvGrpSpPr>
-        <p:cNvPr id="1" name=""/>
-        <p:cNvGrpSpPr/>
-        <p:nvPr/>
-      </p:nvGrpSpPr>
-      <p:grpSpPr>
-        <a:xfrm>
-          <a:off x="0" y="0"/>
-          <a:ext cx="0" cy="0"/>
-          <a:chOff x="0" y="0"/>
-          <a:chExt cx="0" cy="0"/>
-        </a:xfrm>
-      </p:grpSpPr>
-      <p:pic>
-        <p:nvPicPr>
-          <p:cNvPr id="8" name="Picture 7"/>
-          <p:cNvPicPr>
-            <a:picLocks noChangeAspect="1"/>
-          </p:cNvPicPr>
-          <p:nvPr/>
-        </p:nvPicPr>
-        <p:blipFill>
-          <a:blip r:embed="rId3"/>
-          <a:stretch>
-            <a:fillRect/>
-          </a:stretch>
-        </p:blipFill>
-        <p:spPr>
-          <a:xfrm>
-            <a:off x="459821" y="2902247"/>
-            <a:ext cx="8351670" cy="2941598"/>
-          </a:xfrm>
-          <a:prstGeom prst="rect">
-            <a:avLst/>
-          </a:prstGeom>
-        </p:spPr>
-      </p:pic>
-      <p:sp>
-        <p:nvSpPr>
-          <p:cNvPr id="2" name="Title 1"/>
-          <p:cNvSpPr>
-            <a:spLocks noGrp="1"/>
-          </p:cNvSpPr>
-          <p:nvPr>
-            <p:ph type="title"/>
-          </p:nvPr>
-        </p:nvSpPr>
-        <p:spPr>
-          <a:xfrm>
-            <a:off x="460977" y="365127"/>
-            <a:ext cx="8290057" cy="609730"/>
-          </a:xfrm>
-        </p:spPr>
-        <p:txBody>
-          <a:bodyPr>
-            <a:normAutofit fontScale="90000"/>
-          </a:bodyPr>
-          <a:lstStyle/>
-          <a:p>
-            <a:r>
-              <a:rPr lang="en-US" dirty="0" smtClean="0">
-                <a:solidFill>
-                  <a:schemeClr val="accent5"/>
-                </a:solidFill>
-              </a:rPr>
-              <a:t>BagSRHT vs BagASHT</a:t>
-            </a:r>
-            <a:endParaRPr lang="de-DE" dirty="0">
-              <a:solidFill>
-                <a:schemeClr val="accent5"/>
-              </a:solidFill>
-            </a:endParaRPr>
-          </a:p>
-        </p:txBody>
-      </p:sp>
-      <p:sp>
-        <p:nvSpPr>
-          <p:cNvPr id="3" name="Content Placeholder 2"/>
-          <p:cNvSpPr>
-            <a:spLocks noGrp="1"/>
-          </p:cNvSpPr>
-          <p:nvPr>
-            <p:ph idx="1"/>
-          </p:nvPr>
-        </p:nvSpPr>
-        <p:spPr>
-          <a:xfrm>
-            <a:off x="460977" y="1046648"/>
-            <a:ext cx="8290057" cy="5206790"/>
-          </a:xfrm>
-        </p:spPr>
-        <p:txBody>
-          <a:bodyPr/>
-          <a:lstStyle/>
-          <a:p>
-            <a:r>
-              <a:rPr lang="de-DE" dirty="0" smtClean="0"/>
-              <a:t>Performance is prone to tree reset</a:t>
-            </a:r>
-          </a:p>
-          <a:p>
-            <a:pPr lvl="1"/>
-            <a:r>
-              <a:rPr lang="de-DE" dirty="0" smtClean="0"/>
-              <a:t>VSRBF performance suffers significantly more than Random RBF</a:t>
-            </a:r>
-          </a:p>
-          <a:p>
-            <a:r>
-              <a:rPr lang="de-DE" dirty="0" smtClean="0"/>
-              <a:t>BagSRHT is likely to be more stable than BagASHT</a:t>
-            </a:r>
-            <a:endParaRPr lang="de-DE" dirty="0"/>
-          </a:p>
-        </p:txBody>
-      </p:sp>
-      <p:sp>
-        <p:nvSpPr>
-          <p:cNvPr id="7" name="Slide Number Placeholder 6"/>
-          <p:cNvSpPr>
-            <a:spLocks noGrp="1"/>
-          </p:cNvSpPr>
-          <p:nvPr>
-            <p:ph type="sldNum" sz="quarter" idx="12"/>
-          </p:nvPr>
-        </p:nvSpPr>
-        <p:spPr/>
-        <p:txBody>
-          <a:bodyPr/>
-          <a:lstStyle/>
-          <a:p>
-            <a:fld id="{EAE41600-55F5-4A6B-8385-85433044AE0B}" type="slidenum">
-              <a:rPr lang="de-DE" smtClean="0"/>
-              <a:t>29</a:t>
-            </a:fld>
-            <a:endParaRPr lang="de-DE" dirty="0"/>
-          </a:p>
-        </p:txBody>
-      </p:sp>
-      <p:pic>
-        <p:nvPicPr>
-          <p:cNvPr id="10" name="Picture 9"/>
-          <p:cNvPicPr>
-            <a:picLocks noChangeAspect="1"/>
-          </p:cNvPicPr>
-          <p:nvPr/>
-        </p:nvPicPr>
-        <p:blipFill>
-          <a:blip r:embed="rId4" cstate="print">
-            <a:extLst>
-              <a:ext uri="{28A0092B-C50C-407E-A947-70E740481C1C}">
-                <a14:useLocalDpi xmlns:a14="http://schemas.microsoft.com/office/drawing/2010/main" val="0"/>
-              </a:ext>
-            </a:extLst>
-          </a:blip>
-          <a:stretch>
-            <a:fillRect/>
-          </a:stretch>
-        </p:blipFill>
-        <p:spPr>
-          <a:xfrm>
-            <a:off x="8198547" y="101546"/>
-            <a:ext cx="817158" cy="430469"/>
-          </a:xfrm>
-          <a:prstGeom prst="rect">
-            <a:avLst/>
-          </a:prstGeom>
-        </p:spPr>
-      </p:pic>
-      <p:pic>
-        <p:nvPicPr>
-          <p:cNvPr id="11" name="Picture 2" descr="File:LMU Muenchen Logo.svg"/>
-          <p:cNvPicPr>
-            <a:picLocks noChangeAspect="1" noChangeArrowheads="1"/>
-          </p:cNvPicPr>
-          <p:nvPr/>
-        </p:nvPicPr>
-        <p:blipFill>
-          <a:blip r:embed="rId5" cstate="print">
-            <a:extLst>
-              <a:ext uri="{28A0092B-C50C-407E-A947-70E740481C1C}">
-                <a14:useLocalDpi xmlns:a14="http://schemas.microsoft.com/office/drawing/2010/main" val="0"/>
-              </a:ext>
-            </a:extLst>
-          </a:blip>
-          <a:srcRect/>
-          <a:stretch>
-            <a:fillRect/>
-          </a:stretch>
-        </p:blipFill>
-        <p:spPr bwMode="auto">
-          <a:xfrm>
-            <a:off x="103529" y="6293665"/>
-            <a:ext cx="936625" cy="490496"/>
-          </a:xfrm>
-          <a:prstGeom prst="rect">
-            <a:avLst/>
-          </a:prstGeom>
-          <a:noFill/>
-          <a:extLst>
-            <a:ext uri="{909E8E84-426E-40DD-AFC4-6F175D3DCCD1}">
-              <a14:hiddenFill xmlns:a14="http://schemas.microsoft.com/office/drawing/2010/main">
-                <a:solidFill>
-                  <a:srgbClr val="FFFFFF"/>
-                </a:solidFill>
-              </a14:hiddenFill>
-            </a:ext>
-          </a:extLst>
-        </p:spPr>
-      </p:pic>
-      <p:sp>
-        <p:nvSpPr>
-          <p:cNvPr id="6" name="TextBox 5"/>
-          <p:cNvSpPr txBox="1"/>
-          <p:nvPr/>
-        </p:nvSpPr>
-        <p:spPr>
-          <a:xfrm>
-            <a:off x="1620982" y="5846740"/>
-            <a:ext cx="1378904" cy="369332"/>
-          </a:xfrm>
-          <a:prstGeom prst="rect">
-            <a:avLst/>
-          </a:prstGeom>
-          <a:noFill/>
-        </p:spPr>
-        <p:txBody>
-          <a:bodyPr wrap="none" rtlCol="0">
-            <a:spAutoFit/>
-          </a:bodyPr>
-          <a:lstStyle/>
-          <a:p>
-            <a:r>
-              <a:rPr lang="en-US" dirty="0" smtClean="0"/>
-              <a:t>Random RBF</a:t>
-            </a:r>
-            <a:endParaRPr lang="en-US" dirty="0"/>
-          </a:p>
-        </p:txBody>
-      </p:sp>
-      <p:sp>
-        <p:nvSpPr>
-          <p:cNvPr id="13" name="TextBox 12"/>
-          <p:cNvSpPr txBox="1"/>
-          <p:nvPr/>
-        </p:nvSpPr>
-        <p:spPr>
-          <a:xfrm>
-            <a:off x="6194464" y="5846740"/>
-            <a:ext cx="776431" cy="369332"/>
-          </a:xfrm>
-          <a:prstGeom prst="rect">
-            <a:avLst/>
-          </a:prstGeom>
-          <a:noFill/>
-        </p:spPr>
-        <p:txBody>
-          <a:bodyPr wrap="none" rtlCol="0">
-            <a:spAutoFit/>
-          </a:bodyPr>
-          <a:lstStyle/>
-          <a:p>
-            <a:r>
-              <a:rPr lang="en-US" dirty="0" smtClean="0"/>
-              <a:t>VSRBF</a:t>
-            </a:r>
-            <a:endParaRPr lang="en-US" dirty="0"/>
-          </a:p>
-        </p:txBody>
-      </p:sp>
-    </p:spTree>
-    <p:extLst>
-      <p:ext uri="{BB962C8B-B14F-4D97-AF65-F5344CB8AC3E}">
-        <p14:creationId xmlns:p14="http://schemas.microsoft.com/office/powerpoint/2010/main" val="2243984252"/>
+        <p14:creationId xmlns:p14="http://schemas.microsoft.com/office/powerpoint/2010/main" val="2726249108"/>
       </p:ext>
     </p:extLst>
   </p:cSld>
@@ -35082,62 +35387,52 @@
           <a:chExt cx="0" cy="0"/>
         </a:xfrm>
       </p:grpSpPr>
-      <p:sp>
-        <p:nvSpPr>
-          <p:cNvPr id="3" name="Content Placeholder 2"/>
-          <p:cNvSpPr>
-            <a:spLocks noGrp="1"/>
-          </p:cNvSpPr>
-          <p:nvPr>
-            <p:ph idx="1"/>
-          </p:nvPr>
-        </p:nvSpPr>
-        <p:spPr>
-          <a:xfrm>
-            <a:off x="460977" y="1046648"/>
-            <a:ext cx="8290057" cy="5206790"/>
-          </a:xfrm>
-        </p:spPr>
-        <p:txBody>
-          <a:bodyPr/>
-          <a:lstStyle/>
-          <a:p>
-            <a:r>
-              <a:rPr lang="de-DE" dirty="0" smtClean="0"/>
-              <a:t>Bag SRHT performs better for slower sub-streams</a:t>
-            </a:r>
-          </a:p>
-          <a:p>
-            <a:r>
-              <a:rPr lang="de-DE" dirty="0" smtClean="0"/>
-              <a:t>However, increases misclassifcation for faster sub-streams</a:t>
-            </a:r>
-            <a:endParaRPr lang="de-DE" dirty="0"/>
-          </a:p>
-        </p:txBody>
-      </p:sp>
       <p:pic>
         <p:nvPicPr>
-          <p:cNvPr id="5" name="Picture 4"/>
+          <p:cNvPr id="11" name="Picture 2" descr="http://learningworkshop.mindedge.com/wp-content/uploads/2014/04/quote_bubbles.jpg"/>
           <p:cNvPicPr>
-            <a:picLocks noChangeAspect="1"/>
+            <a:picLocks noChangeAspect="1" noChangeArrowheads="1"/>
           </p:cNvPicPr>
           <p:nvPr/>
         </p:nvPicPr>
         <p:blipFill>
-          <a:blip r:embed="rId3"/>
+          <a:blip r:embed="rId3">
+            <a:duotone>
+              <a:schemeClr val="bg2">
+                <a:shade val="45000"/>
+                <a:satMod val="135000"/>
+              </a:schemeClr>
+              <a:prstClr val="white"/>
+            </a:duotone>
+            <a:extLst>
+              <a:ext uri="{28A0092B-C50C-407E-A947-70E740481C1C}">
+                <a14:useLocalDpi xmlns:a14="http://schemas.microsoft.com/office/drawing/2010/main" val="0"/>
+              </a:ext>
+            </a:extLst>
+          </a:blip>
+          <a:srcRect/>
           <a:stretch>
             <a:fillRect/>
           </a:stretch>
         </p:blipFill>
-        <p:spPr>
+        <p:spPr bwMode="auto">
           <a:xfrm>
-            <a:off x="2657388" y="3092334"/>
-            <a:ext cx="4506576" cy="2421271"/>
+            <a:off x="5619750" y="4219574"/>
+            <a:ext cx="3524250" cy="2638426"/>
           </a:xfrm>
           <a:prstGeom prst="rect">
             <a:avLst/>
           </a:prstGeom>
+          <a:noFill/>
+          <a:extLst>
+            <a:ext uri="{909E8E84-426E-40DD-AFC4-6F175D3DCCD1}">
+              <a14:hiddenFill xmlns:a14="http://schemas.microsoft.com/office/drawing/2010/main">
+                <a:solidFill>
+                  <a:srgbClr val="FFFFFF"/>
+                </a:solidFill>
+              </a14:hiddenFill>
+            </a:ext>
+          </a:extLst>
         </p:spPr>
       </p:pic>
       <p:sp>
@@ -35168,13 +35463,68 @@
                   <a:schemeClr val="accent5"/>
                 </a:solidFill>
               </a:rPr>
-              <a:t>BagSRHT vs BagASHT</a:t>
+              <a:t>Future Work</a:t>
             </a:r>
             <a:endParaRPr lang="de-DE" dirty="0">
               <a:solidFill>
                 <a:schemeClr val="accent5"/>
               </a:solidFill>
             </a:endParaRPr>
+          </a:p>
+        </p:txBody>
+      </p:sp>
+      <p:sp>
+        <p:nvSpPr>
+          <p:cNvPr id="3" name="Content Placeholder 2"/>
+          <p:cNvSpPr>
+            <a:spLocks noGrp="1"/>
+          </p:cNvSpPr>
+          <p:nvPr>
+            <p:ph idx="1"/>
+          </p:nvPr>
+        </p:nvSpPr>
+        <p:spPr>
+          <a:xfrm>
+            <a:off x="460977" y="1046648"/>
+            <a:ext cx="8290057" cy="5206790"/>
+          </a:xfrm>
+        </p:spPr>
+        <p:txBody>
+          <a:bodyPr/>
+          <a:lstStyle/>
+          <a:p>
+            <a:r>
+              <a:rPr lang="en-US" dirty="0" smtClean="0"/>
+              <a:t>Fitting the model into text streams</a:t>
+            </a:r>
+          </a:p>
+          <a:p>
+            <a:pPr lvl="1"/>
+            <a:r>
+              <a:rPr lang="en-US" dirty="0" smtClean="0"/>
+              <a:t>The motivation is taken from text based streams</a:t>
+            </a:r>
+          </a:p>
+          <a:p>
+            <a:pPr lvl="1"/>
+            <a:r>
+              <a:rPr lang="en-US" dirty="0" smtClean="0"/>
+              <a:t>Evaluation is performed with numeric data for thesis scope</a:t>
+            </a:r>
+          </a:p>
+          <a:p>
+            <a:r>
+              <a:rPr lang="en-US" dirty="0" smtClean="0"/>
+              <a:t>Devising approach to select a subset of the incoming streams to learn the model</a:t>
+            </a:r>
+          </a:p>
+          <a:p>
+            <a:pPr lvl="1"/>
+            <a:r>
+              <a:rPr lang="en-US" dirty="0" smtClean="0"/>
+              <a:t>Equivalent number of instances from both slower and faster streams</a:t>
+            </a:r>
+            <a:endParaRPr lang="en-US" dirty="0"/>
           </a:p>
         </p:txBody>
       </p:sp>
@@ -35203,7 +35553,7 @@
       </p:sp>
       <p:pic>
         <p:nvPicPr>
-          <p:cNvPr id="10" name="Picture 9"/>
+          <p:cNvPr id="12" name="Picture 11"/>
           <p:cNvPicPr>
             <a:picLocks noChangeAspect="1"/>
           </p:cNvPicPr>
@@ -35233,7 +35583,7 @@
       </p:pic>
       <p:pic>
         <p:nvPicPr>
-          <p:cNvPr id="11" name="Picture 2" descr="File:LMU Muenchen Logo.svg"/>
+          <p:cNvPr id="13" name="Picture 2" descr="File:LMU Muenchen Logo.svg"/>
           <p:cNvPicPr>
             <a:picLocks noChangeAspect="1" noChangeArrowheads="1"/>
           </p:cNvPicPr>
@@ -35275,7 +35625,7 @@
     </p:spTree>
     <p:extLst>
       <p:ext uri="{BB962C8B-B14F-4D97-AF65-F5344CB8AC3E}">
-        <p14:creationId xmlns:p14="http://schemas.microsoft.com/office/powerpoint/2010/main" val="1705307913"/>
+        <p14:creationId xmlns:p14="http://schemas.microsoft.com/office/powerpoint/2010/main" val="3354994591"/>
       </p:ext>
     </p:extLst>
   </p:cSld>
@@ -35380,541 +35730,6 @@
           <a:lstStyle/>
           <a:p>
             <a:r>
-              <a:rPr lang="de-DE" dirty="0" smtClean="0">
-                <a:solidFill>
-                  <a:schemeClr val="accent5"/>
-                </a:solidFill>
-              </a:rPr>
-              <a:t>Conclusion</a:t>
-            </a:r>
-            <a:endParaRPr lang="de-DE" dirty="0">
-              <a:solidFill>
-                <a:schemeClr val="accent5"/>
-              </a:solidFill>
-            </a:endParaRPr>
-          </a:p>
-        </p:txBody>
-      </p:sp>
-      <p:sp>
-        <p:nvSpPr>
-          <p:cNvPr id="3" name="Content Placeholder 2"/>
-          <p:cNvSpPr>
-            <a:spLocks noGrp="1"/>
-          </p:cNvSpPr>
-          <p:nvPr>
-            <p:ph idx="1"/>
-          </p:nvPr>
-        </p:nvSpPr>
-        <p:spPr>
-          <a:xfrm>
-            <a:off x="460977" y="1046648"/>
-            <a:ext cx="8290057" cy="5206790"/>
-          </a:xfrm>
-        </p:spPr>
-        <p:txBody>
-          <a:bodyPr/>
-          <a:lstStyle/>
-          <a:p>
-            <a:r>
-              <a:rPr lang="en-US" dirty="0" smtClean="0"/>
-              <a:t>New look at the composition of streams</a:t>
-            </a:r>
-          </a:p>
-          <a:p>
-            <a:r>
-              <a:rPr lang="en-US" dirty="0" smtClean="0"/>
-              <a:t>New approach to generate varied-speed data streams</a:t>
-            </a:r>
-          </a:p>
-          <a:p>
-            <a:r>
-              <a:rPr lang="en-US" dirty="0" smtClean="0"/>
-              <a:t>Improvement on ASHT bagging by using introducing carry-over bagging</a:t>
-            </a:r>
-          </a:p>
-          <a:p>
-            <a:r>
-              <a:rPr lang="en-US" dirty="0" smtClean="0"/>
-              <a:t>A comprehensive survey of the existing literature</a:t>
-            </a:r>
-            <a:endParaRPr lang="en-US" dirty="0"/>
-          </a:p>
-        </p:txBody>
-      </p:sp>
-      <p:sp>
-        <p:nvSpPr>
-          <p:cNvPr id="7" name="Slide Number Placeholder 6"/>
-          <p:cNvSpPr>
-            <a:spLocks noGrp="1"/>
-          </p:cNvSpPr>
-          <p:nvPr>
-            <p:ph type="sldNum" sz="quarter" idx="12"/>
-          </p:nvPr>
-        </p:nvSpPr>
-        <p:spPr/>
-        <p:txBody>
-          <a:bodyPr/>
-          <a:lstStyle/>
-          <a:p>
-            <a:fld id="{EAE41600-55F5-4A6B-8385-85433044AE0B}" type="slidenum">
-              <a:rPr lang="de-DE" smtClean="0"/>
-              <a:t>31</a:t>
-            </a:fld>
-            <a:endParaRPr lang="de-DE" dirty="0"/>
-          </a:p>
-        </p:txBody>
-      </p:sp>
-      <p:pic>
-        <p:nvPicPr>
-          <p:cNvPr id="12" name="Picture 11"/>
-          <p:cNvPicPr>
-            <a:picLocks noChangeAspect="1"/>
-          </p:cNvPicPr>
-          <p:nvPr/>
-        </p:nvPicPr>
-        <p:blipFill>
-          <a:blip r:embed="rId4" cstate="print">
-            <a:extLst>
-              <a:ext uri="{28A0092B-C50C-407E-A947-70E740481C1C}">
-                <a14:useLocalDpi xmlns:a14="http://schemas.microsoft.com/office/drawing/2010/main" val="0"/>
-              </a:ext>
-            </a:extLst>
-          </a:blip>
-          <a:stretch>
-            <a:fillRect/>
-          </a:stretch>
-        </p:blipFill>
-        <p:spPr>
-          <a:xfrm>
-            <a:off x="8198547" y="101546"/>
-            <a:ext cx="817158" cy="430469"/>
-          </a:xfrm>
-          <a:prstGeom prst="rect">
-            <a:avLst/>
-          </a:prstGeom>
-        </p:spPr>
-      </p:pic>
-      <p:pic>
-        <p:nvPicPr>
-          <p:cNvPr id="13" name="Picture 2" descr="File:LMU Muenchen Logo.svg"/>
-          <p:cNvPicPr>
-            <a:picLocks noChangeAspect="1" noChangeArrowheads="1"/>
-          </p:cNvPicPr>
-          <p:nvPr/>
-        </p:nvPicPr>
-        <p:blipFill>
-          <a:blip r:embed="rId5" cstate="print">
-            <a:extLst>
-              <a:ext uri="{28A0092B-C50C-407E-A947-70E740481C1C}">
-                <a14:useLocalDpi xmlns:a14="http://schemas.microsoft.com/office/drawing/2010/main" val="0"/>
-              </a:ext>
-            </a:extLst>
-          </a:blip>
-          <a:srcRect/>
-          <a:stretch>
-            <a:fillRect/>
-          </a:stretch>
-        </p:blipFill>
-        <p:spPr bwMode="auto">
-          <a:xfrm>
-            <a:off x="103529" y="6293665"/>
-            <a:ext cx="936625" cy="490496"/>
-          </a:xfrm>
-          <a:prstGeom prst="rect">
-            <a:avLst/>
-          </a:prstGeom>
-          <a:noFill/>
-          <a:extLst>
-            <a:ext uri="{909E8E84-426E-40DD-AFC4-6F175D3DCCD1}">
-              <a14:hiddenFill xmlns:a14="http://schemas.microsoft.com/office/drawing/2010/main">
-                <a:solidFill>
-                  <a:srgbClr val="FFFFFF"/>
-                </a:solidFill>
-              </a14:hiddenFill>
-            </a:ext>
-          </a:extLst>
-        </p:spPr>
-      </p:pic>
-    </p:spTree>
-    <p:extLst>
-      <p:ext uri="{BB962C8B-B14F-4D97-AF65-F5344CB8AC3E}">
-        <p14:creationId xmlns:p14="http://schemas.microsoft.com/office/powerpoint/2010/main" val="2726249108"/>
-      </p:ext>
-    </p:extLst>
-  </p:cSld>
-  <p:clrMapOvr>
-    <a:masterClrMapping/>
-  </p:clrMapOvr>
-  <p:timing>
-    <p:tnLst>
-      <p:par>
-        <p:cTn id="1" dur="indefinite" restart="never" nodeType="tmRoot"/>
-      </p:par>
-    </p:tnLst>
-  </p:timing>
-</p:sld>
-</file>
-
-<file path=ppt/slides/slide32.xml><?xml version="1.0" encoding="utf-8"?>
-<p:sld xmlns:a="http://schemas.openxmlformats.org/drawingml/2006/main" xmlns:r="http://schemas.openxmlformats.org/officeDocument/2006/relationships" xmlns:p="http://schemas.openxmlformats.org/presentationml/2006/main">
-  <p:cSld>
-    <p:spTree>
-      <p:nvGrpSpPr>
-        <p:cNvPr id="1" name=""/>
-        <p:cNvGrpSpPr/>
-        <p:nvPr/>
-      </p:nvGrpSpPr>
-      <p:grpSpPr>
-        <a:xfrm>
-          <a:off x="0" y="0"/>
-          <a:ext cx="0" cy="0"/>
-          <a:chOff x="0" y="0"/>
-          <a:chExt cx="0" cy="0"/>
-        </a:xfrm>
-      </p:grpSpPr>
-      <p:pic>
-        <p:nvPicPr>
-          <p:cNvPr id="11" name="Picture 2" descr="http://learningworkshop.mindedge.com/wp-content/uploads/2014/04/quote_bubbles.jpg"/>
-          <p:cNvPicPr>
-            <a:picLocks noChangeAspect="1" noChangeArrowheads="1"/>
-          </p:cNvPicPr>
-          <p:nvPr/>
-        </p:nvPicPr>
-        <p:blipFill>
-          <a:blip r:embed="rId3">
-            <a:duotone>
-              <a:schemeClr val="bg2">
-                <a:shade val="45000"/>
-                <a:satMod val="135000"/>
-              </a:schemeClr>
-              <a:prstClr val="white"/>
-            </a:duotone>
-            <a:extLst>
-              <a:ext uri="{28A0092B-C50C-407E-A947-70E740481C1C}">
-                <a14:useLocalDpi xmlns:a14="http://schemas.microsoft.com/office/drawing/2010/main" val="0"/>
-              </a:ext>
-            </a:extLst>
-          </a:blip>
-          <a:srcRect/>
-          <a:stretch>
-            <a:fillRect/>
-          </a:stretch>
-        </p:blipFill>
-        <p:spPr bwMode="auto">
-          <a:xfrm>
-            <a:off x="5619750" y="4219574"/>
-            <a:ext cx="3524250" cy="2638426"/>
-          </a:xfrm>
-          <a:prstGeom prst="rect">
-            <a:avLst/>
-          </a:prstGeom>
-          <a:noFill/>
-          <a:extLst>
-            <a:ext uri="{909E8E84-426E-40DD-AFC4-6F175D3DCCD1}">
-              <a14:hiddenFill xmlns:a14="http://schemas.microsoft.com/office/drawing/2010/main">
-                <a:solidFill>
-                  <a:srgbClr val="FFFFFF"/>
-                </a:solidFill>
-              </a14:hiddenFill>
-            </a:ext>
-          </a:extLst>
-        </p:spPr>
-      </p:pic>
-      <p:sp>
-        <p:nvSpPr>
-          <p:cNvPr id="2" name="Title 1"/>
-          <p:cNvSpPr>
-            <a:spLocks noGrp="1"/>
-          </p:cNvSpPr>
-          <p:nvPr>
-            <p:ph type="title"/>
-          </p:nvPr>
-        </p:nvSpPr>
-        <p:spPr>
-          <a:xfrm>
-            <a:off x="460977" y="365127"/>
-            <a:ext cx="8290057" cy="609730"/>
-          </a:xfrm>
-        </p:spPr>
-        <p:txBody>
-          <a:bodyPr>
-            <a:normAutofit fontScale="90000"/>
-          </a:bodyPr>
-          <a:lstStyle/>
-          <a:p>
-            <a:r>
-              <a:rPr lang="en-US" dirty="0" smtClean="0">
-                <a:solidFill>
-                  <a:schemeClr val="accent5"/>
-                </a:solidFill>
-              </a:rPr>
-              <a:t>Future Work</a:t>
-            </a:r>
-            <a:endParaRPr lang="de-DE" dirty="0">
-              <a:solidFill>
-                <a:schemeClr val="accent5"/>
-              </a:solidFill>
-            </a:endParaRPr>
-          </a:p>
-        </p:txBody>
-      </p:sp>
-      <p:sp>
-        <p:nvSpPr>
-          <p:cNvPr id="3" name="Content Placeholder 2"/>
-          <p:cNvSpPr>
-            <a:spLocks noGrp="1"/>
-          </p:cNvSpPr>
-          <p:nvPr>
-            <p:ph idx="1"/>
-          </p:nvPr>
-        </p:nvSpPr>
-        <p:spPr>
-          <a:xfrm>
-            <a:off x="460977" y="1046648"/>
-            <a:ext cx="8290057" cy="5206790"/>
-          </a:xfrm>
-        </p:spPr>
-        <p:txBody>
-          <a:bodyPr/>
-          <a:lstStyle/>
-          <a:p>
-            <a:r>
-              <a:rPr lang="en-US" dirty="0" smtClean="0"/>
-              <a:t>Fitting the model into text streams</a:t>
-            </a:r>
-          </a:p>
-          <a:p>
-            <a:pPr lvl="1"/>
-            <a:r>
-              <a:rPr lang="en-US" dirty="0" smtClean="0"/>
-              <a:t>The motivation is taken from text based streams</a:t>
-            </a:r>
-          </a:p>
-          <a:p>
-            <a:pPr lvl="1"/>
-            <a:r>
-              <a:rPr lang="en-US" dirty="0" smtClean="0"/>
-              <a:t>Evaluation is performed with numeric data for thesis scope</a:t>
-            </a:r>
-          </a:p>
-          <a:p>
-            <a:r>
-              <a:rPr lang="en-US" dirty="0" smtClean="0"/>
-              <a:t>Devising approach to select a subset of the incoming streams to learn the model</a:t>
-            </a:r>
-          </a:p>
-          <a:p>
-            <a:pPr lvl="1"/>
-            <a:r>
-              <a:rPr lang="en-US" dirty="0" smtClean="0"/>
-              <a:t>Equivalent number of instances from both slower and faster streams</a:t>
-            </a:r>
-            <a:endParaRPr lang="en-US" dirty="0"/>
-          </a:p>
-        </p:txBody>
-      </p:sp>
-      <p:sp>
-        <p:nvSpPr>
-          <p:cNvPr id="7" name="Slide Number Placeholder 6"/>
-          <p:cNvSpPr>
-            <a:spLocks noGrp="1"/>
-          </p:cNvSpPr>
-          <p:nvPr>
-            <p:ph type="sldNum" sz="quarter" idx="12"/>
-          </p:nvPr>
-        </p:nvSpPr>
-        <p:spPr/>
-        <p:txBody>
-          <a:bodyPr/>
-          <a:lstStyle/>
-          <a:p>
-            <a:fld id="{EAE41600-55F5-4A6B-8385-85433044AE0B}" type="slidenum">
-              <a:rPr lang="de-DE" smtClean="0"/>
-              <a:t>32</a:t>
-            </a:fld>
-            <a:endParaRPr lang="de-DE" dirty="0"/>
-          </a:p>
-        </p:txBody>
-      </p:sp>
-      <p:pic>
-        <p:nvPicPr>
-          <p:cNvPr id="12" name="Picture 11"/>
-          <p:cNvPicPr>
-            <a:picLocks noChangeAspect="1"/>
-          </p:cNvPicPr>
-          <p:nvPr/>
-        </p:nvPicPr>
-        <p:blipFill>
-          <a:blip r:embed="rId4" cstate="print">
-            <a:extLst>
-              <a:ext uri="{28A0092B-C50C-407E-A947-70E740481C1C}">
-                <a14:useLocalDpi xmlns:a14="http://schemas.microsoft.com/office/drawing/2010/main" val="0"/>
-              </a:ext>
-            </a:extLst>
-          </a:blip>
-          <a:stretch>
-            <a:fillRect/>
-          </a:stretch>
-        </p:blipFill>
-        <p:spPr>
-          <a:xfrm>
-            <a:off x="8198547" y="101546"/>
-            <a:ext cx="817158" cy="430469"/>
-          </a:xfrm>
-          <a:prstGeom prst="rect">
-            <a:avLst/>
-          </a:prstGeom>
-        </p:spPr>
-      </p:pic>
-      <p:pic>
-        <p:nvPicPr>
-          <p:cNvPr id="13" name="Picture 2" descr="File:LMU Muenchen Logo.svg"/>
-          <p:cNvPicPr>
-            <a:picLocks noChangeAspect="1" noChangeArrowheads="1"/>
-          </p:cNvPicPr>
-          <p:nvPr/>
-        </p:nvPicPr>
-        <p:blipFill>
-          <a:blip r:embed="rId5" cstate="print">
-            <a:extLst>
-              <a:ext uri="{28A0092B-C50C-407E-A947-70E740481C1C}">
-                <a14:useLocalDpi xmlns:a14="http://schemas.microsoft.com/office/drawing/2010/main" val="0"/>
-              </a:ext>
-            </a:extLst>
-          </a:blip>
-          <a:srcRect/>
-          <a:stretch>
-            <a:fillRect/>
-          </a:stretch>
-        </p:blipFill>
-        <p:spPr bwMode="auto">
-          <a:xfrm>
-            <a:off x="103529" y="6293665"/>
-            <a:ext cx="936625" cy="490496"/>
-          </a:xfrm>
-          <a:prstGeom prst="rect">
-            <a:avLst/>
-          </a:prstGeom>
-          <a:noFill/>
-          <a:extLst>
-            <a:ext uri="{909E8E84-426E-40DD-AFC4-6F175D3DCCD1}">
-              <a14:hiddenFill xmlns:a14="http://schemas.microsoft.com/office/drawing/2010/main">
-                <a:solidFill>
-                  <a:srgbClr val="FFFFFF"/>
-                </a:solidFill>
-              </a14:hiddenFill>
-            </a:ext>
-          </a:extLst>
-        </p:spPr>
-      </p:pic>
-    </p:spTree>
-    <p:extLst>
-      <p:ext uri="{BB962C8B-B14F-4D97-AF65-F5344CB8AC3E}">
-        <p14:creationId xmlns:p14="http://schemas.microsoft.com/office/powerpoint/2010/main" val="3354994591"/>
-      </p:ext>
-    </p:extLst>
-  </p:cSld>
-  <p:clrMapOvr>
-    <a:masterClrMapping/>
-  </p:clrMapOvr>
-  <p:timing>
-    <p:tnLst>
-      <p:par>
-        <p:cTn id="1" dur="indefinite" restart="never" nodeType="tmRoot"/>
-      </p:par>
-    </p:tnLst>
-  </p:timing>
-</p:sld>
-</file>
-
-<file path=ppt/slides/slide33.xml><?xml version="1.0" encoding="utf-8"?>
-<p:sld xmlns:a="http://schemas.openxmlformats.org/drawingml/2006/main" xmlns:r="http://schemas.openxmlformats.org/officeDocument/2006/relationships" xmlns:p="http://schemas.openxmlformats.org/presentationml/2006/main">
-  <p:cSld>
-    <p:spTree>
-      <p:nvGrpSpPr>
-        <p:cNvPr id="1" name=""/>
-        <p:cNvGrpSpPr/>
-        <p:nvPr/>
-      </p:nvGrpSpPr>
-      <p:grpSpPr>
-        <a:xfrm>
-          <a:off x="0" y="0"/>
-          <a:ext cx="0" cy="0"/>
-          <a:chOff x="0" y="0"/>
-          <a:chExt cx="0" cy="0"/>
-        </a:xfrm>
-      </p:grpSpPr>
-      <p:pic>
-        <p:nvPicPr>
-          <p:cNvPr id="11" name="Picture 2" descr="http://learningworkshop.mindedge.com/wp-content/uploads/2014/04/quote_bubbles.jpg"/>
-          <p:cNvPicPr>
-            <a:picLocks noChangeAspect="1" noChangeArrowheads="1"/>
-          </p:cNvPicPr>
-          <p:nvPr/>
-        </p:nvPicPr>
-        <p:blipFill>
-          <a:blip r:embed="rId3">
-            <a:duotone>
-              <a:schemeClr val="bg2">
-                <a:shade val="45000"/>
-                <a:satMod val="135000"/>
-              </a:schemeClr>
-              <a:prstClr val="white"/>
-            </a:duotone>
-            <a:extLst>
-              <a:ext uri="{28A0092B-C50C-407E-A947-70E740481C1C}">
-                <a14:useLocalDpi xmlns:a14="http://schemas.microsoft.com/office/drawing/2010/main" val="0"/>
-              </a:ext>
-            </a:extLst>
-          </a:blip>
-          <a:srcRect/>
-          <a:stretch>
-            <a:fillRect/>
-          </a:stretch>
-        </p:blipFill>
-        <p:spPr bwMode="auto">
-          <a:xfrm>
-            <a:off x="5619750" y="4219574"/>
-            <a:ext cx="3524250" cy="2638426"/>
-          </a:xfrm>
-          <a:prstGeom prst="rect">
-            <a:avLst/>
-          </a:prstGeom>
-          <a:noFill/>
-          <a:extLst>
-            <a:ext uri="{909E8E84-426E-40DD-AFC4-6F175D3DCCD1}">
-              <a14:hiddenFill xmlns:a14="http://schemas.microsoft.com/office/drawing/2010/main">
-                <a:solidFill>
-                  <a:srgbClr val="FFFFFF"/>
-                </a:solidFill>
-              </a14:hiddenFill>
-            </a:ext>
-          </a:extLst>
-        </p:spPr>
-      </p:pic>
-      <p:sp>
-        <p:nvSpPr>
-          <p:cNvPr id="2" name="Title 1"/>
-          <p:cNvSpPr>
-            <a:spLocks noGrp="1"/>
-          </p:cNvSpPr>
-          <p:nvPr>
-            <p:ph type="title"/>
-          </p:nvPr>
-        </p:nvSpPr>
-        <p:spPr>
-          <a:xfrm>
-            <a:off x="460977" y="365127"/>
-            <a:ext cx="8290057" cy="609730"/>
-          </a:xfrm>
-        </p:spPr>
-        <p:txBody>
-          <a:bodyPr>
-            <a:normAutofit fontScale="90000"/>
-          </a:bodyPr>
-          <a:lstStyle/>
-          <a:p>
-            <a:r>
               <a:rPr lang="en-US" dirty="0" smtClean="0">
                 <a:solidFill>
                   <a:schemeClr val="accent5"/>
@@ -35958,15 +35773,7 @@
             </a:pPr>
             <a:r>
               <a:rPr lang="en-US" dirty="0"/>
-              <a:t>Catlett, J. (1991). </a:t>
-            </a:r>
-            <a:r>
-              <a:rPr lang="en-US" dirty="0" err="1"/>
-              <a:t>Megainduction</a:t>
-            </a:r>
-            <a:r>
-              <a:rPr lang="en-US" dirty="0"/>
-              <a:t>: Machine learning on very </a:t>
+              <a:t>Catlett, J. (1991). Megainduction: Machine learning on very </a:t>
             </a:r>
             <a:r>
               <a:rPr lang="en-US" dirty="0" smtClean="0"/>
@@ -36014,20 +35821,12 @@
               <a:buAutoNum type="arabicPeriod"/>
             </a:pPr>
             <a:r>
-              <a:rPr lang="en-US" dirty="0" err="1" smtClean="0"/>
+              <a:rPr lang="en-US" dirty="0" smtClean="0"/>
               <a:t>Domingos</a:t>
             </a:r>
             <a:r>
               <a:rPr lang="en-US" dirty="0"/>
-              <a:t>, P. and </a:t>
-            </a:r>
-            <a:r>
-              <a:rPr lang="en-US" dirty="0" err="1"/>
-              <a:t>Hulten</a:t>
-            </a:r>
-            <a:r>
-              <a:rPr lang="en-US" dirty="0"/>
-              <a:t>, G. (2000). Mining </a:t>
+              <a:t>, P. and Hulten, G. (2000). Mining </a:t>
             </a:r>
             <a:r>
               <a:rPr lang="en-US" dirty="0" smtClean="0"/>
@@ -36052,20 +35851,8 @@
               <a:buAutoNum type="arabicPeriod"/>
             </a:pPr>
             <a:r>
-              <a:rPr lang="en-US" dirty="0" err="1"/>
-              <a:t>Hulten</a:t>
-            </a:r>
-            <a:r>
               <a:rPr lang="en-US" dirty="0"/>
-              <a:t>, G., Spencer, L., and </a:t>
-            </a:r>
-            <a:r>
-              <a:rPr lang="en-US" dirty="0" err="1"/>
-              <a:t>Domingos</a:t>
-            </a:r>
-            <a:r>
-              <a:rPr lang="en-US" dirty="0"/>
-              <a:t>, P. (2001). Mining time </a:t>
+              <a:t>Hulten, G., Spencer, L., and Domingos, P. (2001). Mining time </a:t>
             </a:r>
             <a:r>
               <a:rPr lang="en-US" dirty="0" smtClean="0"/>
@@ -36091,36 +35878,8 @@
               <a:buAutoNum type="arabicPeriod"/>
             </a:pPr>
             <a:r>
-              <a:rPr lang="en-US" dirty="0" err="1"/>
-              <a:t>Bifet</a:t>
-            </a:r>
-            <a:r>
               <a:rPr lang="en-US" dirty="0"/>
-              <a:t>, A., Holmes, G., </a:t>
-            </a:r>
-            <a:r>
-              <a:rPr lang="en-US" dirty="0" err="1"/>
-              <a:t>Pfahringer</a:t>
-            </a:r>
-            <a:r>
-              <a:rPr lang="en-US" dirty="0"/>
-              <a:t>, B., </a:t>
-            </a:r>
-            <a:r>
-              <a:rPr lang="en-US" dirty="0" err="1"/>
-              <a:t>Kirkby</a:t>
-            </a:r>
-            <a:r>
-              <a:rPr lang="en-US" dirty="0"/>
-              <a:t>, R., and </a:t>
-            </a:r>
-            <a:r>
-              <a:rPr lang="en-US" dirty="0" err="1"/>
-              <a:t>Gavaldà</a:t>
-            </a:r>
-            <a:r>
-              <a:rPr lang="en-US" dirty="0"/>
-              <a:t>, R</a:t>
+              <a:t>Bifet, A., Holmes, G., Pfahringer, B., Kirkby, R., and Gavaldà, R</a:t>
             </a:r>
             <a:r>
               <a:rPr lang="en-US" dirty="0" smtClean="0"/>
@@ -36154,7 +35913,7 @@
               <a:buAutoNum type="arabicPeriod"/>
             </a:pPr>
             <a:r>
-              <a:rPr lang="en-US" dirty="0" err="1" smtClean="0"/>
+              <a:rPr lang="en-US" dirty="0" smtClean="0"/>
               <a:t>Oza</a:t>
             </a:r>
             <a:r>
@@ -36184,12 +35943,8 @@
               <a:buAutoNum type="arabicPeriod"/>
             </a:pPr>
             <a:r>
-              <a:rPr lang="en-US" dirty="0" err="1"/>
-              <a:t>Breiman</a:t>
-            </a:r>
-            <a:r>
               <a:rPr lang="en-US" dirty="0"/>
-              <a:t>, L. (1994). Bagging prediction</a:t>
+              <a:t>Breiman, L. (1994). Bagging prediction</a:t>
             </a:r>
             <a:r>
               <a:rPr lang="en-US" dirty="0" smtClean="0"/>
@@ -36202,20 +35957,8 @@
               <a:buAutoNum type="arabicPeriod"/>
             </a:pPr>
             <a:r>
-              <a:rPr lang="en-US" dirty="0" err="1" smtClean="0"/>
-              <a:t>Kohavi</a:t>
-            </a:r>
-            <a:r>
               <a:rPr lang="en-US" dirty="0" smtClean="0"/>
-              <a:t>, R. (1996). Scaling up the accuracy of naïve-</a:t>
-            </a:r>
-            <a:r>
-              <a:rPr lang="en-US" dirty="0" err="1" smtClean="0"/>
-              <a:t>bayes</a:t>
-            </a:r>
-            <a:r>
-              <a:rPr lang="en-US" dirty="0" smtClean="0"/>
-              <a:t> classifiers: a decision tree hybrid. In </a:t>
+              <a:t>Kohavi, R. (1996). Scaling up the accuracy of naïve-bayes classifiers: a decision tree hybrid. In </a:t>
             </a:r>
             <a:r>
               <a:rPr lang="en-US" i="1" dirty="0" smtClean="0"/>
@@ -36245,7 +35988,7 @@
           <a:p>
             <a:fld id="{EAE41600-55F5-4A6B-8385-85433044AE0B}" type="slidenum">
               <a:rPr lang="de-DE" smtClean="0"/>
-              <a:t>33</a:t>
+              <a:t>31</a:t>
             </a:fld>
             <a:endParaRPr lang="de-DE" dirty="0"/>
           </a:p>
@@ -36342,7 +36085,7 @@
 </p:sld>
 </file>
 
-<file path=ppt/slides/slide34.xml><?xml version="1.0" encoding="utf-8"?>
+<file path=ppt/slides/slide32.xml><?xml version="1.0" encoding="utf-8"?>
 <p:sld xmlns:a="http://schemas.openxmlformats.org/drawingml/2006/main" xmlns:r="http://schemas.openxmlformats.org/officeDocument/2006/relationships" xmlns:p="http://schemas.openxmlformats.org/presentationml/2006/main">
   <p:cSld>
     <p:spTree>
@@ -36430,7 +36173,7 @@
           <a:p>
             <a:fld id="{EAE41600-55F5-4A6B-8385-85433044AE0B}" type="slidenum">
               <a:rPr lang="de-DE" smtClean="0"/>
-              <a:t>34</a:t>
+              <a:t>32</a:t>
             </a:fld>
             <a:endParaRPr lang="de-DE" dirty="0"/>
           </a:p>
@@ -36551,7 +36294,7 @@
 </p:sld>
 </file>
 
-<file path=ppt/slides/slide35.xml><?xml version="1.0" encoding="utf-8"?>
+<file path=ppt/slides/slide33.xml><?xml version="1.0" encoding="utf-8"?>
 <p:sld xmlns:a="http://schemas.openxmlformats.org/drawingml/2006/main" xmlns:r="http://schemas.openxmlformats.org/officeDocument/2006/relationships" xmlns:p="http://schemas.openxmlformats.org/presentationml/2006/main">
   <p:cSld>
     <p:spTree>
@@ -36743,7 +36486,7 @@
           <a:p>
             <a:fld id="{EAE41600-55F5-4A6B-8385-85433044AE0B}" type="slidenum">
               <a:rPr lang="de-DE" smtClean="0"/>
-              <a:t>35</a:t>
+              <a:t>33</a:t>
             </a:fld>
             <a:endParaRPr lang="de-DE" dirty="0"/>
           </a:p>
@@ -36882,7 +36625,7 @@
 </p:sld>
 </file>
 
-<file path=ppt/slides/slide36.xml><?xml version="1.0" encoding="utf-8"?>
+<file path=ppt/slides/slide34.xml><?xml version="1.0" encoding="utf-8"?>
 <p:sld xmlns:a="http://schemas.openxmlformats.org/drawingml/2006/main" xmlns:r="http://schemas.openxmlformats.org/officeDocument/2006/relationships" xmlns:p="http://schemas.openxmlformats.org/presentationml/2006/main">
   <p:cSld>
     <p:spTree>
@@ -36979,11 +36722,35 @@
                   <a:srgbClr val="0070C0"/>
                 </a:solidFill>
               </a:rPr>
-              <a:t>Bernie Sanders </a:t>
+              <a:t>Bernie </a:t>
+            </a:r>
+            <a:r>
+              <a:rPr lang="en-US" dirty="0" smtClean="0">
+                <a:solidFill>
+                  <a:srgbClr val="0070C0"/>
+                </a:solidFill>
+              </a:rPr>
+              <a:t>Sanders</a:t>
+            </a:r>
+            <a:r>
+              <a:rPr lang="de-DE" dirty="0" smtClean="0">
+                <a:solidFill>
+                  <a:srgbClr val="0070C0"/>
+                </a:solidFill>
+              </a:rPr>
+              <a:t> </a:t>
             </a:r>
             <a:r>
               <a:rPr lang="de-DE" dirty="0" smtClean="0"/>
-              <a:t>number of searches wes far more than </a:t>
+              <a:t>number of searches </a:t>
+            </a:r>
+            <a:r>
+              <a:rPr lang="de-DE" dirty="0" smtClean="0"/>
+              <a:t>was </a:t>
+            </a:r>
+            <a:r>
+              <a:rPr lang="de-DE" dirty="0" smtClean="0"/>
+              <a:t>far more than </a:t>
             </a:r>
             <a:r>
               <a:rPr lang="de-DE" dirty="0" smtClean="0">
@@ -37018,7 +36785,7 @@
           <a:p>
             <a:fld id="{EAE41600-55F5-4A6B-8385-85433044AE0B}" type="slidenum">
               <a:rPr lang="de-DE" smtClean="0"/>
-              <a:t>36</a:t>
+              <a:t>34</a:t>
             </a:fld>
             <a:endParaRPr lang="de-DE" dirty="0"/>
           </a:p>
@@ -37157,7 +36924,7 @@
     </p:spTree>
     <p:extLst>
       <p:ext uri="{BB962C8B-B14F-4D97-AF65-F5344CB8AC3E}">
-        <p14:creationId xmlns:p14="http://schemas.microsoft.com/office/powerpoint/2010/main" val="3151086227"/>
+        <p14:creationId xmlns:p14="http://schemas.microsoft.com/office/powerpoint/2010/main" val="2114229384"/>
       </p:ext>
     </p:extLst>
   </p:cSld>
@@ -37174,7 +36941,7 @@
 </p:sld>
 </file>
 
-<file path=ppt/slides/slide37.xml><?xml version="1.0" encoding="utf-8"?>
+<file path=ppt/slides/slide35.xml><?xml version="1.0" encoding="utf-8"?>
 <p:sld xmlns:a="http://schemas.openxmlformats.org/drawingml/2006/main" xmlns:r="http://schemas.openxmlformats.org/officeDocument/2006/relationships" xmlns:p="http://schemas.openxmlformats.org/presentationml/2006/main">
   <p:cSld>
     <p:spTree>
@@ -37378,7 +37145,7 @@
           <a:p>
             <a:fld id="{EAE41600-55F5-4A6B-8385-85433044AE0B}" type="slidenum">
               <a:rPr lang="de-DE" smtClean="0"/>
-              <a:t>37</a:t>
+              <a:t>35</a:t>
             </a:fld>
             <a:endParaRPr lang="de-DE" dirty="0"/>
           </a:p>
@@ -37475,7 +37242,7 @@
 </p:sld>
 </file>
 
-<file path=ppt/slides/slide38.xml><?xml version="1.0" encoding="utf-8"?>
+<file path=ppt/slides/slide36.xml><?xml version="1.0" encoding="utf-8"?>
 <p:sld xmlns:a="http://schemas.openxmlformats.org/drawingml/2006/main" xmlns:r="http://schemas.openxmlformats.org/officeDocument/2006/relationships" xmlns:p="http://schemas.openxmlformats.org/presentationml/2006/main">
   <p:cSld>
     <p:spTree>
@@ -37662,8 +37429,13 @@
           <a:p>
             <a:r>
               <a:rPr lang="de-DE" dirty="0" smtClean="0"/>
-              <a:t>Concept recurrance</a:t>
+              <a:t>Concept </a:t>
             </a:r>
+            <a:r>
+              <a:rPr lang="de-DE" dirty="0" smtClean="0"/>
+              <a:t>recurrence</a:t>
+            </a:r>
+            <a:endParaRPr lang="de-DE" dirty="0" smtClean="0"/>
           </a:p>
           <a:p>
             <a:pPr lvl="1"/>
@@ -37691,7 +37463,7 @@
           <a:p>
             <a:fld id="{EAE41600-55F5-4A6B-8385-85433044AE0B}" type="slidenum">
               <a:rPr lang="de-DE" smtClean="0"/>
-              <a:t>38</a:t>
+              <a:t>36</a:t>
             </a:fld>
             <a:endParaRPr lang="de-DE" dirty="0"/>
           </a:p>
@@ -41973,7 +41745,7 @@
 </p:sld>
 </file>
 
-<file path=ppt/slides/slide39.xml><?xml version="1.0" encoding="utf-8"?>
+<file path=ppt/slides/slide37.xml><?xml version="1.0" encoding="utf-8"?>
 <p:sld xmlns:a="http://schemas.openxmlformats.org/drawingml/2006/main" xmlns:r="http://schemas.openxmlformats.org/officeDocument/2006/relationships" xmlns:p="http://schemas.openxmlformats.org/presentationml/2006/main">
   <p:cSld>
     <p:spTree>
@@ -42214,7 +41986,7 @@
           <a:p>
             <a:fld id="{EAE41600-55F5-4A6B-8385-85433044AE0B}" type="slidenum">
               <a:rPr lang="de-DE" smtClean="0"/>
-              <a:t>39</a:t>
+              <a:t>37</a:t>
             </a:fld>
             <a:endParaRPr lang="de-DE" dirty="0"/>
           </a:p>
@@ -42625,6 +42397,585 @@
 </p:sld>
 </file>
 
+<file path=ppt/slides/slide38.xml><?xml version="1.0" encoding="utf-8"?>
+<p:sld xmlns:a="http://schemas.openxmlformats.org/drawingml/2006/main" xmlns:r="http://schemas.openxmlformats.org/officeDocument/2006/relationships" xmlns:p="http://schemas.openxmlformats.org/presentationml/2006/main">
+  <p:cSld>
+    <p:spTree>
+      <p:nvGrpSpPr>
+        <p:cNvPr id="1" name=""/>
+        <p:cNvGrpSpPr/>
+        <p:nvPr/>
+      </p:nvGrpSpPr>
+      <p:grpSpPr>
+        <a:xfrm>
+          <a:off x="0" y="0"/>
+          <a:ext cx="0" cy="0"/>
+          <a:chOff x="0" y="0"/>
+          <a:chExt cx="0" cy="0"/>
+        </a:xfrm>
+      </p:grpSpPr>
+      <p:sp>
+        <p:nvSpPr>
+          <p:cNvPr id="2" name="Title 1"/>
+          <p:cNvSpPr>
+            <a:spLocks noGrp="1"/>
+          </p:cNvSpPr>
+          <p:nvPr>
+            <p:ph type="title"/>
+          </p:nvPr>
+        </p:nvSpPr>
+        <p:spPr>
+          <a:xfrm>
+            <a:off x="460977" y="365127"/>
+            <a:ext cx="8290057" cy="609730"/>
+          </a:xfrm>
+        </p:spPr>
+        <p:txBody>
+          <a:bodyPr>
+            <a:normAutofit fontScale="90000"/>
+          </a:bodyPr>
+          <a:lstStyle/>
+          <a:p>
+            <a:r>
+              <a:rPr lang="en-US" dirty="0" smtClean="0">
+                <a:solidFill>
+                  <a:schemeClr val="accent5"/>
+                </a:solidFill>
+              </a:rPr>
+              <a:t>Random RBF </a:t>
+            </a:r>
+            <a:r>
+              <a:rPr lang="en-US" dirty="0" smtClean="0">
+                <a:solidFill>
+                  <a:schemeClr val="accent5"/>
+                </a:solidFill>
+              </a:rPr>
+              <a:t>Generation</a:t>
+            </a:r>
+            <a:endParaRPr lang="de-DE" dirty="0">
+              <a:solidFill>
+                <a:schemeClr val="accent5"/>
+              </a:solidFill>
+            </a:endParaRPr>
+          </a:p>
+        </p:txBody>
+      </p:sp>
+      <p:sp>
+        <p:nvSpPr>
+          <p:cNvPr id="3" name="Content Placeholder 2"/>
+          <p:cNvSpPr>
+            <a:spLocks noGrp="1"/>
+          </p:cNvSpPr>
+          <p:nvPr>
+            <p:ph idx="1"/>
+          </p:nvPr>
+        </p:nvSpPr>
+        <p:spPr>
+          <a:xfrm>
+            <a:off x="460977" y="1046648"/>
+            <a:ext cx="8290057" cy="5206790"/>
+          </a:xfrm>
+        </p:spPr>
+        <p:txBody>
+          <a:bodyPr/>
+          <a:lstStyle/>
+          <a:p>
+            <a:r>
+              <a:rPr lang="de-DE" dirty="0" smtClean="0"/>
+              <a:t>Random </a:t>
+            </a:r>
+            <a:r>
+              <a:rPr lang="de-DE" dirty="0" smtClean="0"/>
+              <a:t>radial basis function (RandRBF) generator is challenging for DT based approaches</a:t>
+            </a:r>
+          </a:p>
+          <a:p>
+            <a:pPr lvl="1"/>
+            <a:r>
+              <a:rPr lang="de-DE" dirty="0" smtClean="0"/>
+              <a:t>Randomly chooses user-defined number of centroids in the hyperspace</a:t>
+            </a:r>
+          </a:p>
+          <a:p>
+            <a:pPr lvl="1"/>
+            <a:r>
+              <a:rPr lang="de-DE" dirty="0" smtClean="0"/>
+              <a:t>Assigns class label, drift coefficient, standard deviation, weights to each of the </a:t>
+            </a:r>
+            <a:r>
+              <a:rPr lang="de-DE" dirty="0" smtClean="0"/>
+              <a:t>centroids</a:t>
+            </a:r>
+            <a:endParaRPr lang="de-DE" dirty="0" smtClean="0"/>
+          </a:p>
+          <a:p>
+            <a:pPr lvl="1"/>
+            <a:r>
+              <a:rPr lang="de-DE" dirty="0" smtClean="0"/>
+              <a:t>Instances are generated by selecting a centroid at random (weighted), and choosing a point using normal distribution</a:t>
+            </a:r>
+          </a:p>
+        </p:txBody>
+      </p:sp>
+      <p:sp>
+        <p:nvSpPr>
+          <p:cNvPr id="7" name="Slide Number Placeholder 6"/>
+          <p:cNvSpPr>
+            <a:spLocks noGrp="1"/>
+          </p:cNvSpPr>
+          <p:nvPr>
+            <p:ph type="sldNum" sz="quarter" idx="12"/>
+          </p:nvPr>
+        </p:nvSpPr>
+        <p:spPr/>
+        <p:txBody>
+          <a:bodyPr/>
+          <a:lstStyle/>
+          <a:p>
+            <a:fld id="{EAE41600-55F5-4A6B-8385-85433044AE0B}" type="slidenum">
+              <a:rPr lang="de-DE" smtClean="0"/>
+              <a:t>38</a:t>
+            </a:fld>
+            <a:endParaRPr lang="de-DE" dirty="0"/>
+          </a:p>
+        </p:txBody>
+      </p:sp>
+      <p:pic>
+        <p:nvPicPr>
+          <p:cNvPr id="15" name="Picture 14"/>
+          <p:cNvPicPr>
+            <a:picLocks noChangeAspect="1"/>
+          </p:cNvPicPr>
+          <p:nvPr/>
+        </p:nvPicPr>
+        <p:blipFill>
+          <a:blip r:embed="rId3" cstate="print">
+            <a:extLst>
+              <a:ext uri="{28A0092B-C50C-407E-A947-70E740481C1C}">
+                <a14:useLocalDpi xmlns:a14="http://schemas.microsoft.com/office/drawing/2010/main" val="0"/>
+              </a:ext>
+            </a:extLst>
+          </a:blip>
+          <a:stretch>
+            <a:fillRect/>
+          </a:stretch>
+        </p:blipFill>
+        <p:spPr>
+          <a:xfrm>
+            <a:off x="8198547" y="101546"/>
+            <a:ext cx="817158" cy="430469"/>
+          </a:xfrm>
+          <a:prstGeom prst="rect">
+            <a:avLst/>
+          </a:prstGeom>
+        </p:spPr>
+      </p:pic>
+      <p:pic>
+        <p:nvPicPr>
+          <p:cNvPr id="16" name="Picture 2" descr="File:LMU Muenchen Logo.svg"/>
+          <p:cNvPicPr>
+            <a:picLocks noChangeAspect="1" noChangeArrowheads="1"/>
+          </p:cNvPicPr>
+          <p:nvPr/>
+        </p:nvPicPr>
+        <p:blipFill>
+          <a:blip r:embed="rId4" cstate="print">
+            <a:extLst>
+              <a:ext uri="{28A0092B-C50C-407E-A947-70E740481C1C}">
+                <a14:useLocalDpi xmlns:a14="http://schemas.microsoft.com/office/drawing/2010/main" val="0"/>
+              </a:ext>
+            </a:extLst>
+          </a:blip>
+          <a:srcRect/>
+          <a:stretch>
+            <a:fillRect/>
+          </a:stretch>
+        </p:blipFill>
+        <p:spPr bwMode="auto">
+          <a:xfrm>
+            <a:off x="103529" y="6293665"/>
+            <a:ext cx="936625" cy="490496"/>
+          </a:xfrm>
+          <a:prstGeom prst="rect">
+            <a:avLst/>
+          </a:prstGeom>
+          <a:noFill/>
+          <a:extLst>
+            <a:ext uri="{909E8E84-426E-40DD-AFC4-6F175D3DCCD1}">
+              <a14:hiddenFill xmlns:a14="http://schemas.microsoft.com/office/drawing/2010/main">
+                <a:solidFill>
+                  <a:srgbClr val="FFFFFF"/>
+                </a:solidFill>
+              </a14:hiddenFill>
+            </a:ext>
+          </a:extLst>
+        </p:spPr>
+      </p:pic>
+    </p:spTree>
+    <p:extLst>
+      <p:ext uri="{BB962C8B-B14F-4D97-AF65-F5344CB8AC3E}">
+        <p14:creationId xmlns:p14="http://schemas.microsoft.com/office/powerpoint/2010/main" val="3127804446"/>
+      </p:ext>
+    </p:extLst>
+  </p:cSld>
+  <p:clrMapOvr>
+    <a:masterClrMapping/>
+  </p:clrMapOvr>
+  <p:timing>
+    <p:tnLst>
+      <p:par>
+        <p:cTn id="1" dur="indefinite" restart="never" nodeType="tmRoot"/>
+      </p:par>
+    </p:tnLst>
+  </p:timing>
+</p:sld>
+</file>
+
+<file path=ppt/slides/slide39.xml><?xml version="1.0" encoding="utf-8"?>
+<p:sld xmlns:a="http://schemas.openxmlformats.org/drawingml/2006/main" xmlns:r="http://schemas.openxmlformats.org/officeDocument/2006/relationships" xmlns:p="http://schemas.openxmlformats.org/presentationml/2006/main">
+  <p:cSld>
+    <p:spTree>
+      <p:nvGrpSpPr>
+        <p:cNvPr id="1" name=""/>
+        <p:cNvGrpSpPr/>
+        <p:nvPr/>
+      </p:nvGrpSpPr>
+      <p:grpSpPr>
+        <a:xfrm>
+          <a:off x="0" y="0"/>
+          <a:ext cx="0" cy="0"/>
+          <a:chOff x="0" y="0"/>
+          <a:chExt cx="0" cy="0"/>
+        </a:xfrm>
+      </p:grpSpPr>
+      <p:sp>
+        <p:nvSpPr>
+          <p:cNvPr id="2" name="Title 1"/>
+          <p:cNvSpPr>
+            <a:spLocks noGrp="1"/>
+          </p:cNvSpPr>
+          <p:nvPr>
+            <p:ph type="title"/>
+          </p:nvPr>
+        </p:nvSpPr>
+        <p:spPr>
+          <a:xfrm>
+            <a:off x="460977" y="365127"/>
+            <a:ext cx="8290057" cy="609730"/>
+          </a:xfrm>
+        </p:spPr>
+        <p:txBody>
+          <a:bodyPr>
+            <a:normAutofit fontScale="90000"/>
+          </a:bodyPr>
+          <a:lstStyle/>
+          <a:p>
+            <a:r>
+              <a:rPr lang="en-US" dirty="0" smtClean="0">
+                <a:solidFill>
+                  <a:schemeClr val="accent5"/>
+                </a:solidFill>
+              </a:rPr>
+              <a:t>Random RBF </a:t>
+            </a:r>
+            <a:r>
+              <a:rPr lang="en-US" dirty="0" smtClean="0">
+                <a:solidFill>
+                  <a:schemeClr val="accent5"/>
+                </a:solidFill>
+              </a:rPr>
+              <a:t>Data Set</a:t>
+            </a:r>
+            <a:endParaRPr lang="de-DE" dirty="0">
+              <a:solidFill>
+                <a:schemeClr val="accent5"/>
+              </a:solidFill>
+            </a:endParaRPr>
+          </a:p>
+        </p:txBody>
+      </p:sp>
+      <p:sp>
+        <p:nvSpPr>
+          <p:cNvPr id="3" name="Content Placeholder 2"/>
+          <p:cNvSpPr>
+            <a:spLocks noGrp="1"/>
+          </p:cNvSpPr>
+          <p:nvPr>
+            <p:ph idx="1"/>
+          </p:nvPr>
+        </p:nvSpPr>
+        <p:spPr>
+          <a:xfrm>
+            <a:off x="460977" y="1046648"/>
+            <a:ext cx="8290057" cy="5206790"/>
+          </a:xfrm>
+        </p:spPr>
+        <p:txBody>
+          <a:bodyPr/>
+          <a:lstStyle/>
+          <a:p>
+            <a:endParaRPr lang="de-DE" dirty="0"/>
+          </a:p>
+        </p:txBody>
+      </p:sp>
+      <p:sp>
+        <p:nvSpPr>
+          <p:cNvPr id="7" name="Slide Number Placeholder 6"/>
+          <p:cNvSpPr>
+            <a:spLocks noGrp="1"/>
+          </p:cNvSpPr>
+          <p:nvPr>
+            <p:ph type="sldNum" sz="quarter" idx="12"/>
+          </p:nvPr>
+        </p:nvSpPr>
+        <p:spPr/>
+        <p:txBody>
+          <a:bodyPr/>
+          <a:lstStyle/>
+          <a:p>
+            <a:fld id="{EAE41600-55F5-4A6B-8385-85433044AE0B}" type="slidenum">
+              <a:rPr lang="de-DE" smtClean="0"/>
+              <a:t>39</a:t>
+            </a:fld>
+            <a:endParaRPr lang="de-DE" dirty="0"/>
+          </a:p>
+        </p:txBody>
+      </p:sp>
+      <p:pic>
+        <p:nvPicPr>
+          <p:cNvPr id="4" name="Picture 3"/>
+          <p:cNvPicPr>
+            <a:picLocks noChangeAspect="1"/>
+          </p:cNvPicPr>
+          <p:nvPr/>
+        </p:nvPicPr>
+        <p:blipFill>
+          <a:blip r:embed="rId3"/>
+          <a:stretch>
+            <a:fillRect/>
+          </a:stretch>
+        </p:blipFill>
+        <p:spPr>
+          <a:xfrm>
+            <a:off x="609938" y="1201728"/>
+            <a:ext cx="7991907" cy="4896629"/>
+          </a:xfrm>
+          <a:prstGeom prst="rect">
+            <a:avLst/>
+          </a:prstGeom>
+        </p:spPr>
+      </p:pic>
+      <p:pic>
+        <p:nvPicPr>
+          <p:cNvPr id="10" name="Picture 9"/>
+          <p:cNvPicPr>
+            <a:picLocks noChangeAspect="1"/>
+          </p:cNvPicPr>
+          <p:nvPr/>
+        </p:nvPicPr>
+        <p:blipFill>
+          <a:blip r:embed="rId4" cstate="print">
+            <a:extLst>
+              <a:ext uri="{28A0092B-C50C-407E-A947-70E740481C1C}">
+                <a14:useLocalDpi xmlns:a14="http://schemas.microsoft.com/office/drawing/2010/main" val="0"/>
+              </a:ext>
+            </a:extLst>
+          </a:blip>
+          <a:stretch>
+            <a:fillRect/>
+          </a:stretch>
+        </p:blipFill>
+        <p:spPr>
+          <a:xfrm>
+            <a:off x="8198547" y="101546"/>
+            <a:ext cx="817158" cy="430469"/>
+          </a:xfrm>
+          <a:prstGeom prst="rect">
+            <a:avLst/>
+          </a:prstGeom>
+        </p:spPr>
+      </p:pic>
+      <p:pic>
+        <p:nvPicPr>
+          <p:cNvPr id="11" name="Picture 2" descr="File:LMU Muenchen Logo.svg"/>
+          <p:cNvPicPr>
+            <a:picLocks noChangeAspect="1" noChangeArrowheads="1"/>
+          </p:cNvPicPr>
+          <p:nvPr/>
+        </p:nvPicPr>
+        <p:blipFill>
+          <a:blip r:embed="rId5" cstate="print">
+            <a:extLst>
+              <a:ext uri="{28A0092B-C50C-407E-A947-70E740481C1C}">
+                <a14:useLocalDpi xmlns:a14="http://schemas.microsoft.com/office/drawing/2010/main" val="0"/>
+              </a:ext>
+            </a:extLst>
+          </a:blip>
+          <a:srcRect/>
+          <a:stretch>
+            <a:fillRect/>
+          </a:stretch>
+        </p:blipFill>
+        <p:spPr bwMode="auto">
+          <a:xfrm>
+            <a:off x="103529" y="6293665"/>
+            <a:ext cx="936625" cy="490496"/>
+          </a:xfrm>
+          <a:prstGeom prst="rect">
+            <a:avLst/>
+          </a:prstGeom>
+          <a:noFill/>
+          <a:extLst>
+            <a:ext uri="{909E8E84-426E-40DD-AFC4-6F175D3DCCD1}">
+              <a14:hiddenFill xmlns:a14="http://schemas.microsoft.com/office/drawing/2010/main">
+                <a:solidFill>
+                  <a:srgbClr val="FFFFFF"/>
+                </a:solidFill>
+              </a14:hiddenFill>
+            </a:ext>
+          </a:extLst>
+        </p:spPr>
+      </p:pic>
+      <p:sp>
+        <p:nvSpPr>
+          <p:cNvPr id="5" name="TextBox 4"/>
+          <p:cNvSpPr txBox="1"/>
+          <p:nvPr/>
+        </p:nvSpPr>
+        <p:spPr>
+          <a:xfrm>
+            <a:off x="1371600" y="3352800"/>
+            <a:ext cx="2018501" cy="369332"/>
+          </a:xfrm>
+          <a:prstGeom prst="rect">
+            <a:avLst/>
+          </a:prstGeom>
+          <a:noFill/>
+        </p:spPr>
+        <p:txBody>
+          <a:bodyPr wrap="none" rtlCol="0">
+            <a:spAutoFit/>
+          </a:bodyPr>
+          <a:lstStyle/>
+          <a:p>
+            <a:r>
+              <a:rPr lang="en-US" dirty="0" smtClean="0"/>
+              <a:t>Drift Coefficient 0.0</a:t>
+            </a:r>
+            <a:endParaRPr lang="en-US" dirty="0"/>
+          </a:p>
+        </p:txBody>
+      </p:sp>
+      <p:sp>
+        <p:nvSpPr>
+          <p:cNvPr id="9" name="TextBox 8"/>
+          <p:cNvSpPr txBox="1"/>
+          <p:nvPr/>
+        </p:nvSpPr>
+        <p:spPr>
+          <a:xfrm>
+            <a:off x="5473158" y="3352800"/>
+            <a:ext cx="2135521" cy="369332"/>
+          </a:xfrm>
+          <a:prstGeom prst="rect">
+            <a:avLst/>
+          </a:prstGeom>
+          <a:noFill/>
+        </p:spPr>
+        <p:txBody>
+          <a:bodyPr wrap="none" rtlCol="0">
+            <a:spAutoFit/>
+          </a:bodyPr>
+          <a:lstStyle/>
+          <a:p>
+            <a:r>
+              <a:rPr lang="en-US" dirty="0" smtClean="0"/>
+              <a:t>Drift Coefficient 0.01</a:t>
+            </a:r>
+            <a:endParaRPr lang="en-US" dirty="0"/>
+          </a:p>
+        </p:txBody>
+      </p:sp>
+      <p:sp>
+        <p:nvSpPr>
+          <p:cNvPr id="12" name="TextBox 11"/>
+          <p:cNvSpPr txBox="1"/>
+          <p:nvPr/>
+        </p:nvSpPr>
+        <p:spPr>
+          <a:xfrm>
+            <a:off x="1378368" y="5911304"/>
+            <a:ext cx="2018501" cy="369332"/>
+          </a:xfrm>
+          <a:prstGeom prst="rect">
+            <a:avLst/>
+          </a:prstGeom>
+          <a:noFill/>
+        </p:spPr>
+        <p:txBody>
+          <a:bodyPr wrap="none" rtlCol="0">
+            <a:spAutoFit/>
+          </a:bodyPr>
+          <a:lstStyle/>
+          <a:p>
+            <a:r>
+              <a:rPr lang="en-US" dirty="0" smtClean="0"/>
+              <a:t>Drift Coefficient 0.1</a:t>
+            </a:r>
+            <a:endParaRPr lang="en-US" dirty="0"/>
+          </a:p>
+        </p:txBody>
+      </p:sp>
+      <p:sp>
+        <p:nvSpPr>
+          <p:cNvPr id="13" name="TextBox 12"/>
+          <p:cNvSpPr txBox="1"/>
+          <p:nvPr/>
+        </p:nvSpPr>
+        <p:spPr>
+          <a:xfrm>
+            <a:off x="5479926" y="5911304"/>
+            <a:ext cx="2018501" cy="369332"/>
+          </a:xfrm>
+          <a:prstGeom prst="rect">
+            <a:avLst/>
+          </a:prstGeom>
+          <a:noFill/>
+        </p:spPr>
+        <p:txBody>
+          <a:bodyPr wrap="none" rtlCol="0">
+            <a:spAutoFit/>
+          </a:bodyPr>
+          <a:lstStyle/>
+          <a:p>
+            <a:r>
+              <a:rPr lang="en-US" dirty="0" smtClean="0"/>
+              <a:t>Drift Coefficient 1.0</a:t>
+            </a:r>
+            <a:endParaRPr lang="en-US" dirty="0"/>
+          </a:p>
+        </p:txBody>
+      </p:sp>
+    </p:spTree>
+    <p:extLst>
+      <p:ext uri="{BB962C8B-B14F-4D97-AF65-F5344CB8AC3E}">
+        <p14:creationId xmlns:p14="http://schemas.microsoft.com/office/powerpoint/2010/main" val="494762223"/>
+      </p:ext>
+    </p:extLst>
+  </p:cSld>
+  <p:clrMapOvr>
+    <a:masterClrMapping/>
+  </p:clrMapOvr>
+  <p:timing>
+    <p:tnLst>
+      <p:par>
+        <p:cTn id="1" dur="indefinite" restart="never" nodeType="tmRoot"/>
+      </p:par>
+    </p:tnLst>
+  </p:timing>
+</p:sld>
+</file>
+
 <file path=ppt/slides/slide4.xml><?xml version="1.0" encoding="utf-8"?>
 <p:sld xmlns:a="http://schemas.openxmlformats.org/drawingml/2006/main" xmlns:r="http://schemas.openxmlformats.org/officeDocument/2006/relationships" xmlns:p="http://schemas.openxmlformats.org/presentationml/2006/main">
   <p:cSld>
@@ -42702,13 +43053,41 @@
           <a:p>
             <a:r>
               <a:rPr lang="en-US" dirty="0"/>
-              <a:t>Number of tweets in Tweeter for different topics (Aug 28, 2015-Sept 28, 2015)</a:t>
+              <a:t>Number of tweets in </a:t>
+            </a:r>
+            <a:r>
+              <a:rPr lang="en-US" dirty="0" smtClean="0"/>
+              <a:t>Twitter </a:t>
+            </a:r>
+            <a:r>
+              <a:rPr lang="en-US" dirty="0"/>
+              <a:t>for different topics (Aug 28, 2015-Sept 28, 2015)</a:t>
             </a:r>
           </a:p>
           <a:p>
             <a:r>
               <a:rPr lang="de-DE" dirty="0" smtClean="0"/>
-              <a:t>The target class could be balanced even though the sources are </a:t>
+              <a:t>The </a:t>
+            </a:r>
+            <a:r>
+              <a:rPr lang="en-US" dirty="0" smtClean="0"/>
+              <a:t>target</a:t>
+            </a:r>
+            <a:r>
+              <a:rPr lang="de-DE" dirty="0" smtClean="0"/>
+              <a:t> </a:t>
+            </a:r>
+            <a:r>
+              <a:rPr lang="de-DE" dirty="0" smtClean="0"/>
+              <a:t>class could be balanced even though the sources </a:t>
+            </a:r>
+            <a:r>
+              <a:rPr lang="en-US" dirty="0" smtClean="0"/>
+              <a:t>are</a:t>
+            </a:r>
+            <a:r>
+              <a:rPr lang="de-DE" dirty="0" smtClean="0"/>
+              <a:t> contributing at different rates</a:t>
             </a:r>
             <a:endParaRPr lang="de-DE" dirty="0"/>
           </a:p>
@@ -42980,6 +43359,575 @@
           </a:bodyPr>
           <a:lstStyle/>
           <a:p>
+            <a:r>
+              <a:rPr lang="en-US" dirty="0" smtClean="0">
+                <a:solidFill>
+                  <a:schemeClr val="accent5"/>
+                </a:solidFill>
+              </a:rPr>
+              <a:t>Data Set Comparison</a:t>
+            </a:r>
+            <a:endParaRPr lang="de-DE" dirty="0">
+              <a:solidFill>
+                <a:schemeClr val="accent5"/>
+              </a:solidFill>
+            </a:endParaRPr>
+          </a:p>
+        </p:txBody>
+      </p:sp>
+      <p:pic>
+        <p:nvPicPr>
+          <p:cNvPr id="10" name="Content Placeholder 9"/>
+          <p:cNvPicPr>
+            <a:picLocks noGrp="1" noChangeAspect="1"/>
+          </p:cNvPicPr>
+          <p:nvPr>
+            <p:ph idx="1"/>
+          </p:nvPr>
+        </p:nvPicPr>
+        <p:blipFill>
+          <a:blip r:embed="rId3"/>
+          <a:stretch>
+            <a:fillRect/>
+          </a:stretch>
+        </p:blipFill>
+        <p:spPr>
+          <a:xfrm>
+            <a:off x="4804756" y="1103443"/>
+            <a:ext cx="4247558" cy="2700060"/>
+          </a:xfrm>
+          <a:prstGeom prst="rect">
+            <a:avLst/>
+          </a:prstGeom>
+        </p:spPr>
+      </p:pic>
+      <p:sp>
+        <p:nvSpPr>
+          <p:cNvPr id="7" name="Slide Number Placeholder 6"/>
+          <p:cNvSpPr>
+            <a:spLocks noGrp="1"/>
+          </p:cNvSpPr>
+          <p:nvPr>
+            <p:ph type="sldNum" sz="quarter" idx="12"/>
+          </p:nvPr>
+        </p:nvSpPr>
+        <p:spPr/>
+        <p:txBody>
+          <a:bodyPr/>
+          <a:lstStyle/>
+          <a:p>
+            <a:fld id="{EAE41600-55F5-4A6B-8385-85433044AE0B}" type="slidenum">
+              <a:rPr lang="de-DE" smtClean="0"/>
+              <a:t>40</a:t>
+            </a:fld>
+            <a:endParaRPr lang="de-DE" dirty="0"/>
+          </a:p>
+        </p:txBody>
+      </p:sp>
+      <p:pic>
+        <p:nvPicPr>
+          <p:cNvPr id="4" name="Picture 3"/>
+          <p:cNvPicPr>
+            <a:picLocks noChangeAspect="1"/>
+          </p:cNvPicPr>
+          <p:nvPr/>
+        </p:nvPicPr>
+        <p:blipFill>
+          <a:blip r:embed="rId4"/>
+          <a:stretch>
+            <a:fillRect/>
+          </a:stretch>
+        </p:blipFill>
+        <p:spPr>
+          <a:xfrm>
+            <a:off x="219853" y="2292321"/>
+            <a:ext cx="4545591" cy="2507062"/>
+          </a:xfrm>
+          <a:prstGeom prst="rect">
+            <a:avLst/>
+          </a:prstGeom>
+        </p:spPr>
+      </p:pic>
+      <p:pic>
+        <p:nvPicPr>
+          <p:cNvPr id="5" name="Picture 4"/>
+          <p:cNvPicPr>
+            <a:picLocks noChangeAspect="1"/>
+          </p:cNvPicPr>
+          <p:nvPr/>
+        </p:nvPicPr>
+        <p:blipFill>
+          <a:blip r:embed="rId5"/>
+          <a:stretch>
+            <a:fillRect/>
+          </a:stretch>
+        </p:blipFill>
+        <p:spPr>
+          <a:xfrm>
+            <a:off x="4813069" y="3918723"/>
+            <a:ext cx="4330931" cy="2437628"/>
+          </a:xfrm>
+          <a:prstGeom prst="rect">
+            <a:avLst/>
+          </a:prstGeom>
+        </p:spPr>
+      </p:pic>
+      <p:pic>
+        <p:nvPicPr>
+          <p:cNvPr id="11" name="Picture 10"/>
+          <p:cNvPicPr>
+            <a:picLocks noChangeAspect="1"/>
+          </p:cNvPicPr>
+          <p:nvPr/>
+        </p:nvPicPr>
+        <p:blipFill>
+          <a:blip r:embed="rId6" cstate="print">
+            <a:extLst>
+              <a:ext uri="{28A0092B-C50C-407E-A947-70E740481C1C}">
+                <a14:useLocalDpi xmlns:a14="http://schemas.microsoft.com/office/drawing/2010/main" val="0"/>
+              </a:ext>
+            </a:extLst>
+          </a:blip>
+          <a:stretch>
+            <a:fillRect/>
+          </a:stretch>
+        </p:blipFill>
+        <p:spPr>
+          <a:xfrm>
+            <a:off x="8198547" y="101546"/>
+            <a:ext cx="817158" cy="430469"/>
+          </a:xfrm>
+          <a:prstGeom prst="rect">
+            <a:avLst/>
+          </a:prstGeom>
+        </p:spPr>
+      </p:pic>
+      <p:pic>
+        <p:nvPicPr>
+          <p:cNvPr id="12" name="Picture 2" descr="File:LMU Muenchen Logo.svg"/>
+          <p:cNvPicPr>
+            <a:picLocks noChangeAspect="1" noChangeArrowheads="1"/>
+          </p:cNvPicPr>
+          <p:nvPr/>
+        </p:nvPicPr>
+        <p:blipFill>
+          <a:blip r:embed="rId7" cstate="print">
+            <a:extLst>
+              <a:ext uri="{28A0092B-C50C-407E-A947-70E740481C1C}">
+                <a14:useLocalDpi xmlns:a14="http://schemas.microsoft.com/office/drawing/2010/main" val="0"/>
+              </a:ext>
+            </a:extLst>
+          </a:blip>
+          <a:srcRect/>
+          <a:stretch>
+            <a:fillRect/>
+          </a:stretch>
+        </p:blipFill>
+        <p:spPr bwMode="auto">
+          <a:xfrm>
+            <a:off x="103529" y="6293665"/>
+            <a:ext cx="936625" cy="490496"/>
+          </a:xfrm>
+          <a:prstGeom prst="rect">
+            <a:avLst/>
+          </a:prstGeom>
+          <a:noFill/>
+          <a:extLst>
+            <a:ext uri="{909E8E84-426E-40DD-AFC4-6F175D3DCCD1}">
+              <a14:hiddenFill xmlns:a14="http://schemas.microsoft.com/office/drawing/2010/main">
+                <a:solidFill>
+                  <a:srgbClr val="FFFFFF"/>
+                </a:solidFill>
+              </a14:hiddenFill>
+            </a:ext>
+          </a:extLst>
+        </p:spPr>
+      </p:pic>
+      <p:sp>
+        <p:nvSpPr>
+          <p:cNvPr id="3" name="TextBox 2"/>
+          <p:cNvSpPr txBox="1"/>
+          <p:nvPr/>
+        </p:nvSpPr>
+        <p:spPr>
+          <a:xfrm>
+            <a:off x="1163979" y="5023869"/>
+            <a:ext cx="2390911" cy="369332"/>
+          </a:xfrm>
+          <a:prstGeom prst="rect">
+            <a:avLst/>
+          </a:prstGeom>
+          <a:noFill/>
+        </p:spPr>
+        <p:txBody>
+          <a:bodyPr wrap="none" rtlCol="0">
+            <a:spAutoFit/>
+          </a:bodyPr>
+          <a:lstStyle/>
+          <a:p>
+            <a:r>
+              <a:rPr lang="en-US" dirty="0" smtClean="0"/>
+              <a:t>Random RBF Generator</a:t>
+            </a:r>
+            <a:endParaRPr lang="en-US" dirty="0"/>
+          </a:p>
+        </p:txBody>
+      </p:sp>
+      <p:sp>
+        <p:nvSpPr>
+          <p:cNvPr id="13" name="TextBox 12"/>
+          <p:cNvSpPr txBox="1"/>
+          <p:nvPr/>
+        </p:nvSpPr>
+        <p:spPr>
+          <a:xfrm>
+            <a:off x="5919120" y="6354248"/>
+            <a:ext cx="1841338" cy="369332"/>
+          </a:xfrm>
+          <a:prstGeom prst="rect">
+            <a:avLst/>
+          </a:prstGeom>
+          <a:noFill/>
+        </p:spPr>
+        <p:txBody>
+          <a:bodyPr wrap="none" rtlCol="0">
+            <a:spAutoFit/>
+          </a:bodyPr>
+          <a:lstStyle/>
+          <a:p>
+            <a:r>
+              <a:rPr lang="en-US" dirty="0" smtClean="0"/>
+              <a:t>VSRBF Generator</a:t>
+            </a:r>
+            <a:endParaRPr lang="en-US" dirty="0"/>
+          </a:p>
+        </p:txBody>
+      </p:sp>
+    </p:spTree>
+    <p:extLst>
+      <p:ext uri="{BB962C8B-B14F-4D97-AF65-F5344CB8AC3E}">
+        <p14:creationId xmlns:p14="http://schemas.microsoft.com/office/powerpoint/2010/main" val="2880369970"/>
+      </p:ext>
+    </p:extLst>
+  </p:cSld>
+  <p:clrMapOvr>
+    <a:masterClrMapping/>
+  </p:clrMapOvr>
+  <p:timing>
+    <p:tnLst>
+      <p:par>
+        <p:cTn id="1" dur="indefinite" restart="never" nodeType="tmRoot"/>
+      </p:par>
+    </p:tnLst>
+  </p:timing>
+</p:sld>
+</file>
+
+<file path=ppt/slides/slide41.xml><?xml version="1.0" encoding="utf-8"?>
+<p:sld xmlns:a="http://schemas.openxmlformats.org/drawingml/2006/main" xmlns:r="http://schemas.openxmlformats.org/officeDocument/2006/relationships" xmlns:p="http://schemas.openxmlformats.org/presentationml/2006/main">
+  <p:cSld>
+    <p:spTree>
+      <p:nvGrpSpPr>
+        <p:cNvPr id="1" name=""/>
+        <p:cNvGrpSpPr/>
+        <p:nvPr/>
+      </p:nvGrpSpPr>
+      <p:grpSpPr>
+        <a:xfrm>
+          <a:off x="0" y="0"/>
+          <a:ext cx="0" cy="0"/>
+          <a:chOff x="0" y="0"/>
+          <a:chExt cx="0" cy="0"/>
+        </a:xfrm>
+      </p:grpSpPr>
+      <p:sp>
+        <p:nvSpPr>
+          <p:cNvPr id="2" name="Title 1"/>
+          <p:cNvSpPr>
+            <a:spLocks noGrp="1"/>
+          </p:cNvSpPr>
+          <p:nvPr>
+            <p:ph type="title"/>
+          </p:nvPr>
+        </p:nvSpPr>
+        <p:spPr>
+          <a:xfrm>
+            <a:off x="460977" y="365127"/>
+            <a:ext cx="8290057" cy="609730"/>
+          </a:xfrm>
+        </p:spPr>
+        <p:txBody>
+          <a:bodyPr>
+            <a:normAutofit fontScale="90000"/>
+          </a:bodyPr>
+          <a:lstStyle/>
+          <a:p>
+            <a:r>
+              <a:rPr lang="en-US" dirty="0">
+                <a:solidFill>
+                  <a:schemeClr val="accent5"/>
+                </a:solidFill>
+              </a:rPr>
+              <a:t>Effect of </a:t>
+            </a:r>
+            <a:r>
+              <a:rPr lang="en-US" dirty="0" smtClean="0">
+                <a:solidFill>
+                  <a:schemeClr val="accent5"/>
+                </a:solidFill>
+              </a:rPr>
+              <a:t>Parameters</a:t>
+            </a:r>
+            <a:endParaRPr lang="de-DE" dirty="0">
+              <a:solidFill>
+                <a:schemeClr val="accent5"/>
+              </a:solidFill>
+            </a:endParaRPr>
+          </a:p>
+        </p:txBody>
+      </p:sp>
+      <p:sp>
+        <p:nvSpPr>
+          <p:cNvPr id="3" name="Content Placeholder 2"/>
+          <p:cNvSpPr>
+            <a:spLocks noGrp="1"/>
+          </p:cNvSpPr>
+          <p:nvPr>
+            <p:ph idx="1"/>
+          </p:nvPr>
+        </p:nvSpPr>
+        <p:spPr>
+          <a:xfrm>
+            <a:off x="460977" y="1046648"/>
+            <a:ext cx="8290057" cy="5206790"/>
+          </a:xfrm>
+        </p:spPr>
+        <p:txBody>
+          <a:bodyPr/>
+          <a:lstStyle/>
+          <a:p>
+            <a:r>
+              <a:rPr lang="de-DE" dirty="0" smtClean="0"/>
+              <a:t>Larger tie threshold causes massive trees</a:t>
+            </a:r>
+          </a:p>
+          <a:p>
+            <a:r>
+              <a:rPr lang="de-DE" dirty="0" smtClean="0"/>
+              <a:t>Binary splits are nearly as effective as non-binary splits</a:t>
+            </a:r>
+          </a:p>
+          <a:p>
+            <a:pPr lvl="1"/>
+            <a:r>
+              <a:rPr lang="de-DE" dirty="0" smtClean="0"/>
+              <a:t>Negligible loss of accuracy (1-2%)</a:t>
+            </a:r>
+            <a:endParaRPr lang="de-DE" dirty="0"/>
+          </a:p>
+        </p:txBody>
+      </p:sp>
+      <p:sp>
+        <p:nvSpPr>
+          <p:cNvPr id="7" name="Slide Number Placeholder 6"/>
+          <p:cNvSpPr>
+            <a:spLocks noGrp="1"/>
+          </p:cNvSpPr>
+          <p:nvPr>
+            <p:ph type="sldNum" sz="quarter" idx="12"/>
+          </p:nvPr>
+        </p:nvSpPr>
+        <p:spPr/>
+        <p:txBody>
+          <a:bodyPr/>
+          <a:lstStyle/>
+          <a:p>
+            <a:fld id="{EAE41600-55F5-4A6B-8385-85433044AE0B}" type="slidenum">
+              <a:rPr lang="de-DE" smtClean="0"/>
+              <a:t>41</a:t>
+            </a:fld>
+            <a:endParaRPr lang="de-DE" dirty="0"/>
+          </a:p>
+        </p:txBody>
+      </p:sp>
+      <p:pic>
+        <p:nvPicPr>
+          <p:cNvPr id="10" name="Picture 9"/>
+          <p:cNvPicPr>
+            <a:picLocks noChangeAspect="1"/>
+          </p:cNvPicPr>
+          <p:nvPr/>
+        </p:nvPicPr>
+        <p:blipFill>
+          <a:blip r:embed="rId3" cstate="print">
+            <a:extLst>
+              <a:ext uri="{28A0092B-C50C-407E-A947-70E740481C1C}">
+                <a14:useLocalDpi xmlns:a14="http://schemas.microsoft.com/office/drawing/2010/main" val="0"/>
+              </a:ext>
+            </a:extLst>
+          </a:blip>
+          <a:stretch>
+            <a:fillRect/>
+          </a:stretch>
+        </p:blipFill>
+        <p:spPr>
+          <a:xfrm>
+            <a:off x="8198547" y="101546"/>
+            <a:ext cx="817158" cy="430469"/>
+          </a:xfrm>
+          <a:prstGeom prst="rect">
+            <a:avLst/>
+          </a:prstGeom>
+        </p:spPr>
+      </p:pic>
+      <p:pic>
+        <p:nvPicPr>
+          <p:cNvPr id="11" name="Picture 2" descr="File:LMU Muenchen Logo.svg"/>
+          <p:cNvPicPr>
+            <a:picLocks noChangeAspect="1" noChangeArrowheads="1"/>
+          </p:cNvPicPr>
+          <p:nvPr/>
+        </p:nvPicPr>
+        <p:blipFill>
+          <a:blip r:embed="rId4" cstate="print">
+            <a:extLst>
+              <a:ext uri="{28A0092B-C50C-407E-A947-70E740481C1C}">
+                <a14:useLocalDpi xmlns:a14="http://schemas.microsoft.com/office/drawing/2010/main" val="0"/>
+              </a:ext>
+            </a:extLst>
+          </a:blip>
+          <a:srcRect/>
+          <a:stretch>
+            <a:fillRect/>
+          </a:stretch>
+        </p:blipFill>
+        <p:spPr bwMode="auto">
+          <a:xfrm>
+            <a:off x="103529" y="6293665"/>
+            <a:ext cx="936625" cy="490496"/>
+          </a:xfrm>
+          <a:prstGeom prst="rect">
+            <a:avLst/>
+          </a:prstGeom>
+          <a:noFill/>
+          <a:extLst>
+            <a:ext uri="{909E8E84-426E-40DD-AFC4-6F175D3DCCD1}">
+              <a14:hiddenFill xmlns:a14="http://schemas.microsoft.com/office/drawing/2010/main">
+                <a:solidFill>
+                  <a:srgbClr val="FFFFFF"/>
+                </a:solidFill>
+              </a14:hiddenFill>
+            </a:ext>
+          </a:extLst>
+        </p:spPr>
+      </p:pic>
+      <p:pic>
+        <p:nvPicPr>
+          <p:cNvPr id="13" name="Picture 12"/>
+          <p:cNvPicPr>
+            <a:picLocks noChangeAspect="1"/>
+          </p:cNvPicPr>
+          <p:nvPr/>
+        </p:nvPicPr>
+        <p:blipFill>
+          <a:blip r:embed="rId5"/>
+          <a:stretch>
+            <a:fillRect/>
+          </a:stretch>
+        </p:blipFill>
+        <p:spPr>
+          <a:xfrm>
+            <a:off x="4859792" y="2894055"/>
+            <a:ext cx="3867150" cy="2590800"/>
+          </a:xfrm>
+          <a:prstGeom prst="rect">
+            <a:avLst/>
+          </a:prstGeom>
+        </p:spPr>
+      </p:pic>
+      <p:pic>
+        <p:nvPicPr>
+          <p:cNvPr id="9" name="Picture 8"/>
+          <p:cNvPicPr>
+            <a:picLocks noChangeAspect="1"/>
+          </p:cNvPicPr>
+          <p:nvPr/>
+        </p:nvPicPr>
+        <p:blipFill>
+          <a:blip r:embed="rId6"/>
+          <a:stretch>
+            <a:fillRect/>
+          </a:stretch>
+        </p:blipFill>
+        <p:spPr>
+          <a:xfrm>
+            <a:off x="571841" y="2894055"/>
+            <a:ext cx="3876675" cy="2628900"/>
+          </a:xfrm>
+          <a:prstGeom prst="rect">
+            <a:avLst/>
+          </a:prstGeom>
+        </p:spPr>
+      </p:pic>
+    </p:spTree>
+    <p:extLst>
+      <p:ext uri="{BB962C8B-B14F-4D97-AF65-F5344CB8AC3E}">
+        <p14:creationId xmlns:p14="http://schemas.microsoft.com/office/powerpoint/2010/main" val="2206652142"/>
+      </p:ext>
+    </p:extLst>
+  </p:cSld>
+  <p:clrMapOvr>
+    <a:masterClrMapping/>
+  </p:clrMapOvr>
+  <p:timing>
+    <p:tnLst>
+      <p:par>
+        <p:cTn id="1" dur="indefinite" restart="never" nodeType="tmRoot"/>
+      </p:par>
+    </p:tnLst>
+  </p:timing>
+</p:sld>
+</file>
+
+<file path=ppt/slides/slide42.xml><?xml version="1.0" encoding="utf-8"?>
+<p:sld xmlns:a="http://schemas.openxmlformats.org/drawingml/2006/main" xmlns:r="http://schemas.openxmlformats.org/officeDocument/2006/relationships" xmlns:p="http://schemas.openxmlformats.org/presentationml/2006/main">
+  <p:cSld>
+    <p:spTree>
+      <p:nvGrpSpPr>
+        <p:cNvPr id="1" name=""/>
+        <p:cNvGrpSpPr/>
+        <p:nvPr/>
+      </p:nvGrpSpPr>
+      <p:grpSpPr>
+        <a:xfrm>
+          <a:off x="0" y="0"/>
+          <a:ext cx="0" cy="0"/>
+          <a:chOff x="0" y="0"/>
+          <a:chExt cx="0" cy="0"/>
+        </a:xfrm>
+      </p:grpSpPr>
+      <p:sp>
+        <p:nvSpPr>
+          <p:cNvPr id="2" name="Title 1"/>
+          <p:cNvSpPr>
+            <a:spLocks noGrp="1"/>
+          </p:cNvSpPr>
+          <p:nvPr>
+            <p:ph type="title"/>
+          </p:nvPr>
+        </p:nvSpPr>
+        <p:spPr>
+          <a:xfrm>
+            <a:off x="460977" y="365127"/>
+            <a:ext cx="8290057" cy="609730"/>
+          </a:xfrm>
+        </p:spPr>
+        <p:txBody>
+          <a:bodyPr>
+            <a:normAutofit fontScale="90000"/>
+          </a:bodyPr>
+          <a:lstStyle/>
+          <a:p>
             <a:endParaRPr lang="de-DE" dirty="0">
               <a:solidFill>
                 <a:schemeClr val="accent5"/>
@@ -43072,7 +44020,7 @@
           <a:p>
             <a:fld id="{EAE41600-55F5-4A6B-8385-85433044AE0B}" type="slidenum">
               <a:rPr lang="de-DE" smtClean="0"/>
-              <a:t>40</a:t>
+              <a:t>42</a:t>
             </a:fld>
             <a:endParaRPr lang="de-DE" dirty="0"/>
           </a:p>
@@ -43169,7 +44117,7 @@
 </p:sld>
 </file>
 
-<file path=ppt/slides/slide41.xml><?xml version="1.0" encoding="utf-8"?>
+<file path=ppt/slides/slide43.xml><?xml version="1.0" encoding="utf-8"?>
 <p:sld xmlns:a="http://schemas.openxmlformats.org/drawingml/2006/main" xmlns:r="http://schemas.openxmlformats.org/officeDocument/2006/relationships" xmlns:p="http://schemas.openxmlformats.org/presentationml/2006/main">
   <p:cSld>
     <p:spTree>
@@ -43279,7 +44227,7 @@
           <a:p>
             <a:fld id="{EAE41600-55F5-4A6B-8385-85433044AE0B}" type="slidenum">
               <a:rPr lang="de-DE" smtClean="0"/>
-              <a:t>41</a:t>
+              <a:t>43</a:t>
             </a:fld>
             <a:endParaRPr lang="de-DE" dirty="0"/>
           </a:p>
@@ -44130,7 +45078,7 @@
 </p:sld>
 </file>
 
-<file path=ppt/slides/slide42.xml><?xml version="1.0" encoding="utf-8"?>
+<file path=ppt/slides/slide44.xml><?xml version="1.0" encoding="utf-8"?>
 <p:sld xmlns:a="http://schemas.openxmlformats.org/drawingml/2006/main" xmlns:r="http://schemas.openxmlformats.org/officeDocument/2006/relationships" xmlns:p="http://schemas.openxmlformats.org/presentationml/2006/main">
   <p:cSld>
     <p:spTree>
@@ -44240,7 +45188,7 @@
           <a:p>
             <a:fld id="{EAE41600-55F5-4A6B-8385-85433044AE0B}" type="slidenum">
               <a:rPr lang="de-DE" smtClean="0"/>
-              <a:t>42</a:t>
+              <a:t>44</a:t>
             </a:fld>
             <a:endParaRPr lang="de-DE" dirty="0"/>
           </a:p>
@@ -45207,7 +46155,7 @@
 </p:sld>
 </file>
 
-<file path=ppt/slides/slide43.xml><?xml version="1.0" encoding="utf-8"?>
+<file path=ppt/slides/slide45.xml><?xml version="1.0" encoding="utf-8"?>
 <p:sld xmlns:a="http://schemas.openxmlformats.org/drawingml/2006/main" xmlns:r="http://schemas.openxmlformats.org/officeDocument/2006/relationships" xmlns:p="http://schemas.openxmlformats.org/presentationml/2006/main">
   <p:cSld>
     <p:spTree>
@@ -45317,7 +46265,7 @@
           <a:p>
             <a:fld id="{EAE41600-55F5-4A6B-8385-85433044AE0B}" type="slidenum">
               <a:rPr lang="de-DE" smtClean="0"/>
-              <a:t>43</a:t>
+              <a:t>45</a:t>
             </a:fld>
             <a:endParaRPr lang="de-DE" dirty="0"/>
           </a:p>
@@ -46402,7 +47350,7 @@
 </p:sld>
 </file>
 
-<file path=ppt/slides/slide44.xml><?xml version="1.0" encoding="utf-8"?>
+<file path=ppt/slides/slide46.xml><?xml version="1.0" encoding="utf-8"?>
 <p:sld xmlns:a="http://schemas.openxmlformats.org/drawingml/2006/main" xmlns:r="http://schemas.openxmlformats.org/officeDocument/2006/relationships" xmlns:p="http://schemas.openxmlformats.org/presentationml/2006/main">
   <p:cSld>
     <p:spTree>
@@ -46512,7 +47460,7 @@
           <a:p>
             <a:fld id="{EAE41600-55F5-4A6B-8385-85433044AE0B}" type="slidenum">
               <a:rPr lang="de-DE" smtClean="0"/>
-              <a:t>44</a:t>
+              <a:t>46</a:t>
             </a:fld>
             <a:endParaRPr lang="de-DE" dirty="0"/>
           </a:p>
@@ -47589,7 +48537,7 @@
 </p:sld>
 </file>
 
-<file path=ppt/slides/slide45.xml><?xml version="1.0" encoding="utf-8"?>
+<file path=ppt/slides/slide47.xml><?xml version="1.0" encoding="utf-8"?>
 <p:sld xmlns:a="http://schemas.openxmlformats.org/drawingml/2006/main" xmlns:r="http://schemas.openxmlformats.org/officeDocument/2006/relationships" xmlns:p="http://schemas.openxmlformats.org/presentationml/2006/main">
   <p:cSld>
     <p:spTree>
@@ -47699,7 +48647,7 @@
           <a:p>
             <a:fld id="{EAE41600-55F5-4A6B-8385-85433044AE0B}" type="slidenum">
               <a:rPr lang="de-DE" smtClean="0"/>
-              <a:t>45</a:t>
+              <a:t>47</a:t>
             </a:fld>
             <a:endParaRPr lang="de-DE" dirty="0"/>
           </a:p>
@@ -49279,7 +50227,7 @@
 </p:sld>
 </file>
 
-<file path=ppt/slides/slide46.xml><?xml version="1.0" encoding="utf-8"?>
+<file path=ppt/slides/slide48.xml><?xml version="1.0" encoding="utf-8"?>
 <p:sld xmlns:a="http://schemas.openxmlformats.org/drawingml/2006/main" xmlns:r="http://schemas.openxmlformats.org/officeDocument/2006/relationships" xmlns:p="http://schemas.openxmlformats.org/presentationml/2006/main">
   <p:cSld>
     <p:spTree>
@@ -49487,7 +50435,7 @@
           <a:p>
             <a:fld id="{EAE41600-55F5-4A6B-8385-85433044AE0B}" type="slidenum">
               <a:rPr lang="de-DE" smtClean="0"/>
-              <a:t>46</a:t>
+              <a:t>48</a:t>
             </a:fld>
             <a:endParaRPr lang="de-DE" dirty="0"/>
           </a:p>
@@ -49584,7 +50532,7 @@
 </p:sld>
 </file>
 
-<file path=ppt/slides/slide47.xml><?xml version="1.0" encoding="utf-8"?>
+<file path=ppt/slides/slide49.xml><?xml version="1.0" encoding="utf-8"?>
 <p:sld xmlns:a="http://schemas.openxmlformats.org/drawingml/2006/main" xmlns:r="http://schemas.openxmlformats.org/officeDocument/2006/relationships" xmlns:p="http://schemas.openxmlformats.org/presentationml/2006/main">
   <p:cSld>
     <p:spTree>
@@ -49728,7 +50676,7 @@
           <a:p>
             <a:fld id="{EAE41600-55F5-4A6B-8385-85433044AE0B}" type="slidenum">
               <a:rPr lang="de-DE" smtClean="0"/>
-              <a:t>47</a:t>
+              <a:t>49</a:t>
             </a:fld>
             <a:endParaRPr lang="de-DE" dirty="0"/>
           </a:p>
@@ -49809,384 +50757,6 @@
     <p:extLst>
       <p:ext uri="{BB962C8B-B14F-4D97-AF65-F5344CB8AC3E}">
         <p14:creationId xmlns:p14="http://schemas.microsoft.com/office/powerpoint/2010/main" val="1999157544"/>
-      </p:ext>
-    </p:extLst>
-  </p:cSld>
-  <p:clrMapOvr>
-    <a:masterClrMapping/>
-  </p:clrMapOvr>
-  <p:timing>
-    <p:tnLst>
-      <p:par>
-        <p:cTn id="1" dur="indefinite" restart="never" nodeType="tmRoot"/>
-      </p:par>
-    </p:tnLst>
-  </p:timing>
-</p:sld>
-</file>
-
-<file path=ppt/slides/slide48.xml><?xml version="1.0" encoding="utf-8"?>
-<p:sld xmlns:a="http://schemas.openxmlformats.org/drawingml/2006/main" xmlns:r="http://schemas.openxmlformats.org/officeDocument/2006/relationships" xmlns:p="http://schemas.openxmlformats.org/presentationml/2006/main">
-  <p:cSld>
-    <p:spTree>
-      <p:nvGrpSpPr>
-        <p:cNvPr id="1" name=""/>
-        <p:cNvGrpSpPr/>
-        <p:nvPr/>
-      </p:nvGrpSpPr>
-      <p:grpSpPr>
-        <a:xfrm>
-          <a:off x="0" y="0"/>
-          <a:ext cx="0" cy="0"/>
-          <a:chOff x="0" y="0"/>
-          <a:chExt cx="0" cy="0"/>
-        </a:xfrm>
-      </p:grpSpPr>
-      <p:sp>
-        <p:nvSpPr>
-          <p:cNvPr id="2" name="Title 1"/>
-          <p:cNvSpPr>
-            <a:spLocks noGrp="1"/>
-          </p:cNvSpPr>
-          <p:nvPr>
-            <p:ph type="title"/>
-          </p:nvPr>
-        </p:nvSpPr>
-        <p:spPr>
-          <a:xfrm>
-            <a:off x="460977" y="365127"/>
-            <a:ext cx="8290057" cy="609730"/>
-          </a:xfrm>
-        </p:spPr>
-        <p:txBody>
-          <a:bodyPr>
-            <a:normAutofit fontScale="90000"/>
-          </a:bodyPr>
-          <a:lstStyle/>
-          <a:p>
-            <a:r>
-              <a:rPr lang="en-US" dirty="0" smtClean="0">
-                <a:solidFill>
-                  <a:schemeClr val="accent5"/>
-                </a:solidFill>
-              </a:rPr>
-              <a:t>Gratitude</a:t>
-            </a:r>
-            <a:endParaRPr lang="de-DE" dirty="0">
-              <a:solidFill>
-                <a:schemeClr val="accent5"/>
-              </a:solidFill>
-            </a:endParaRPr>
-          </a:p>
-        </p:txBody>
-      </p:sp>
-      <p:sp>
-        <p:nvSpPr>
-          <p:cNvPr id="3" name="Content Placeholder 2"/>
-          <p:cNvSpPr>
-            <a:spLocks noGrp="1"/>
-          </p:cNvSpPr>
-          <p:nvPr>
-            <p:ph idx="1"/>
-          </p:nvPr>
-        </p:nvSpPr>
-        <p:spPr>
-          <a:xfrm>
-            <a:off x="460977" y="1046648"/>
-            <a:ext cx="8290057" cy="5206790"/>
-          </a:xfrm>
-        </p:spPr>
-        <p:txBody>
-          <a:bodyPr/>
-          <a:lstStyle/>
-          <a:p>
-            <a:endParaRPr lang="de-DE" dirty="0"/>
-          </a:p>
-        </p:txBody>
-      </p:sp>
-      <p:sp>
-        <p:nvSpPr>
-          <p:cNvPr id="7" name="Slide Number Placeholder 6"/>
-          <p:cNvSpPr>
-            <a:spLocks noGrp="1"/>
-          </p:cNvSpPr>
-          <p:nvPr>
-            <p:ph type="sldNum" sz="quarter" idx="12"/>
-          </p:nvPr>
-        </p:nvSpPr>
-        <p:spPr/>
-        <p:txBody>
-          <a:bodyPr/>
-          <a:lstStyle/>
-          <a:p>
-            <a:fld id="{EAE41600-55F5-4A6B-8385-85433044AE0B}" type="slidenum">
-              <a:rPr lang="de-DE" smtClean="0"/>
-              <a:t>48</a:t>
-            </a:fld>
-            <a:endParaRPr lang="de-DE" dirty="0"/>
-          </a:p>
-        </p:txBody>
-      </p:sp>
-      <p:pic>
-        <p:nvPicPr>
-          <p:cNvPr id="10" name="Picture 9"/>
-          <p:cNvPicPr>
-            <a:picLocks noChangeAspect="1"/>
-          </p:cNvPicPr>
-          <p:nvPr/>
-        </p:nvPicPr>
-        <p:blipFill>
-          <a:blip r:embed="rId3" cstate="print">
-            <a:extLst>
-              <a:ext uri="{28A0092B-C50C-407E-A947-70E740481C1C}">
-                <a14:useLocalDpi xmlns:a14="http://schemas.microsoft.com/office/drawing/2010/main" val="0"/>
-              </a:ext>
-            </a:extLst>
-          </a:blip>
-          <a:stretch>
-            <a:fillRect/>
-          </a:stretch>
-        </p:blipFill>
-        <p:spPr>
-          <a:xfrm>
-            <a:off x="8198547" y="101546"/>
-            <a:ext cx="817158" cy="430469"/>
-          </a:xfrm>
-          <a:prstGeom prst="rect">
-            <a:avLst/>
-          </a:prstGeom>
-        </p:spPr>
-      </p:pic>
-      <p:pic>
-        <p:nvPicPr>
-          <p:cNvPr id="11" name="Picture 2" descr="File:LMU Muenchen Logo.svg"/>
-          <p:cNvPicPr>
-            <a:picLocks noChangeAspect="1" noChangeArrowheads="1"/>
-          </p:cNvPicPr>
-          <p:nvPr/>
-        </p:nvPicPr>
-        <p:blipFill>
-          <a:blip r:embed="rId4" cstate="print">
-            <a:extLst>
-              <a:ext uri="{28A0092B-C50C-407E-A947-70E740481C1C}">
-                <a14:useLocalDpi xmlns:a14="http://schemas.microsoft.com/office/drawing/2010/main" val="0"/>
-              </a:ext>
-            </a:extLst>
-          </a:blip>
-          <a:srcRect/>
-          <a:stretch>
-            <a:fillRect/>
-          </a:stretch>
-        </p:blipFill>
-        <p:spPr bwMode="auto">
-          <a:xfrm>
-            <a:off x="103529" y="6293665"/>
-            <a:ext cx="936625" cy="490496"/>
-          </a:xfrm>
-          <a:prstGeom prst="rect">
-            <a:avLst/>
-          </a:prstGeom>
-          <a:noFill/>
-          <a:extLst>
-            <a:ext uri="{909E8E84-426E-40DD-AFC4-6F175D3DCCD1}">
-              <a14:hiddenFill xmlns:a14="http://schemas.microsoft.com/office/drawing/2010/main">
-                <a:solidFill>
-                  <a:srgbClr val="FFFFFF"/>
-                </a:solidFill>
-              </a14:hiddenFill>
-            </a:ext>
-          </a:extLst>
-        </p:spPr>
-      </p:pic>
-    </p:spTree>
-    <p:extLst>
-      <p:ext uri="{BB962C8B-B14F-4D97-AF65-F5344CB8AC3E}">
-        <p14:creationId xmlns:p14="http://schemas.microsoft.com/office/powerpoint/2010/main" val="3780220787"/>
-      </p:ext>
-    </p:extLst>
-  </p:cSld>
-  <p:clrMapOvr>
-    <a:masterClrMapping/>
-  </p:clrMapOvr>
-  <p:timing>
-    <p:tnLst>
-      <p:par>
-        <p:cTn id="1" dur="indefinite" restart="never" nodeType="tmRoot"/>
-      </p:par>
-    </p:tnLst>
-  </p:timing>
-</p:sld>
-</file>
-
-<file path=ppt/slides/slide49.xml><?xml version="1.0" encoding="utf-8"?>
-<p:sld xmlns:a="http://schemas.openxmlformats.org/drawingml/2006/main" xmlns:r="http://schemas.openxmlformats.org/officeDocument/2006/relationships" xmlns:p="http://schemas.openxmlformats.org/presentationml/2006/main">
-  <p:cSld>
-    <p:spTree>
-      <p:nvGrpSpPr>
-        <p:cNvPr id="1" name=""/>
-        <p:cNvGrpSpPr/>
-        <p:nvPr/>
-      </p:nvGrpSpPr>
-      <p:grpSpPr>
-        <a:xfrm>
-          <a:off x="0" y="0"/>
-          <a:ext cx="0" cy="0"/>
-          <a:chOff x="0" y="0"/>
-          <a:chExt cx="0" cy="0"/>
-        </a:xfrm>
-      </p:grpSpPr>
-      <p:sp>
-        <p:nvSpPr>
-          <p:cNvPr id="2" name="Title 1"/>
-          <p:cNvSpPr>
-            <a:spLocks noGrp="1"/>
-          </p:cNvSpPr>
-          <p:nvPr>
-            <p:ph type="title"/>
-          </p:nvPr>
-        </p:nvSpPr>
-        <p:spPr>
-          <a:xfrm>
-            <a:off x="460977" y="365127"/>
-            <a:ext cx="8290057" cy="609730"/>
-          </a:xfrm>
-        </p:spPr>
-        <p:txBody>
-          <a:bodyPr>
-            <a:normAutofit fontScale="90000"/>
-          </a:bodyPr>
-          <a:lstStyle/>
-          <a:p>
-            <a:endParaRPr lang="de-DE" dirty="0">
-              <a:solidFill>
-                <a:schemeClr val="accent5"/>
-              </a:solidFill>
-            </a:endParaRPr>
-          </a:p>
-        </p:txBody>
-      </p:sp>
-      <p:sp>
-        <p:nvSpPr>
-          <p:cNvPr id="3" name="Content Placeholder 2"/>
-          <p:cNvSpPr>
-            <a:spLocks noGrp="1"/>
-          </p:cNvSpPr>
-          <p:nvPr>
-            <p:ph idx="1"/>
-          </p:nvPr>
-        </p:nvSpPr>
-        <p:spPr>
-          <a:xfrm>
-            <a:off x="460977" y="1046648"/>
-            <a:ext cx="8290057" cy="5206790"/>
-          </a:xfrm>
-        </p:spPr>
-        <p:txBody>
-          <a:bodyPr/>
-          <a:lstStyle/>
-          <a:p>
-            <a:endParaRPr lang="de-DE" dirty="0"/>
-          </a:p>
-        </p:txBody>
-      </p:sp>
-      <p:sp>
-        <p:nvSpPr>
-          <p:cNvPr id="7" name="Slide Number Placeholder 6"/>
-          <p:cNvSpPr>
-            <a:spLocks noGrp="1"/>
-          </p:cNvSpPr>
-          <p:nvPr>
-            <p:ph type="sldNum" sz="quarter" idx="12"/>
-          </p:nvPr>
-        </p:nvSpPr>
-        <p:spPr/>
-        <p:txBody>
-          <a:bodyPr/>
-          <a:lstStyle/>
-          <a:p>
-            <a:fld id="{EAE41600-55F5-4A6B-8385-85433044AE0B}" type="slidenum">
-              <a:rPr lang="de-DE" smtClean="0"/>
-              <a:t>49</a:t>
-            </a:fld>
-            <a:endParaRPr lang="de-DE" dirty="0"/>
-          </a:p>
-        </p:txBody>
-      </p:sp>
-      <p:pic>
-        <p:nvPicPr>
-          <p:cNvPr id="8" name="Picture 7"/>
-          <p:cNvPicPr>
-            <a:picLocks noChangeAspect="1"/>
-          </p:cNvPicPr>
-          <p:nvPr/>
-        </p:nvPicPr>
-        <p:blipFill>
-          <a:blip r:embed="rId3" cstate="print">
-            <a:extLst>
-              <a:ext uri="{28A0092B-C50C-407E-A947-70E740481C1C}">
-                <a14:useLocalDpi xmlns:a14="http://schemas.microsoft.com/office/drawing/2010/main" val="0"/>
-              </a:ext>
-            </a:extLst>
-          </a:blip>
-          <a:stretch>
-            <a:fillRect/>
-          </a:stretch>
-        </p:blipFill>
-        <p:spPr>
-          <a:xfrm>
-            <a:off x="8198547" y="101546"/>
-            <a:ext cx="817158" cy="430469"/>
-          </a:xfrm>
-          <a:prstGeom prst="rect">
-            <a:avLst/>
-          </a:prstGeom>
-        </p:spPr>
-      </p:pic>
-      <p:pic>
-        <p:nvPicPr>
-          <p:cNvPr id="9" name="Picture 2" descr="File:LMU Muenchen Logo.svg"/>
-          <p:cNvPicPr>
-            <a:picLocks noChangeAspect="1" noChangeArrowheads="1"/>
-          </p:cNvPicPr>
-          <p:nvPr/>
-        </p:nvPicPr>
-        <p:blipFill>
-          <a:blip r:embed="rId4" cstate="print">
-            <a:extLst>
-              <a:ext uri="{28A0092B-C50C-407E-A947-70E740481C1C}">
-                <a14:useLocalDpi xmlns:a14="http://schemas.microsoft.com/office/drawing/2010/main" val="0"/>
-              </a:ext>
-            </a:extLst>
-          </a:blip>
-          <a:srcRect/>
-          <a:stretch>
-            <a:fillRect/>
-          </a:stretch>
-        </p:blipFill>
-        <p:spPr bwMode="auto">
-          <a:xfrm>
-            <a:off x="103529" y="6293665"/>
-            <a:ext cx="936625" cy="490496"/>
-          </a:xfrm>
-          <a:prstGeom prst="rect">
-            <a:avLst/>
-          </a:prstGeom>
-          <a:noFill/>
-          <a:extLst>
-            <a:ext uri="{909E8E84-426E-40DD-AFC4-6F175D3DCCD1}">
-              <a14:hiddenFill xmlns:a14="http://schemas.microsoft.com/office/drawing/2010/main">
-                <a:solidFill>
-                  <a:srgbClr val="FFFFFF"/>
-                </a:solidFill>
-              </a14:hiddenFill>
-            </a:ext>
-          </a:extLst>
-        </p:spPr>
-      </p:pic>
-    </p:spTree>
-    <p:extLst>
-      <p:ext uri="{BB962C8B-B14F-4D97-AF65-F5344CB8AC3E}">
-        <p14:creationId xmlns:p14="http://schemas.microsoft.com/office/powerpoint/2010/main" val="996238682"/>
       </p:ext>
     </p:extLst>
   </p:cSld>
@@ -50522,6 +51092,384 @@
           </a:bodyPr>
           <a:lstStyle/>
           <a:p>
+            <a:r>
+              <a:rPr lang="en-US" dirty="0" smtClean="0">
+                <a:solidFill>
+                  <a:schemeClr val="accent5"/>
+                </a:solidFill>
+              </a:rPr>
+              <a:t>Gratitude</a:t>
+            </a:r>
+            <a:endParaRPr lang="de-DE" dirty="0">
+              <a:solidFill>
+                <a:schemeClr val="accent5"/>
+              </a:solidFill>
+            </a:endParaRPr>
+          </a:p>
+        </p:txBody>
+      </p:sp>
+      <p:sp>
+        <p:nvSpPr>
+          <p:cNvPr id="3" name="Content Placeholder 2"/>
+          <p:cNvSpPr>
+            <a:spLocks noGrp="1"/>
+          </p:cNvSpPr>
+          <p:nvPr>
+            <p:ph idx="1"/>
+          </p:nvPr>
+        </p:nvSpPr>
+        <p:spPr>
+          <a:xfrm>
+            <a:off x="460977" y="1046648"/>
+            <a:ext cx="8290057" cy="5206790"/>
+          </a:xfrm>
+        </p:spPr>
+        <p:txBody>
+          <a:bodyPr/>
+          <a:lstStyle/>
+          <a:p>
+            <a:endParaRPr lang="de-DE" dirty="0"/>
+          </a:p>
+        </p:txBody>
+      </p:sp>
+      <p:sp>
+        <p:nvSpPr>
+          <p:cNvPr id="7" name="Slide Number Placeholder 6"/>
+          <p:cNvSpPr>
+            <a:spLocks noGrp="1"/>
+          </p:cNvSpPr>
+          <p:nvPr>
+            <p:ph type="sldNum" sz="quarter" idx="12"/>
+          </p:nvPr>
+        </p:nvSpPr>
+        <p:spPr/>
+        <p:txBody>
+          <a:bodyPr/>
+          <a:lstStyle/>
+          <a:p>
+            <a:fld id="{EAE41600-55F5-4A6B-8385-85433044AE0B}" type="slidenum">
+              <a:rPr lang="de-DE" smtClean="0"/>
+              <a:t>50</a:t>
+            </a:fld>
+            <a:endParaRPr lang="de-DE" dirty="0"/>
+          </a:p>
+        </p:txBody>
+      </p:sp>
+      <p:pic>
+        <p:nvPicPr>
+          <p:cNvPr id="10" name="Picture 9"/>
+          <p:cNvPicPr>
+            <a:picLocks noChangeAspect="1"/>
+          </p:cNvPicPr>
+          <p:nvPr/>
+        </p:nvPicPr>
+        <p:blipFill>
+          <a:blip r:embed="rId3" cstate="print">
+            <a:extLst>
+              <a:ext uri="{28A0092B-C50C-407E-A947-70E740481C1C}">
+                <a14:useLocalDpi xmlns:a14="http://schemas.microsoft.com/office/drawing/2010/main" val="0"/>
+              </a:ext>
+            </a:extLst>
+          </a:blip>
+          <a:stretch>
+            <a:fillRect/>
+          </a:stretch>
+        </p:blipFill>
+        <p:spPr>
+          <a:xfrm>
+            <a:off x="8198547" y="101546"/>
+            <a:ext cx="817158" cy="430469"/>
+          </a:xfrm>
+          <a:prstGeom prst="rect">
+            <a:avLst/>
+          </a:prstGeom>
+        </p:spPr>
+      </p:pic>
+      <p:pic>
+        <p:nvPicPr>
+          <p:cNvPr id="11" name="Picture 2" descr="File:LMU Muenchen Logo.svg"/>
+          <p:cNvPicPr>
+            <a:picLocks noChangeAspect="1" noChangeArrowheads="1"/>
+          </p:cNvPicPr>
+          <p:nvPr/>
+        </p:nvPicPr>
+        <p:blipFill>
+          <a:blip r:embed="rId4" cstate="print">
+            <a:extLst>
+              <a:ext uri="{28A0092B-C50C-407E-A947-70E740481C1C}">
+                <a14:useLocalDpi xmlns:a14="http://schemas.microsoft.com/office/drawing/2010/main" val="0"/>
+              </a:ext>
+            </a:extLst>
+          </a:blip>
+          <a:srcRect/>
+          <a:stretch>
+            <a:fillRect/>
+          </a:stretch>
+        </p:blipFill>
+        <p:spPr bwMode="auto">
+          <a:xfrm>
+            <a:off x="103529" y="6293665"/>
+            <a:ext cx="936625" cy="490496"/>
+          </a:xfrm>
+          <a:prstGeom prst="rect">
+            <a:avLst/>
+          </a:prstGeom>
+          <a:noFill/>
+          <a:extLst>
+            <a:ext uri="{909E8E84-426E-40DD-AFC4-6F175D3DCCD1}">
+              <a14:hiddenFill xmlns:a14="http://schemas.microsoft.com/office/drawing/2010/main">
+                <a:solidFill>
+                  <a:srgbClr val="FFFFFF"/>
+                </a:solidFill>
+              </a14:hiddenFill>
+            </a:ext>
+          </a:extLst>
+        </p:spPr>
+      </p:pic>
+    </p:spTree>
+    <p:extLst>
+      <p:ext uri="{BB962C8B-B14F-4D97-AF65-F5344CB8AC3E}">
+        <p14:creationId xmlns:p14="http://schemas.microsoft.com/office/powerpoint/2010/main" val="3780220787"/>
+      </p:ext>
+    </p:extLst>
+  </p:cSld>
+  <p:clrMapOvr>
+    <a:masterClrMapping/>
+  </p:clrMapOvr>
+  <p:timing>
+    <p:tnLst>
+      <p:par>
+        <p:cTn id="1" dur="indefinite" restart="never" nodeType="tmRoot"/>
+      </p:par>
+    </p:tnLst>
+  </p:timing>
+</p:sld>
+</file>
+
+<file path=ppt/slides/slide51.xml><?xml version="1.0" encoding="utf-8"?>
+<p:sld xmlns:a="http://schemas.openxmlformats.org/drawingml/2006/main" xmlns:r="http://schemas.openxmlformats.org/officeDocument/2006/relationships" xmlns:p="http://schemas.openxmlformats.org/presentationml/2006/main">
+  <p:cSld>
+    <p:spTree>
+      <p:nvGrpSpPr>
+        <p:cNvPr id="1" name=""/>
+        <p:cNvGrpSpPr/>
+        <p:nvPr/>
+      </p:nvGrpSpPr>
+      <p:grpSpPr>
+        <a:xfrm>
+          <a:off x="0" y="0"/>
+          <a:ext cx="0" cy="0"/>
+          <a:chOff x="0" y="0"/>
+          <a:chExt cx="0" cy="0"/>
+        </a:xfrm>
+      </p:grpSpPr>
+      <p:sp>
+        <p:nvSpPr>
+          <p:cNvPr id="2" name="Title 1"/>
+          <p:cNvSpPr>
+            <a:spLocks noGrp="1"/>
+          </p:cNvSpPr>
+          <p:nvPr>
+            <p:ph type="title"/>
+          </p:nvPr>
+        </p:nvSpPr>
+        <p:spPr>
+          <a:xfrm>
+            <a:off x="460977" y="365127"/>
+            <a:ext cx="8290057" cy="609730"/>
+          </a:xfrm>
+        </p:spPr>
+        <p:txBody>
+          <a:bodyPr>
+            <a:normAutofit fontScale="90000"/>
+          </a:bodyPr>
+          <a:lstStyle/>
+          <a:p>
+            <a:endParaRPr lang="de-DE" dirty="0">
+              <a:solidFill>
+                <a:schemeClr val="accent5"/>
+              </a:solidFill>
+            </a:endParaRPr>
+          </a:p>
+        </p:txBody>
+      </p:sp>
+      <p:sp>
+        <p:nvSpPr>
+          <p:cNvPr id="3" name="Content Placeholder 2"/>
+          <p:cNvSpPr>
+            <a:spLocks noGrp="1"/>
+          </p:cNvSpPr>
+          <p:nvPr>
+            <p:ph idx="1"/>
+          </p:nvPr>
+        </p:nvSpPr>
+        <p:spPr>
+          <a:xfrm>
+            <a:off x="460977" y="1046648"/>
+            <a:ext cx="8290057" cy="5206790"/>
+          </a:xfrm>
+        </p:spPr>
+        <p:txBody>
+          <a:bodyPr/>
+          <a:lstStyle/>
+          <a:p>
+            <a:endParaRPr lang="de-DE" dirty="0"/>
+          </a:p>
+        </p:txBody>
+      </p:sp>
+      <p:sp>
+        <p:nvSpPr>
+          <p:cNvPr id="7" name="Slide Number Placeholder 6"/>
+          <p:cNvSpPr>
+            <a:spLocks noGrp="1"/>
+          </p:cNvSpPr>
+          <p:nvPr>
+            <p:ph type="sldNum" sz="quarter" idx="12"/>
+          </p:nvPr>
+        </p:nvSpPr>
+        <p:spPr/>
+        <p:txBody>
+          <a:bodyPr/>
+          <a:lstStyle/>
+          <a:p>
+            <a:fld id="{EAE41600-55F5-4A6B-8385-85433044AE0B}" type="slidenum">
+              <a:rPr lang="de-DE" smtClean="0"/>
+              <a:t>51</a:t>
+            </a:fld>
+            <a:endParaRPr lang="de-DE" dirty="0"/>
+          </a:p>
+        </p:txBody>
+      </p:sp>
+      <p:pic>
+        <p:nvPicPr>
+          <p:cNvPr id="8" name="Picture 7"/>
+          <p:cNvPicPr>
+            <a:picLocks noChangeAspect="1"/>
+          </p:cNvPicPr>
+          <p:nvPr/>
+        </p:nvPicPr>
+        <p:blipFill>
+          <a:blip r:embed="rId3" cstate="print">
+            <a:extLst>
+              <a:ext uri="{28A0092B-C50C-407E-A947-70E740481C1C}">
+                <a14:useLocalDpi xmlns:a14="http://schemas.microsoft.com/office/drawing/2010/main" val="0"/>
+              </a:ext>
+            </a:extLst>
+          </a:blip>
+          <a:stretch>
+            <a:fillRect/>
+          </a:stretch>
+        </p:blipFill>
+        <p:spPr>
+          <a:xfrm>
+            <a:off x="8198547" y="101546"/>
+            <a:ext cx="817158" cy="430469"/>
+          </a:xfrm>
+          <a:prstGeom prst="rect">
+            <a:avLst/>
+          </a:prstGeom>
+        </p:spPr>
+      </p:pic>
+      <p:pic>
+        <p:nvPicPr>
+          <p:cNvPr id="9" name="Picture 2" descr="File:LMU Muenchen Logo.svg"/>
+          <p:cNvPicPr>
+            <a:picLocks noChangeAspect="1" noChangeArrowheads="1"/>
+          </p:cNvPicPr>
+          <p:nvPr/>
+        </p:nvPicPr>
+        <p:blipFill>
+          <a:blip r:embed="rId4" cstate="print">
+            <a:extLst>
+              <a:ext uri="{28A0092B-C50C-407E-A947-70E740481C1C}">
+                <a14:useLocalDpi xmlns:a14="http://schemas.microsoft.com/office/drawing/2010/main" val="0"/>
+              </a:ext>
+            </a:extLst>
+          </a:blip>
+          <a:srcRect/>
+          <a:stretch>
+            <a:fillRect/>
+          </a:stretch>
+        </p:blipFill>
+        <p:spPr bwMode="auto">
+          <a:xfrm>
+            <a:off x="103529" y="6293665"/>
+            <a:ext cx="936625" cy="490496"/>
+          </a:xfrm>
+          <a:prstGeom prst="rect">
+            <a:avLst/>
+          </a:prstGeom>
+          <a:noFill/>
+          <a:extLst>
+            <a:ext uri="{909E8E84-426E-40DD-AFC4-6F175D3DCCD1}">
+              <a14:hiddenFill xmlns:a14="http://schemas.microsoft.com/office/drawing/2010/main">
+                <a:solidFill>
+                  <a:srgbClr val="FFFFFF"/>
+                </a:solidFill>
+              </a14:hiddenFill>
+            </a:ext>
+          </a:extLst>
+        </p:spPr>
+      </p:pic>
+    </p:spTree>
+    <p:extLst>
+      <p:ext uri="{BB962C8B-B14F-4D97-AF65-F5344CB8AC3E}">
+        <p14:creationId xmlns:p14="http://schemas.microsoft.com/office/powerpoint/2010/main" val="996238682"/>
+      </p:ext>
+    </p:extLst>
+  </p:cSld>
+  <p:clrMapOvr>
+    <a:masterClrMapping/>
+  </p:clrMapOvr>
+  <p:timing>
+    <p:tnLst>
+      <p:par>
+        <p:cTn id="1" dur="indefinite" restart="never" nodeType="tmRoot"/>
+      </p:par>
+    </p:tnLst>
+  </p:timing>
+</p:sld>
+</file>
+
+<file path=ppt/slides/slide52.xml><?xml version="1.0" encoding="utf-8"?>
+<p:sld xmlns:a="http://schemas.openxmlformats.org/drawingml/2006/main" xmlns:r="http://schemas.openxmlformats.org/officeDocument/2006/relationships" xmlns:p="http://schemas.openxmlformats.org/presentationml/2006/main">
+  <p:cSld>
+    <p:spTree>
+      <p:nvGrpSpPr>
+        <p:cNvPr id="1" name=""/>
+        <p:cNvGrpSpPr/>
+        <p:nvPr/>
+      </p:nvGrpSpPr>
+      <p:grpSpPr>
+        <a:xfrm>
+          <a:off x="0" y="0"/>
+          <a:ext cx="0" cy="0"/>
+          <a:chOff x="0" y="0"/>
+          <a:chExt cx="0" cy="0"/>
+        </a:xfrm>
+      </p:grpSpPr>
+      <p:sp>
+        <p:nvSpPr>
+          <p:cNvPr id="2" name="Title 1"/>
+          <p:cNvSpPr>
+            <a:spLocks noGrp="1"/>
+          </p:cNvSpPr>
+          <p:nvPr>
+            <p:ph type="title"/>
+          </p:nvPr>
+        </p:nvSpPr>
+        <p:spPr>
+          <a:xfrm>
+            <a:off x="460977" y="365127"/>
+            <a:ext cx="8290057" cy="609730"/>
+          </a:xfrm>
+        </p:spPr>
+        <p:txBody>
+          <a:bodyPr>
+            <a:normAutofit fontScale="90000"/>
+          </a:bodyPr>
+          <a:lstStyle/>
+          <a:p>
             <a:endParaRPr lang="de-DE" dirty="0">
               <a:solidFill>
                 <a:schemeClr val="accent5"/>
@@ -50631,7 +51579,7 @@
           <a:p>
             <a:fld id="{EAE41600-55F5-4A6B-8385-85433044AE0B}" type="slidenum">
               <a:rPr lang="de-DE" smtClean="0"/>
-              <a:t>50</a:t>
+              <a:t>52</a:t>
             </a:fld>
             <a:endParaRPr lang="de-DE" dirty="0"/>
           </a:p>
@@ -51054,7 +52002,43 @@
           <a:p>
             <a:r>
               <a:rPr lang="de-DE" dirty="0" smtClean="0"/>
-              <a:t>To find the best attribute for a split in a stream, it would be sufficient to consider a certain fraction of the stream </a:t>
+              <a:t>To </a:t>
+            </a:r>
+            <a:r>
+              <a:rPr lang="de-DE" dirty="0" smtClean="0">
+                <a:solidFill>
+                  <a:srgbClr val="0070C0"/>
+                </a:solidFill>
+              </a:rPr>
+              <a:t>find the best attribute </a:t>
+            </a:r>
+            <a:r>
+              <a:rPr lang="de-DE" dirty="0" smtClean="0"/>
+              <a:t>for a split in a stream, it would be </a:t>
+            </a:r>
+            <a:r>
+              <a:rPr lang="de-DE" dirty="0" smtClean="0">
+                <a:solidFill>
+                  <a:srgbClr val="0070C0"/>
+                </a:solidFill>
+              </a:rPr>
+              <a:t>sufficient</a:t>
+            </a:r>
+            <a:r>
+              <a:rPr lang="de-DE" dirty="0" smtClean="0"/>
+              <a:t> to consider </a:t>
+            </a:r>
+            <a:r>
+              <a:rPr lang="de-DE" dirty="0" smtClean="0">
+                <a:solidFill>
+                  <a:srgbClr val="0070C0"/>
+                </a:solidFill>
+              </a:rPr>
+              <a:t>a certain fraction </a:t>
+            </a:r>
+            <a:r>
+              <a:rPr lang="de-DE" dirty="0" smtClean="0"/>
+              <a:t>of the stream </a:t>
             </a:r>
             <a:r>
               <a:rPr lang="de-DE" dirty="0" smtClean="0">
@@ -51070,7 +52054,11 @@
           <a:p>
             <a:r>
               <a:rPr lang="de-DE" dirty="0" smtClean="0"/>
-              <a:t>Hoeffding bound provides a statistical guarrantee </a:t>
+              <a:t>Hoeffding bound provides a statistical </a:t>
+            </a:r>
+            <a:r>
+              <a:rPr lang="de-DE" dirty="0" smtClean="0"/>
+              <a:t>guarantee </a:t>
             </a:r>
             <a:r>
               <a:rPr lang="de-DE" dirty="0" smtClean="0">
@@ -51084,7 +52072,15 @@
             </a:r>
             <a:r>
               <a:rPr lang="de-DE" dirty="0" smtClean="0"/>
-              <a:t>. Error bound to decide with </a:t>
+              <a:t>. </a:t>
+            </a:r>
+            <a:r>
+              <a:rPr lang="de-DE" dirty="0" smtClean="0"/>
+              <a:t>Error </a:t>
+            </a:r>
+            <a:r>
+              <a:rPr lang="de-DE" dirty="0" smtClean="0"/>
+              <a:t>bound to decide with </a:t>
             </a:r>
             <a:r>
               <a:rPr lang="de-DE" i="1" dirty="0" smtClean="0"/>
@@ -51100,7 +52096,19 @@
             </a:r>
             <a:r>
               <a:rPr lang="de-DE" dirty="0" smtClean="0"/>
-              <a:t> random variable with </a:t>
+              <a:t> random </a:t>
+            </a:r>
+            <a:r>
+              <a:rPr lang="en-US" dirty="0" smtClean="0"/>
+              <a:t>variable</a:t>
+            </a:r>
+            <a:r>
+              <a:rPr lang="de-DE" dirty="0" smtClean="0"/>
+              <a:t> </a:t>
+            </a:r>
+            <a:r>
+              <a:rPr lang="de-DE" dirty="0" smtClean="0"/>
+              <a:t>with </a:t>
             </a:r>
             <a:r>
               <a:rPr lang="de-DE" i="1" dirty="0" smtClean="0"/>
@@ -51123,8 +52131,16 @@
               <a:t>A </a:t>
             </a:r>
             <a:r>
+              <a:rPr lang="en-US" dirty="0">
+                <a:solidFill>
+                  <a:srgbClr val="0070C0"/>
+                </a:solidFill>
+              </a:rPr>
+              <a:t>decision taken</a:t>
+            </a:r>
+            <a:r>
               <a:rPr lang="en-US" dirty="0"/>
-              <a:t>decision taken after </a:t>
+              <a:t> after </a:t>
             </a:r>
             <a:r>
               <a:rPr lang="en-US" dirty="0" smtClean="0"/>
@@ -51132,13 +52148,41 @@
             </a:r>
             <a:r>
               <a:rPr lang="en-US" dirty="0"/>
-              <a:t>certain amount of instances would remain the same after seeing an infinite number </a:t>
+              <a:t>certain amount of instances </a:t>
+            </a:r>
+            <a:r>
+              <a:rPr lang="en-US" dirty="0">
+                <a:solidFill>
+                  <a:srgbClr val="0070C0"/>
+                </a:solidFill>
+              </a:rPr>
+              <a:t>would remain the same </a:t>
+            </a:r>
+            <a:r>
+              <a:rPr lang="en-US" dirty="0"/>
+              <a:t>after seeing an infinite number </a:t>
             </a:r>
             <a:r>
               <a:rPr lang="en-US" dirty="0" smtClean="0"/>
-              <a:t>of instances</a:t>
+              <a:t>of </a:t>
             </a:r>
-            <a:endParaRPr lang="de-DE" dirty="0"/>
+            <a:r>
+              <a:rPr lang="en-US" dirty="0" smtClean="0"/>
+              <a:t>instances </a:t>
+            </a:r>
+            <a:r>
+              <a:rPr lang="en-US" dirty="0" smtClean="0">
+                <a:solidFill>
+                  <a:srgbClr val="0070C0"/>
+                </a:solidFill>
+              </a:rPr>
+              <a:t>with (1-   ) certainty</a:t>
+            </a:r>
+            <a:endParaRPr lang="de-DE" dirty="0">
+              <a:solidFill>
+                <a:srgbClr val="0070C0"/>
+              </a:solidFill>
+            </a:endParaRPr>
           </a:p>
         </p:txBody>
       </p:sp>
@@ -51284,6 +52328,38 @@
           </a:prstGeom>
         </p:spPr>
       </p:pic>
+      <p:pic>
+        <p:nvPicPr>
+          <p:cNvPr id="13" name="Picture 12"/>
+          <p:cNvPicPr>
+            <a:picLocks noChangeAspect="1"/>
+          </p:cNvPicPr>
+          <p:nvPr/>
+        </p:nvPicPr>
+        <p:blipFill>
+          <a:blip r:embed="rId7">
+            <a:duotone>
+              <a:schemeClr val="accent1">
+                <a:shade val="45000"/>
+                <a:satMod val="135000"/>
+              </a:schemeClr>
+              <a:prstClr val="white"/>
+            </a:duotone>
+          </a:blip>
+          <a:stretch>
+            <a:fillRect/>
+          </a:stretch>
+        </p:blipFill>
+        <p:spPr>
+          <a:xfrm>
+            <a:off x="6056081" y="5365021"/>
+            <a:ext cx="189548" cy="495741"/>
+          </a:xfrm>
+          <a:prstGeom prst="rect">
+            <a:avLst/>
+          </a:prstGeom>
+        </p:spPr>
+      </p:pic>
     </p:spTree>
     <p:extLst>
       <p:ext uri="{BB962C8B-B14F-4D97-AF65-F5344CB8AC3E}">
@@ -51470,42 +52546,162 @@
           <a:p>
             <a:r>
               <a:rPr lang="de-DE" dirty="0" smtClean="0"/>
-              <a:t>Try to split if </a:t>
+              <a:t>Try to </a:t>
             </a:r>
             <a:r>
-              <a:rPr lang="de-DE" smtClean="0"/>
-              <a:t>a </a:t>
+              <a:rPr lang="de-DE" dirty="0" smtClean="0">
+                <a:solidFill>
+                  <a:srgbClr val="0070C0"/>
+                </a:solidFill>
+              </a:rPr>
+              <a:t>split if </a:t>
             </a:r>
             <a:r>
-              <a:rPr lang="de-DE" smtClean="0"/>
+              <a:rPr lang="de-DE" dirty="0" smtClean="0"/>
+              <a:t>a</a:t>
+            </a:r>
+            <a:r>
+              <a:rPr lang="de-DE" dirty="0" smtClean="0">
+                <a:solidFill>
+                  <a:srgbClr val="0070C0"/>
+                </a:solidFill>
+              </a:rPr>
+              <a:t> </a:t>
+            </a:r>
+            <a:r>
+              <a:rPr lang="de-DE" dirty="0" smtClean="0">
+                <a:solidFill>
+                  <a:srgbClr val="0070C0"/>
+                </a:solidFill>
+              </a:rPr>
               <a:t>leaf </a:t>
             </a:r>
             <a:r>
-              <a:rPr lang="de-DE" dirty="0" smtClean="0"/>
+              <a:rPr lang="de-DE" dirty="0" smtClean="0">
+                <a:solidFill>
+                  <a:srgbClr val="0070C0"/>
+                </a:solidFill>
+              </a:rPr>
               <a:t>is impure</a:t>
             </a:r>
           </a:p>
           <a:p>
             <a:r>
               <a:rPr lang="de-DE" dirty="0" smtClean="0"/>
-              <a:t>Use information gain/ gini index to obtain best two split </a:t>
+              <a:t>Use information gain/ </a:t>
             </a:r>
             <a:r>
               <a:rPr lang="de-DE" dirty="0" smtClean="0"/>
+              <a:t>Gini </a:t>
+            </a:r>
+            <a:r>
+              <a:rPr lang="de-DE" dirty="0" smtClean="0"/>
+              <a:t>index to </a:t>
+            </a:r>
+            <a:r>
+              <a:rPr lang="de-DE" dirty="0" smtClean="0">
+                <a:solidFill>
+                  <a:srgbClr val="0070C0"/>
+                </a:solidFill>
+              </a:rPr>
+              <a:t>obtain the </a:t>
+            </a:r>
+            <a:r>
+              <a:rPr lang="de-DE" dirty="0" smtClean="0">
+                <a:solidFill>
+                  <a:srgbClr val="0070C0"/>
+                </a:solidFill>
+              </a:rPr>
+              <a:t>best two</a:t>
+            </a:r>
+            <a:r>
+              <a:rPr lang="de-DE" dirty="0" smtClean="0"/>
+              <a:t> </a:t>
+            </a:r>
+            <a:r>
+              <a:rPr lang="de-DE" dirty="0" smtClean="0">
+                <a:solidFill>
+                  <a:srgbClr val="0070C0"/>
+                </a:solidFill>
+              </a:rPr>
+              <a:t>split </a:t>
+            </a:r>
+            <a:r>
+              <a:rPr lang="de-DE" dirty="0" smtClean="0">
+                <a:solidFill>
+                  <a:srgbClr val="0070C0"/>
+                </a:solidFill>
+              </a:rPr>
               <a:t>attributes</a:t>
             </a:r>
-            <a:endParaRPr lang="de-DE" dirty="0" smtClean="0"/>
-          </a:p>
-          <a:p>
+            <a:endParaRPr lang="de-DE" dirty="0" smtClean="0">
+              <a:solidFill>
+                <a:srgbClr val="0070C0"/>
+              </a:solidFill>
+            </a:endParaRPr>
+          </a:p>
+          <a:p>
+            <a:r>
+              <a:rPr lang="de-DE" dirty="0" smtClean="0">
+                <a:solidFill>
+                  <a:srgbClr val="0070C0"/>
+                </a:solidFill>
+              </a:rPr>
+              <a:t>Split if </a:t>
+            </a:r>
             <a:r>
               <a:rPr lang="de-DE" dirty="0" smtClean="0"/>
-              <a:t>If the best one performs better than the second best by at least a margin of Hoeffding bound, then split</a:t>
+              <a:t>the </a:t>
             </a:r>
-          </a:p>
-          <a:p>
+            <a:r>
+              <a:rPr lang="de-DE" dirty="0" smtClean="0">
+                <a:solidFill>
+                  <a:srgbClr val="0070C0"/>
+                </a:solidFill>
+              </a:rPr>
+              <a:t>best </a:t>
+            </a:r>
+            <a:r>
+              <a:rPr lang="en-US" dirty="0" smtClean="0">
+                <a:solidFill>
+                  <a:srgbClr val="0070C0"/>
+                </a:solidFill>
+              </a:rPr>
+              <a:t>one</a:t>
+            </a:r>
+            <a:r>
+              <a:rPr lang="de-DE" dirty="0" smtClean="0">
+                <a:solidFill>
+                  <a:srgbClr val="0070C0"/>
+                </a:solidFill>
+              </a:rPr>
+              <a:t> </a:t>
+            </a:r>
+            <a:r>
+              <a:rPr lang="de-DE" dirty="0" smtClean="0">
+                <a:solidFill>
+                  <a:srgbClr val="0070C0"/>
+                </a:solidFill>
+              </a:rPr>
+              <a:t>performs better than the second best </a:t>
+            </a:r>
             <a:r>
               <a:rPr lang="de-DE" dirty="0" smtClean="0"/>
-              <a:t>Could use a grace period to fasten up the process</a:t>
+              <a:t>by at least a margin of Hoeffding </a:t>
+            </a:r>
+            <a:r>
+              <a:rPr lang="de-DE" dirty="0" smtClean="0"/>
+              <a:t>bound</a:t>
+            </a:r>
+          </a:p>
+          <a:p>
+            <a:r>
+              <a:rPr lang="de-DE" dirty="0" smtClean="0"/>
+              <a:t>Could </a:t>
+            </a:r>
+            <a:r>
+              <a:rPr lang="de-DE" dirty="0" smtClean="0"/>
+              <a:t>use a grace period to fasten up the process</a:t>
             </a:r>
           </a:p>
           <a:p>
@@ -53253,13 +54449,11 @@
           <a:p>
             <a:r>
               <a:rPr lang="de-DE" dirty="0" smtClean="0"/>
-              <a:t>Basic hoeffding tree</a:t>
+              <a:t>Keeps </a:t>
             </a:r>
-          </a:p>
-          <a:p>
             <a:r>
               <a:rPr lang="de-DE" dirty="0" smtClean="0"/>
-              <a:t>Keeps updating decision rules with incoming data</a:t>
+              <a:t>updating decision rules with incoming data</a:t>
             </a:r>
           </a:p>
           <a:p>
@@ -53318,7 +54512,7 @@
         </p:nvGrpSpPr>
         <p:grpSpPr>
           <a:xfrm>
-            <a:off x="4840584" y="1596111"/>
+            <a:off x="4840584" y="1039523"/>
             <a:ext cx="3910450" cy="1768815"/>
             <a:chOff x="726002" y="1132176"/>
             <a:chExt cx="8025032" cy="3445304"/>
@@ -53966,7 +55160,7 @@
         </p:nvGrpSpPr>
         <p:grpSpPr>
           <a:xfrm>
-            <a:off x="4745618" y="3665318"/>
+            <a:off x="4745618" y="3108730"/>
             <a:ext cx="4190379" cy="1318104"/>
             <a:chOff x="516272" y="2543440"/>
             <a:chExt cx="8661031" cy="2491444"/>

--- a/presentation/thesis.pptx
+++ b/presentation/thesis.pptx
@@ -5,7 +5,7 @@
     <p:sldMasterId id="2147483660" r:id="rId1"/>
   </p:sldMasterIdLst>
   <p:notesMasterIdLst>
-    <p:notesMasterId r:id="rId52"/>
+    <p:notesMasterId r:id="rId49"/>
   </p:notesMasterIdLst>
   <p:sldIdLst>
     <p:sldId id="258" r:id="rId2"/>
@@ -55,9 +55,6 @@
     <p:sldId id="300" r:id="rId46"/>
     <p:sldId id="301" r:id="rId47"/>
     <p:sldId id="302" r:id="rId48"/>
-    <p:sldId id="309" r:id="rId49"/>
-    <p:sldId id="275" r:id="rId50"/>
-    <p:sldId id="304" r:id="rId51"/>
   </p:sldIdLst>
   <p:sldSz cx="9144000" cy="6858000" type="screen4x3"/>
   <p:notesSz cx="6858000" cy="9144000"/>
@@ -841,11 +838,11 @@
           <c:showPercent val="0"/>
           <c:showBubbleSize val="0"/>
         </c:dLbls>
-        <c:axId val="180546688"/>
-        <c:axId val="180547248"/>
+        <c:axId val="185935360"/>
+        <c:axId val="306158128"/>
       </c:areaChart>
       <c:catAx>
-        <c:axId val="180546688"/>
+        <c:axId val="185935360"/>
         <c:scaling>
           <c:orientation val="minMax"/>
         </c:scaling>
@@ -950,7 +947,7 @@
             <a:endParaRPr lang="en-US"/>
           </a:p>
         </c:txPr>
-        <c:crossAx val="180547248"/>
+        <c:crossAx val="306158128"/>
         <c:crosses val="autoZero"/>
         <c:auto val="1"/>
         <c:lblAlgn val="ctr"/>
@@ -958,7 +955,7 @@
         <c:noMultiLvlLbl val="0"/>
       </c:catAx>
       <c:valAx>
-        <c:axId val="180547248"/>
+        <c:axId val="306158128"/>
         <c:scaling>
           <c:orientation val="minMax"/>
         </c:scaling>
@@ -1066,7 +1063,7 @@
             <a:endParaRPr lang="en-US"/>
           </a:p>
         </c:txPr>
-        <c:crossAx val="180546688"/>
+        <c:crossAx val="185935360"/>
         <c:crosses val="autoZero"/>
         <c:crossBetween val="midCat"/>
       </c:valAx>
@@ -1430,11 +1427,11 @@
           <c:showPercent val="0"/>
           <c:showBubbleSize val="0"/>
         </c:dLbls>
-        <c:axId val="182801840"/>
-        <c:axId val="182802400"/>
+        <c:axId val="306160928"/>
+        <c:axId val="306161488"/>
       </c:areaChart>
       <c:catAx>
-        <c:axId val="182801840"/>
+        <c:axId val="306160928"/>
         <c:scaling>
           <c:orientation val="minMax"/>
         </c:scaling>
@@ -1476,7 +1473,7 @@
             <a:endParaRPr lang="en-US"/>
           </a:p>
         </c:txPr>
-        <c:crossAx val="182802400"/>
+        <c:crossAx val="306161488"/>
         <c:crosses val="autoZero"/>
         <c:auto val="1"/>
         <c:lblAlgn val="ctr"/>
@@ -1484,7 +1481,7 @@
         <c:noMultiLvlLbl val="0"/>
       </c:catAx>
       <c:valAx>
-        <c:axId val="182802400"/>
+        <c:axId val="306161488"/>
         <c:scaling>
           <c:orientation val="minMax"/>
         </c:scaling>
@@ -1535,7 +1532,7 @@
             <a:endParaRPr lang="en-US"/>
           </a:p>
         </c:txPr>
-        <c:crossAx val="182801840"/>
+        <c:crossAx val="306160928"/>
         <c:crosses val="autoZero"/>
         <c:crossBetween val="midCat"/>
       </c:valAx>
@@ -2810,7 +2807,7 @@
           <a:p>
             <a:fld id="{29EF9550-9381-4D4C-AF8B-5B07172670DD}" type="datetimeFigureOut">
               <a:rPr lang="en-US" smtClean="0"/>
-              <a:t>11/10/2015</a:t>
+              <a:t>11/11/2015</a:t>
             </a:fld>
             <a:endParaRPr lang="en-US" dirty="0"/>
           </a:p>
@@ -6606,174 +6603,6 @@
 </p:notes>
 </file>
 
-<file path=ppt/notesSlides/notesSlide48.xml><?xml version="1.0" encoding="utf-8"?>
-<p:notes xmlns:a="http://schemas.openxmlformats.org/drawingml/2006/main" xmlns:r="http://schemas.openxmlformats.org/officeDocument/2006/relationships" xmlns:p="http://schemas.openxmlformats.org/presentationml/2006/main">
-  <p:cSld>
-    <p:spTree>
-      <p:nvGrpSpPr>
-        <p:cNvPr id="1" name=""/>
-        <p:cNvGrpSpPr/>
-        <p:nvPr/>
-      </p:nvGrpSpPr>
-      <p:grpSpPr>
-        <a:xfrm>
-          <a:off x="0" y="0"/>
-          <a:ext cx="0" cy="0"/>
-          <a:chOff x="0" y="0"/>
-          <a:chExt cx="0" cy="0"/>
-        </a:xfrm>
-      </p:grpSpPr>
-      <p:sp>
-        <p:nvSpPr>
-          <p:cNvPr id="2" name="Slide Image Placeholder 1"/>
-          <p:cNvSpPr>
-            <a:spLocks noGrp="1" noRot="1" noChangeAspect="1"/>
-          </p:cNvSpPr>
-          <p:nvPr>
-            <p:ph type="sldImg"/>
-          </p:nvPr>
-        </p:nvSpPr>
-        <p:spPr/>
-      </p:sp>
-      <p:sp>
-        <p:nvSpPr>
-          <p:cNvPr id="3" name="Notes Placeholder 2"/>
-          <p:cNvSpPr>
-            <a:spLocks noGrp="1"/>
-          </p:cNvSpPr>
-          <p:nvPr>
-            <p:ph type="body" idx="1"/>
-          </p:nvPr>
-        </p:nvSpPr>
-        <p:spPr/>
-        <p:txBody>
-          <a:bodyPr/>
-          <a:lstStyle/>
-          <a:p>
-            <a:endParaRPr lang="de-DE" dirty="0"/>
-          </a:p>
-        </p:txBody>
-      </p:sp>
-      <p:sp>
-        <p:nvSpPr>
-          <p:cNvPr id="4" name="Slide Number Placeholder 3"/>
-          <p:cNvSpPr>
-            <a:spLocks noGrp="1"/>
-          </p:cNvSpPr>
-          <p:nvPr>
-            <p:ph type="sldNum" sz="quarter" idx="10"/>
-          </p:nvPr>
-        </p:nvSpPr>
-        <p:spPr/>
-        <p:txBody>
-          <a:bodyPr/>
-          <a:lstStyle/>
-          <a:p>
-            <a:fld id="{3BCB612C-0155-4D60-8939-3857CFB261A5}" type="slidenum">
-              <a:rPr lang="de-DE" smtClean="0"/>
-              <a:t>48</a:t>
-            </a:fld>
-            <a:endParaRPr lang="de-DE" dirty="0"/>
-          </a:p>
-        </p:txBody>
-      </p:sp>
-    </p:spTree>
-    <p:extLst>
-      <p:ext uri="{BB962C8B-B14F-4D97-AF65-F5344CB8AC3E}">
-        <p14:creationId xmlns:p14="http://schemas.microsoft.com/office/powerpoint/2010/main" val="4008732982"/>
-      </p:ext>
-    </p:extLst>
-  </p:cSld>
-  <p:clrMapOvr>
-    <a:masterClrMapping/>
-  </p:clrMapOvr>
-</p:notes>
-</file>
-
-<file path=ppt/notesSlides/notesSlide49.xml><?xml version="1.0" encoding="utf-8"?>
-<p:notes xmlns:a="http://schemas.openxmlformats.org/drawingml/2006/main" xmlns:r="http://schemas.openxmlformats.org/officeDocument/2006/relationships" xmlns:p="http://schemas.openxmlformats.org/presentationml/2006/main">
-  <p:cSld>
-    <p:spTree>
-      <p:nvGrpSpPr>
-        <p:cNvPr id="1" name=""/>
-        <p:cNvGrpSpPr/>
-        <p:nvPr/>
-      </p:nvGrpSpPr>
-      <p:grpSpPr>
-        <a:xfrm>
-          <a:off x="0" y="0"/>
-          <a:ext cx="0" cy="0"/>
-          <a:chOff x="0" y="0"/>
-          <a:chExt cx="0" cy="0"/>
-        </a:xfrm>
-      </p:grpSpPr>
-      <p:sp>
-        <p:nvSpPr>
-          <p:cNvPr id="2" name="Slide Image Placeholder 1"/>
-          <p:cNvSpPr>
-            <a:spLocks noGrp="1" noRot="1" noChangeAspect="1"/>
-          </p:cNvSpPr>
-          <p:nvPr>
-            <p:ph type="sldImg"/>
-          </p:nvPr>
-        </p:nvSpPr>
-        <p:spPr/>
-      </p:sp>
-      <p:sp>
-        <p:nvSpPr>
-          <p:cNvPr id="3" name="Notes Placeholder 2"/>
-          <p:cNvSpPr>
-            <a:spLocks noGrp="1"/>
-          </p:cNvSpPr>
-          <p:nvPr>
-            <p:ph type="body" idx="1"/>
-          </p:nvPr>
-        </p:nvSpPr>
-        <p:spPr/>
-        <p:txBody>
-          <a:bodyPr/>
-          <a:lstStyle/>
-          <a:p>
-            <a:endParaRPr lang="de-DE" dirty="0"/>
-          </a:p>
-        </p:txBody>
-      </p:sp>
-      <p:sp>
-        <p:nvSpPr>
-          <p:cNvPr id="4" name="Slide Number Placeholder 3"/>
-          <p:cNvSpPr>
-            <a:spLocks noGrp="1"/>
-          </p:cNvSpPr>
-          <p:nvPr>
-            <p:ph type="sldNum" sz="quarter" idx="10"/>
-          </p:nvPr>
-        </p:nvSpPr>
-        <p:spPr/>
-        <p:txBody>
-          <a:bodyPr/>
-          <a:lstStyle/>
-          <a:p>
-            <a:fld id="{3BCB612C-0155-4D60-8939-3857CFB261A5}" type="slidenum">
-              <a:rPr lang="de-DE" smtClean="0"/>
-              <a:t>49</a:t>
-            </a:fld>
-            <a:endParaRPr lang="de-DE" dirty="0"/>
-          </a:p>
-        </p:txBody>
-      </p:sp>
-    </p:spTree>
-    <p:extLst>
-      <p:ext uri="{BB962C8B-B14F-4D97-AF65-F5344CB8AC3E}">
-        <p14:creationId xmlns:p14="http://schemas.microsoft.com/office/powerpoint/2010/main" val="200436687"/>
-      </p:ext>
-    </p:extLst>
-  </p:cSld>
-  <p:clrMapOvr>
-    <a:masterClrMapping/>
-  </p:clrMapOvr>
-</p:notes>
-</file>
-
 <file path=ppt/notesSlides/notesSlide5.xml><?xml version="1.0" encoding="utf-8"?>
 <p:notes xmlns:a="http://schemas.openxmlformats.org/drawingml/2006/main" xmlns:r="http://schemas.openxmlformats.org/officeDocument/2006/relationships" xmlns:p="http://schemas.openxmlformats.org/presentationml/2006/main">
   <p:cSld>
@@ -6849,90 +6678,6 @@
     <p:extLst>
       <p:ext uri="{BB962C8B-B14F-4D97-AF65-F5344CB8AC3E}">
         <p14:creationId xmlns:p14="http://schemas.microsoft.com/office/powerpoint/2010/main" val="3716982316"/>
-      </p:ext>
-    </p:extLst>
-  </p:cSld>
-  <p:clrMapOvr>
-    <a:masterClrMapping/>
-  </p:clrMapOvr>
-</p:notes>
-</file>
-
-<file path=ppt/notesSlides/notesSlide50.xml><?xml version="1.0" encoding="utf-8"?>
-<p:notes xmlns:a="http://schemas.openxmlformats.org/drawingml/2006/main" xmlns:r="http://schemas.openxmlformats.org/officeDocument/2006/relationships" xmlns:p="http://schemas.openxmlformats.org/presentationml/2006/main">
-  <p:cSld>
-    <p:spTree>
-      <p:nvGrpSpPr>
-        <p:cNvPr id="1" name=""/>
-        <p:cNvGrpSpPr/>
-        <p:nvPr/>
-      </p:nvGrpSpPr>
-      <p:grpSpPr>
-        <a:xfrm>
-          <a:off x="0" y="0"/>
-          <a:ext cx="0" cy="0"/>
-          <a:chOff x="0" y="0"/>
-          <a:chExt cx="0" cy="0"/>
-        </a:xfrm>
-      </p:grpSpPr>
-      <p:sp>
-        <p:nvSpPr>
-          <p:cNvPr id="2" name="Slide Image Placeholder 1"/>
-          <p:cNvSpPr>
-            <a:spLocks noGrp="1" noRot="1" noChangeAspect="1"/>
-          </p:cNvSpPr>
-          <p:nvPr>
-            <p:ph type="sldImg"/>
-          </p:nvPr>
-        </p:nvSpPr>
-        <p:spPr/>
-      </p:sp>
-      <p:sp>
-        <p:nvSpPr>
-          <p:cNvPr id="3" name="Notes Placeholder 2"/>
-          <p:cNvSpPr>
-            <a:spLocks noGrp="1"/>
-          </p:cNvSpPr>
-          <p:nvPr>
-            <p:ph type="body" idx="1"/>
-          </p:nvPr>
-        </p:nvSpPr>
-        <p:spPr/>
-        <p:txBody>
-          <a:bodyPr/>
-          <a:lstStyle/>
-          <a:p>
-            <a:endParaRPr lang="de-DE" dirty="0"/>
-          </a:p>
-        </p:txBody>
-      </p:sp>
-      <p:sp>
-        <p:nvSpPr>
-          <p:cNvPr id="4" name="Slide Number Placeholder 3"/>
-          <p:cNvSpPr>
-            <a:spLocks noGrp="1"/>
-          </p:cNvSpPr>
-          <p:nvPr>
-            <p:ph type="sldNum" sz="quarter" idx="10"/>
-          </p:nvPr>
-        </p:nvSpPr>
-        <p:spPr/>
-        <p:txBody>
-          <a:bodyPr/>
-          <a:lstStyle/>
-          <a:p>
-            <a:fld id="{3BCB612C-0155-4D60-8939-3857CFB261A5}" type="slidenum">
-              <a:rPr lang="de-DE" smtClean="0"/>
-              <a:t>50</a:t>
-            </a:fld>
-            <a:endParaRPr lang="de-DE" dirty="0"/>
-          </a:p>
-        </p:txBody>
-      </p:sp>
-    </p:spTree>
-    <p:extLst>
-      <p:ext uri="{BB962C8B-B14F-4D97-AF65-F5344CB8AC3E}">
-        <p14:creationId xmlns:p14="http://schemas.microsoft.com/office/powerpoint/2010/main" val="808001579"/>
       </p:ext>
     </p:extLst>
   </p:cSld>
@@ -7409,7 +7154,7 @@
           <a:p>
             <a:fld id="{40A9466D-1D48-456F-8680-1F0B18548100}" type="datetimeFigureOut">
               <a:rPr lang="en-US" smtClean="0"/>
-              <a:t>11/10/2015</a:t>
+              <a:t>11/11/2015</a:t>
             </a:fld>
             <a:endParaRPr lang="en-US" dirty="0"/>
           </a:p>
@@ -7579,7 +7324,7 @@
           <a:p>
             <a:fld id="{40A9466D-1D48-456F-8680-1F0B18548100}" type="datetimeFigureOut">
               <a:rPr lang="en-US" smtClean="0"/>
-              <a:t>11/10/2015</a:t>
+              <a:t>11/11/2015</a:t>
             </a:fld>
             <a:endParaRPr lang="en-US" dirty="0"/>
           </a:p>
@@ -7759,7 +7504,7 @@
           <a:p>
             <a:fld id="{40A9466D-1D48-456F-8680-1F0B18548100}" type="datetimeFigureOut">
               <a:rPr lang="en-US" smtClean="0"/>
-              <a:t>11/10/2015</a:t>
+              <a:t>11/11/2015</a:t>
             </a:fld>
             <a:endParaRPr lang="en-US" dirty="0"/>
           </a:p>
@@ -7929,7 +7674,7 @@
           <a:p>
             <a:fld id="{40A9466D-1D48-456F-8680-1F0B18548100}" type="datetimeFigureOut">
               <a:rPr lang="en-US" smtClean="0"/>
-              <a:t>11/10/2015</a:t>
+              <a:t>11/11/2015</a:t>
             </a:fld>
             <a:endParaRPr lang="en-US" dirty="0"/>
           </a:p>
@@ -8173,7 +7918,7 @@
           <a:p>
             <a:fld id="{40A9466D-1D48-456F-8680-1F0B18548100}" type="datetimeFigureOut">
               <a:rPr lang="en-US" smtClean="0"/>
-              <a:t>11/10/2015</a:t>
+              <a:t>11/11/2015</a:t>
             </a:fld>
             <a:endParaRPr lang="en-US" dirty="0"/>
           </a:p>
@@ -8405,7 +8150,7 @@
           <a:p>
             <a:fld id="{40A9466D-1D48-456F-8680-1F0B18548100}" type="datetimeFigureOut">
               <a:rPr lang="en-US" smtClean="0"/>
-              <a:t>11/10/2015</a:t>
+              <a:t>11/11/2015</a:t>
             </a:fld>
             <a:endParaRPr lang="en-US" dirty="0"/>
           </a:p>
@@ -8772,7 +8517,7 @@
           <a:p>
             <a:fld id="{40A9466D-1D48-456F-8680-1F0B18548100}" type="datetimeFigureOut">
               <a:rPr lang="en-US" smtClean="0"/>
-              <a:t>11/10/2015</a:t>
+              <a:t>11/11/2015</a:t>
             </a:fld>
             <a:endParaRPr lang="en-US" dirty="0"/>
           </a:p>
@@ -8890,7 +8635,7 @@
           <a:p>
             <a:fld id="{40A9466D-1D48-456F-8680-1F0B18548100}" type="datetimeFigureOut">
               <a:rPr lang="en-US" smtClean="0"/>
-              <a:t>11/10/2015</a:t>
+              <a:t>11/11/2015</a:t>
             </a:fld>
             <a:endParaRPr lang="en-US" dirty="0"/>
           </a:p>
@@ -8985,7 +8730,7 @@
           <a:p>
             <a:fld id="{40A9466D-1D48-456F-8680-1F0B18548100}" type="datetimeFigureOut">
               <a:rPr lang="en-US" smtClean="0"/>
-              <a:t>11/10/2015</a:t>
+              <a:t>11/11/2015</a:t>
             </a:fld>
             <a:endParaRPr lang="en-US" dirty="0"/>
           </a:p>
@@ -9262,7 +9007,7 @@
           <a:p>
             <a:fld id="{40A9466D-1D48-456F-8680-1F0B18548100}" type="datetimeFigureOut">
               <a:rPr lang="en-US" smtClean="0"/>
-              <a:t>11/10/2015</a:t>
+              <a:t>11/11/2015</a:t>
             </a:fld>
             <a:endParaRPr lang="en-US" dirty="0"/>
           </a:p>
@@ -9519,7 +9264,7 @@
           <a:p>
             <a:fld id="{40A9466D-1D48-456F-8680-1F0B18548100}" type="datetimeFigureOut">
               <a:rPr lang="en-US" smtClean="0"/>
-              <a:t>11/10/2015</a:t>
+              <a:t>11/11/2015</a:t>
             </a:fld>
             <a:endParaRPr lang="en-US" dirty="0"/>
           </a:p>
@@ -9732,7 +9477,7 @@
           <a:p>
             <a:fld id="{40A9466D-1D48-456F-8680-1F0B18548100}" type="datetimeFigureOut">
               <a:rPr lang="en-US" smtClean="0"/>
-              <a:t>11/10/2015</a:t>
+              <a:t>11/11/2015</a:t>
             </a:fld>
             <a:endParaRPr lang="en-US" dirty="0"/>
           </a:p>
@@ -10915,11 +10660,7 @@
             <a:pPr lvl="1"/>
             <a:r>
               <a:rPr lang="de-DE" dirty="0" smtClean="0"/>
-              <a:t>Loses </a:t>
-            </a:r>
-            <a:r>
-              <a:rPr lang="de-DE" dirty="0" smtClean="0"/>
-              <a:t>all information learned thus far</a:t>
+              <a:t>Loses all information learned thus far</a:t>
             </a:r>
             <a:endParaRPr lang="de-DE" dirty="0"/>
           </a:p>
@@ -13493,35 +13234,19 @@
           <a:p>
             <a:r>
               <a:rPr lang="de-DE" dirty="0" smtClean="0"/>
-              <a:t>Start </a:t>
+              <a:t>Start maintaining an alternate sub-tree when a node starts performing worse than previous</a:t>
             </a:r>
+          </a:p>
+          <a:p>
             <a:r>
               <a:rPr lang="de-DE" dirty="0" smtClean="0"/>
-              <a:t>maintaining an </a:t>
+              <a:t>When the new sub-tree starts performing better, replace the original</a:t>
             </a:r>
+          </a:p>
+          <a:p>
             <a:r>
               <a:rPr lang="de-DE" dirty="0" smtClean="0"/>
-              <a:t>alternate sub-tree when a node starts performing worse than previous</a:t>
-            </a:r>
-          </a:p>
-          <a:p>
-            <a:r>
-              <a:rPr lang="de-DE" dirty="0" smtClean="0"/>
-              <a:t>When the </a:t>
-            </a:r>
-            <a:r>
-              <a:rPr lang="de-DE" dirty="0" smtClean="0"/>
-              <a:t>new sub-tree starts performing better, replace the original</a:t>
-            </a:r>
-          </a:p>
-          <a:p>
-            <a:r>
-              <a:rPr lang="de-DE" dirty="0" smtClean="0"/>
-              <a:t>If original sub-tree keeps performing better, delete </a:t>
-            </a:r>
-            <a:r>
-              <a:rPr lang="de-DE" dirty="0" smtClean="0"/>
-              <a:t>the alternate sub-tree</a:t>
+              <a:t>If original sub-tree keeps performing better, delete the alternate sub-tree</a:t>
             </a:r>
             <a:endParaRPr lang="de-DE" dirty="0"/>
           </a:p>
@@ -17890,29 +17615,13 @@
           <a:p>
             <a:r>
               <a:rPr lang="de-DE" dirty="0" smtClean="0"/>
-              <a:t>Generate n training sets by random sampling of </a:t>
+              <a:t>Generate n training sets by random sampling of the original training set</a:t>
             </a:r>
+          </a:p>
+          <a:p>
             <a:r>
               <a:rPr lang="de-DE" dirty="0" smtClean="0"/>
-              <a:t>the original </a:t>
-            </a:r>
-            <a:r>
-              <a:rPr lang="de-DE" dirty="0" smtClean="0"/>
-              <a:t>training set</a:t>
-            </a:r>
-          </a:p>
-          <a:p>
-            <a:r>
-              <a:rPr lang="de-DE" dirty="0" smtClean="0"/>
-              <a:t>Learn a model </a:t>
-            </a:r>
-            <a:r>
-              <a:rPr lang="de-DE" dirty="0" smtClean="0"/>
-              <a:t>for each </a:t>
-            </a:r>
-            <a:r>
-              <a:rPr lang="de-DE" dirty="0" smtClean="0"/>
-              <a:t>training set</a:t>
+              <a:t>Learn a model for each training set</a:t>
             </a:r>
           </a:p>
           <a:p>
@@ -23274,11 +22983,7 @@
           <a:p>
             <a:r>
               <a:rPr lang="de-DE" dirty="0" smtClean="0"/>
-              <a:t>Maintain </a:t>
-            </a:r>
-            <a:r>
-              <a:rPr lang="de-DE" dirty="0" smtClean="0"/>
-              <a:t>an ensemble of HTs</a:t>
+              <a:t>Maintain an ensemble of HTs</a:t>
             </a:r>
             <a:r>
               <a:rPr lang="de-DE" dirty="0"/>
@@ -23292,19 +22997,7 @@
           <a:p>
             <a:r>
               <a:rPr lang="de-DE" dirty="0" smtClean="0"/>
-              <a:t>Allows building </a:t>
-            </a:r>
-            <a:r>
-              <a:rPr lang="de-DE" dirty="0" smtClean="0"/>
-              <a:t>models </a:t>
-            </a:r>
-            <a:r>
-              <a:rPr lang="de-DE" dirty="0" smtClean="0"/>
-              <a:t>for different </a:t>
-            </a:r>
-            <a:r>
-              <a:rPr lang="de-DE" dirty="0" smtClean="0"/>
-              <a:t>time-frames</a:t>
+              <a:t>Allows building models for different time-frames</a:t>
             </a:r>
           </a:p>
           <a:p>
@@ -23313,24 +23006,11 @@
               <a:rPr lang="de-DE" dirty="0" smtClean="0"/>
               <a:t>Smaller trees react faster to change, larger trees slower</a:t>
             </a:r>
-            <a:endParaRPr lang="de-DE" dirty="0" smtClean="0"/>
           </a:p>
           <a:p>
             <a:r>
               <a:rPr lang="de-DE" dirty="0" smtClean="0"/>
-              <a:t>Every time a larger tree </a:t>
-            </a:r>
-            <a:r>
-              <a:rPr lang="de-DE" dirty="0" smtClean="0"/>
-              <a:t>resets, the ensemble </a:t>
-            </a:r>
-            <a:r>
-              <a:rPr lang="de-DE" dirty="0" smtClean="0"/>
-              <a:t>loses significant </a:t>
-            </a:r>
-            <a:r>
-              <a:rPr lang="de-DE" dirty="0" smtClean="0"/>
-              <a:t>information about </a:t>
+              <a:t>Every time a larger tree resets, the ensemble loses significant information about </a:t>
             </a:r>
             <a:r>
               <a:rPr lang="en-US" dirty="0" smtClean="0"/>
@@ -25215,15 +24895,7 @@
                   <a:schemeClr val="accent5"/>
                 </a:solidFill>
               </a:rPr>
-              <a:t>A New </a:t>
-            </a:r>
-            <a:r>
-              <a:rPr lang="en-US" sz="4000" dirty="0" smtClean="0">
-                <a:solidFill>
-                  <a:schemeClr val="accent5"/>
-                </a:solidFill>
-              </a:rPr>
-              <a:t>Approach</a:t>
+              <a:t>A New Approach</a:t>
             </a:r>
             <a:endParaRPr lang="de-DE" sz="4000" dirty="0"/>
           </a:p>
@@ -25503,11 +25175,7 @@
           <a:p>
             <a:r>
               <a:rPr lang="de-DE" dirty="0" smtClean="0"/>
-              <a:t> Once </a:t>
-            </a:r>
-            <a:r>
-              <a:rPr lang="de-DE" dirty="0" smtClean="0"/>
-              <a:t>the limit is reached</a:t>
+              <a:t> Once the limit is reached</a:t>
             </a:r>
           </a:p>
           <a:p>
@@ -25522,15 +25190,7 @@
             </a:r>
             <a:r>
               <a:rPr lang="de-DE" dirty="0" smtClean="0"/>
-              <a:t> </a:t>
-            </a:r>
-            <a:r>
-              <a:rPr lang="de-DE" dirty="0" smtClean="0"/>
-              <a:t>the tree </a:t>
-            </a:r>
-            <a:r>
-              <a:rPr lang="de-DE" dirty="0" smtClean="0"/>
-              <a:t>to the extra list</a:t>
+              <a:t> the tree to the extra list</a:t>
             </a:r>
           </a:p>
           <a:p>
@@ -25613,15 +25273,7 @@
             </a:r>
             <a:r>
               <a:rPr lang="de-DE" dirty="0" smtClean="0"/>
-              <a:t> from </a:t>
-            </a:r>
-            <a:r>
-              <a:rPr lang="de-DE" dirty="0" smtClean="0"/>
-              <a:t>the extra </a:t>
-            </a:r>
-            <a:r>
-              <a:rPr lang="de-DE" dirty="0" smtClean="0"/>
-              <a:t>list</a:t>
+              <a:t> from the extra list</a:t>
             </a:r>
           </a:p>
           <a:p>
@@ -25673,11 +25325,7 @@
             </a:r>
             <a:r>
               <a:rPr lang="de-DE" dirty="0" smtClean="0"/>
-              <a:t> </a:t>
-            </a:r>
-            <a:r>
-              <a:rPr lang="de-DE" dirty="0" smtClean="0"/>
-              <a:t>method 	(AdaHT) instead of HT</a:t>
+              <a:t> method 	(AdaHT) instead of HT</a:t>
             </a:r>
             <a:endParaRPr lang="de-DE" dirty="0"/>
           </a:p>
@@ -27547,15 +27195,7 @@
           <a:p>
             <a:r>
               <a:rPr lang="de-DE" dirty="0" smtClean="0"/>
-              <a:t>Most existing generators </a:t>
-            </a:r>
-            <a:r>
-              <a:rPr lang="de-DE" dirty="0" smtClean="0"/>
-              <a:t>use a </a:t>
-            </a:r>
-            <a:r>
-              <a:rPr lang="de-DE" dirty="0" smtClean="0"/>
-              <a:t>randomized approach</a:t>
+              <a:t>Most existing generators use a randomized approach</a:t>
             </a:r>
           </a:p>
           <a:p>
@@ -27586,15 +27226,7 @@
             </a:r>
             <a:r>
               <a:rPr lang="en-US" dirty="0" smtClean="0"/>
-              <a:t>achieve desired </a:t>
-            </a:r>
-            <a:r>
-              <a:rPr lang="en-US" dirty="0" smtClean="0"/>
-              <a:t>properties </a:t>
-            </a:r>
-            <a:r>
-              <a:rPr lang="en-US" dirty="0" smtClean="0"/>
-              <a:t>in the data set</a:t>
+              <a:t>achieve desired properties in the data set</a:t>
             </a:r>
           </a:p>
           <a:p>
@@ -27818,23 +27450,7 @@
           <a:p>
             <a:r>
               <a:rPr lang="de-DE" dirty="0" smtClean="0"/>
-              <a:t>Centroids </a:t>
-            </a:r>
-            <a:r>
-              <a:rPr lang="de-DE" dirty="0" smtClean="0"/>
-              <a:t>contribute </a:t>
-            </a:r>
-            <a:r>
-              <a:rPr lang="de-DE" dirty="0" smtClean="0"/>
-              <a:t>to the final </a:t>
-            </a:r>
-            <a:r>
-              <a:rPr lang="de-DE" dirty="0" smtClean="0"/>
-              <a:t>stream depending </a:t>
-            </a:r>
-            <a:r>
-              <a:rPr lang="de-DE" dirty="0" smtClean="0"/>
-              <a:t>on their weights</a:t>
+              <a:t>Centroids contribute to the final stream depending on their weights</a:t>
             </a:r>
           </a:p>
           <a:p>
@@ -28087,25 +27703,13 @@
           <a:p>
             <a:r>
               <a:rPr lang="de-DE" dirty="0" smtClean="0"/>
-              <a:t>Replace the concept of centroids with </a:t>
+              <a:t>Replace the concept of centroids with the concept of pools</a:t>
             </a:r>
+          </a:p>
+          <a:p>
             <a:r>
               <a:rPr lang="de-DE" dirty="0" smtClean="0"/>
-              <a:t>the concept </a:t>
-            </a:r>
-            <a:r>
-              <a:rPr lang="de-DE" dirty="0" smtClean="0"/>
-              <a:t>of pools</a:t>
-            </a:r>
-          </a:p>
-          <a:p>
-            <a:r>
-              <a:rPr lang="de-DE" dirty="0" smtClean="0"/>
-              <a:t>Each pool contains a number of centroid and has different activation and contribution </a:t>
-            </a:r>
-            <a:r>
-              <a:rPr lang="de-DE" dirty="0" smtClean="0"/>
-              <a:t>rate</a:t>
+              <a:t>Each pool contains a number of centroid and has different activation and contribution rate</a:t>
             </a:r>
           </a:p>
           <a:p>
@@ -28727,25 +28331,13 @@
           <a:p>
             <a:r>
               <a:rPr lang="en-US" dirty="0" smtClean="0"/>
-              <a:t>All the concepts (centroids) are active all the time for </a:t>
+              <a:t>All the concepts (centroids) are active all the time for the random RBF generator</a:t>
             </a:r>
+          </a:p>
+          <a:p>
             <a:r>
               <a:rPr lang="en-US" dirty="0" smtClean="0"/>
-              <a:t>the random </a:t>
-            </a:r>
-            <a:r>
-              <a:rPr lang="en-US" dirty="0" smtClean="0"/>
-              <a:t>RBF generator</a:t>
-            </a:r>
-          </a:p>
-          <a:p>
-            <a:r>
-              <a:rPr lang="en-US" dirty="0" smtClean="0"/>
-              <a:t>The activation </a:t>
-            </a:r>
-            <a:r>
-              <a:rPr lang="en-US" dirty="0" smtClean="0"/>
-              <a:t>period changes in VSRBF generation scheme</a:t>
+              <a:t>The activation period changes in VSRBF generation scheme</a:t>
             </a:r>
             <a:endParaRPr lang="en-US" dirty="0"/>
           </a:p>
@@ -28864,15 +28456,7 @@
                   <a:schemeClr val="accent5"/>
                 </a:solidFill>
               </a:rPr>
-              <a:t>Data </a:t>
-            </a:r>
-            <a:r>
-              <a:rPr lang="en-US" dirty="0" smtClean="0">
-                <a:solidFill>
-                  <a:schemeClr val="accent5"/>
-                </a:solidFill>
-              </a:rPr>
-              <a:t>Streams</a:t>
+              <a:t>Data Streams</a:t>
             </a:r>
             <a:endParaRPr lang="de-DE" dirty="0">
               <a:solidFill>
@@ -29001,11 +28585,7 @@
             </a:r>
             <a:r>
               <a:rPr lang="en-US" dirty="0" smtClean="0"/>
-              <a:t>the arrival </a:t>
-            </a:r>
-            <a:r>
-              <a:rPr lang="en-US" dirty="0" smtClean="0"/>
-              <a:t>speed of data is so high </a:t>
+              <a:t>the arrival speed of data is so high </a:t>
             </a:r>
             <a:r>
               <a:rPr lang="en-US" dirty="0"/>
@@ -29025,11 +28605,7 @@
             </a:r>
             <a:r>
               <a:rPr lang="en-US" dirty="0" smtClean="0"/>
-              <a:t>process </a:t>
-            </a:r>
-            <a:r>
-              <a:rPr lang="en-US" dirty="0" smtClean="0"/>
-              <a:t>it later.</a:t>
+              <a:t>process it later.</a:t>
             </a:r>
           </a:p>
           <a:p>
@@ -30351,29 +29927,13 @@
           <a:p>
             <a:r>
               <a:rPr lang="de-DE" dirty="0" smtClean="0"/>
-              <a:t>Without any drift, all </a:t>
+              <a:t>Without any drift, all methods perform the same</a:t>
             </a:r>
+          </a:p>
+          <a:p>
             <a:r>
               <a:rPr lang="de-DE" dirty="0" smtClean="0"/>
-              <a:t>methods perform </a:t>
-            </a:r>
-            <a:r>
-              <a:rPr lang="de-DE" dirty="0" smtClean="0"/>
-              <a:t>the same</a:t>
-            </a:r>
-          </a:p>
-          <a:p>
-            <a:r>
-              <a:rPr lang="de-DE" dirty="0" smtClean="0"/>
-              <a:t>With small drift ADWIN and boost variants </a:t>
-            </a:r>
-            <a:r>
-              <a:rPr lang="de-DE" dirty="0" smtClean="0"/>
-              <a:t>perform </a:t>
-            </a:r>
-            <a:r>
-              <a:rPr lang="de-DE" dirty="0" smtClean="0"/>
-              <a:t>best</a:t>
+              <a:t>With small drift ADWIN and boost variants perform best</a:t>
             </a:r>
           </a:p>
           <a:p>
@@ -30594,22 +30154,14 @@
           <a:p>
             <a:r>
               <a:rPr lang="de-DE" dirty="0" smtClean="0"/>
-              <a:t>Grace </a:t>
-            </a:r>
-            <a:r>
-              <a:rPr lang="de-DE" dirty="0" smtClean="0"/>
-              <a:t>period is used to reduce unnecessary computations </a:t>
+              <a:t>Grace period is used to reduce unnecessary computations </a:t>
             </a:r>
           </a:p>
           <a:p>
             <a:pPr lvl="1"/>
             <a:r>
               <a:rPr lang="de-DE" dirty="0" smtClean="0"/>
-              <a:t>Effectively </a:t>
-            </a:r>
-            <a:r>
-              <a:rPr lang="de-DE" dirty="0" smtClean="0"/>
-              <a:t>reduces processing time and tree size</a:t>
+              <a:t>Effectively reduces processing time and tree size</a:t>
             </a:r>
             <a:endParaRPr lang="de-DE" dirty="0"/>
           </a:p>
@@ -31187,15 +30739,7 @@
           <a:p>
             <a:r>
               <a:rPr lang="en-US" dirty="0" smtClean="0"/>
-              <a:t>Improvement on ASHT bagging by </a:t>
-            </a:r>
-            <a:r>
-              <a:rPr lang="en-US" dirty="0" smtClean="0"/>
-              <a:t>introducing </a:t>
-            </a:r>
-            <a:r>
-              <a:rPr lang="en-US" dirty="0" smtClean="0"/>
-              <a:t>carry-over bagging</a:t>
+              <a:t>Improvement on ASHT bagging by introducing carry-over bagging</a:t>
             </a:r>
           </a:p>
           <a:p>
@@ -31453,17 +30997,8 @@
             <a:pPr lvl="1"/>
             <a:r>
               <a:rPr lang="en-US" dirty="0" smtClean="0"/>
-              <a:t>Our motivation for this work </a:t>
+              <a:t>Our motivation for this work is taken from text streams</a:t>
             </a:r>
-            <a:r>
-              <a:rPr lang="en-US" dirty="0" smtClean="0"/>
-              <a:t>is taken from text </a:t>
-            </a:r>
-            <a:r>
-              <a:rPr lang="en-US" dirty="0" smtClean="0"/>
-              <a:t>streams</a:t>
-            </a:r>
-            <a:endParaRPr lang="en-US" dirty="0" smtClean="0"/>
           </a:p>
           <a:p>
             <a:pPr lvl="1"/>
@@ -31477,38 +31012,13 @@
             </a:r>
             <a:r>
               <a:rPr lang="en-US" dirty="0" smtClean="0"/>
-              <a:t>valuation currently is </a:t>
+              <a:t>valuation currently is performed with numeric data</a:t>
             </a:r>
+          </a:p>
+          <a:p>
             <a:r>
               <a:rPr lang="en-US" dirty="0" smtClean="0"/>
-              <a:t>performed with numeric </a:t>
-            </a:r>
-            <a:r>
-              <a:rPr lang="en-US" dirty="0" smtClean="0"/>
-              <a:t>data</a:t>
-            </a:r>
-            <a:endParaRPr lang="en-US" dirty="0" smtClean="0"/>
-          </a:p>
-          <a:p>
-            <a:r>
-              <a:rPr lang="en-US" dirty="0" smtClean="0"/>
-              <a:t>Devising </a:t>
-            </a:r>
-            <a:r>
-              <a:rPr lang="en-US" dirty="0" smtClean="0"/>
-              <a:t>an approach </a:t>
-            </a:r>
-            <a:r>
-              <a:rPr lang="en-US" dirty="0" smtClean="0"/>
-              <a:t>to select a subset of the incoming </a:t>
-            </a:r>
-            <a:r>
-              <a:rPr lang="en-US" dirty="0" smtClean="0"/>
-              <a:t>stream </a:t>
-            </a:r>
-            <a:r>
-              <a:rPr lang="en-US" dirty="0" smtClean="0"/>
-              <a:t>to learn the model</a:t>
+              <a:t>Devising an approach to select a subset of the incoming stream to learn the model</a:t>
             </a:r>
           </a:p>
           <a:p>
@@ -32157,15 +31667,7 @@
           <a:p>
             <a:r>
               <a:rPr lang="en-US" dirty="0" smtClean="0"/>
-              <a:t>Stream mining is different </a:t>
-            </a:r>
-            <a:r>
-              <a:rPr lang="en-US" dirty="0" smtClean="0"/>
-              <a:t>from </a:t>
-            </a:r>
-            <a:r>
-              <a:rPr lang="en-US" dirty="0" smtClean="0"/>
-              <a:t>batch mining</a:t>
+              <a:t>Stream mining is different from batch mining</a:t>
             </a:r>
           </a:p>
           <a:p>
@@ -32178,24 +31680,15 @@
             <a:pPr lvl="1"/>
             <a:r>
               <a:rPr lang="en-US" dirty="0" smtClean="0"/>
-              <a:t>The underlying </a:t>
-            </a:r>
-            <a:r>
-              <a:rPr lang="en-US" dirty="0" smtClean="0"/>
-              <a:t>data distribution may evolve over time</a:t>
+              <a:t>The underlying data distribution may evolve over time</a:t>
             </a:r>
           </a:p>
           <a:p>
             <a:pPr lvl="1"/>
             <a:r>
               <a:rPr lang="en-US" dirty="0" smtClean="0"/>
-              <a:t>Data cannot be considered independent or identically </a:t>
+              <a:t>Data cannot be considered independent or identically distributed over time</a:t>
             </a:r>
-            <a:r>
-              <a:rPr lang="en-US" dirty="0" smtClean="0"/>
-              <a:t>distributed over time</a:t>
-            </a:r>
-            <a:endParaRPr lang="en-US" dirty="0" smtClean="0"/>
           </a:p>
           <a:p>
             <a:pPr lvl="1"/>
@@ -32213,15 +31706,7 @@
           <a:p>
             <a:r>
               <a:rPr lang="en-US" dirty="0" smtClean="0"/>
-              <a:t>Model should access data only once (or </a:t>
-            </a:r>
-            <a:r>
-              <a:rPr lang="en-US" dirty="0" smtClean="0"/>
-              <a:t>a small </a:t>
-            </a:r>
-            <a:r>
-              <a:rPr lang="en-US" dirty="0" smtClean="0"/>
-              <a:t>number of times)</a:t>
+              <a:t>Model should access data only once (or a small number of times)</a:t>
             </a:r>
           </a:p>
           <a:p>
@@ -32684,11 +32169,7 @@
             <a:pPr lvl="1"/>
             <a:r>
               <a:rPr lang="de-DE" dirty="0" smtClean="0"/>
-              <a:t>HT </a:t>
-            </a:r>
-            <a:r>
-              <a:rPr lang="de-DE" dirty="0" smtClean="0"/>
-              <a:t>– Hoeffding Tree – Grow indefinitely</a:t>
+              <a:t>HT – Hoeffding Tree – Grow indefinitely</a:t>
             </a:r>
           </a:p>
           <a:p>
@@ -33061,31 +32542,7 @@
           <a:p>
             <a:r>
               <a:rPr lang="de-DE" dirty="0" smtClean="0"/>
-              <a:t>Delete all the children of </a:t>
-            </a:r>
-            <a:r>
-              <a:rPr lang="de-DE" dirty="0" smtClean="0"/>
-              <a:t>the root </a:t>
-            </a:r>
-            <a:r>
-              <a:rPr lang="de-DE" dirty="0" smtClean="0"/>
-              <a:t>except </a:t>
-            </a:r>
-            <a:r>
-              <a:rPr lang="de-DE" dirty="0" smtClean="0"/>
-              <a:t>for the </a:t>
-            </a:r>
-            <a:r>
-              <a:rPr lang="de-DE" dirty="0" smtClean="0"/>
-              <a:t>one that </a:t>
-            </a:r>
-            <a:r>
-              <a:rPr lang="de-DE" dirty="0" smtClean="0"/>
-              <a:t>will be </a:t>
-            </a:r>
-            <a:r>
-              <a:rPr lang="de-DE" dirty="0" smtClean="0"/>
-              <a:t>new root</a:t>
+              <a:t>Delete all the children of the root except for the one that will be new root</a:t>
             </a:r>
           </a:p>
           <a:p>
@@ -33097,15 +32554,7 @@
           <a:p>
             <a:r>
               <a:rPr lang="de-DE" dirty="0" smtClean="0"/>
-              <a:t>Rearranges </a:t>
-            </a:r>
-            <a:r>
-              <a:rPr lang="de-DE" dirty="0" smtClean="0"/>
-              <a:t>the decision </a:t>
-            </a:r>
-            <a:r>
-              <a:rPr lang="de-DE" dirty="0" smtClean="0"/>
-              <a:t>boundaries</a:t>
+              <a:t>Rearranges the decision boundaries</a:t>
             </a:r>
             <a:endParaRPr lang="de-DE" dirty="0"/>
           </a:p>
@@ -38948,11 +38397,7 @@
             </a:r>
             <a:r>
               <a:rPr lang="de-DE" dirty="0" smtClean="0"/>
-              <a:t> class could be balanced </a:t>
-            </a:r>
-            <a:r>
-              <a:rPr lang="de-DE" dirty="0" smtClean="0"/>
-              <a:t>though</a:t>
+              <a:t> class could be balanced though</a:t>
             </a:r>
             <a:endParaRPr lang="de-DE" dirty="0"/>
           </a:p>
@@ -50352,432 +49797,6 @@
 </p:sld>
 </file>
 
-<file path=ppt/slides/slide48.xml><?xml version="1.0" encoding="utf-8"?>
-<p:sld xmlns:a="http://schemas.openxmlformats.org/drawingml/2006/main" xmlns:r="http://schemas.openxmlformats.org/officeDocument/2006/relationships" xmlns:p="http://schemas.openxmlformats.org/presentationml/2006/main">
-  <p:cSld>
-    <p:spTree>
-      <p:nvGrpSpPr>
-        <p:cNvPr id="1" name=""/>
-        <p:cNvGrpSpPr/>
-        <p:nvPr/>
-      </p:nvGrpSpPr>
-      <p:grpSpPr>
-        <a:xfrm>
-          <a:off x="0" y="0"/>
-          <a:ext cx="0" cy="0"/>
-          <a:chOff x="0" y="0"/>
-          <a:chExt cx="0" cy="0"/>
-        </a:xfrm>
-      </p:grpSpPr>
-      <p:pic>
-        <p:nvPicPr>
-          <p:cNvPr id="10" name="Picture 2" descr="http://www.thepsychometrictest.com/assets/4261a2cd/motivated_3.jpg"/>
-          <p:cNvPicPr>
-            <a:picLocks noChangeAspect="1" noChangeArrowheads="1"/>
-          </p:cNvPicPr>
-          <p:nvPr/>
-        </p:nvPicPr>
-        <p:blipFill>
-          <a:blip r:embed="rId3">
-            <a:duotone>
-              <a:schemeClr val="bg2">
-                <a:shade val="45000"/>
-                <a:satMod val="135000"/>
-              </a:schemeClr>
-              <a:prstClr val="white"/>
-            </a:duotone>
-            <a:extLst>
-              <a:ext uri="{28A0092B-C50C-407E-A947-70E740481C1C}">
-                <a14:useLocalDpi xmlns:a14="http://schemas.microsoft.com/office/drawing/2010/main" val="0"/>
-              </a:ext>
-            </a:extLst>
-          </a:blip>
-          <a:srcRect/>
-          <a:stretch>
-            <a:fillRect/>
-          </a:stretch>
-        </p:blipFill>
-        <p:spPr bwMode="auto">
-          <a:xfrm>
-            <a:off x="5726877" y="4225363"/>
-            <a:ext cx="3333750" cy="2505076"/>
-          </a:xfrm>
-          <a:prstGeom prst="rect">
-            <a:avLst/>
-          </a:prstGeom>
-          <a:noFill/>
-          <a:extLst>
-            <a:ext uri="{909E8E84-426E-40DD-AFC4-6F175D3DCCD1}">
-              <a14:hiddenFill xmlns:a14="http://schemas.microsoft.com/office/drawing/2010/main">
-                <a:solidFill>
-                  <a:srgbClr val="FFFFFF"/>
-                </a:solidFill>
-              </a14:hiddenFill>
-            </a:ext>
-          </a:extLst>
-        </p:spPr>
-      </p:pic>
-      <p:sp>
-        <p:nvSpPr>
-          <p:cNvPr id="2" name="Title 1"/>
-          <p:cNvSpPr>
-            <a:spLocks noGrp="1"/>
-          </p:cNvSpPr>
-          <p:nvPr>
-            <p:ph type="title"/>
-          </p:nvPr>
-        </p:nvSpPr>
-        <p:spPr>
-          <a:xfrm>
-            <a:off x="460977" y="365127"/>
-            <a:ext cx="8290057" cy="609730"/>
-          </a:xfrm>
-        </p:spPr>
-        <p:txBody>
-          <a:bodyPr>
-            <a:normAutofit fontScale="90000"/>
-          </a:bodyPr>
-          <a:lstStyle/>
-          <a:p>
-            <a:r>
-              <a:rPr lang="en-US" dirty="0" smtClean="0">
-                <a:solidFill>
-                  <a:schemeClr val="accent5"/>
-                </a:solidFill>
-              </a:rPr>
-              <a:t>Goals</a:t>
-            </a:r>
-            <a:endParaRPr lang="de-DE" dirty="0">
-              <a:solidFill>
-                <a:schemeClr val="accent5"/>
-              </a:solidFill>
-            </a:endParaRPr>
-          </a:p>
-        </p:txBody>
-      </p:sp>
-      <p:sp>
-        <p:nvSpPr>
-          <p:cNvPr id="3" name="Content Placeholder 2"/>
-          <p:cNvSpPr>
-            <a:spLocks noGrp="1"/>
-          </p:cNvSpPr>
-          <p:nvPr>
-            <p:ph idx="1"/>
-          </p:nvPr>
-        </p:nvSpPr>
-        <p:spPr>
-          <a:xfrm>
-            <a:off x="460977" y="1046648"/>
-            <a:ext cx="8290057" cy="5206790"/>
-          </a:xfrm>
-        </p:spPr>
-        <p:txBody>
-          <a:bodyPr/>
-          <a:lstStyle/>
-          <a:p>
-            <a:endParaRPr lang="de-DE" dirty="0"/>
-          </a:p>
-        </p:txBody>
-      </p:sp>
-      <p:sp>
-        <p:nvSpPr>
-          <p:cNvPr id="7" name="Slide Number Placeholder 6"/>
-          <p:cNvSpPr>
-            <a:spLocks noGrp="1"/>
-          </p:cNvSpPr>
-          <p:nvPr>
-            <p:ph type="sldNum" sz="quarter" idx="12"/>
-          </p:nvPr>
-        </p:nvSpPr>
-        <p:spPr/>
-        <p:txBody>
-          <a:bodyPr/>
-          <a:lstStyle/>
-          <a:p>
-            <a:fld id="{EAE41600-55F5-4A6B-8385-85433044AE0B}" type="slidenum">
-              <a:rPr lang="de-DE" smtClean="0"/>
-              <a:t>48</a:t>
-            </a:fld>
-            <a:endParaRPr lang="de-DE" dirty="0"/>
-          </a:p>
-        </p:txBody>
-      </p:sp>
-      <p:pic>
-        <p:nvPicPr>
-          <p:cNvPr id="11" name="Picture 10"/>
-          <p:cNvPicPr>
-            <a:picLocks noChangeAspect="1"/>
-          </p:cNvPicPr>
-          <p:nvPr/>
-        </p:nvPicPr>
-        <p:blipFill>
-          <a:blip r:embed="rId4" cstate="print">
-            <a:extLst>
-              <a:ext uri="{28A0092B-C50C-407E-A947-70E740481C1C}">
-                <a14:useLocalDpi xmlns:a14="http://schemas.microsoft.com/office/drawing/2010/main" val="0"/>
-              </a:ext>
-            </a:extLst>
-          </a:blip>
-          <a:stretch>
-            <a:fillRect/>
-          </a:stretch>
-        </p:blipFill>
-        <p:spPr>
-          <a:xfrm>
-            <a:off x="8198547" y="101546"/>
-            <a:ext cx="817158" cy="430469"/>
-          </a:xfrm>
-          <a:prstGeom prst="rect">
-            <a:avLst/>
-          </a:prstGeom>
-        </p:spPr>
-      </p:pic>
-      <p:pic>
-        <p:nvPicPr>
-          <p:cNvPr id="12" name="Picture 2" descr="File:LMU Muenchen Logo.svg"/>
-          <p:cNvPicPr>
-            <a:picLocks noChangeAspect="1" noChangeArrowheads="1"/>
-          </p:cNvPicPr>
-          <p:nvPr/>
-        </p:nvPicPr>
-        <p:blipFill>
-          <a:blip r:embed="rId5" cstate="print">
-            <a:extLst>
-              <a:ext uri="{28A0092B-C50C-407E-A947-70E740481C1C}">
-                <a14:useLocalDpi xmlns:a14="http://schemas.microsoft.com/office/drawing/2010/main" val="0"/>
-              </a:ext>
-            </a:extLst>
-          </a:blip>
-          <a:srcRect/>
-          <a:stretch>
-            <a:fillRect/>
-          </a:stretch>
-        </p:blipFill>
-        <p:spPr bwMode="auto">
-          <a:xfrm>
-            <a:off x="103529" y="6293665"/>
-            <a:ext cx="936625" cy="490496"/>
-          </a:xfrm>
-          <a:prstGeom prst="rect">
-            <a:avLst/>
-          </a:prstGeom>
-          <a:noFill/>
-          <a:extLst>
-            <a:ext uri="{909E8E84-426E-40DD-AFC4-6F175D3DCCD1}">
-              <a14:hiddenFill xmlns:a14="http://schemas.microsoft.com/office/drawing/2010/main">
-                <a:solidFill>
-                  <a:srgbClr val="FFFFFF"/>
-                </a:solidFill>
-              </a14:hiddenFill>
-            </a:ext>
-          </a:extLst>
-        </p:spPr>
-      </p:pic>
-    </p:spTree>
-    <p:extLst>
-      <p:ext uri="{BB962C8B-B14F-4D97-AF65-F5344CB8AC3E}">
-        <p14:creationId xmlns:p14="http://schemas.microsoft.com/office/powerpoint/2010/main" val="1999157544"/>
-      </p:ext>
-    </p:extLst>
-  </p:cSld>
-  <p:clrMapOvr>
-    <a:masterClrMapping/>
-  </p:clrMapOvr>
-  <p:timing>
-    <p:tnLst>
-      <p:par>
-        <p:cTn id="1" dur="indefinite" restart="never" nodeType="tmRoot"/>
-      </p:par>
-    </p:tnLst>
-  </p:timing>
-</p:sld>
-</file>
-
-<file path=ppt/slides/slide49.xml><?xml version="1.0" encoding="utf-8"?>
-<p:sld xmlns:a="http://schemas.openxmlformats.org/drawingml/2006/main" xmlns:r="http://schemas.openxmlformats.org/officeDocument/2006/relationships" xmlns:p="http://schemas.openxmlformats.org/presentationml/2006/main">
-  <p:cSld>
-    <p:spTree>
-      <p:nvGrpSpPr>
-        <p:cNvPr id="1" name=""/>
-        <p:cNvGrpSpPr/>
-        <p:nvPr/>
-      </p:nvGrpSpPr>
-      <p:grpSpPr>
-        <a:xfrm>
-          <a:off x="0" y="0"/>
-          <a:ext cx="0" cy="0"/>
-          <a:chOff x="0" y="0"/>
-          <a:chExt cx="0" cy="0"/>
-        </a:xfrm>
-      </p:grpSpPr>
-      <p:sp>
-        <p:nvSpPr>
-          <p:cNvPr id="2" name="Title 1"/>
-          <p:cNvSpPr>
-            <a:spLocks noGrp="1"/>
-          </p:cNvSpPr>
-          <p:nvPr>
-            <p:ph type="title"/>
-          </p:nvPr>
-        </p:nvSpPr>
-        <p:spPr>
-          <a:xfrm>
-            <a:off x="460977" y="365127"/>
-            <a:ext cx="8290057" cy="609730"/>
-          </a:xfrm>
-        </p:spPr>
-        <p:txBody>
-          <a:bodyPr>
-            <a:normAutofit fontScale="90000"/>
-          </a:bodyPr>
-          <a:lstStyle/>
-          <a:p>
-            <a:endParaRPr lang="de-DE" dirty="0">
-              <a:solidFill>
-                <a:schemeClr val="accent5"/>
-              </a:solidFill>
-            </a:endParaRPr>
-          </a:p>
-        </p:txBody>
-      </p:sp>
-      <p:sp>
-        <p:nvSpPr>
-          <p:cNvPr id="3" name="Content Placeholder 2"/>
-          <p:cNvSpPr>
-            <a:spLocks noGrp="1"/>
-          </p:cNvSpPr>
-          <p:nvPr>
-            <p:ph idx="1"/>
-          </p:nvPr>
-        </p:nvSpPr>
-        <p:spPr>
-          <a:xfrm>
-            <a:off x="460977" y="1046648"/>
-            <a:ext cx="8290057" cy="5206790"/>
-          </a:xfrm>
-        </p:spPr>
-        <p:txBody>
-          <a:bodyPr/>
-          <a:lstStyle/>
-          <a:p>
-            <a:endParaRPr lang="de-DE" dirty="0"/>
-          </a:p>
-        </p:txBody>
-      </p:sp>
-      <p:sp>
-        <p:nvSpPr>
-          <p:cNvPr id="7" name="Slide Number Placeholder 6"/>
-          <p:cNvSpPr>
-            <a:spLocks noGrp="1"/>
-          </p:cNvSpPr>
-          <p:nvPr>
-            <p:ph type="sldNum" sz="quarter" idx="12"/>
-          </p:nvPr>
-        </p:nvSpPr>
-        <p:spPr/>
-        <p:txBody>
-          <a:bodyPr/>
-          <a:lstStyle/>
-          <a:p>
-            <a:fld id="{EAE41600-55F5-4A6B-8385-85433044AE0B}" type="slidenum">
-              <a:rPr lang="de-DE" smtClean="0"/>
-              <a:t>49</a:t>
-            </a:fld>
-            <a:endParaRPr lang="de-DE" dirty="0"/>
-          </a:p>
-        </p:txBody>
-      </p:sp>
-      <p:pic>
-        <p:nvPicPr>
-          <p:cNvPr id="8" name="Picture 7"/>
-          <p:cNvPicPr>
-            <a:picLocks noChangeAspect="1"/>
-          </p:cNvPicPr>
-          <p:nvPr/>
-        </p:nvPicPr>
-        <p:blipFill>
-          <a:blip r:embed="rId3" cstate="print">
-            <a:extLst>
-              <a:ext uri="{28A0092B-C50C-407E-A947-70E740481C1C}">
-                <a14:useLocalDpi xmlns:a14="http://schemas.microsoft.com/office/drawing/2010/main" val="0"/>
-              </a:ext>
-            </a:extLst>
-          </a:blip>
-          <a:stretch>
-            <a:fillRect/>
-          </a:stretch>
-        </p:blipFill>
-        <p:spPr>
-          <a:xfrm>
-            <a:off x="8198547" y="101546"/>
-            <a:ext cx="817158" cy="430469"/>
-          </a:xfrm>
-          <a:prstGeom prst="rect">
-            <a:avLst/>
-          </a:prstGeom>
-        </p:spPr>
-      </p:pic>
-      <p:pic>
-        <p:nvPicPr>
-          <p:cNvPr id="9" name="Picture 2" descr="File:LMU Muenchen Logo.svg"/>
-          <p:cNvPicPr>
-            <a:picLocks noChangeAspect="1" noChangeArrowheads="1"/>
-          </p:cNvPicPr>
-          <p:nvPr/>
-        </p:nvPicPr>
-        <p:blipFill>
-          <a:blip r:embed="rId4" cstate="print">
-            <a:extLst>
-              <a:ext uri="{28A0092B-C50C-407E-A947-70E740481C1C}">
-                <a14:useLocalDpi xmlns:a14="http://schemas.microsoft.com/office/drawing/2010/main" val="0"/>
-              </a:ext>
-            </a:extLst>
-          </a:blip>
-          <a:srcRect/>
-          <a:stretch>
-            <a:fillRect/>
-          </a:stretch>
-        </p:blipFill>
-        <p:spPr bwMode="auto">
-          <a:xfrm>
-            <a:off x="103529" y="6293665"/>
-            <a:ext cx="936625" cy="490496"/>
-          </a:xfrm>
-          <a:prstGeom prst="rect">
-            <a:avLst/>
-          </a:prstGeom>
-          <a:noFill/>
-          <a:extLst>
-            <a:ext uri="{909E8E84-426E-40DD-AFC4-6F175D3DCCD1}">
-              <a14:hiddenFill xmlns:a14="http://schemas.microsoft.com/office/drawing/2010/main">
-                <a:solidFill>
-                  <a:srgbClr val="FFFFFF"/>
-                </a:solidFill>
-              </a14:hiddenFill>
-            </a:ext>
-          </a:extLst>
-        </p:spPr>
-      </p:pic>
-    </p:spTree>
-    <p:extLst>
-      <p:ext uri="{BB962C8B-B14F-4D97-AF65-F5344CB8AC3E}">
-        <p14:creationId xmlns:p14="http://schemas.microsoft.com/office/powerpoint/2010/main" val="996238682"/>
-      </p:ext>
-    </p:extLst>
-  </p:cSld>
-  <p:clrMapOvr>
-    <a:masterClrMapping/>
-  </p:clrMapOvr>
-  <p:timing>
-    <p:tnLst>
-      <p:par>
-        <p:cTn id="1" dur="indefinite" restart="never" nodeType="tmRoot"/>
-      </p:par>
-    </p:tnLst>
-  </p:timing>
-</p:sld>
-</file>
-
 <file path=ppt/slides/slide5.xml><?xml version="1.0" encoding="utf-8"?>
 <p:sld xmlns:a="http://schemas.openxmlformats.org/drawingml/2006/main" xmlns:r="http://schemas.openxmlformats.org/officeDocument/2006/relationships" xmlns:p="http://schemas.openxmlformats.org/presentationml/2006/main">
   <p:cSld>
@@ -51065,221 +50084,6 @@
     <p:extLst>
       <p:ext uri="{BB962C8B-B14F-4D97-AF65-F5344CB8AC3E}">
         <p14:creationId xmlns:p14="http://schemas.microsoft.com/office/powerpoint/2010/main" val="2604392388"/>
-      </p:ext>
-    </p:extLst>
-  </p:cSld>
-  <p:clrMapOvr>
-    <a:masterClrMapping/>
-  </p:clrMapOvr>
-  <p:timing>
-    <p:tnLst>
-      <p:par>
-        <p:cTn id="1" dur="indefinite" restart="never" nodeType="tmRoot"/>
-      </p:par>
-    </p:tnLst>
-  </p:timing>
-</p:sld>
-</file>
-
-<file path=ppt/slides/slide50.xml><?xml version="1.0" encoding="utf-8"?>
-<p:sld xmlns:a="http://schemas.openxmlformats.org/drawingml/2006/main" xmlns:r="http://schemas.openxmlformats.org/officeDocument/2006/relationships" xmlns:p="http://schemas.openxmlformats.org/presentationml/2006/main">
-  <p:cSld>
-    <p:spTree>
-      <p:nvGrpSpPr>
-        <p:cNvPr id="1" name=""/>
-        <p:cNvGrpSpPr/>
-        <p:nvPr/>
-      </p:nvGrpSpPr>
-      <p:grpSpPr>
-        <a:xfrm>
-          <a:off x="0" y="0"/>
-          <a:ext cx="0" cy="0"/>
-          <a:chOff x="0" y="0"/>
-          <a:chExt cx="0" cy="0"/>
-        </a:xfrm>
-      </p:grpSpPr>
-      <p:sp>
-        <p:nvSpPr>
-          <p:cNvPr id="2" name="Title 1"/>
-          <p:cNvSpPr>
-            <a:spLocks noGrp="1"/>
-          </p:cNvSpPr>
-          <p:nvPr>
-            <p:ph type="title"/>
-          </p:nvPr>
-        </p:nvSpPr>
-        <p:spPr>
-          <a:xfrm>
-            <a:off x="460977" y="365127"/>
-            <a:ext cx="8290057" cy="609730"/>
-          </a:xfrm>
-        </p:spPr>
-        <p:txBody>
-          <a:bodyPr>
-            <a:normAutofit fontScale="90000"/>
-          </a:bodyPr>
-          <a:lstStyle/>
-          <a:p>
-            <a:endParaRPr lang="de-DE" dirty="0">
-              <a:solidFill>
-                <a:schemeClr val="accent5"/>
-              </a:solidFill>
-            </a:endParaRPr>
-          </a:p>
-        </p:txBody>
-      </p:sp>
-      <p:sp>
-        <p:nvSpPr>
-          <p:cNvPr id="3" name="Content Placeholder 2"/>
-          <p:cNvSpPr>
-            <a:spLocks noGrp="1"/>
-          </p:cNvSpPr>
-          <p:nvPr>
-            <p:ph idx="1"/>
-          </p:nvPr>
-        </p:nvSpPr>
-        <p:spPr>
-          <a:xfrm>
-            <a:off x="460977" y="1046648"/>
-            <a:ext cx="8290057" cy="5206790"/>
-          </a:xfrm>
-        </p:spPr>
-        <p:txBody>
-          <a:bodyPr/>
-          <a:lstStyle/>
-          <a:p>
-            <a:endParaRPr lang="de-DE" dirty="0"/>
-          </a:p>
-        </p:txBody>
-      </p:sp>
-      <p:pic>
-        <p:nvPicPr>
-          <p:cNvPr id="4" name="Picture 3"/>
-          <p:cNvPicPr>
-            <a:picLocks noChangeAspect="1"/>
-          </p:cNvPicPr>
-          <p:nvPr/>
-        </p:nvPicPr>
-        <p:blipFill>
-          <a:blip r:embed="rId3" cstate="print">
-            <a:extLst>
-              <a:ext uri="{28A0092B-C50C-407E-A947-70E740481C1C}">
-                <a14:useLocalDpi xmlns:a14="http://schemas.microsoft.com/office/drawing/2010/main" val="0"/>
-              </a:ext>
-            </a:extLst>
-          </a:blip>
-          <a:stretch>
-            <a:fillRect/>
-          </a:stretch>
-        </p:blipFill>
-        <p:spPr>
-          <a:xfrm>
-            <a:off x="4250827" y="6356351"/>
-            <a:ext cx="710130" cy="374088"/>
-          </a:xfrm>
-          <a:prstGeom prst="rect">
-            <a:avLst/>
-          </a:prstGeom>
-        </p:spPr>
-      </p:pic>
-      <p:pic>
-        <p:nvPicPr>
-          <p:cNvPr id="6" name="Picture 5"/>
-          <p:cNvPicPr>
-            <a:picLocks noChangeAspect="1"/>
-          </p:cNvPicPr>
-          <p:nvPr/>
-        </p:nvPicPr>
-        <p:blipFill>
-          <a:blip r:embed="rId4" cstate="print">
-            <a:extLst>
-              <a:ext uri="{28A0092B-C50C-407E-A947-70E740481C1C}">
-                <a14:useLocalDpi xmlns:a14="http://schemas.microsoft.com/office/drawing/2010/main" val="0"/>
-              </a:ext>
-            </a:extLst>
-          </a:blip>
-          <a:stretch>
-            <a:fillRect/>
-          </a:stretch>
-        </p:blipFill>
-        <p:spPr>
-          <a:xfrm>
-            <a:off x="8441441" y="26990"/>
-            <a:ext cx="619186" cy="676274"/>
-          </a:xfrm>
-          <a:prstGeom prst="rect">
-            <a:avLst/>
-          </a:prstGeom>
-        </p:spPr>
-      </p:pic>
-      <p:sp>
-        <p:nvSpPr>
-          <p:cNvPr id="7" name="Slide Number Placeholder 6"/>
-          <p:cNvSpPr>
-            <a:spLocks noGrp="1"/>
-          </p:cNvSpPr>
-          <p:nvPr>
-            <p:ph type="sldNum" sz="quarter" idx="12"/>
-          </p:nvPr>
-        </p:nvSpPr>
-        <p:spPr/>
-        <p:txBody>
-          <a:bodyPr/>
-          <a:lstStyle/>
-          <a:p>
-            <a:fld id="{EAE41600-55F5-4A6B-8385-85433044AE0B}" type="slidenum">
-              <a:rPr lang="de-DE" smtClean="0"/>
-              <a:t>50</a:t>
-            </a:fld>
-            <a:endParaRPr lang="de-DE" dirty="0"/>
-          </a:p>
-        </p:txBody>
-      </p:sp>
-      <p:pic>
-        <p:nvPicPr>
-          <p:cNvPr id="1026" name="Picture 2" descr="File:LMU Muenchen Logo.svg"/>
-          <p:cNvPicPr>
-            <a:picLocks noChangeAspect="1" noChangeArrowheads="1"/>
-          </p:cNvPicPr>
-          <p:nvPr/>
-        </p:nvPicPr>
-        <p:blipFill>
-          <a:blip r:embed="rId5" cstate="print">
-            <a:extLst>
-              <a:ext uri="{28A0092B-C50C-407E-A947-70E740481C1C}">
-                <a14:useLocalDpi xmlns:a14="http://schemas.microsoft.com/office/drawing/2010/main" val="0"/>
-              </a:ext>
-            </a:extLst>
-          </a:blip>
-          <a:srcRect/>
-          <a:stretch>
-            <a:fillRect/>
-          </a:stretch>
-        </p:blipFill>
-        <p:spPr bwMode="auto">
-          <a:xfrm>
-            <a:off x="460977" y="6293665"/>
-            <a:ext cx="936625" cy="490496"/>
-          </a:xfrm>
-          <a:prstGeom prst="rect">
-            <a:avLst/>
-          </a:prstGeom>
-          <a:noFill/>
-          <a:extLst>
-            <a:ext uri="{909E8E84-426E-40DD-AFC4-6F175D3DCCD1}">
-              <a14:hiddenFill xmlns:a14="http://schemas.microsoft.com/office/drawing/2010/main">
-                <a:solidFill>
-                  <a:srgbClr val="FFFFFF"/>
-                </a:solidFill>
-              </a14:hiddenFill>
-            </a:ext>
-          </a:extLst>
-        </p:spPr>
-      </p:pic>
-    </p:spTree>
-    <p:extLst>
-      <p:ext uri="{BB962C8B-B14F-4D97-AF65-F5344CB8AC3E}">
-        <p14:creationId xmlns:p14="http://schemas.microsoft.com/office/powerpoint/2010/main" val="2105383144"/>
       </p:ext>
     </p:extLst>
   </p:cSld>
@@ -51656,15 +50460,7 @@
             </a:r>
             <a:r>
               <a:rPr lang="de-DE" dirty="0" smtClean="0"/>
-              <a:t>for a split in a </a:t>
-            </a:r>
-            <a:r>
-              <a:rPr lang="de-DE" dirty="0" smtClean="0"/>
-              <a:t>node, </a:t>
-            </a:r>
-            <a:r>
-              <a:rPr lang="de-DE" dirty="0" smtClean="0"/>
-              <a:t>it would be </a:t>
+              <a:t>for a split in a node, it would be </a:t>
             </a:r>
             <a:r>
               <a:rPr lang="de-DE" dirty="0" smtClean="0">
@@ -51750,13 +50546,8 @@
             </a:r>
             <a:r>
               <a:rPr lang="de-DE" dirty="0" smtClean="0"/>
-              <a:t> being the range of </a:t>
+              <a:t> being the range of the variables</a:t>
             </a:r>
-            <a:r>
-              <a:rPr lang="de-DE" dirty="0" smtClean="0"/>
-              <a:t>the variables</a:t>
-            </a:r>
-            <a:endParaRPr lang="de-DE" dirty="0" smtClean="0"/>
           </a:p>
           <a:p>
             <a:endParaRPr lang="de-DE" dirty="0"/>
@@ -52269,11 +51060,7 @@
             </a:r>
             <a:r>
               <a:rPr lang="de-DE" dirty="0" smtClean="0"/>
-              <a:t>by at least a margin of </a:t>
-            </a:r>
-            <a:r>
-              <a:rPr lang="de-DE" dirty="0" smtClean="0"/>
-              <a:t>the Hoeffding bound</a:t>
+              <a:t>by at least a margin of the Hoeffding bound</a:t>
             </a:r>
           </a:p>
           <a:p>
@@ -54042,15 +52829,7 @@
           <a:p>
             <a:r>
               <a:rPr lang="de-DE" dirty="0" smtClean="0"/>
-              <a:t>No </a:t>
-            </a:r>
-            <a:r>
-              <a:rPr lang="de-DE" dirty="0" smtClean="0"/>
-              <a:t>rule gets </a:t>
-            </a:r>
-            <a:r>
-              <a:rPr lang="de-DE" dirty="0" smtClean="0"/>
-              <a:t>deleted</a:t>
+              <a:t>No rule gets deleted</a:t>
             </a:r>
           </a:p>
           <a:p>
@@ -54076,11 +52855,7 @@
             <a:pPr lvl="2"/>
             <a:r>
               <a:rPr lang="de-DE" dirty="0" smtClean="0"/>
-              <a:t>The tree produces </a:t>
-            </a:r>
-            <a:r>
-              <a:rPr lang="de-DE" dirty="0" smtClean="0"/>
-              <a:t>redundant rules</a:t>
+              <a:t>The tree produces redundant rules</a:t>
             </a:r>
             <a:r>
               <a:rPr lang="de-DE" dirty="0"/>
@@ -54088,11 +52863,7 @@
             </a:r>
             <a:r>
               <a:rPr lang="de-DE" dirty="0" smtClean="0"/>
-              <a:t>e.g., IF x &lt; 7 AND x &lt; 5 AND x &lt;3 THEN </a:t>
-            </a:r>
-            <a:r>
-              <a:rPr lang="de-DE" dirty="0" smtClean="0"/>
-              <a:t>...</a:t>
+              <a:t>e.g., IF x &lt; 7 AND x &lt; 5 AND x &lt;3 THEN ...</a:t>
             </a:r>
           </a:p>
           <a:p>
